--- a/doc/XXL-RPC架构图.pptx
+++ b/doc/XXL-RPC架构图.pptx
@@ -1,15 +1,15 @@
 
 <file path=ppt/presentation.xml><?xml version="1.0" encoding="utf-8"?>
-<p:presentation xmlns:a="http://schemas.openxmlformats.org/drawingml/2006/main" xmlns:r="http://schemas.openxmlformats.org/officeDocument/2006/relationships" xmlns:p="http://schemas.openxmlformats.org/presentationml/2006/main" saveSubsetFonts="1">
+<p:presentation xmlns:a="http://schemas.openxmlformats.org/drawingml/2006/main" xmlns:r="http://schemas.openxmlformats.org/officeDocument/2006/relationships" xmlns:p="http://schemas.openxmlformats.org/presentationml/2006/main">
   <p:sldMasterIdLst>
     <p:sldMasterId id="2147483648" r:id="rId1"/>
   </p:sldMasterIdLst>
   <p:notesMasterIdLst>
-    <p:notesMasterId r:id="rId4"/>
+    <p:notesMasterId r:id="rId5"/>
   </p:notesMasterIdLst>
   <p:sldIdLst>
-    <p:sldId id="264" r:id="rId2"/>
-    <p:sldId id="265" r:id="rId3"/>
+    <p:sldId id="264" r:id="rId3"/>
+    <p:sldId id="265" r:id="rId4"/>
   </p:sldIdLst>
   <p:sldSz cx="9144000" cy="6858000" type="screen4x3"/>
   <p:notesSz cx="6858000" cy="9144000"/>
@@ -108,22 +108,6 @@
       </a:defRPr>
     </a:lvl9pPr>
   </p:defaultTextStyle>
-  <p:extLst>
-    <p:ext uri="{EFAFB233-063F-42B5-8137-9DF3F51BA10A}">
-      <p15:sldGuideLst xmlns:p15="http://schemas.microsoft.com/office/powerpoint/2012/main">
-        <p15:guide id="1" orient="horz" pos="2191">
-          <p15:clr>
-            <a:srgbClr val="A4A3A4"/>
-          </p15:clr>
-        </p15:guide>
-        <p15:guide id="2" pos="2880">
-          <p15:clr>
-            <a:srgbClr val="A4A3A4"/>
-          </p15:clr>
-        </p15:guide>
-      </p15:sldGuideLst>
-    </p:ext>
-  </p:extLst>
 </p:presentation>
 </file>
 
@@ -209,7 +193,6 @@
           <a:p>
             <a:fld id="{D2A48B96-639E-45A3-A0BA-2464DFDB1FAA}" type="datetimeFigureOut">
               <a:rPr lang="zh-CN" altLang="en-US" smtClean="0"/>
-              <a:t>18/5/7</a:t>
             </a:fld>
             <a:endParaRPr lang="zh-CN" altLang="en-US"/>
           </a:p>
@@ -276,6 +259,7 @@
               <a:rPr lang="zh-CN" altLang="en-US" smtClean="0"/>
               <a:t>单击此处编辑母版文本样式</a:t>
             </a:r>
+            <a:endParaRPr lang="zh-CN" altLang="en-US" smtClean="0"/>
           </a:p>
           <a:p>
             <a:pPr lvl="1"/>
@@ -283,6 +267,7 @@
               <a:rPr lang="zh-CN" altLang="en-US" smtClean="0"/>
               <a:t>第二级</a:t>
             </a:r>
+            <a:endParaRPr lang="zh-CN" altLang="en-US" smtClean="0"/>
           </a:p>
           <a:p>
             <a:pPr lvl="2"/>
@@ -290,6 +275,7 @@
               <a:rPr lang="zh-CN" altLang="en-US" smtClean="0"/>
               <a:t>第三级</a:t>
             </a:r>
+            <a:endParaRPr lang="zh-CN" altLang="en-US" smtClean="0"/>
           </a:p>
           <a:p>
             <a:pPr lvl="3"/>
@@ -297,6 +283,7 @@
               <a:rPr lang="zh-CN" altLang="en-US" smtClean="0"/>
               <a:t>第四级</a:t>
             </a:r>
+            <a:endParaRPr lang="zh-CN" altLang="en-US" smtClean="0"/>
           </a:p>
           <a:p>
             <a:pPr lvl="4"/>
@@ -368,18 +355,12 @@
           <a:p>
             <a:fld id="{A6837353-30EB-4A48-80EB-173D804AEFBD}" type="slidenum">
               <a:rPr lang="zh-CN" altLang="en-US" smtClean="0"/>
-              <a:t>‹#›</a:t>
             </a:fld>
             <a:endParaRPr lang="zh-CN" altLang="en-US"/>
           </a:p>
         </p:txBody>
       </p:sp>
     </p:spTree>
-    <p:extLst>
-      <p:ext uri="{BB962C8B-B14F-4D97-AF65-F5344CB8AC3E}">
-        <p14:creationId xmlns:p14="http://schemas.microsoft.com/office/powerpoint/2010/main" val="393937485"/>
-      </p:ext>
-    </p:extLst>
   </p:cSld>
   <p:clrMap bg1="lt1" tx1="dk1" bg2="lt2" tx2="dk2" accent1="accent1" accent2="accent2" accent3="accent3" accent4="accent4" accent5="accent5" accent6="accent6" hlink="hlink" folHlink="folHlink"/>
   <p:notesStyle>
@@ -542,18 +523,12 @@
           <a:p>
             <a:fld id="{A6837353-30EB-4A48-80EB-173D804AEFBD}" type="slidenum">
               <a:rPr lang="zh-CN" altLang="en-US" smtClean="0"/>
-              <a:t>2</a:t>
             </a:fld>
             <a:endParaRPr lang="zh-CN" altLang="en-US"/>
           </a:p>
         </p:txBody>
       </p:sp>
     </p:spTree>
-    <p:extLst>
-      <p:ext uri="{BB962C8B-B14F-4D97-AF65-F5344CB8AC3E}">
-        <p14:creationId xmlns:p14="http://schemas.microsoft.com/office/powerpoint/2010/main" val="133073774"/>
-      </p:ext>
-    </p:extLst>
   </p:cSld>
   <p:clrMapOvr>
     <a:masterClrMapping/>
@@ -742,7 +717,6 @@
           <a:p>
             <a:fld id="{412AD53C-0B11-4009-A8DE-410AD5B07B24}" type="datetimeFigureOut">
               <a:rPr lang="zh-CN" altLang="en-US" smtClean="0"/>
-              <a:t>18/5/7</a:t>
             </a:fld>
             <a:endParaRPr lang="zh-CN" altLang="en-US"/>
           </a:p>
@@ -784,7 +758,6 @@
           <a:p>
             <a:fld id="{D1852977-412A-4F20-B1B0-7E8F02356B8C}" type="slidenum">
               <a:rPr lang="zh-CN" altLang="en-US" smtClean="0"/>
-              <a:t>‹#›</a:t>
             </a:fld>
             <a:endParaRPr lang="zh-CN" altLang="en-US"/>
           </a:p>
@@ -858,6 +831,7 @@
               <a:rPr lang="zh-CN" altLang="en-US" smtClean="0"/>
               <a:t>单击此处编辑母版文本样式</a:t>
             </a:r>
+            <a:endParaRPr lang="zh-CN" altLang="en-US" smtClean="0"/>
           </a:p>
           <a:p>
             <a:pPr lvl="1"/>
@@ -865,6 +839,7 @@
               <a:rPr lang="zh-CN" altLang="en-US" smtClean="0"/>
               <a:t>第二级</a:t>
             </a:r>
+            <a:endParaRPr lang="zh-CN" altLang="en-US" smtClean="0"/>
           </a:p>
           <a:p>
             <a:pPr lvl="2"/>
@@ -872,6 +847,7 @@
               <a:rPr lang="zh-CN" altLang="en-US" smtClean="0"/>
               <a:t>第三级</a:t>
             </a:r>
+            <a:endParaRPr lang="zh-CN" altLang="en-US" smtClean="0"/>
           </a:p>
           <a:p>
             <a:pPr lvl="3"/>
@@ -879,6 +855,7 @@
               <a:rPr lang="zh-CN" altLang="en-US" smtClean="0"/>
               <a:t>第四级</a:t>
             </a:r>
+            <a:endParaRPr lang="zh-CN" altLang="en-US" smtClean="0"/>
           </a:p>
           <a:p>
             <a:pPr lvl="4"/>
@@ -907,7 +884,6 @@
           <a:p>
             <a:fld id="{412AD53C-0B11-4009-A8DE-410AD5B07B24}" type="datetimeFigureOut">
               <a:rPr lang="zh-CN" altLang="en-US" smtClean="0"/>
-              <a:t>18/5/7</a:t>
             </a:fld>
             <a:endParaRPr lang="zh-CN" altLang="en-US"/>
           </a:p>
@@ -949,7 +925,6 @@
           <a:p>
             <a:fld id="{D1852977-412A-4F20-B1B0-7E8F02356B8C}" type="slidenum">
               <a:rPr lang="zh-CN" altLang="en-US" smtClean="0"/>
-              <a:t>‹#›</a:t>
             </a:fld>
             <a:endParaRPr lang="zh-CN" altLang="en-US"/>
           </a:p>
@@ -1033,6 +1008,7 @@
               <a:rPr lang="zh-CN" altLang="en-US" smtClean="0"/>
               <a:t>单击此处编辑母版文本样式</a:t>
             </a:r>
+            <a:endParaRPr lang="zh-CN" altLang="en-US" smtClean="0"/>
           </a:p>
           <a:p>
             <a:pPr lvl="1"/>
@@ -1040,6 +1016,7 @@
               <a:rPr lang="zh-CN" altLang="en-US" smtClean="0"/>
               <a:t>第二级</a:t>
             </a:r>
+            <a:endParaRPr lang="zh-CN" altLang="en-US" smtClean="0"/>
           </a:p>
           <a:p>
             <a:pPr lvl="2"/>
@@ -1047,6 +1024,7 @@
               <a:rPr lang="zh-CN" altLang="en-US" smtClean="0"/>
               <a:t>第三级</a:t>
             </a:r>
+            <a:endParaRPr lang="zh-CN" altLang="en-US" smtClean="0"/>
           </a:p>
           <a:p>
             <a:pPr lvl="3"/>
@@ -1054,6 +1032,7 @@
               <a:rPr lang="zh-CN" altLang="en-US" smtClean="0"/>
               <a:t>第四级</a:t>
             </a:r>
+            <a:endParaRPr lang="zh-CN" altLang="en-US" smtClean="0"/>
           </a:p>
           <a:p>
             <a:pPr lvl="4"/>
@@ -1082,7 +1061,6 @@
           <a:p>
             <a:fld id="{412AD53C-0B11-4009-A8DE-410AD5B07B24}" type="datetimeFigureOut">
               <a:rPr lang="zh-CN" altLang="en-US" smtClean="0"/>
-              <a:t>18/5/7</a:t>
             </a:fld>
             <a:endParaRPr lang="zh-CN" altLang="en-US"/>
           </a:p>
@@ -1124,7 +1102,6 @@
           <a:p>
             <a:fld id="{D1852977-412A-4F20-B1B0-7E8F02356B8C}" type="slidenum">
               <a:rPr lang="zh-CN" altLang="en-US" smtClean="0"/>
-              <a:t>‹#›</a:t>
             </a:fld>
             <a:endParaRPr lang="zh-CN" altLang="en-US"/>
           </a:p>
@@ -1198,6 +1175,7 @@
               <a:rPr lang="zh-CN" altLang="en-US" smtClean="0"/>
               <a:t>单击此处编辑母版文本样式</a:t>
             </a:r>
+            <a:endParaRPr lang="zh-CN" altLang="en-US" smtClean="0"/>
           </a:p>
           <a:p>
             <a:pPr lvl="1"/>
@@ -1205,6 +1183,7 @@
               <a:rPr lang="zh-CN" altLang="en-US" smtClean="0"/>
               <a:t>第二级</a:t>
             </a:r>
+            <a:endParaRPr lang="zh-CN" altLang="en-US" smtClean="0"/>
           </a:p>
           <a:p>
             <a:pPr lvl="2"/>
@@ -1212,6 +1191,7 @@
               <a:rPr lang="zh-CN" altLang="en-US" smtClean="0"/>
               <a:t>第三级</a:t>
             </a:r>
+            <a:endParaRPr lang="zh-CN" altLang="en-US" smtClean="0"/>
           </a:p>
           <a:p>
             <a:pPr lvl="3"/>
@@ -1219,6 +1199,7 @@
               <a:rPr lang="zh-CN" altLang="en-US" smtClean="0"/>
               <a:t>第四级</a:t>
             </a:r>
+            <a:endParaRPr lang="zh-CN" altLang="en-US" smtClean="0"/>
           </a:p>
           <a:p>
             <a:pPr lvl="4"/>
@@ -1247,7 +1228,6 @@
           <a:p>
             <a:fld id="{412AD53C-0B11-4009-A8DE-410AD5B07B24}" type="datetimeFigureOut">
               <a:rPr lang="zh-CN" altLang="en-US" smtClean="0"/>
-              <a:t>18/5/7</a:t>
             </a:fld>
             <a:endParaRPr lang="zh-CN" altLang="en-US"/>
           </a:p>
@@ -1289,7 +1269,6 @@
           <a:p>
             <a:fld id="{D1852977-412A-4F20-B1B0-7E8F02356B8C}" type="slidenum">
               <a:rPr lang="zh-CN" altLang="en-US" smtClean="0"/>
-              <a:t>‹#›</a:t>
             </a:fld>
             <a:endParaRPr lang="zh-CN" altLang="en-US"/>
           </a:p>
@@ -1468,6 +1447,7 @@
               <a:rPr lang="zh-CN" altLang="en-US" smtClean="0"/>
               <a:t>单击此处编辑母版文本样式</a:t>
             </a:r>
+            <a:endParaRPr lang="zh-CN" altLang="en-US" smtClean="0"/>
           </a:p>
         </p:txBody>
       </p:sp>
@@ -1488,7 +1468,6 @@
           <a:p>
             <a:fld id="{412AD53C-0B11-4009-A8DE-410AD5B07B24}" type="datetimeFigureOut">
               <a:rPr lang="zh-CN" altLang="en-US" smtClean="0"/>
-              <a:t>18/5/7</a:t>
             </a:fld>
             <a:endParaRPr lang="zh-CN" altLang="en-US"/>
           </a:p>
@@ -1530,7 +1509,6 @@
           <a:p>
             <a:fld id="{D1852977-412A-4F20-B1B0-7E8F02356B8C}" type="slidenum">
               <a:rPr lang="zh-CN" altLang="en-US" smtClean="0"/>
-              <a:t>‹#›</a:t>
             </a:fld>
             <a:endParaRPr lang="zh-CN" altLang="en-US"/>
           </a:p>
@@ -1637,6 +1615,7 @@
               <a:rPr lang="zh-CN" altLang="en-US" smtClean="0"/>
               <a:t>单击此处编辑母版文本样式</a:t>
             </a:r>
+            <a:endParaRPr lang="zh-CN" altLang="en-US" smtClean="0"/>
           </a:p>
           <a:p>
             <a:pPr lvl="1"/>
@@ -1644,6 +1623,7 @@
               <a:rPr lang="zh-CN" altLang="en-US" smtClean="0"/>
               <a:t>第二级</a:t>
             </a:r>
+            <a:endParaRPr lang="zh-CN" altLang="en-US" smtClean="0"/>
           </a:p>
           <a:p>
             <a:pPr lvl="2"/>
@@ -1651,6 +1631,7 @@
               <a:rPr lang="zh-CN" altLang="en-US" smtClean="0"/>
               <a:t>第三级</a:t>
             </a:r>
+            <a:endParaRPr lang="zh-CN" altLang="en-US" smtClean="0"/>
           </a:p>
           <a:p>
             <a:pPr lvl="3"/>
@@ -1658,6 +1639,7 @@
               <a:rPr lang="zh-CN" altLang="en-US" smtClean="0"/>
               <a:t>第四级</a:t>
             </a:r>
+            <a:endParaRPr lang="zh-CN" altLang="en-US" smtClean="0"/>
           </a:p>
           <a:p>
             <a:pPr lvl="4"/>
@@ -1722,6 +1704,7 @@
               <a:rPr lang="zh-CN" altLang="en-US" smtClean="0"/>
               <a:t>单击此处编辑母版文本样式</a:t>
             </a:r>
+            <a:endParaRPr lang="zh-CN" altLang="en-US" smtClean="0"/>
           </a:p>
           <a:p>
             <a:pPr lvl="1"/>
@@ -1729,6 +1712,7 @@
               <a:rPr lang="zh-CN" altLang="en-US" smtClean="0"/>
               <a:t>第二级</a:t>
             </a:r>
+            <a:endParaRPr lang="zh-CN" altLang="en-US" smtClean="0"/>
           </a:p>
           <a:p>
             <a:pPr lvl="2"/>
@@ -1736,6 +1720,7 @@
               <a:rPr lang="zh-CN" altLang="en-US" smtClean="0"/>
               <a:t>第三级</a:t>
             </a:r>
+            <a:endParaRPr lang="zh-CN" altLang="en-US" smtClean="0"/>
           </a:p>
           <a:p>
             <a:pPr lvl="3"/>
@@ -1743,6 +1728,7 @@
               <a:rPr lang="zh-CN" altLang="en-US" smtClean="0"/>
               <a:t>第四级</a:t>
             </a:r>
+            <a:endParaRPr lang="zh-CN" altLang="en-US" smtClean="0"/>
           </a:p>
           <a:p>
             <a:pPr lvl="4"/>
@@ -1771,7 +1757,6 @@
           <a:p>
             <a:fld id="{412AD53C-0B11-4009-A8DE-410AD5B07B24}" type="datetimeFigureOut">
               <a:rPr lang="zh-CN" altLang="en-US" smtClean="0"/>
-              <a:t>18/5/7</a:t>
             </a:fld>
             <a:endParaRPr lang="zh-CN" altLang="en-US"/>
           </a:p>
@@ -1813,7 +1798,6 @@
           <a:p>
             <a:fld id="{D1852977-412A-4F20-B1B0-7E8F02356B8C}" type="slidenum">
               <a:rPr lang="zh-CN" altLang="en-US" smtClean="0"/>
-              <a:t>‹#›</a:t>
             </a:fld>
             <a:endParaRPr lang="zh-CN" altLang="en-US"/>
           </a:p>
@@ -1933,6 +1917,7 @@
               <a:rPr lang="zh-CN" altLang="en-US" smtClean="0"/>
               <a:t>单击此处编辑母版文本样式</a:t>
             </a:r>
+            <a:endParaRPr lang="zh-CN" altLang="en-US" smtClean="0"/>
           </a:p>
         </p:txBody>
       </p:sp>
@@ -1989,6 +1974,7 @@
               <a:rPr lang="zh-CN" altLang="en-US" smtClean="0"/>
               <a:t>单击此处编辑母版文本样式</a:t>
             </a:r>
+            <a:endParaRPr lang="zh-CN" altLang="en-US" smtClean="0"/>
           </a:p>
           <a:p>
             <a:pPr lvl="1"/>
@@ -1996,6 +1982,7 @@
               <a:rPr lang="zh-CN" altLang="en-US" smtClean="0"/>
               <a:t>第二级</a:t>
             </a:r>
+            <a:endParaRPr lang="zh-CN" altLang="en-US" smtClean="0"/>
           </a:p>
           <a:p>
             <a:pPr lvl="2"/>
@@ -2003,6 +1990,7 @@
               <a:rPr lang="zh-CN" altLang="en-US" smtClean="0"/>
               <a:t>第三级</a:t>
             </a:r>
+            <a:endParaRPr lang="zh-CN" altLang="en-US" smtClean="0"/>
           </a:p>
           <a:p>
             <a:pPr lvl="3"/>
@@ -2010,6 +1998,7 @@
               <a:rPr lang="zh-CN" altLang="en-US" smtClean="0"/>
               <a:t>第四级</a:t>
             </a:r>
+            <a:endParaRPr lang="zh-CN" altLang="en-US" smtClean="0"/>
           </a:p>
           <a:p>
             <a:pPr lvl="4"/>
@@ -2083,6 +2072,7 @@
               <a:rPr lang="zh-CN" altLang="en-US" smtClean="0"/>
               <a:t>单击此处编辑母版文本样式</a:t>
             </a:r>
+            <a:endParaRPr lang="zh-CN" altLang="en-US" smtClean="0"/>
           </a:p>
         </p:txBody>
       </p:sp>
@@ -2139,6 +2129,7 @@
               <a:rPr lang="zh-CN" altLang="en-US" smtClean="0"/>
               <a:t>单击此处编辑母版文本样式</a:t>
             </a:r>
+            <a:endParaRPr lang="zh-CN" altLang="en-US" smtClean="0"/>
           </a:p>
           <a:p>
             <a:pPr lvl="1"/>
@@ -2146,6 +2137,7 @@
               <a:rPr lang="zh-CN" altLang="en-US" smtClean="0"/>
               <a:t>第二级</a:t>
             </a:r>
+            <a:endParaRPr lang="zh-CN" altLang="en-US" smtClean="0"/>
           </a:p>
           <a:p>
             <a:pPr lvl="2"/>
@@ -2153,6 +2145,7 @@
               <a:rPr lang="zh-CN" altLang="en-US" smtClean="0"/>
               <a:t>第三级</a:t>
             </a:r>
+            <a:endParaRPr lang="zh-CN" altLang="en-US" smtClean="0"/>
           </a:p>
           <a:p>
             <a:pPr lvl="3"/>
@@ -2160,6 +2153,7 @@
               <a:rPr lang="zh-CN" altLang="en-US" smtClean="0"/>
               <a:t>第四级</a:t>
             </a:r>
+            <a:endParaRPr lang="zh-CN" altLang="en-US" smtClean="0"/>
           </a:p>
           <a:p>
             <a:pPr lvl="4"/>
@@ -2188,7 +2182,6 @@
           <a:p>
             <a:fld id="{412AD53C-0B11-4009-A8DE-410AD5B07B24}" type="datetimeFigureOut">
               <a:rPr lang="zh-CN" altLang="en-US" smtClean="0"/>
-              <a:t>18/5/7</a:t>
             </a:fld>
             <a:endParaRPr lang="zh-CN" altLang="en-US"/>
           </a:p>
@@ -2230,7 +2223,6 @@
           <a:p>
             <a:fld id="{D1852977-412A-4F20-B1B0-7E8F02356B8C}" type="slidenum">
               <a:rPr lang="zh-CN" altLang="en-US" smtClean="0"/>
-              <a:t>‹#›</a:t>
             </a:fld>
             <a:endParaRPr lang="zh-CN" altLang="en-US"/>
           </a:p>
@@ -2301,7 +2293,6 @@
           <a:p>
             <a:fld id="{412AD53C-0B11-4009-A8DE-410AD5B07B24}" type="datetimeFigureOut">
               <a:rPr lang="zh-CN" altLang="en-US" smtClean="0"/>
-              <a:t>18/5/7</a:t>
             </a:fld>
             <a:endParaRPr lang="zh-CN" altLang="en-US"/>
           </a:p>
@@ -2343,7 +2334,6 @@
           <a:p>
             <a:fld id="{D1852977-412A-4F20-B1B0-7E8F02356B8C}" type="slidenum">
               <a:rPr lang="zh-CN" altLang="en-US" smtClean="0"/>
-              <a:t>‹#›</a:t>
             </a:fld>
             <a:endParaRPr lang="zh-CN" altLang="en-US"/>
           </a:p>
@@ -2391,7 +2381,6 @@
           <a:p>
             <a:fld id="{412AD53C-0B11-4009-A8DE-410AD5B07B24}" type="datetimeFigureOut">
               <a:rPr lang="zh-CN" altLang="en-US" smtClean="0"/>
-              <a:t>18/5/7</a:t>
             </a:fld>
             <a:endParaRPr lang="zh-CN" altLang="en-US"/>
           </a:p>
@@ -2433,7 +2422,6 @@
           <a:p>
             <a:fld id="{D1852977-412A-4F20-B1B0-7E8F02356B8C}" type="slidenum">
               <a:rPr lang="zh-CN" altLang="en-US" smtClean="0"/>
-              <a:t>‹#›</a:t>
             </a:fld>
             <a:endParaRPr lang="zh-CN" altLang="en-US"/>
           </a:p>
@@ -2549,6 +2537,7 @@
               <a:rPr lang="zh-CN" altLang="en-US" smtClean="0"/>
               <a:t>单击此处编辑母版文本样式</a:t>
             </a:r>
+            <a:endParaRPr lang="zh-CN" altLang="en-US" smtClean="0"/>
           </a:p>
           <a:p>
             <a:pPr lvl="1"/>
@@ -2556,6 +2545,7 @@
               <a:rPr lang="zh-CN" altLang="en-US" smtClean="0"/>
               <a:t>第二级</a:t>
             </a:r>
+            <a:endParaRPr lang="zh-CN" altLang="en-US" smtClean="0"/>
           </a:p>
           <a:p>
             <a:pPr lvl="2"/>
@@ -2563,6 +2553,7 @@
               <a:rPr lang="zh-CN" altLang="en-US" smtClean="0"/>
               <a:t>第三级</a:t>
             </a:r>
+            <a:endParaRPr lang="zh-CN" altLang="en-US" smtClean="0"/>
           </a:p>
           <a:p>
             <a:pPr lvl="3"/>
@@ -2570,6 +2561,7 @@
               <a:rPr lang="zh-CN" altLang="en-US" smtClean="0"/>
               <a:t>第四级</a:t>
             </a:r>
+            <a:endParaRPr lang="zh-CN" altLang="en-US" smtClean="0"/>
           </a:p>
           <a:p>
             <a:pPr lvl="4"/>
@@ -2643,6 +2635,7 @@
               <a:rPr lang="zh-CN" altLang="en-US" smtClean="0"/>
               <a:t>单击此处编辑母版文本样式</a:t>
             </a:r>
+            <a:endParaRPr lang="zh-CN" altLang="en-US" smtClean="0"/>
           </a:p>
         </p:txBody>
       </p:sp>
@@ -2663,7 +2656,6 @@
           <a:p>
             <a:fld id="{412AD53C-0B11-4009-A8DE-410AD5B07B24}" type="datetimeFigureOut">
               <a:rPr lang="zh-CN" altLang="en-US" smtClean="0"/>
-              <a:t>18/5/7</a:t>
             </a:fld>
             <a:endParaRPr lang="zh-CN" altLang="en-US"/>
           </a:p>
@@ -2705,7 +2697,6 @@
           <a:p>
             <a:fld id="{D1852977-412A-4F20-B1B0-7E8F02356B8C}" type="slidenum">
               <a:rPr lang="zh-CN" altLang="en-US" smtClean="0"/>
-              <a:t>‹#›</a:t>
             </a:fld>
             <a:endParaRPr lang="zh-CN" altLang="en-US"/>
           </a:p>
@@ -2891,6 +2882,7 @@
               <a:rPr lang="zh-CN" altLang="en-US" smtClean="0"/>
               <a:t>单击此处编辑母版文本样式</a:t>
             </a:r>
+            <a:endParaRPr lang="zh-CN" altLang="en-US" smtClean="0"/>
           </a:p>
         </p:txBody>
       </p:sp>
@@ -2911,7 +2903,6 @@
           <a:p>
             <a:fld id="{412AD53C-0B11-4009-A8DE-410AD5B07B24}" type="datetimeFigureOut">
               <a:rPr lang="zh-CN" altLang="en-US" smtClean="0"/>
-              <a:t>18/5/7</a:t>
             </a:fld>
             <a:endParaRPr lang="zh-CN" altLang="en-US"/>
           </a:p>
@@ -2953,7 +2944,6 @@
           <a:p>
             <a:fld id="{D1852977-412A-4F20-B1B0-7E8F02356B8C}" type="slidenum">
               <a:rPr lang="zh-CN" altLang="en-US" smtClean="0"/>
-              <a:t>‹#›</a:t>
             </a:fld>
             <a:endParaRPr lang="zh-CN" altLang="en-US"/>
           </a:p>
@@ -3052,6 +3042,7 @@
               <a:rPr lang="zh-CN" altLang="en-US" smtClean="0"/>
               <a:t>单击此处编辑母版文本样式</a:t>
             </a:r>
+            <a:endParaRPr lang="zh-CN" altLang="en-US" smtClean="0"/>
           </a:p>
           <a:p>
             <a:pPr lvl="1"/>
@@ -3059,6 +3050,7 @@
               <a:rPr lang="zh-CN" altLang="en-US" smtClean="0"/>
               <a:t>第二级</a:t>
             </a:r>
+            <a:endParaRPr lang="zh-CN" altLang="en-US" smtClean="0"/>
           </a:p>
           <a:p>
             <a:pPr lvl="2"/>
@@ -3066,6 +3058,7 @@
               <a:rPr lang="zh-CN" altLang="en-US" smtClean="0"/>
               <a:t>第三级</a:t>
             </a:r>
+            <a:endParaRPr lang="zh-CN" altLang="en-US" smtClean="0"/>
           </a:p>
           <a:p>
             <a:pPr lvl="3"/>
@@ -3073,6 +3066,7 @@
               <a:rPr lang="zh-CN" altLang="en-US" smtClean="0"/>
               <a:t>第四级</a:t>
             </a:r>
+            <a:endParaRPr lang="zh-CN" altLang="en-US" smtClean="0"/>
           </a:p>
           <a:p>
             <a:pPr lvl="4"/>
@@ -3119,7 +3113,6 @@
           <a:p>
             <a:fld id="{412AD53C-0B11-4009-A8DE-410AD5B07B24}" type="datetimeFigureOut">
               <a:rPr lang="zh-CN" altLang="en-US" smtClean="0"/>
-              <a:t>18/5/7</a:t>
             </a:fld>
             <a:endParaRPr lang="zh-CN" altLang="en-US"/>
           </a:p>
@@ -3197,7 +3190,6 @@
           <a:p>
             <a:fld id="{D1852977-412A-4F20-B1B0-7E8F02356B8C}" type="slidenum">
               <a:rPr lang="zh-CN" altLang="en-US" smtClean="0"/>
-              <a:t>‹#›</a:t>
             </a:fld>
             <a:endParaRPr lang="zh-CN" altLang="en-US"/>
           </a:p>
@@ -3241,7 +3233,7 @@
         <a:spcBef>
           <a:spcPct val="20000"/>
         </a:spcBef>
-        <a:buFont typeface="Arial" pitchFamily="34" charset="0"/>
+        <a:buFont typeface="Arial" panose="020B0604020202020204" pitchFamily="34" charset="0"/>
         <a:buChar char="•"/>
         <a:defRPr sz="3200" kern="1200">
           <a:solidFill>
@@ -3256,7 +3248,7 @@
         <a:spcBef>
           <a:spcPct val="20000"/>
         </a:spcBef>
-        <a:buFont typeface="Arial" pitchFamily="34" charset="0"/>
+        <a:buFont typeface="Arial" panose="020B0604020202020204" pitchFamily="34" charset="0"/>
         <a:buChar char="–"/>
         <a:defRPr sz="2800" kern="1200">
           <a:solidFill>
@@ -3271,7 +3263,7 @@
         <a:spcBef>
           <a:spcPct val="20000"/>
         </a:spcBef>
-        <a:buFont typeface="Arial" pitchFamily="34" charset="0"/>
+        <a:buFont typeface="Arial" panose="020B0604020202020204" pitchFamily="34" charset="0"/>
         <a:buChar char="•"/>
         <a:defRPr sz="2400" kern="1200">
           <a:solidFill>
@@ -3286,7 +3278,7 @@
         <a:spcBef>
           <a:spcPct val="20000"/>
         </a:spcBef>
-        <a:buFont typeface="Arial" pitchFamily="34" charset="0"/>
+        <a:buFont typeface="Arial" panose="020B0604020202020204" pitchFamily="34" charset="0"/>
         <a:buChar char="–"/>
         <a:defRPr sz="2000" kern="1200">
           <a:solidFill>
@@ -3301,7 +3293,7 @@
         <a:spcBef>
           <a:spcPct val="20000"/>
         </a:spcBef>
-        <a:buFont typeface="Arial" pitchFamily="34" charset="0"/>
+        <a:buFont typeface="Arial" panose="020B0604020202020204" pitchFamily="34" charset="0"/>
         <a:buChar char="»"/>
         <a:defRPr sz="2000" kern="1200">
           <a:solidFill>
@@ -3316,7 +3308,7 @@
         <a:spcBef>
           <a:spcPct val="20000"/>
         </a:spcBef>
-        <a:buFont typeface="Arial" pitchFamily="34" charset="0"/>
+        <a:buFont typeface="Arial" panose="020B0604020202020204" pitchFamily="34" charset="0"/>
         <a:buChar char="•"/>
         <a:defRPr sz="2000" kern="1200">
           <a:solidFill>
@@ -3331,7 +3323,7 @@
         <a:spcBef>
           <a:spcPct val="20000"/>
         </a:spcBef>
-        <a:buFont typeface="Arial" pitchFamily="34" charset="0"/>
+        <a:buFont typeface="Arial" panose="020B0604020202020204" pitchFamily="34" charset="0"/>
         <a:buChar char="•"/>
         <a:defRPr sz="2000" kern="1200">
           <a:solidFill>
@@ -3346,7 +3338,7 @@
         <a:spcBef>
           <a:spcPct val="20000"/>
         </a:spcBef>
-        <a:buFont typeface="Arial" pitchFamily="34" charset="0"/>
+        <a:buFont typeface="Arial" panose="020B0604020202020204" pitchFamily="34" charset="0"/>
         <a:buChar char="•"/>
         <a:defRPr sz="2000" kern="1200">
           <a:solidFill>
@@ -3361,7 +3353,7 @@
         <a:spcBef>
           <a:spcPct val="20000"/>
         </a:spcBef>
-        <a:buFont typeface="Arial" pitchFamily="34" charset="0"/>
+        <a:buFont typeface="Arial" panose="020B0604020202020204" pitchFamily="34" charset="0"/>
         <a:buChar char="•"/>
         <a:defRPr sz="2000" kern="1200">
           <a:solidFill>
@@ -3525,14 +3517,14 @@
             <a:pPr lvl="1"/>
             <a:r>
               <a:rPr lang="zh-CN" altLang="en-US" sz="5400" smtClean="0">
-                <a:latin typeface="华文琥珀" pitchFamily="2" charset="-122"/>
-                <a:ea typeface="华文琥珀" pitchFamily="2" charset="-122"/>
+                <a:latin typeface="华文琥珀" panose="02010800040101010101" pitchFamily="2" charset="-122"/>
+                <a:ea typeface="华文琥珀" panose="02010800040101010101" pitchFamily="2" charset="-122"/>
               </a:rPr>
               <a:t>架构图</a:t>
             </a:r>
             <a:endParaRPr lang="en-US" altLang="zh-CN" sz="5400" dirty="0">
-              <a:latin typeface="华文琥珀" pitchFamily="2" charset="-122"/>
-              <a:ea typeface="华文琥珀" pitchFamily="2" charset="-122"/>
+              <a:latin typeface="华文琥珀" panose="02010800040101010101" pitchFamily="2" charset="-122"/>
+              <a:ea typeface="华文琥珀" panose="02010800040101010101" pitchFamily="2" charset="-122"/>
             </a:endParaRPr>
           </a:p>
         </p:txBody>
@@ -3579,8 +3571,8 @@
           <a:p>
             <a:pPr lvl="1"/>
             <a:endParaRPr lang="en-US" altLang="zh-CN" sz="2000" dirty="0" smtClean="0">
-              <a:latin typeface="微软雅黑" charset="0"/>
-              <a:ea typeface="微软雅黑" charset="0"/>
+              <a:latin typeface="微软雅黑" panose="020B0503020204020204" charset="-122"/>
+              <a:ea typeface="微软雅黑" panose="020B0503020204020204" charset="-122"/>
             </a:endParaRPr>
           </a:p>
         </p:txBody>
@@ -3770,6 +3762,11 @@
               </a:rPr>
               <a:t>network communication</a:t>
             </a:r>
+            <a:endParaRPr lang="en-US" altLang="zh-CN">
+              <a:solidFill>
+                <a:schemeClr val="tx1"/>
+              </a:solidFill>
+            </a:endParaRPr>
           </a:p>
           <a:p>
             <a:pPr algn="ctr"/>
@@ -3828,6 +3825,12 @@
               </a:rPr>
               <a:t>Registry</a:t>
             </a:r>
+            <a:endParaRPr lang="en-US" altLang="zh-CN" dirty="0" smtClean="0">
+              <a:solidFill>
+                <a:schemeClr val="tx1"/>
+              </a:solidFill>
+              <a:sym typeface="+mn-ea"/>
+            </a:endParaRPr>
           </a:p>
         </p:txBody>
       </p:sp>
@@ -3912,6 +3915,12 @@
               </a:rPr>
               <a:t>sync-over-async</a:t>
             </a:r>
+            <a:endParaRPr lang="zh-CN" altLang="en-US" dirty="0" smtClean="0">
+              <a:solidFill>
+                <a:schemeClr val="tx1"/>
+              </a:solidFill>
+              <a:sym typeface="+mn-ea"/>
+            </a:endParaRPr>
           </a:p>
         </p:txBody>
       </p:sp>
@@ -3958,6 +3967,12 @@
               </a:rPr>
               <a:t>rpc</a:t>
             </a:r>
+            <a:endParaRPr lang="en-US" altLang="zh-CN" dirty="0" smtClean="0">
+              <a:solidFill>
+                <a:schemeClr val="tx1"/>
+              </a:solidFill>
+              <a:sym typeface="+mn-ea"/>
+            </a:endParaRPr>
           </a:p>
         </p:txBody>
       </p:sp>
@@ -3999,6 +4014,7 @@
               <a:rPr lang="en-US" altLang="zh-CN"/>
               <a:t>codec</a:t>
             </a:r>
+            <a:endParaRPr lang="en-US" altLang="zh-CN"/>
           </a:p>
         </p:txBody>
       </p:sp>
@@ -4040,6 +4056,7 @@
               <a:rPr lang="en-US" altLang="zh-CN"/>
               <a:t>proxy</a:t>
             </a:r>
+            <a:endParaRPr lang="en-US" altLang="zh-CN"/>
           </a:p>
         </p:txBody>
       </p:sp>
@@ -4503,7 +4520,7 @@
                         <p:par>
                           <p:cTn id="19" fill="hold">
                             <p:stCondLst>
-                              <p:cond delay="600"/>
+                              <p:cond delay="0"/>
                             </p:stCondLst>
                             <p:childTnLst>
                               <p:par>
@@ -4840,7 +4857,7 @@
         </p:nvSpPr>
         <p:spPr>
           <a:xfrm>
-            <a:off x="3390207" y="6021288"/>
+            <a:off x="3278447" y="5166578"/>
             <a:ext cx="2779928" cy="461665"/>
           </a:xfrm>
           <a:prstGeom prst="rect">
@@ -4878,6 +4895,11 @@
               </a:rPr>
               <a:t>v1.2</a:t>
             </a:r>
+            <a:endParaRPr lang="en-US" altLang="zh-CN" sz="2400" b="1" dirty="0">
+              <a:solidFill>
+                <a:prstClr val="black"/>
+              </a:solidFill>
+            </a:endParaRPr>
           </a:p>
         </p:txBody>
       </p:sp>
@@ -4913,7 +4935,7 @@
           <a:bodyPr anchor="ctr"/>
           <a:lstStyle/>
           <a:p>
-            <a:pPr algn="ctr" defTabSz="914378" eaLnBrk="0" fontAlgn="base" hangingPunct="0">
+            <a:pPr algn="ctr" defTabSz="913765" eaLnBrk="0" fontAlgn="base" hangingPunct="0">
               <a:spcBef>
                 <a:spcPct val="0"/>
               </a:spcBef>
@@ -4924,24 +4946,24 @@
             </a:pPr>
             <a:r>
               <a:rPr kumimoji="1" lang="en-US" altLang="zh-CN" sz="1400" kern="0" dirty="0" smtClean="0">
-                <a:latin typeface="Microsoft YaHei" charset="0"/>
-                <a:ea typeface="Microsoft YaHei" charset="0"/>
-                <a:cs typeface="Microsoft YaHei" charset="0"/>
+                <a:latin typeface="微软雅黑" panose="020B0503020204020204" charset="-122"/>
+                <a:ea typeface="微软雅黑" panose="020B0503020204020204" charset="-122"/>
+                <a:cs typeface="微软雅黑" panose="020B0503020204020204" charset="-122"/>
               </a:rPr>
               <a:t>sync-over-</a:t>
             </a:r>
             <a:r>
               <a:rPr kumimoji="1" lang="en-US" altLang="zh-CN" sz="1400" kern="0" dirty="0" err="1" smtClean="0">
-                <a:latin typeface="Microsoft YaHei" charset="0"/>
-                <a:ea typeface="Microsoft YaHei" charset="0"/>
-                <a:cs typeface="Microsoft YaHei" charset="0"/>
+                <a:latin typeface="微软雅黑" panose="020B0503020204020204" charset="-122"/>
+                <a:ea typeface="微软雅黑" panose="020B0503020204020204" charset="-122"/>
+                <a:cs typeface="微软雅黑" panose="020B0503020204020204" charset="-122"/>
               </a:rPr>
               <a:t>async</a:t>
             </a:r>
             <a:endParaRPr kumimoji="1" lang="en-US" altLang="zh-CN" sz="1400" kern="0" dirty="0">
-              <a:latin typeface="Microsoft YaHei" charset="0"/>
-              <a:ea typeface="Microsoft YaHei" charset="0"/>
-              <a:cs typeface="Microsoft YaHei" charset="0"/>
+              <a:latin typeface="微软雅黑" panose="020B0503020204020204" charset="-122"/>
+              <a:ea typeface="微软雅黑" panose="020B0503020204020204" charset="-122"/>
+              <a:cs typeface="微软雅黑" panose="020B0503020204020204" charset="-122"/>
             </a:endParaRPr>
           </a:p>
         </p:txBody>
@@ -4976,7 +4998,7 @@
           <a:bodyPr anchor="b"/>
           <a:lstStyle/>
           <a:p>
-            <a:pPr algn="ctr" defTabSz="914378" eaLnBrk="0" fontAlgn="base" hangingPunct="0">
+            <a:pPr algn="ctr" defTabSz="913765" eaLnBrk="0" fontAlgn="base" hangingPunct="0">
               <a:spcBef>
                 <a:spcPct val="0"/>
               </a:spcBef>
@@ -4987,16 +5009,16 @@
             </a:pPr>
             <a:r>
               <a:rPr kumimoji="1" lang="en-US" altLang="zh-CN" sz="1400" b="1" kern="0" dirty="0" smtClean="0">
-                <a:latin typeface="Microsoft YaHei" charset="0"/>
-                <a:ea typeface="Microsoft YaHei" charset="0"/>
-                <a:cs typeface="Microsoft YaHei" charset="0"/>
+                <a:latin typeface="微软雅黑" panose="020B0503020204020204" charset="-122"/>
+                <a:ea typeface="微软雅黑" panose="020B0503020204020204" charset="-122"/>
+                <a:cs typeface="微软雅黑" panose="020B0503020204020204" charset="-122"/>
               </a:rPr>
-              <a:t>Provider</a:t>
+              <a:t>provider</a:t>
             </a:r>
             <a:endParaRPr kumimoji="1" lang="zh-CN" altLang="en-US" sz="1400" b="1" kern="0" dirty="0">
-              <a:latin typeface="Microsoft YaHei" charset="0"/>
-              <a:ea typeface="Microsoft YaHei" charset="0"/>
-              <a:cs typeface="Microsoft YaHei" charset="0"/>
+              <a:latin typeface="微软雅黑" panose="020B0503020204020204" charset="-122"/>
+              <a:ea typeface="微软雅黑" panose="020B0503020204020204" charset="-122"/>
+              <a:cs typeface="微软雅黑" panose="020B0503020204020204" charset="-122"/>
             </a:endParaRPr>
           </a:p>
         </p:txBody>
@@ -5033,7 +5055,7 @@
           <a:bodyPr anchor="ctr"/>
           <a:lstStyle/>
           <a:p>
-            <a:pPr algn="ctr" defTabSz="914378" eaLnBrk="0" fontAlgn="base" hangingPunct="0">
+            <a:pPr algn="ctr" defTabSz="913765" eaLnBrk="0" fontAlgn="base" hangingPunct="0">
               <a:spcBef>
                 <a:spcPct val="0"/>
               </a:spcBef>
@@ -5094,7 +5116,7 @@
           <a:bodyPr anchor="b"/>
           <a:lstStyle/>
           <a:p>
-            <a:pPr algn="ctr" defTabSz="914378" eaLnBrk="0" fontAlgn="base" hangingPunct="0">
+            <a:pPr algn="ctr" defTabSz="913765" eaLnBrk="0" fontAlgn="base" hangingPunct="0">
               <a:spcBef>
                 <a:spcPct val="0"/>
               </a:spcBef>
@@ -5105,16 +5127,16 @@
             </a:pPr>
             <a:r>
               <a:rPr kumimoji="1" lang="en-US" altLang="zh-CN" sz="1400" b="1" kern="0" dirty="0" err="1" smtClean="0">
-                <a:latin typeface="Microsoft YaHei" charset="0"/>
-                <a:ea typeface="Microsoft YaHei" charset="0"/>
-                <a:cs typeface="Microsoft YaHei" charset="0"/>
+                <a:latin typeface="微软雅黑" panose="020B0503020204020204" charset="-122"/>
+                <a:ea typeface="微软雅黑" panose="020B0503020204020204" charset="-122"/>
+                <a:cs typeface="微软雅黑" panose="020B0503020204020204" charset="-122"/>
               </a:rPr>
-              <a:t>Serializer</a:t>
+              <a:t>serializer</a:t>
             </a:r>
             <a:endParaRPr kumimoji="1" lang="zh-CN" altLang="en-US" sz="1400" b="1" kern="0" dirty="0">
-              <a:latin typeface="Microsoft YaHei" charset="0"/>
-              <a:ea typeface="Microsoft YaHei" charset="0"/>
-              <a:cs typeface="Microsoft YaHei" charset="0"/>
+              <a:latin typeface="微软雅黑" panose="020B0503020204020204" charset="-122"/>
+              <a:ea typeface="微软雅黑" panose="020B0503020204020204" charset="-122"/>
+              <a:cs typeface="微软雅黑" panose="020B0503020204020204" charset="-122"/>
             </a:endParaRPr>
           </a:p>
         </p:txBody>
@@ -5151,7 +5173,7 @@
           <a:bodyPr anchor="ctr"/>
           <a:lstStyle/>
           <a:p>
-            <a:pPr algn="ctr" defTabSz="914378" eaLnBrk="0" fontAlgn="base" hangingPunct="0">
+            <a:pPr algn="ctr" defTabSz="913765" eaLnBrk="0" fontAlgn="base" hangingPunct="0">
               <a:spcBef>
                 <a:spcPct val="0"/>
               </a:spcBef>
@@ -5162,12 +5184,17 @@
             </a:pPr>
             <a:r>
               <a:rPr kumimoji="1" lang="en-US" altLang="zh-CN" sz="1400" kern="0" dirty="0">
-                <a:latin typeface="Microsoft YaHei" charset="0"/>
-                <a:ea typeface="Microsoft YaHei" charset="0"/>
-                <a:cs typeface="Microsoft YaHei" charset="0"/>
+                <a:latin typeface="微软雅黑" panose="020B0503020204020204" charset="-122"/>
+                <a:ea typeface="微软雅黑" panose="020B0503020204020204" charset="-122"/>
+                <a:cs typeface="微软雅黑" panose="020B0503020204020204" charset="-122"/>
               </a:rPr>
               <a:t>request-response</a:t>
             </a:r>
+            <a:endParaRPr kumimoji="1" lang="en-US" altLang="zh-CN" sz="1400" kern="0" dirty="0">
+              <a:latin typeface="微软雅黑" panose="020B0503020204020204" charset="-122"/>
+              <a:ea typeface="微软雅黑" panose="020B0503020204020204" charset="-122"/>
+              <a:cs typeface="微软雅黑" panose="020B0503020204020204" charset="-122"/>
+            </a:endParaRPr>
           </a:p>
         </p:txBody>
       </p:sp>
@@ -5203,7 +5230,7 @@
           <a:bodyPr anchor="ctr"/>
           <a:lstStyle/>
           <a:p>
-            <a:pPr algn="ctr" defTabSz="914378" eaLnBrk="0" fontAlgn="base" hangingPunct="0">
+            <a:pPr algn="ctr" defTabSz="913765" eaLnBrk="0" fontAlgn="base" hangingPunct="0">
               <a:spcBef>
                 <a:spcPct val="0"/>
               </a:spcBef>
@@ -5214,24 +5241,24 @@
             </a:pPr>
             <a:r>
               <a:rPr kumimoji="1" lang="en-US" altLang="zh-CN" sz="1400" kern="0" dirty="0">
-                <a:latin typeface="Microsoft YaHei" charset="0"/>
-                <a:ea typeface="Microsoft YaHei" charset="0"/>
-                <a:cs typeface="Microsoft YaHei" charset="0"/>
+                <a:latin typeface="微软雅黑" panose="020B0503020204020204" charset="-122"/>
+                <a:ea typeface="微软雅黑" panose="020B0503020204020204" charset="-122"/>
+                <a:cs typeface="微软雅黑" panose="020B0503020204020204" charset="-122"/>
               </a:rPr>
               <a:t>data </a:t>
             </a:r>
             <a:r>
               <a:rPr kumimoji="1" lang="en-US" altLang="zh-CN" sz="1400" kern="0" dirty="0" smtClean="0">
-                <a:latin typeface="Microsoft YaHei" charset="0"/>
-                <a:ea typeface="Microsoft YaHei" charset="0"/>
-                <a:cs typeface="Microsoft YaHei" charset="0"/>
+                <a:latin typeface="微软雅黑" panose="020B0503020204020204" charset="-122"/>
+                <a:ea typeface="微软雅黑" panose="020B0503020204020204" charset="-122"/>
+                <a:cs typeface="微软雅黑" panose="020B0503020204020204" charset="-122"/>
               </a:rPr>
               <a:t>protocol</a:t>
             </a:r>
             <a:endParaRPr kumimoji="1" lang="en-US" altLang="zh-CN" sz="1400" kern="0" dirty="0">
-              <a:latin typeface="Microsoft YaHei" charset="0"/>
-              <a:ea typeface="Microsoft YaHei" charset="0"/>
-              <a:cs typeface="Microsoft YaHei" charset="0"/>
+              <a:latin typeface="微软雅黑" panose="020B0503020204020204" charset="-122"/>
+              <a:ea typeface="微软雅黑" panose="020B0503020204020204" charset="-122"/>
+              <a:cs typeface="微软雅黑" panose="020B0503020204020204" charset="-122"/>
             </a:endParaRPr>
           </a:p>
         </p:txBody>
@@ -5266,7 +5293,7 @@
           <a:bodyPr anchor="b"/>
           <a:lstStyle/>
           <a:p>
-            <a:pPr algn="ctr" defTabSz="914378" eaLnBrk="0" fontAlgn="base" hangingPunct="0">
+            <a:pPr algn="ctr" defTabSz="913765" eaLnBrk="0" fontAlgn="base" hangingPunct="0">
               <a:spcBef>
                 <a:spcPct val="0"/>
               </a:spcBef>
@@ -5277,16 +5304,16 @@
             </a:pPr>
             <a:r>
               <a:rPr kumimoji="1" lang="en-US" altLang="zh-CN" sz="1400" b="1" kern="0" dirty="0" smtClean="0">
-                <a:latin typeface="Microsoft YaHei" charset="0"/>
-                <a:ea typeface="Microsoft YaHei" charset="0"/>
-                <a:cs typeface="Microsoft YaHei" charset="0"/>
+                <a:latin typeface="微软雅黑" panose="020B0503020204020204" charset="-122"/>
+                <a:ea typeface="微软雅黑" panose="020B0503020204020204" charset="-122"/>
+                <a:cs typeface="微软雅黑" panose="020B0503020204020204" charset="-122"/>
               </a:rPr>
-              <a:t>Consumer</a:t>
+              <a:t>invoker</a:t>
             </a:r>
             <a:endParaRPr kumimoji="1" lang="zh-CN" altLang="en-US" sz="1400" b="1" kern="0" dirty="0">
-              <a:latin typeface="Microsoft YaHei" charset="0"/>
-              <a:ea typeface="Microsoft YaHei" charset="0"/>
-              <a:cs typeface="Microsoft YaHei" charset="0"/>
+              <a:latin typeface="微软雅黑" panose="020B0503020204020204" charset="-122"/>
+              <a:ea typeface="微软雅黑" panose="020B0503020204020204" charset="-122"/>
+              <a:cs typeface="微软雅黑" panose="020B0503020204020204" charset="-122"/>
             </a:endParaRPr>
           </a:p>
         </p:txBody>
@@ -5323,7 +5350,7 @@
           <a:bodyPr anchor="ctr"/>
           <a:lstStyle/>
           <a:p>
-            <a:pPr algn="ctr" defTabSz="914378" eaLnBrk="0" fontAlgn="base" hangingPunct="0">
+            <a:pPr algn="ctr" defTabSz="913765" eaLnBrk="0" fontAlgn="base" hangingPunct="0">
               <a:spcBef>
                 <a:spcPct val="0"/>
               </a:spcBef>
@@ -5334,16 +5361,16 @@
             </a:pPr>
             <a:r>
               <a:rPr kumimoji="1" lang="en-US" altLang="zh-CN" sz="1400" kern="0" dirty="0" smtClean="0">
-                <a:latin typeface="Microsoft YaHei" charset="0"/>
-                <a:ea typeface="Microsoft YaHei" charset="0"/>
-                <a:cs typeface="Microsoft YaHei" charset="0"/>
+                <a:latin typeface="微软雅黑" panose="020B0503020204020204" charset="-122"/>
+                <a:ea typeface="微软雅黑" panose="020B0503020204020204" charset="-122"/>
+                <a:cs typeface="微软雅黑" panose="020B0503020204020204" charset="-122"/>
               </a:rPr>
               <a:t>server</a:t>
             </a:r>
             <a:endParaRPr kumimoji="1" lang="zh-CN" altLang="en-US" sz="1400" kern="0" dirty="0">
-              <a:latin typeface="Microsoft YaHei" charset="0"/>
-              <a:ea typeface="Microsoft YaHei" charset="0"/>
-              <a:cs typeface="Microsoft YaHei" charset="0"/>
+              <a:latin typeface="微软雅黑" panose="020B0503020204020204" charset="-122"/>
+              <a:ea typeface="微软雅黑" panose="020B0503020204020204" charset="-122"/>
+              <a:cs typeface="微软雅黑" panose="020B0503020204020204" charset="-122"/>
             </a:endParaRPr>
           </a:p>
         </p:txBody>
@@ -5380,7 +5407,7 @@
           <a:bodyPr anchor="ctr"/>
           <a:lstStyle/>
           <a:p>
-            <a:pPr algn="ctr" defTabSz="914378" eaLnBrk="0" fontAlgn="base" hangingPunct="0">
+            <a:pPr algn="ctr" defTabSz="913765" eaLnBrk="0" fontAlgn="base" hangingPunct="0">
               <a:spcBef>
                 <a:spcPct val="0"/>
               </a:spcBef>
@@ -5391,16 +5418,16 @@
             </a:pPr>
             <a:r>
               <a:rPr kumimoji="1" lang="en-US" altLang="zh-CN" sz="1400" kern="0" dirty="0">
-                <a:latin typeface="Microsoft YaHei" charset="0"/>
-                <a:ea typeface="Microsoft YaHei" charset="0"/>
-                <a:cs typeface="Microsoft YaHei" charset="0"/>
+                <a:latin typeface="微软雅黑" panose="020B0503020204020204" charset="-122"/>
+                <a:ea typeface="微软雅黑" panose="020B0503020204020204" charset="-122"/>
+                <a:cs typeface="微软雅黑" panose="020B0503020204020204" charset="-122"/>
               </a:rPr>
               <a:t>proxy</a:t>
             </a:r>
             <a:endParaRPr kumimoji="1" lang="zh-CN" altLang="en-US" sz="1400" kern="0" dirty="0">
-              <a:latin typeface="Microsoft YaHei" charset="0"/>
-              <a:ea typeface="Microsoft YaHei" charset="0"/>
-              <a:cs typeface="Microsoft YaHei" charset="0"/>
+              <a:latin typeface="微软雅黑" panose="020B0503020204020204" charset="-122"/>
+              <a:ea typeface="微软雅黑" panose="020B0503020204020204" charset="-122"/>
+              <a:cs typeface="微软雅黑" panose="020B0503020204020204" charset="-122"/>
             </a:endParaRPr>
           </a:p>
         </p:txBody>
@@ -5435,7 +5462,7 @@
           <a:bodyPr anchor="b"/>
           <a:lstStyle/>
           <a:p>
-            <a:pPr algn="ctr" defTabSz="914378" eaLnBrk="0" fontAlgn="base" hangingPunct="0">
+            <a:pPr algn="ctr" defTabSz="913765" eaLnBrk="0" fontAlgn="base" hangingPunct="0">
               <a:spcBef>
                 <a:spcPct val="0"/>
               </a:spcBef>
@@ -5445,25 +5472,17 @@
               <a:defRPr/>
             </a:pPr>
             <a:r>
-              <a:rPr kumimoji="1" lang="en-US" altLang="zh-CN" sz="1400" kern="0" dirty="0">
-                <a:latin typeface="Microsoft YaHei" charset="0"/>
-                <a:ea typeface="Microsoft YaHei" charset="0"/>
-                <a:cs typeface="Microsoft YaHei" charset="0"/>
+              <a:rPr kumimoji="1" lang="en-US" altLang="zh-CN" sz="1400" b="1" kern="0" dirty="0">
+                <a:latin typeface="微软雅黑" panose="020B0503020204020204" charset="-122"/>
+                <a:ea typeface="微软雅黑" panose="020B0503020204020204" charset="-122"/>
+                <a:cs typeface="微软雅黑" panose="020B0503020204020204" charset="-122"/>
               </a:rPr>
-              <a:t>network </a:t>
-            </a:r>
-            <a:r>
-              <a:rPr kumimoji="1" lang="en-US" altLang="zh-CN" sz="1400" kern="0" dirty="0" smtClean="0">
-                <a:latin typeface="Microsoft YaHei" charset="0"/>
-                <a:ea typeface="Microsoft YaHei" charset="0"/>
-                <a:cs typeface="Microsoft YaHei" charset="0"/>
-              </a:rPr>
-              <a:t>communication</a:t>
-            </a:r>
-            <a:endParaRPr kumimoji="1" lang="en-US" altLang="zh-CN" sz="1400" kern="0" dirty="0">
-              <a:latin typeface="Microsoft YaHei" charset="0"/>
-              <a:ea typeface="Microsoft YaHei" charset="0"/>
-              <a:cs typeface="Microsoft YaHei" charset="0"/>
+              <a:t>remoting</a:t>
+            </a:r>
+            <a:endParaRPr kumimoji="1" lang="en-US" altLang="zh-CN" sz="1400" b="1" kern="0" dirty="0">
+              <a:latin typeface="微软雅黑" panose="020B0503020204020204" charset="-122"/>
+              <a:ea typeface="微软雅黑" panose="020B0503020204020204" charset="-122"/>
+              <a:cs typeface="微软雅黑" panose="020B0503020204020204" charset="-122"/>
             </a:endParaRPr>
           </a:p>
         </p:txBody>
@@ -5500,7 +5519,7 @@
           <a:bodyPr anchor="ctr"/>
           <a:lstStyle/>
           <a:p>
-            <a:pPr algn="ctr" defTabSz="914378" eaLnBrk="0" fontAlgn="base" hangingPunct="0">
+            <a:pPr algn="ctr" defTabSz="913765" eaLnBrk="0" fontAlgn="base" hangingPunct="0">
               <a:spcBef>
                 <a:spcPct val="0"/>
               </a:spcBef>
@@ -5511,12 +5530,17 @@
             </a:pPr>
             <a:r>
               <a:rPr kumimoji="1" lang="en-US" altLang="zh-CN" sz="1400" kern="0" dirty="0">
-                <a:latin typeface="Microsoft YaHei" charset="0"/>
-                <a:ea typeface="Microsoft YaHei" charset="0"/>
-                <a:cs typeface="Microsoft YaHei" charset="0"/>
+                <a:latin typeface="微软雅黑" panose="020B0503020204020204" charset="-122"/>
+                <a:ea typeface="微软雅黑" panose="020B0503020204020204" charset="-122"/>
+                <a:cs typeface="微软雅黑" panose="020B0503020204020204" charset="-122"/>
               </a:rPr>
               <a:t>codec</a:t>
             </a:r>
+            <a:endParaRPr kumimoji="1" lang="en-US" altLang="zh-CN" sz="1400" kern="0" dirty="0">
+              <a:latin typeface="微软雅黑" panose="020B0503020204020204" charset="-122"/>
+              <a:ea typeface="微软雅黑" panose="020B0503020204020204" charset="-122"/>
+              <a:cs typeface="微软雅黑" panose="020B0503020204020204" charset="-122"/>
+            </a:endParaRPr>
           </a:p>
         </p:txBody>
       </p:sp>
@@ -5552,7 +5576,7 @@
           <a:bodyPr anchor="ctr"/>
           <a:lstStyle/>
           <a:p>
-            <a:pPr algn="ctr" defTabSz="914378" eaLnBrk="0" fontAlgn="base" hangingPunct="0">
+            <a:pPr algn="ctr" defTabSz="913765" eaLnBrk="0" fontAlgn="base" hangingPunct="0">
               <a:spcBef>
                 <a:spcPct val="0"/>
               </a:spcBef>
@@ -5563,24 +5587,24 @@
             </a:pPr>
             <a:r>
               <a:rPr kumimoji="1" lang="en-US" altLang="zh-CN" sz="1400" kern="0" dirty="0">
-                <a:latin typeface="Microsoft YaHei" charset="0"/>
-                <a:ea typeface="Microsoft YaHei" charset="0"/>
-                <a:cs typeface="Microsoft YaHei" charset="0"/>
+                <a:latin typeface="微软雅黑" panose="020B0503020204020204" charset="-122"/>
+                <a:ea typeface="微软雅黑" panose="020B0503020204020204" charset="-122"/>
+                <a:cs typeface="微软雅黑" panose="020B0503020204020204" charset="-122"/>
               </a:rPr>
               <a:t>r</a:t>
             </a:r>
             <a:r>
               <a:rPr kumimoji="1" lang="en-US" altLang="zh-CN" sz="1400" kern="0" dirty="0" smtClean="0">
-                <a:latin typeface="Microsoft YaHei" charset="0"/>
-                <a:ea typeface="Microsoft YaHei" charset="0"/>
-                <a:cs typeface="Microsoft YaHei" charset="0"/>
+                <a:latin typeface="微软雅黑" panose="020B0503020204020204" charset="-122"/>
+                <a:ea typeface="微软雅黑" panose="020B0503020204020204" charset="-122"/>
+                <a:cs typeface="微软雅黑" panose="020B0503020204020204" charset="-122"/>
               </a:rPr>
               <a:t>emote procedure call</a:t>
             </a:r>
             <a:endParaRPr kumimoji="1" lang="en-US" altLang="zh-CN" sz="1400" kern="0" dirty="0">
-              <a:latin typeface="Microsoft YaHei" charset="0"/>
-              <a:ea typeface="Microsoft YaHei" charset="0"/>
-              <a:cs typeface="Microsoft YaHei" charset="0"/>
+              <a:latin typeface="微软雅黑" panose="020B0503020204020204" charset="-122"/>
+              <a:ea typeface="微软雅黑" panose="020B0503020204020204" charset="-122"/>
+              <a:cs typeface="微软雅黑" panose="020B0503020204020204" charset="-122"/>
             </a:endParaRPr>
           </a:p>
         </p:txBody>
@@ -5615,7 +5639,7 @@
           <a:bodyPr anchor="b"/>
           <a:lstStyle/>
           <a:p>
-            <a:pPr algn="ctr" defTabSz="914378" eaLnBrk="0" fontAlgn="base" hangingPunct="0">
+            <a:pPr algn="ctr" defTabSz="913765" eaLnBrk="0" fontAlgn="base" hangingPunct="0">
               <a:spcBef>
                 <a:spcPct val="0"/>
               </a:spcBef>
@@ -5626,16 +5650,16 @@
             </a:pPr>
             <a:r>
               <a:rPr kumimoji="1" lang="en-US" altLang="zh-CN" sz="1400" b="1" kern="0" dirty="0">
-                <a:latin typeface="Microsoft YaHei" charset="0"/>
-                <a:ea typeface="Microsoft YaHei" charset="0"/>
-                <a:cs typeface="Microsoft YaHei" charset="0"/>
+                <a:latin typeface="微软雅黑" panose="020B0503020204020204" charset="-122"/>
+                <a:ea typeface="微软雅黑" panose="020B0503020204020204" charset="-122"/>
+                <a:cs typeface="微软雅黑" panose="020B0503020204020204" charset="-122"/>
               </a:rPr>
-              <a:t>Registry</a:t>
+              <a:t>registry</a:t>
             </a:r>
             <a:endParaRPr kumimoji="1" lang="zh-CN" altLang="en-US" sz="1400" b="1" kern="0" dirty="0">
-              <a:latin typeface="Microsoft YaHei" charset="0"/>
-              <a:ea typeface="Microsoft YaHei" charset="0"/>
-              <a:cs typeface="Microsoft YaHei" charset="0"/>
+              <a:latin typeface="微软雅黑" panose="020B0503020204020204" charset="-122"/>
+              <a:ea typeface="微软雅黑" panose="020B0503020204020204" charset="-122"/>
+              <a:cs typeface="微软雅黑" panose="020B0503020204020204" charset="-122"/>
             </a:endParaRPr>
           </a:p>
         </p:txBody>
@@ -5672,7 +5696,7 @@
           <a:bodyPr anchor="ctr"/>
           <a:lstStyle/>
           <a:p>
-            <a:pPr algn="ctr" defTabSz="914378" eaLnBrk="0" fontAlgn="base" hangingPunct="0">
+            <a:pPr algn="ctr" defTabSz="913765" eaLnBrk="0" fontAlgn="base" hangingPunct="0">
               <a:spcBef>
                 <a:spcPct val="0"/>
               </a:spcBef>
@@ -5683,16 +5707,16 @@
             </a:pPr>
             <a:r>
               <a:rPr kumimoji="1" lang="en-US" altLang="zh-CN" sz="1400" kern="0" dirty="0" smtClean="0">
-                <a:latin typeface="Microsoft YaHei" charset="0"/>
-                <a:ea typeface="Microsoft YaHei" charset="0"/>
-                <a:cs typeface="Microsoft YaHei" charset="0"/>
+                <a:latin typeface="微软雅黑" panose="020B0503020204020204" charset="-122"/>
+                <a:ea typeface="微软雅黑" panose="020B0503020204020204" charset="-122"/>
+                <a:cs typeface="微软雅黑" panose="020B0503020204020204" charset="-122"/>
               </a:rPr>
               <a:t>namespace</a:t>
             </a:r>
             <a:endParaRPr kumimoji="1" lang="en-US" altLang="zh-CN" sz="1400" kern="0" dirty="0">
-              <a:latin typeface="Microsoft YaHei" charset="0"/>
-              <a:ea typeface="Microsoft YaHei" charset="0"/>
-              <a:cs typeface="Microsoft YaHei" charset="0"/>
+              <a:latin typeface="微软雅黑" panose="020B0503020204020204" charset="-122"/>
+              <a:ea typeface="微软雅黑" panose="020B0503020204020204" charset="-122"/>
+              <a:cs typeface="微软雅黑" panose="020B0503020204020204" charset="-122"/>
             </a:endParaRPr>
           </a:p>
         </p:txBody>
@@ -5727,7 +5751,7 @@
           <a:bodyPr anchor="b"/>
           <a:lstStyle/>
           <a:p>
-            <a:pPr algn="ctr" defTabSz="914378" eaLnBrk="0" fontAlgn="base" hangingPunct="0">
+            <a:pPr algn="ctr" defTabSz="913765" eaLnBrk="0" fontAlgn="base" hangingPunct="0">
               <a:spcBef>
                 <a:spcPct val="0"/>
               </a:spcBef>
@@ -5738,26 +5762,21 @@
             </a:pPr>
             <a:r>
               <a:rPr kumimoji="1" lang="en-US" altLang="zh-CN" sz="1400" b="1" kern="0" dirty="0">
-                <a:latin typeface="Microsoft YaHei" charset="0"/>
-                <a:ea typeface="Microsoft YaHei" charset="0"/>
-                <a:cs typeface="Microsoft YaHei" charset="0"/>
+                <a:latin typeface="微软雅黑" panose="020B0503020204020204" charset="-122"/>
+                <a:ea typeface="微软雅黑" panose="020B0503020204020204" charset="-122"/>
+                <a:cs typeface="微软雅黑" panose="020B0503020204020204" charset="-122"/>
               </a:rPr>
-              <a:t>Admin</a:t>
+              <a:t>admin</a:t>
             </a:r>
             <a:endParaRPr kumimoji="1" lang="zh-CN" altLang="en-US" sz="1400" b="1" kern="0" dirty="0">
-              <a:latin typeface="Microsoft YaHei" charset="0"/>
-              <a:ea typeface="Microsoft YaHei" charset="0"/>
-              <a:cs typeface="Microsoft YaHei" charset="0"/>
+              <a:latin typeface="微软雅黑" panose="020B0503020204020204" charset="-122"/>
+              <a:ea typeface="微软雅黑" panose="020B0503020204020204" charset="-122"/>
+              <a:cs typeface="微软雅黑" panose="020B0503020204020204" charset="-122"/>
             </a:endParaRPr>
           </a:p>
         </p:txBody>
       </p:sp>
     </p:spTree>
-    <p:extLst>
-      <p:ext uri="{BB962C8B-B14F-4D97-AF65-F5344CB8AC3E}">
-        <p14:creationId xmlns:p14="http://schemas.microsoft.com/office/powerpoint/2010/main" val="1928890852"/>
-      </p:ext>
-    </p:extLst>
   </p:cSld>
   <p:clrMapOvr>
     <a:masterClrMapping/>
@@ -6043,8 +6062,6 @@
       </a:bgFillStyleLst>
     </a:fmtScheme>
   </a:themeElements>
-  <a:objectDefaults/>
-  <a:extraClrSchemeLst/>
   <a:extLst>
     <a:ext uri="{05A4C25C-085E-4340-85A3-A5531E510DB2}">
       <thm15:themeFamily xmlns:thm15="http://schemas.microsoft.com/office/thememl/2012/main" name="Office Theme" id="{62F939B6-93AF-4DB8-9C6B-D6C7DFDC589F}" vid="{4A3C46E8-61CC-4603-A589-7422A47A8E4A}"/>
@@ -6304,8 +6321,6 @@
       </a:bgFillStyleLst>
     </a:fmtScheme>
   </a:themeElements>
-  <a:objectDefaults/>
-  <a:extraClrSchemeLst/>
   <a:extLst>
     <a:ext uri="{05A4C25C-085E-4340-85A3-A5531E510DB2}">
       <thm15:themeFamily xmlns:thm15="http://schemas.microsoft.com/office/thememl/2012/main" name="Office Theme" id="{62F939B6-93AF-4DB8-9C6B-D6C7DFDC589F}" vid="{4A3C46E8-61CC-4603-A589-7422A47A8E4A}"/>

--- a/doc/XXL-RPC架构图.pptx
+++ b/doc/XXL-RPC架构图.pptx
@@ -5031,7 +5031,7 @@
         </p:nvSpPr>
         <p:spPr>
           <a:xfrm>
-            <a:off x="6026120" y="1692899"/>
+            <a:off x="6032470" y="2682864"/>
             <a:ext cx="1567464" cy="416068"/>
           </a:xfrm>
           <a:prstGeom prst="flowChartAlternateProcess">
@@ -5611,68 +5611,13 @@
       </p:sp>
       <p:sp>
         <p:nvSpPr>
-          <p:cNvPr id="36" name="矩形 35"/>
-          <p:cNvSpPr/>
-          <p:nvPr/>
-        </p:nvSpPr>
-        <p:spPr>
-          <a:xfrm>
-            <a:off x="5826573" y="2731808"/>
-            <a:ext cx="1927503" cy="936826"/>
-          </a:xfrm>
-          <a:prstGeom prst="rect">
-            <a:avLst/>
-          </a:prstGeom>
-          <a:noFill/>
-          <a:ln w="12700" cap="flat" cmpd="sng" algn="ctr">
-            <a:solidFill>
-              <a:srgbClr val="5B9BD5">
-                <a:shade val="50000"/>
-              </a:srgbClr>
-            </a:solidFill>
-            <a:prstDash val="dash"/>
-            <a:miter lim="800000"/>
-          </a:ln>
-          <a:effectLst/>
-        </p:spPr>
-        <p:txBody>
-          <a:bodyPr anchor="b"/>
-          <a:lstStyle/>
-          <a:p>
-            <a:pPr algn="ctr" defTabSz="913765" eaLnBrk="0" fontAlgn="base" hangingPunct="0">
-              <a:spcBef>
-                <a:spcPct val="0"/>
-              </a:spcBef>
-              <a:spcAft>
-                <a:spcPct val="0"/>
-              </a:spcAft>
-              <a:defRPr/>
-            </a:pPr>
-            <a:r>
-              <a:rPr kumimoji="1" lang="en-US" altLang="zh-CN" sz="1400" b="1" kern="0" dirty="0">
-                <a:latin typeface="微软雅黑" panose="020B0503020204020204" charset="-122"/>
-                <a:ea typeface="微软雅黑" panose="020B0503020204020204" charset="-122"/>
-                <a:cs typeface="微软雅黑" panose="020B0503020204020204" charset="-122"/>
-              </a:rPr>
-              <a:t>registry</a:t>
-            </a:r>
-            <a:endParaRPr kumimoji="1" lang="zh-CN" altLang="en-US" sz="1400" b="1" kern="0" dirty="0">
-              <a:latin typeface="微软雅黑" panose="020B0503020204020204" charset="-122"/>
-              <a:ea typeface="微软雅黑" panose="020B0503020204020204" charset="-122"/>
-              <a:cs typeface="微软雅黑" panose="020B0503020204020204" charset="-122"/>
-            </a:endParaRPr>
-          </a:p>
-        </p:txBody>
-      </p:sp>
-      <p:sp>
-        <p:nvSpPr>
           <p:cNvPr id="37" name="可选流程 36"/>
           <p:cNvSpPr/>
           <p:nvPr/>
         </p:nvSpPr>
         <p:spPr>
           <a:xfrm>
-            <a:off x="6058420" y="2907581"/>
+            <a:off x="6032385" y="1942381"/>
             <a:ext cx="1515636" cy="416068"/>
           </a:xfrm>
           <a:prstGeom prst="flowChartAlternateProcess">
@@ -5711,9 +5656,9 @@
                 <a:ea typeface="微软雅黑" panose="020B0503020204020204" charset="-122"/>
                 <a:cs typeface="微软雅黑" panose="020B0503020204020204" charset="-122"/>
               </a:rPr>
-              <a:t>namespace</a:t>
-            </a:r>
-            <a:endParaRPr kumimoji="1" lang="en-US" altLang="zh-CN" sz="1400" kern="0" dirty="0">
+              <a:t>registry</a:t>
+            </a:r>
+            <a:endParaRPr kumimoji="1" lang="en-US" altLang="zh-CN" sz="1400" kern="0" dirty="0" smtClean="0">
               <a:latin typeface="微软雅黑" panose="020B0503020204020204" charset="-122"/>
               <a:ea typeface="微软雅黑" panose="020B0503020204020204" charset="-122"/>
               <a:cs typeface="微软雅黑" panose="020B0503020204020204" charset="-122"/>
@@ -5729,8 +5674,8 @@
         </p:nvSpPr>
         <p:spPr>
           <a:xfrm>
-            <a:off x="5826573" y="1552941"/>
-            <a:ext cx="1927503" cy="989677"/>
+            <a:off x="5826760" y="1553210"/>
+            <a:ext cx="1927225" cy="2148840"/>
           </a:xfrm>
           <a:prstGeom prst="rect">
             <a:avLst/>

--- a/doc/XXL-RPC架构图.pptx
+++ b/doc/XXL-RPC架构图.pptx
@@ -1,6 +1,6 @@
 
 <file path=ppt/presentation.xml><?xml version="1.0" encoding="utf-8"?>
-<p:presentation xmlns:a="http://schemas.openxmlformats.org/drawingml/2006/main" xmlns:r="http://schemas.openxmlformats.org/officeDocument/2006/relationships" xmlns:p="http://schemas.openxmlformats.org/presentationml/2006/main">
+<p:presentation xmlns:a="http://schemas.openxmlformats.org/drawingml/2006/main" xmlns:r="http://schemas.openxmlformats.org/officeDocument/2006/relationships" xmlns:p="http://schemas.openxmlformats.org/presentationml/2006/main" saveSubsetFonts="1">
   <p:sldMasterIdLst>
     <p:sldMasterId id="2147483648" r:id="rId1"/>
   </p:sldMasterIdLst>
@@ -8,8 +8,9 @@
     <p:notesMasterId r:id="rId5"/>
   </p:notesMasterIdLst>
   <p:sldIdLst>
-    <p:sldId id="264" r:id="rId3"/>
-    <p:sldId id="265" r:id="rId4"/>
+    <p:sldId id="264" r:id="rId2"/>
+    <p:sldId id="265" r:id="rId3"/>
+    <p:sldId id="266" r:id="rId4"/>
   </p:sldIdLst>
   <p:sldSz cx="9144000" cy="6858000" type="screen4x3"/>
   <p:notesSz cx="6858000" cy="9144000"/>
@@ -108,6 +109,22 @@
       </a:defRPr>
     </a:lvl9pPr>
   </p:defaultTextStyle>
+  <p:extLst>
+    <p:ext uri="{EFAFB233-063F-42B5-8137-9DF3F51BA10A}">
+      <p15:sldGuideLst xmlns:p15="http://schemas.microsoft.com/office/powerpoint/2012/main">
+        <p15:guide id="1" orient="horz" pos="2191">
+          <p15:clr>
+            <a:srgbClr val="A4A3A4"/>
+          </p15:clr>
+        </p15:guide>
+        <p15:guide id="2" pos="2880">
+          <p15:clr>
+            <a:srgbClr val="A4A3A4"/>
+          </p15:clr>
+        </p15:guide>
+      </p15:sldGuideLst>
+    </p:ext>
+  </p:extLst>
 </p:presentation>
 </file>
 
@@ -193,6 +210,7 @@
           <a:p>
             <a:fld id="{D2A48B96-639E-45A3-A0BA-2464DFDB1FAA}" type="datetimeFigureOut">
               <a:rPr lang="zh-CN" altLang="en-US" smtClean="0"/>
+              <a:t>2018/12/21</a:t>
             </a:fld>
             <a:endParaRPr lang="zh-CN" altLang="en-US"/>
           </a:p>
@@ -259,7 +277,6 @@
               <a:rPr lang="zh-CN" altLang="en-US" smtClean="0"/>
               <a:t>单击此处编辑母版文本样式</a:t>
             </a:r>
-            <a:endParaRPr lang="zh-CN" altLang="en-US" smtClean="0"/>
           </a:p>
           <a:p>
             <a:pPr lvl="1"/>
@@ -267,7 +284,6 @@
               <a:rPr lang="zh-CN" altLang="en-US" smtClean="0"/>
               <a:t>第二级</a:t>
             </a:r>
-            <a:endParaRPr lang="zh-CN" altLang="en-US" smtClean="0"/>
           </a:p>
           <a:p>
             <a:pPr lvl="2"/>
@@ -275,7 +291,6 @@
               <a:rPr lang="zh-CN" altLang="en-US" smtClean="0"/>
               <a:t>第三级</a:t>
             </a:r>
-            <a:endParaRPr lang="zh-CN" altLang="en-US" smtClean="0"/>
           </a:p>
           <a:p>
             <a:pPr lvl="3"/>
@@ -283,7 +298,6 @@
               <a:rPr lang="zh-CN" altLang="en-US" smtClean="0"/>
               <a:t>第四级</a:t>
             </a:r>
-            <a:endParaRPr lang="zh-CN" altLang="en-US" smtClean="0"/>
           </a:p>
           <a:p>
             <a:pPr lvl="4"/>
@@ -355,12 +369,18 @@
           <a:p>
             <a:fld id="{A6837353-30EB-4A48-80EB-173D804AEFBD}" type="slidenum">
               <a:rPr lang="zh-CN" altLang="en-US" smtClean="0"/>
+              <a:t>‹#›</a:t>
             </a:fld>
             <a:endParaRPr lang="zh-CN" altLang="en-US"/>
           </a:p>
         </p:txBody>
       </p:sp>
     </p:spTree>
+    <p:extLst>
+      <p:ext uri="{BB962C8B-B14F-4D97-AF65-F5344CB8AC3E}">
+        <p14:creationId xmlns:p14="http://schemas.microsoft.com/office/powerpoint/2010/main" val="1489460228"/>
+      </p:ext>
+    </p:extLst>
   </p:cSld>
   <p:clrMap bg1="lt1" tx1="dk1" bg2="lt2" tx2="dk2" accent1="accent1" accent2="accent2" accent3="accent3" accent4="accent4" accent5="accent5" accent6="accent6" hlink="hlink" folHlink="folHlink"/>
   <p:notesStyle>
@@ -523,12 +543,102 @@
           <a:p>
             <a:fld id="{A6837353-30EB-4A48-80EB-173D804AEFBD}" type="slidenum">
               <a:rPr lang="zh-CN" altLang="en-US" smtClean="0"/>
+              <a:t>2</a:t>
             </a:fld>
             <a:endParaRPr lang="zh-CN" altLang="en-US"/>
           </a:p>
         </p:txBody>
       </p:sp>
     </p:spTree>
+    <p:extLst>
+      <p:ext uri="{BB962C8B-B14F-4D97-AF65-F5344CB8AC3E}">
+        <p14:creationId xmlns:p14="http://schemas.microsoft.com/office/powerpoint/2010/main" val="141178917"/>
+      </p:ext>
+    </p:extLst>
+  </p:cSld>
+  <p:clrMapOvr>
+    <a:masterClrMapping/>
+  </p:clrMapOvr>
+</p:notes>
+</file>
+
+<file path=ppt/notesSlides/notesSlide2.xml><?xml version="1.0" encoding="utf-8"?>
+<p:notes xmlns:a="http://schemas.openxmlformats.org/drawingml/2006/main" xmlns:r="http://schemas.openxmlformats.org/officeDocument/2006/relationships" xmlns:p="http://schemas.openxmlformats.org/presentationml/2006/main">
+  <p:cSld>
+    <p:spTree>
+      <p:nvGrpSpPr>
+        <p:cNvPr id="1" name=""/>
+        <p:cNvGrpSpPr/>
+        <p:nvPr/>
+      </p:nvGrpSpPr>
+      <p:grpSpPr>
+        <a:xfrm>
+          <a:off x="0" y="0"/>
+          <a:ext cx="0" cy="0"/>
+          <a:chOff x="0" y="0"/>
+          <a:chExt cx="0" cy="0"/>
+        </a:xfrm>
+      </p:grpSpPr>
+      <p:sp>
+        <p:nvSpPr>
+          <p:cNvPr id="2" name="幻灯片图像占位符 1"/>
+          <p:cNvSpPr>
+            <a:spLocks noGrp="1" noRot="1" noChangeAspect="1"/>
+          </p:cNvSpPr>
+          <p:nvPr>
+            <p:ph type="sldImg"/>
+          </p:nvPr>
+        </p:nvSpPr>
+        <p:spPr/>
+      </p:sp>
+      <p:sp>
+        <p:nvSpPr>
+          <p:cNvPr id="3" name="备注占位符 2"/>
+          <p:cNvSpPr>
+            <a:spLocks noGrp="1"/>
+          </p:cNvSpPr>
+          <p:nvPr>
+            <p:ph type="body" idx="1"/>
+          </p:nvPr>
+        </p:nvSpPr>
+        <p:spPr/>
+        <p:txBody>
+          <a:bodyPr/>
+          <a:lstStyle/>
+          <a:p>
+            <a:endParaRPr kumimoji="1" lang="zh-CN" altLang="en-US" dirty="0"/>
+          </a:p>
+        </p:txBody>
+      </p:sp>
+      <p:sp>
+        <p:nvSpPr>
+          <p:cNvPr id="4" name="幻灯片编号占位符 3"/>
+          <p:cNvSpPr>
+            <a:spLocks noGrp="1"/>
+          </p:cNvSpPr>
+          <p:nvPr>
+            <p:ph type="sldNum" sz="quarter" idx="10"/>
+          </p:nvPr>
+        </p:nvSpPr>
+        <p:spPr/>
+        <p:txBody>
+          <a:bodyPr/>
+          <a:lstStyle/>
+          <a:p>
+            <a:fld id="{A6837353-30EB-4A48-80EB-173D804AEFBD}" type="slidenum">
+              <a:rPr lang="zh-CN" altLang="en-US" smtClean="0"/>
+              <a:t>3</a:t>
+            </a:fld>
+            <a:endParaRPr lang="zh-CN" altLang="en-US"/>
+          </a:p>
+        </p:txBody>
+      </p:sp>
+    </p:spTree>
+    <p:extLst>
+      <p:ext uri="{BB962C8B-B14F-4D97-AF65-F5344CB8AC3E}">
+        <p14:creationId xmlns:p14="http://schemas.microsoft.com/office/powerpoint/2010/main" val="2078424419"/>
+      </p:ext>
+    </p:extLst>
   </p:cSld>
   <p:clrMapOvr>
     <a:masterClrMapping/>
@@ -717,6 +827,7 @@
           <a:p>
             <a:fld id="{412AD53C-0B11-4009-A8DE-410AD5B07B24}" type="datetimeFigureOut">
               <a:rPr lang="zh-CN" altLang="en-US" smtClean="0"/>
+              <a:t>2018/12/21</a:t>
             </a:fld>
             <a:endParaRPr lang="zh-CN" altLang="en-US"/>
           </a:p>
@@ -758,6 +869,7 @@
           <a:p>
             <a:fld id="{D1852977-412A-4F20-B1B0-7E8F02356B8C}" type="slidenum">
               <a:rPr lang="zh-CN" altLang="en-US" smtClean="0"/>
+              <a:t>‹#›</a:t>
             </a:fld>
             <a:endParaRPr lang="zh-CN" altLang="en-US"/>
           </a:p>
@@ -831,7 +943,6 @@
               <a:rPr lang="zh-CN" altLang="en-US" smtClean="0"/>
               <a:t>单击此处编辑母版文本样式</a:t>
             </a:r>
-            <a:endParaRPr lang="zh-CN" altLang="en-US" smtClean="0"/>
           </a:p>
           <a:p>
             <a:pPr lvl="1"/>
@@ -839,7 +950,6 @@
               <a:rPr lang="zh-CN" altLang="en-US" smtClean="0"/>
               <a:t>第二级</a:t>
             </a:r>
-            <a:endParaRPr lang="zh-CN" altLang="en-US" smtClean="0"/>
           </a:p>
           <a:p>
             <a:pPr lvl="2"/>
@@ -847,7 +957,6 @@
               <a:rPr lang="zh-CN" altLang="en-US" smtClean="0"/>
               <a:t>第三级</a:t>
             </a:r>
-            <a:endParaRPr lang="zh-CN" altLang="en-US" smtClean="0"/>
           </a:p>
           <a:p>
             <a:pPr lvl="3"/>
@@ -855,7 +964,6 @@
               <a:rPr lang="zh-CN" altLang="en-US" smtClean="0"/>
               <a:t>第四级</a:t>
             </a:r>
-            <a:endParaRPr lang="zh-CN" altLang="en-US" smtClean="0"/>
           </a:p>
           <a:p>
             <a:pPr lvl="4"/>
@@ -884,6 +992,7 @@
           <a:p>
             <a:fld id="{412AD53C-0B11-4009-A8DE-410AD5B07B24}" type="datetimeFigureOut">
               <a:rPr lang="zh-CN" altLang="en-US" smtClean="0"/>
+              <a:t>2018/12/21</a:t>
             </a:fld>
             <a:endParaRPr lang="zh-CN" altLang="en-US"/>
           </a:p>
@@ -925,6 +1034,7 @@
           <a:p>
             <a:fld id="{D1852977-412A-4F20-B1B0-7E8F02356B8C}" type="slidenum">
               <a:rPr lang="zh-CN" altLang="en-US" smtClean="0"/>
+              <a:t>‹#›</a:t>
             </a:fld>
             <a:endParaRPr lang="zh-CN" altLang="en-US"/>
           </a:p>
@@ -1008,7 +1118,6 @@
               <a:rPr lang="zh-CN" altLang="en-US" smtClean="0"/>
               <a:t>单击此处编辑母版文本样式</a:t>
             </a:r>
-            <a:endParaRPr lang="zh-CN" altLang="en-US" smtClean="0"/>
           </a:p>
           <a:p>
             <a:pPr lvl="1"/>
@@ -1016,7 +1125,6 @@
               <a:rPr lang="zh-CN" altLang="en-US" smtClean="0"/>
               <a:t>第二级</a:t>
             </a:r>
-            <a:endParaRPr lang="zh-CN" altLang="en-US" smtClean="0"/>
           </a:p>
           <a:p>
             <a:pPr lvl="2"/>
@@ -1024,7 +1132,6 @@
               <a:rPr lang="zh-CN" altLang="en-US" smtClean="0"/>
               <a:t>第三级</a:t>
             </a:r>
-            <a:endParaRPr lang="zh-CN" altLang="en-US" smtClean="0"/>
           </a:p>
           <a:p>
             <a:pPr lvl="3"/>
@@ -1032,7 +1139,6 @@
               <a:rPr lang="zh-CN" altLang="en-US" smtClean="0"/>
               <a:t>第四级</a:t>
             </a:r>
-            <a:endParaRPr lang="zh-CN" altLang="en-US" smtClean="0"/>
           </a:p>
           <a:p>
             <a:pPr lvl="4"/>
@@ -1061,6 +1167,7 @@
           <a:p>
             <a:fld id="{412AD53C-0B11-4009-A8DE-410AD5B07B24}" type="datetimeFigureOut">
               <a:rPr lang="zh-CN" altLang="en-US" smtClean="0"/>
+              <a:t>2018/12/21</a:t>
             </a:fld>
             <a:endParaRPr lang="zh-CN" altLang="en-US"/>
           </a:p>
@@ -1102,6 +1209,7 @@
           <a:p>
             <a:fld id="{D1852977-412A-4F20-B1B0-7E8F02356B8C}" type="slidenum">
               <a:rPr lang="zh-CN" altLang="en-US" smtClean="0"/>
+              <a:t>‹#›</a:t>
             </a:fld>
             <a:endParaRPr lang="zh-CN" altLang="en-US"/>
           </a:p>
@@ -1175,7 +1283,6 @@
               <a:rPr lang="zh-CN" altLang="en-US" smtClean="0"/>
               <a:t>单击此处编辑母版文本样式</a:t>
             </a:r>
-            <a:endParaRPr lang="zh-CN" altLang="en-US" smtClean="0"/>
           </a:p>
           <a:p>
             <a:pPr lvl="1"/>
@@ -1183,7 +1290,6 @@
               <a:rPr lang="zh-CN" altLang="en-US" smtClean="0"/>
               <a:t>第二级</a:t>
             </a:r>
-            <a:endParaRPr lang="zh-CN" altLang="en-US" smtClean="0"/>
           </a:p>
           <a:p>
             <a:pPr lvl="2"/>
@@ -1191,7 +1297,6 @@
               <a:rPr lang="zh-CN" altLang="en-US" smtClean="0"/>
               <a:t>第三级</a:t>
             </a:r>
-            <a:endParaRPr lang="zh-CN" altLang="en-US" smtClean="0"/>
           </a:p>
           <a:p>
             <a:pPr lvl="3"/>
@@ -1199,7 +1304,6 @@
               <a:rPr lang="zh-CN" altLang="en-US" smtClean="0"/>
               <a:t>第四级</a:t>
             </a:r>
-            <a:endParaRPr lang="zh-CN" altLang="en-US" smtClean="0"/>
           </a:p>
           <a:p>
             <a:pPr lvl="4"/>
@@ -1228,6 +1332,7 @@
           <a:p>
             <a:fld id="{412AD53C-0B11-4009-A8DE-410AD5B07B24}" type="datetimeFigureOut">
               <a:rPr lang="zh-CN" altLang="en-US" smtClean="0"/>
+              <a:t>2018/12/21</a:t>
             </a:fld>
             <a:endParaRPr lang="zh-CN" altLang="en-US"/>
           </a:p>
@@ -1269,6 +1374,7 @@
           <a:p>
             <a:fld id="{D1852977-412A-4F20-B1B0-7E8F02356B8C}" type="slidenum">
               <a:rPr lang="zh-CN" altLang="en-US" smtClean="0"/>
+              <a:t>‹#›</a:t>
             </a:fld>
             <a:endParaRPr lang="zh-CN" altLang="en-US"/>
           </a:p>
@@ -1447,7 +1553,6 @@
               <a:rPr lang="zh-CN" altLang="en-US" smtClean="0"/>
               <a:t>单击此处编辑母版文本样式</a:t>
             </a:r>
-            <a:endParaRPr lang="zh-CN" altLang="en-US" smtClean="0"/>
           </a:p>
         </p:txBody>
       </p:sp>
@@ -1468,6 +1573,7 @@
           <a:p>
             <a:fld id="{412AD53C-0B11-4009-A8DE-410AD5B07B24}" type="datetimeFigureOut">
               <a:rPr lang="zh-CN" altLang="en-US" smtClean="0"/>
+              <a:t>2018/12/21</a:t>
             </a:fld>
             <a:endParaRPr lang="zh-CN" altLang="en-US"/>
           </a:p>
@@ -1509,6 +1615,7 @@
           <a:p>
             <a:fld id="{D1852977-412A-4F20-B1B0-7E8F02356B8C}" type="slidenum">
               <a:rPr lang="zh-CN" altLang="en-US" smtClean="0"/>
+              <a:t>‹#›</a:t>
             </a:fld>
             <a:endParaRPr lang="zh-CN" altLang="en-US"/>
           </a:p>
@@ -1615,7 +1722,6 @@
               <a:rPr lang="zh-CN" altLang="en-US" smtClean="0"/>
               <a:t>单击此处编辑母版文本样式</a:t>
             </a:r>
-            <a:endParaRPr lang="zh-CN" altLang="en-US" smtClean="0"/>
           </a:p>
           <a:p>
             <a:pPr lvl="1"/>
@@ -1623,7 +1729,6 @@
               <a:rPr lang="zh-CN" altLang="en-US" smtClean="0"/>
               <a:t>第二级</a:t>
             </a:r>
-            <a:endParaRPr lang="zh-CN" altLang="en-US" smtClean="0"/>
           </a:p>
           <a:p>
             <a:pPr lvl="2"/>
@@ -1631,7 +1736,6 @@
               <a:rPr lang="zh-CN" altLang="en-US" smtClean="0"/>
               <a:t>第三级</a:t>
             </a:r>
-            <a:endParaRPr lang="zh-CN" altLang="en-US" smtClean="0"/>
           </a:p>
           <a:p>
             <a:pPr lvl="3"/>
@@ -1639,7 +1743,6 @@
               <a:rPr lang="zh-CN" altLang="en-US" smtClean="0"/>
               <a:t>第四级</a:t>
             </a:r>
-            <a:endParaRPr lang="zh-CN" altLang="en-US" smtClean="0"/>
           </a:p>
           <a:p>
             <a:pPr lvl="4"/>
@@ -1704,7 +1807,6 @@
               <a:rPr lang="zh-CN" altLang="en-US" smtClean="0"/>
               <a:t>单击此处编辑母版文本样式</a:t>
             </a:r>
-            <a:endParaRPr lang="zh-CN" altLang="en-US" smtClean="0"/>
           </a:p>
           <a:p>
             <a:pPr lvl="1"/>
@@ -1712,7 +1814,6 @@
               <a:rPr lang="zh-CN" altLang="en-US" smtClean="0"/>
               <a:t>第二级</a:t>
             </a:r>
-            <a:endParaRPr lang="zh-CN" altLang="en-US" smtClean="0"/>
           </a:p>
           <a:p>
             <a:pPr lvl="2"/>
@@ -1720,7 +1821,6 @@
               <a:rPr lang="zh-CN" altLang="en-US" smtClean="0"/>
               <a:t>第三级</a:t>
             </a:r>
-            <a:endParaRPr lang="zh-CN" altLang="en-US" smtClean="0"/>
           </a:p>
           <a:p>
             <a:pPr lvl="3"/>
@@ -1728,7 +1828,6 @@
               <a:rPr lang="zh-CN" altLang="en-US" smtClean="0"/>
               <a:t>第四级</a:t>
             </a:r>
-            <a:endParaRPr lang="zh-CN" altLang="en-US" smtClean="0"/>
           </a:p>
           <a:p>
             <a:pPr lvl="4"/>
@@ -1757,6 +1856,7 @@
           <a:p>
             <a:fld id="{412AD53C-0B11-4009-A8DE-410AD5B07B24}" type="datetimeFigureOut">
               <a:rPr lang="zh-CN" altLang="en-US" smtClean="0"/>
+              <a:t>2018/12/21</a:t>
             </a:fld>
             <a:endParaRPr lang="zh-CN" altLang="en-US"/>
           </a:p>
@@ -1798,6 +1898,7 @@
           <a:p>
             <a:fld id="{D1852977-412A-4F20-B1B0-7E8F02356B8C}" type="slidenum">
               <a:rPr lang="zh-CN" altLang="en-US" smtClean="0"/>
+              <a:t>‹#›</a:t>
             </a:fld>
             <a:endParaRPr lang="zh-CN" altLang="en-US"/>
           </a:p>
@@ -1917,7 +2018,6 @@
               <a:rPr lang="zh-CN" altLang="en-US" smtClean="0"/>
               <a:t>单击此处编辑母版文本样式</a:t>
             </a:r>
-            <a:endParaRPr lang="zh-CN" altLang="en-US" smtClean="0"/>
           </a:p>
         </p:txBody>
       </p:sp>
@@ -1974,7 +2074,6 @@
               <a:rPr lang="zh-CN" altLang="en-US" smtClean="0"/>
               <a:t>单击此处编辑母版文本样式</a:t>
             </a:r>
-            <a:endParaRPr lang="zh-CN" altLang="en-US" smtClean="0"/>
           </a:p>
           <a:p>
             <a:pPr lvl="1"/>
@@ -1982,7 +2081,6 @@
               <a:rPr lang="zh-CN" altLang="en-US" smtClean="0"/>
               <a:t>第二级</a:t>
             </a:r>
-            <a:endParaRPr lang="zh-CN" altLang="en-US" smtClean="0"/>
           </a:p>
           <a:p>
             <a:pPr lvl="2"/>
@@ -1990,7 +2088,6 @@
               <a:rPr lang="zh-CN" altLang="en-US" smtClean="0"/>
               <a:t>第三级</a:t>
             </a:r>
-            <a:endParaRPr lang="zh-CN" altLang="en-US" smtClean="0"/>
           </a:p>
           <a:p>
             <a:pPr lvl="3"/>
@@ -1998,7 +2095,6 @@
               <a:rPr lang="zh-CN" altLang="en-US" smtClean="0"/>
               <a:t>第四级</a:t>
             </a:r>
-            <a:endParaRPr lang="zh-CN" altLang="en-US" smtClean="0"/>
           </a:p>
           <a:p>
             <a:pPr lvl="4"/>
@@ -2072,7 +2168,6 @@
               <a:rPr lang="zh-CN" altLang="en-US" smtClean="0"/>
               <a:t>单击此处编辑母版文本样式</a:t>
             </a:r>
-            <a:endParaRPr lang="zh-CN" altLang="en-US" smtClean="0"/>
           </a:p>
         </p:txBody>
       </p:sp>
@@ -2129,7 +2224,6 @@
               <a:rPr lang="zh-CN" altLang="en-US" smtClean="0"/>
               <a:t>单击此处编辑母版文本样式</a:t>
             </a:r>
-            <a:endParaRPr lang="zh-CN" altLang="en-US" smtClean="0"/>
           </a:p>
           <a:p>
             <a:pPr lvl="1"/>
@@ -2137,7 +2231,6 @@
               <a:rPr lang="zh-CN" altLang="en-US" smtClean="0"/>
               <a:t>第二级</a:t>
             </a:r>
-            <a:endParaRPr lang="zh-CN" altLang="en-US" smtClean="0"/>
           </a:p>
           <a:p>
             <a:pPr lvl="2"/>
@@ -2145,7 +2238,6 @@
               <a:rPr lang="zh-CN" altLang="en-US" smtClean="0"/>
               <a:t>第三级</a:t>
             </a:r>
-            <a:endParaRPr lang="zh-CN" altLang="en-US" smtClean="0"/>
           </a:p>
           <a:p>
             <a:pPr lvl="3"/>
@@ -2153,7 +2245,6 @@
               <a:rPr lang="zh-CN" altLang="en-US" smtClean="0"/>
               <a:t>第四级</a:t>
             </a:r>
-            <a:endParaRPr lang="zh-CN" altLang="en-US" smtClean="0"/>
           </a:p>
           <a:p>
             <a:pPr lvl="4"/>
@@ -2182,6 +2273,7 @@
           <a:p>
             <a:fld id="{412AD53C-0B11-4009-A8DE-410AD5B07B24}" type="datetimeFigureOut">
               <a:rPr lang="zh-CN" altLang="en-US" smtClean="0"/>
+              <a:t>2018/12/21</a:t>
             </a:fld>
             <a:endParaRPr lang="zh-CN" altLang="en-US"/>
           </a:p>
@@ -2223,6 +2315,7 @@
           <a:p>
             <a:fld id="{D1852977-412A-4F20-B1B0-7E8F02356B8C}" type="slidenum">
               <a:rPr lang="zh-CN" altLang="en-US" smtClean="0"/>
+              <a:t>‹#›</a:t>
             </a:fld>
             <a:endParaRPr lang="zh-CN" altLang="en-US"/>
           </a:p>
@@ -2293,6 +2386,7 @@
           <a:p>
             <a:fld id="{412AD53C-0B11-4009-A8DE-410AD5B07B24}" type="datetimeFigureOut">
               <a:rPr lang="zh-CN" altLang="en-US" smtClean="0"/>
+              <a:t>2018/12/21</a:t>
             </a:fld>
             <a:endParaRPr lang="zh-CN" altLang="en-US"/>
           </a:p>
@@ -2334,6 +2428,7 @@
           <a:p>
             <a:fld id="{D1852977-412A-4F20-B1B0-7E8F02356B8C}" type="slidenum">
               <a:rPr lang="zh-CN" altLang="en-US" smtClean="0"/>
+              <a:t>‹#›</a:t>
             </a:fld>
             <a:endParaRPr lang="zh-CN" altLang="en-US"/>
           </a:p>
@@ -2381,6 +2476,7 @@
           <a:p>
             <a:fld id="{412AD53C-0B11-4009-A8DE-410AD5B07B24}" type="datetimeFigureOut">
               <a:rPr lang="zh-CN" altLang="en-US" smtClean="0"/>
+              <a:t>2018/12/21</a:t>
             </a:fld>
             <a:endParaRPr lang="zh-CN" altLang="en-US"/>
           </a:p>
@@ -2422,6 +2518,7 @@
           <a:p>
             <a:fld id="{D1852977-412A-4F20-B1B0-7E8F02356B8C}" type="slidenum">
               <a:rPr lang="zh-CN" altLang="en-US" smtClean="0"/>
+              <a:t>‹#›</a:t>
             </a:fld>
             <a:endParaRPr lang="zh-CN" altLang="en-US"/>
           </a:p>
@@ -2537,7 +2634,6 @@
               <a:rPr lang="zh-CN" altLang="en-US" smtClean="0"/>
               <a:t>单击此处编辑母版文本样式</a:t>
             </a:r>
-            <a:endParaRPr lang="zh-CN" altLang="en-US" smtClean="0"/>
           </a:p>
           <a:p>
             <a:pPr lvl="1"/>
@@ -2545,7 +2641,6 @@
               <a:rPr lang="zh-CN" altLang="en-US" smtClean="0"/>
               <a:t>第二级</a:t>
             </a:r>
-            <a:endParaRPr lang="zh-CN" altLang="en-US" smtClean="0"/>
           </a:p>
           <a:p>
             <a:pPr lvl="2"/>
@@ -2553,7 +2648,6 @@
               <a:rPr lang="zh-CN" altLang="en-US" smtClean="0"/>
               <a:t>第三级</a:t>
             </a:r>
-            <a:endParaRPr lang="zh-CN" altLang="en-US" smtClean="0"/>
           </a:p>
           <a:p>
             <a:pPr lvl="3"/>
@@ -2561,7 +2655,6 @@
               <a:rPr lang="zh-CN" altLang="en-US" smtClean="0"/>
               <a:t>第四级</a:t>
             </a:r>
-            <a:endParaRPr lang="zh-CN" altLang="en-US" smtClean="0"/>
           </a:p>
           <a:p>
             <a:pPr lvl="4"/>
@@ -2635,7 +2728,6 @@
               <a:rPr lang="zh-CN" altLang="en-US" smtClean="0"/>
               <a:t>单击此处编辑母版文本样式</a:t>
             </a:r>
-            <a:endParaRPr lang="zh-CN" altLang="en-US" smtClean="0"/>
           </a:p>
         </p:txBody>
       </p:sp>
@@ -2656,6 +2748,7 @@
           <a:p>
             <a:fld id="{412AD53C-0B11-4009-A8DE-410AD5B07B24}" type="datetimeFigureOut">
               <a:rPr lang="zh-CN" altLang="en-US" smtClean="0"/>
+              <a:t>2018/12/21</a:t>
             </a:fld>
             <a:endParaRPr lang="zh-CN" altLang="en-US"/>
           </a:p>
@@ -2697,6 +2790,7 @@
           <a:p>
             <a:fld id="{D1852977-412A-4F20-B1B0-7E8F02356B8C}" type="slidenum">
               <a:rPr lang="zh-CN" altLang="en-US" smtClean="0"/>
+              <a:t>‹#›</a:t>
             </a:fld>
             <a:endParaRPr lang="zh-CN" altLang="en-US"/>
           </a:p>
@@ -2882,7 +2976,6 @@
               <a:rPr lang="zh-CN" altLang="en-US" smtClean="0"/>
               <a:t>单击此处编辑母版文本样式</a:t>
             </a:r>
-            <a:endParaRPr lang="zh-CN" altLang="en-US" smtClean="0"/>
           </a:p>
         </p:txBody>
       </p:sp>
@@ -2903,6 +2996,7 @@
           <a:p>
             <a:fld id="{412AD53C-0B11-4009-A8DE-410AD5B07B24}" type="datetimeFigureOut">
               <a:rPr lang="zh-CN" altLang="en-US" smtClean="0"/>
+              <a:t>2018/12/21</a:t>
             </a:fld>
             <a:endParaRPr lang="zh-CN" altLang="en-US"/>
           </a:p>
@@ -2944,6 +3038,7 @@
           <a:p>
             <a:fld id="{D1852977-412A-4F20-B1B0-7E8F02356B8C}" type="slidenum">
               <a:rPr lang="zh-CN" altLang="en-US" smtClean="0"/>
+              <a:t>‹#›</a:t>
             </a:fld>
             <a:endParaRPr lang="zh-CN" altLang="en-US"/>
           </a:p>
@@ -3042,7 +3137,6 @@
               <a:rPr lang="zh-CN" altLang="en-US" smtClean="0"/>
               <a:t>单击此处编辑母版文本样式</a:t>
             </a:r>
-            <a:endParaRPr lang="zh-CN" altLang="en-US" smtClean="0"/>
           </a:p>
           <a:p>
             <a:pPr lvl="1"/>
@@ -3050,7 +3144,6 @@
               <a:rPr lang="zh-CN" altLang="en-US" smtClean="0"/>
               <a:t>第二级</a:t>
             </a:r>
-            <a:endParaRPr lang="zh-CN" altLang="en-US" smtClean="0"/>
           </a:p>
           <a:p>
             <a:pPr lvl="2"/>
@@ -3058,7 +3151,6 @@
               <a:rPr lang="zh-CN" altLang="en-US" smtClean="0"/>
               <a:t>第三级</a:t>
             </a:r>
-            <a:endParaRPr lang="zh-CN" altLang="en-US" smtClean="0"/>
           </a:p>
           <a:p>
             <a:pPr lvl="3"/>
@@ -3066,7 +3158,6 @@
               <a:rPr lang="zh-CN" altLang="en-US" smtClean="0"/>
               <a:t>第四级</a:t>
             </a:r>
-            <a:endParaRPr lang="zh-CN" altLang="en-US" smtClean="0"/>
           </a:p>
           <a:p>
             <a:pPr lvl="4"/>
@@ -3113,6 +3204,7 @@
           <a:p>
             <a:fld id="{412AD53C-0B11-4009-A8DE-410AD5B07B24}" type="datetimeFigureOut">
               <a:rPr lang="zh-CN" altLang="en-US" smtClean="0"/>
+              <a:t>2018/12/21</a:t>
             </a:fld>
             <a:endParaRPr lang="zh-CN" altLang="en-US"/>
           </a:p>
@@ -3190,6 +3282,7 @@
           <a:p>
             <a:fld id="{D1852977-412A-4F20-B1B0-7E8F02356B8C}" type="slidenum">
               <a:rPr lang="zh-CN" altLang="en-US" smtClean="0"/>
+              <a:t>‹#›</a:t>
             </a:fld>
             <a:endParaRPr lang="zh-CN" altLang="en-US"/>
           </a:p>
@@ -3667,7 +3760,7 @@
           <a:p>
             <a:pPr algn="ctr"/>
             <a:r>
-              <a:rPr lang="en-US" altLang="zh-CN" sz="2400" dirty="0" err="1" smtClean="0">
+              <a:rPr lang="en-US" altLang="zh-CN" sz="2400" dirty="0" smtClean="0">
                 <a:solidFill>
                   <a:schemeClr val="tx1"/>
                 </a:solidFill>
@@ -3755,14 +3848,17 @@
           <a:p>
             <a:pPr algn="ctr"/>
             <a:r>
-              <a:rPr lang="en-US" altLang="zh-CN">
+              <a:rPr lang="en-US" altLang="zh-CN" dirty="0">
                 <a:solidFill>
                   <a:schemeClr val="tx1"/>
                 </a:solidFill>
               </a:rPr>
               <a:t>network communication</a:t>
             </a:r>
-            <a:endParaRPr lang="en-US" altLang="zh-CN">
+          </a:p>
+          <a:p>
+            <a:pPr algn="ctr"/>
+            <a:endParaRPr lang="en-US" altLang="zh-CN" dirty="0">
               <a:solidFill>
                 <a:schemeClr val="tx1"/>
               </a:solidFill>
@@ -3770,15 +3866,7 @@
           </a:p>
           <a:p>
             <a:pPr algn="ctr"/>
-            <a:endParaRPr lang="en-US" altLang="zh-CN">
-              <a:solidFill>
-                <a:schemeClr val="tx1"/>
-              </a:solidFill>
-            </a:endParaRPr>
-          </a:p>
-          <a:p>
-            <a:pPr algn="ctr"/>
-            <a:endParaRPr lang="en-US" altLang="zh-CN"/>
+            <a:endParaRPr lang="en-US" altLang="zh-CN" dirty="0"/>
           </a:p>
         </p:txBody>
       </p:sp>
@@ -3825,12 +3913,6 @@
               </a:rPr>
               <a:t>Registry</a:t>
             </a:r>
-            <a:endParaRPr lang="en-US" altLang="zh-CN" dirty="0" smtClean="0">
-              <a:solidFill>
-                <a:schemeClr val="tx1"/>
-              </a:solidFill>
-              <a:sym typeface="+mn-ea"/>
-            </a:endParaRPr>
           </a:p>
         </p:txBody>
       </p:sp>
@@ -3915,12 +3997,6 @@
               </a:rPr>
               <a:t>sync-over-async</a:t>
             </a:r>
-            <a:endParaRPr lang="zh-CN" altLang="en-US" dirty="0" smtClean="0">
-              <a:solidFill>
-                <a:schemeClr val="tx1"/>
-              </a:solidFill>
-              <a:sym typeface="+mn-ea"/>
-            </a:endParaRPr>
           </a:p>
         </p:txBody>
       </p:sp>
@@ -3967,12 +4043,6 @@
               </a:rPr>
               <a:t>rpc</a:t>
             </a:r>
-            <a:endParaRPr lang="en-US" altLang="zh-CN" dirty="0" smtClean="0">
-              <a:solidFill>
-                <a:schemeClr val="tx1"/>
-              </a:solidFill>
-              <a:sym typeface="+mn-ea"/>
-            </a:endParaRPr>
           </a:p>
         </p:txBody>
       </p:sp>
@@ -4011,10 +4081,9 @@
           <a:p>
             <a:pPr algn="ctr"/>
             <a:r>
-              <a:rPr lang="en-US" altLang="zh-CN"/>
+              <a:rPr lang="en-US" altLang="zh-CN" dirty="0"/>
               <a:t>codec</a:t>
             </a:r>
-            <a:endParaRPr lang="en-US" altLang="zh-CN"/>
           </a:p>
         </p:txBody>
       </p:sp>
@@ -4053,10 +4122,9 @@
           <a:p>
             <a:pPr algn="ctr"/>
             <a:r>
-              <a:rPr lang="en-US" altLang="zh-CN"/>
+              <a:rPr lang="en-US" altLang="zh-CN" dirty="0"/>
               <a:t>proxy</a:t>
             </a:r>
-            <a:endParaRPr lang="en-US" altLang="zh-CN"/>
           </a:p>
         </p:txBody>
       </p:sp>
@@ -4100,7 +4168,7 @@
               </a:rPr>
               <a:t>request-response</a:t>
             </a:r>
-            <a:endParaRPr lang="en-US" altLang="zh-CN"/>
+            <a:endParaRPr lang="en-US" altLang="zh-CN" dirty="0"/>
           </a:p>
         </p:txBody>
       </p:sp>
@@ -4144,7 +4212,7 @@
               </a:rPr>
               <a:t>serializer</a:t>
             </a:r>
-            <a:endParaRPr lang="en-US"/>
+            <a:endParaRPr lang="en-US" dirty="0"/>
           </a:p>
         </p:txBody>
       </p:sp>
@@ -4895,11 +4963,6 @@
               </a:rPr>
               <a:t>v1.2</a:t>
             </a:r>
-            <a:endParaRPr lang="en-US" altLang="zh-CN" sz="2400" b="1" dirty="0">
-              <a:solidFill>
-                <a:prstClr val="black"/>
-              </a:solidFill>
-            </a:endParaRPr>
           </a:p>
         </p:txBody>
       </p:sp>
@@ -4953,7 +5016,7 @@
               <a:t>sync-over-</a:t>
             </a:r>
             <a:r>
-              <a:rPr kumimoji="1" lang="en-US" altLang="zh-CN" sz="1400" kern="0" dirty="0" err="1" smtClean="0">
+              <a:rPr kumimoji="1" lang="en-US" altLang="zh-CN" sz="1400" kern="0" dirty="0" smtClean="0">
                 <a:latin typeface="微软雅黑" panose="020B0503020204020204" charset="-122"/>
                 <a:ea typeface="微软雅黑" panose="020B0503020204020204" charset="-122"/>
                 <a:cs typeface="微软雅黑" panose="020B0503020204020204" charset="-122"/>
@@ -5126,7 +5189,7 @@
               <a:defRPr/>
             </a:pPr>
             <a:r>
-              <a:rPr kumimoji="1" lang="en-US" altLang="zh-CN" sz="1400" b="1" kern="0" dirty="0" err="1" smtClean="0">
+              <a:rPr kumimoji="1" lang="en-US" altLang="zh-CN" sz="1400" b="1" kern="0" dirty="0" smtClean="0">
                 <a:latin typeface="微软雅黑" panose="020B0503020204020204" charset="-122"/>
                 <a:ea typeface="微软雅黑" panose="020B0503020204020204" charset="-122"/>
                 <a:cs typeface="微软雅黑" panose="020B0503020204020204" charset="-122"/>
@@ -5190,11 +5253,6 @@
               </a:rPr>
               <a:t>request-response</a:t>
             </a:r>
-            <a:endParaRPr kumimoji="1" lang="en-US" altLang="zh-CN" sz="1400" kern="0" dirty="0">
-              <a:latin typeface="微软雅黑" panose="020B0503020204020204" charset="-122"/>
-              <a:ea typeface="微软雅黑" panose="020B0503020204020204" charset="-122"/>
-              <a:cs typeface="微软雅黑" panose="020B0503020204020204" charset="-122"/>
-            </a:endParaRPr>
           </a:p>
         </p:txBody>
       </p:sp>
@@ -5479,11 +5537,6 @@
               </a:rPr>
               <a:t>remoting</a:t>
             </a:r>
-            <a:endParaRPr kumimoji="1" lang="en-US" altLang="zh-CN" sz="1400" b="1" kern="0" dirty="0">
-              <a:latin typeface="微软雅黑" panose="020B0503020204020204" charset="-122"/>
-              <a:ea typeface="微软雅黑" panose="020B0503020204020204" charset="-122"/>
-              <a:cs typeface="微软雅黑" panose="020B0503020204020204" charset="-122"/>
-            </a:endParaRPr>
           </a:p>
         </p:txBody>
       </p:sp>
@@ -5536,11 +5589,6 @@
               </a:rPr>
               <a:t>codec</a:t>
             </a:r>
-            <a:endParaRPr kumimoji="1" lang="en-US" altLang="zh-CN" sz="1400" kern="0" dirty="0">
-              <a:latin typeface="微软雅黑" panose="020B0503020204020204" charset="-122"/>
-              <a:ea typeface="微软雅黑" panose="020B0503020204020204" charset="-122"/>
-              <a:cs typeface="微软雅黑" panose="020B0503020204020204" charset="-122"/>
-            </a:endParaRPr>
           </a:p>
         </p:txBody>
       </p:sp>
@@ -5658,11 +5706,6 @@
               </a:rPr>
               <a:t>registry</a:t>
             </a:r>
-            <a:endParaRPr kumimoji="1" lang="en-US" altLang="zh-CN" sz="1400" kern="0" dirty="0" smtClean="0">
-              <a:latin typeface="微软雅黑" panose="020B0503020204020204" charset="-122"/>
-              <a:ea typeface="微软雅黑" panose="020B0503020204020204" charset="-122"/>
-              <a:cs typeface="微软雅黑" panose="020B0503020204020204" charset="-122"/>
-            </a:endParaRPr>
           </a:p>
         </p:txBody>
       </p:sp>
@@ -5722,6 +5765,899 @@
         </p:txBody>
       </p:sp>
     </p:spTree>
+  </p:cSld>
+  <p:clrMapOvr>
+    <a:masterClrMapping/>
+  </p:clrMapOvr>
+</p:sld>
+</file>
+
+<file path=ppt/slides/slide3.xml><?xml version="1.0" encoding="utf-8"?>
+<p:sld xmlns:a="http://schemas.openxmlformats.org/drawingml/2006/main" xmlns:r="http://schemas.openxmlformats.org/officeDocument/2006/relationships" xmlns:p="http://schemas.openxmlformats.org/presentationml/2006/main">
+  <p:cSld>
+    <p:spTree>
+      <p:nvGrpSpPr>
+        <p:cNvPr id="1" name=""/>
+        <p:cNvGrpSpPr/>
+        <p:nvPr/>
+      </p:nvGrpSpPr>
+      <p:grpSpPr>
+        <a:xfrm>
+          <a:off x="0" y="0"/>
+          <a:ext cx="0" cy="0"/>
+          <a:chOff x="0" y="0"/>
+          <a:chExt cx="0" cy="0"/>
+        </a:xfrm>
+      </p:grpSpPr>
+      <p:sp>
+        <p:nvSpPr>
+          <p:cNvPr id="20" name="矩形 19"/>
+          <p:cNvSpPr/>
+          <p:nvPr/>
+        </p:nvSpPr>
+        <p:spPr>
+          <a:xfrm>
+            <a:off x="3278447" y="5166578"/>
+            <a:ext cx="2779928" cy="461665"/>
+          </a:xfrm>
+          <a:prstGeom prst="rect">
+            <a:avLst/>
+          </a:prstGeom>
+        </p:spPr>
+        <p:txBody>
+          <a:bodyPr wrap="none">
+            <a:spAutoFit/>
+          </a:bodyPr>
+          <a:lstStyle/>
+          <a:p>
+            <a:pPr lvl="0" algn="ctr"/>
+            <a:r>
+              <a:rPr lang="en-US" altLang="zh-CN" sz="2400" b="1" dirty="0">
+                <a:solidFill>
+                  <a:prstClr val="black"/>
+                </a:solidFill>
+              </a:rPr>
+              <a:t>XXL-RPC</a:t>
+            </a:r>
+            <a:r>
+              <a:rPr lang="zh-CN" altLang="en-US" sz="2400" b="1" dirty="0">
+                <a:solidFill>
+                  <a:prstClr val="black"/>
+                </a:solidFill>
+              </a:rPr>
+              <a:t>架构图 </a:t>
+            </a:r>
+            <a:r>
+              <a:rPr lang="en-US" altLang="zh-CN" sz="2400" b="1" dirty="0" smtClean="0">
+                <a:solidFill>
+                  <a:prstClr val="black"/>
+                </a:solidFill>
+              </a:rPr>
+              <a:t>v1.3</a:t>
+            </a:r>
+            <a:endParaRPr lang="en-US" altLang="zh-CN" sz="2400" b="1" dirty="0">
+              <a:solidFill>
+                <a:prstClr val="black"/>
+              </a:solidFill>
+            </a:endParaRPr>
+          </a:p>
+        </p:txBody>
+      </p:sp>
+      <p:sp>
+        <p:nvSpPr>
+          <p:cNvPr id="21" name="圆角矩形 20"/>
+          <p:cNvSpPr/>
+          <p:nvPr/>
+        </p:nvSpPr>
+        <p:spPr>
+          <a:xfrm>
+            <a:off x="1624559" y="4109763"/>
+            <a:ext cx="1621633" cy="416068"/>
+          </a:xfrm>
+          <a:prstGeom prst="roundRect">
+            <a:avLst/>
+          </a:prstGeom>
+          <a:solidFill>
+            <a:srgbClr val="58B8D1"/>
+          </a:solidFill>
+          <a:ln>
+            <a:noFill/>
+          </a:ln>
+          <a:effectLst>
+            <a:outerShdw blurRad="57150" dist="19050" dir="5400000" algn="ctr" rotWithShape="0">
+              <a:srgbClr val="000000">
+                <a:alpha val="63000"/>
+              </a:srgbClr>
+            </a:outerShdw>
+          </a:effectLst>
+        </p:spPr>
+        <p:txBody>
+          <a:bodyPr anchor="ctr"/>
+          <a:lstStyle/>
+          <a:p>
+            <a:pPr algn="ctr" defTabSz="913765" eaLnBrk="0" fontAlgn="base" hangingPunct="0">
+              <a:spcBef>
+                <a:spcPct val="0"/>
+              </a:spcBef>
+              <a:spcAft>
+                <a:spcPct val="0"/>
+              </a:spcAft>
+              <a:defRPr/>
+            </a:pPr>
+            <a:r>
+              <a:rPr kumimoji="1" lang="en-US" altLang="zh-CN" sz="1400" kern="0" dirty="0" smtClean="0">
+                <a:latin typeface="微软雅黑" panose="020B0503020204020204" charset="-122"/>
+                <a:ea typeface="微软雅黑" panose="020B0503020204020204" charset="-122"/>
+                <a:cs typeface="微软雅黑" panose="020B0503020204020204" charset="-122"/>
+              </a:rPr>
+              <a:t>sync-over-</a:t>
+            </a:r>
+            <a:r>
+              <a:rPr kumimoji="1" lang="en-US" altLang="zh-CN" sz="1400" kern="0" dirty="0" smtClean="0">
+                <a:latin typeface="微软雅黑" panose="020B0503020204020204" charset="-122"/>
+                <a:ea typeface="微软雅黑" panose="020B0503020204020204" charset="-122"/>
+                <a:cs typeface="微软雅黑" panose="020B0503020204020204" charset="-122"/>
+              </a:rPr>
+              <a:t>async</a:t>
+            </a:r>
+            <a:endParaRPr kumimoji="1" lang="en-US" altLang="zh-CN" sz="1400" kern="0" dirty="0">
+              <a:latin typeface="微软雅黑" panose="020B0503020204020204" charset="-122"/>
+              <a:ea typeface="微软雅黑" panose="020B0503020204020204" charset="-122"/>
+              <a:cs typeface="微软雅黑" panose="020B0503020204020204" charset="-122"/>
+            </a:endParaRPr>
+          </a:p>
+        </p:txBody>
+      </p:sp>
+      <p:sp>
+        <p:nvSpPr>
+          <p:cNvPr id="22" name="矩形 21"/>
+          <p:cNvSpPr/>
+          <p:nvPr/>
+        </p:nvSpPr>
+        <p:spPr>
+          <a:xfrm>
+            <a:off x="3681735" y="1552941"/>
+            <a:ext cx="1927503" cy="989677"/>
+          </a:xfrm>
+          <a:prstGeom prst="rect">
+            <a:avLst/>
+          </a:prstGeom>
+          <a:noFill/>
+          <a:ln w="12700" cap="flat" cmpd="sng" algn="ctr">
+            <a:solidFill>
+              <a:srgbClr val="5B9BD5">
+                <a:shade val="50000"/>
+              </a:srgbClr>
+            </a:solidFill>
+            <a:prstDash val="dash"/>
+            <a:miter lim="800000"/>
+          </a:ln>
+          <a:effectLst/>
+        </p:spPr>
+        <p:txBody>
+          <a:bodyPr anchor="b"/>
+          <a:lstStyle/>
+          <a:p>
+            <a:pPr algn="ctr" defTabSz="913765" eaLnBrk="0" fontAlgn="base" hangingPunct="0">
+              <a:spcBef>
+                <a:spcPct val="0"/>
+              </a:spcBef>
+              <a:spcAft>
+                <a:spcPct val="0"/>
+              </a:spcAft>
+              <a:defRPr/>
+            </a:pPr>
+            <a:r>
+              <a:rPr kumimoji="1" lang="en-US" altLang="zh-CN" sz="1400" b="1" kern="0" dirty="0" smtClean="0">
+                <a:latin typeface="微软雅黑" panose="020B0503020204020204" charset="-122"/>
+                <a:ea typeface="微软雅黑" panose="020B0503020204020204" charset="-122"/>
+                <a:cs typeface="微软雅黑" panose="020B0503020204020204" charset="-122"/>
+              </a:rPr>
+              <a:t>provider</a:t>
+            </a:r>
+            <a:endParaRPr kumimoji="1" lang="zh-CN" altLang="en-US" sz="1400" b="1" kern="0" dirty="0">
+              <a:latin typeface="微软雅黑" panose="020B0503020204020204" charset="-122"/>
+              <a:ea typeface="微软雅黑" panose="020B0503020204020204" charset="-122"/>
+              <a:cs typeface="微软雅黑" panose="020B0503020204020204" charset="-122"/>
+            </a:endParaRPr>
+          </a:p>
+        </p:txBody>
+      </p:sp>
+      <p:sp>
+        <p:nvSpPr>
+          <p:cNvPr id="25" name="可选流程 24"/>
+          <p:cNvSpPr/>
+          <p:nvPr/>
+        </p:nvSpPr>
+        <p:spPr>
+          <a:xfrm>
+            <a:off x="6032470" y="2682864"/>
+            <a:ext cx="1567464" cy="416068"/>
+          </a:xfrm>
+          <a:prstGeom prst="flowChartAlternateProcess">
+            <a:avLst/>
+          </a:prstGeom>
+          <a:solidFill>
+            <a:srgbClr val="D8D8D8"/>
+          </a:solidFill>
+          <a:ln>
+            <a:noFill/>
+          </a:ln>
+          <a:effectLst>
+            <a:outerShdw blurRad="57150" dist="19050" dir="5400000" algn="ctr" rotWithShape="0">
+              <a:srgbClr val="000000">
+                <a:alpha val="63000"/>
+              </a:srgbClr>
+            </a:outerShdw>
+          </a:effectLst>
+        </p:spPr>
+        <p:txBody>
+          <a:bodyPr anchor="ctr"/>
+          <a:lstStyle/>
+          <a:p>
+            <a:pPr algn="ctr" defTabSz="913765" eaLnBrk="0" fontAlgn="base" hangingPunct="0">
+              <a:spcBef>
+                <a:spcPct val="0"/>
+              </a:spcBef>
+              <a:spcAft>
+                <a:spcPct val="0"/>
+              </a:spcAft>
+              <a:defRPr/>
+            </a:pPr>
+            <a:r>
+              <a:rPr kumimoji="1" lang="en-US" altLang="zh-CN" sz="1400" kern="0" dirty="0">
+                <a:solidFill>
+                  <a:prstClr val="black"/>
+                </a:solidFill>
+                <a:latin typeface="Heiti SC Light" charset="-122"/>
+                <a:ea typeface="Heiti SC Light" charset="-122"/>
+                <a:cs typeface="Heiti SC Light" charset="-122"/>
+              </a:rPr>
+              <a:t>t</a:t>
+            </a:r>
+            <a:r>
+              <a:rPr kumimoji="1" lang="en-US" altLang="zh-CN" sz="1400" kern="0" dirty="0" smtClean="0">
+                <a:solidFill>
+                  <a:prstClr val="black"/>
+                </a:solidFill>
+                <a:latin typeface="Heiti SC Light" charset="-122"/>
+                <a:ea typeface="Heiti SC Light" charset="-122"/>
+                <a:cs typeface="Heiti SC Light" charset="-122"/>
+              </a:rPr>
+              <a:t>race/monitor</a:t>
+            </a:r>
+            <a:endParaRPr kumimoji="1" lang="zh-CN" altLang="en-US" sz="1400" kern="0" dirty="0">
+              <a:solidFill>
+                <a:prstClr val="black"/>
+              </a:solidFill>
+              <a:latin typeface="Heiti SC Light" charset="-122"/>
+              <a:ea typeface="Heiti SC Light" charset="-122"/>
+              <a:cs typeface="Heiti SC Light" charset="-122"/>
+            </a:endParaRPr>
+          </a:p>
+        </p:txBody>
+      </p:sp>
+      <p:sp>
+        <p:nvSpPr>
+          <p:cNvPr id="26" name="矩形 25"/>
+          <p:cNvSpPr/>
+          <p:nvPr/>
+        </p:nvSpPr>
+        <p:spPr>
+          <a:xfrm>
+            <a:off x="1403649" y="2766044"/>
+            <a:ext cx="4205589" cy="936826"/>
+          </a:xfrm>
+          <a:prstGeom prst="rect">
+            <a:avLst/>
+          </a:prstGeom>
+          <a:noFill/>
+          <a:ln w="12700" cap="flat" cmpd="sng" algn="ctr">
+            <a:solidFill>
+              <a:srgbClr val="5B9BD5">
+                <a:shade val="50000"/>
+              </a:srgbClr>
+            </a:solidFill>
+            <a:prstDash val="dash"/>
+            <a:miter lim="800000"/>
+          </a:ln>
+          <a:effectLst/>
+        </p:spPr>
+        <p:txBody>
+          <a:bodyPr anchor="b"/>
+          <a:lstStyle/>
+          <a:p>
+            <a:pPr algn="ctr" defTabSz="913765" eaLnBrk="0" fontAlgn="base" hangingPunct="0">
+              <a:spcBef>
+                <a:spcPct val="0"/>
+              </a:spcBef>
+              <a:spcAft>
+                <a:spcPct val="0"/>
+              </a:spcAft>
+              <a:defRPr/>
+            </a:pPr>
+            <a:r>
+              <a:rPr kumimoji="1" lang="en-US" altLang="zh-CN" sz="1400" b="1" kern="0" dirty="0" smtClean="0">
+                <a:latin typeface="微软雅黑" panose="020B0503020204020204" charset="-122"/>
+                <a:ea typeface="微软雅黑" panose="020B0503020204020204" charset="-122"/>
+                <a:cs typeface="微软雅黑" panose="020B0503020204020204" charset="-122"/>
+              </a:rPr>
+              <a:t>serializer</a:t>
+            </a:r>
+            <a:endParaRPr kumimoji="1" lang="zh-CN" altLang="en-US" sz="1400" b="1" kern="0" dirty="0">
+              <a:latin typeface="微软雅黑" panose="020B0503020204020204" charset="-122"/>
+              <a:ea typeface="微软雅黑" panose="020B0503020204020204" charset="-122"/>
+              <a:cs typeface="微软雅黑" panose="020B0503020204020204" charset="-122"/>
+            </a:endParaRPr>
+          </a:p>
+        </p:txBody>
+      </p:sp>
+      <p:sp>
+        <p:nvSpPr>
+          <p:cNvPr id="27" name="可选流程 26"/>
+          <p:cNvSpPr/>
+          <p:nvPr/>
+        </p:nvSpPr>
+        <p:spPr>
+          <a:xfrm>
+            <a:off x="1624559" y="2907581"/>
+            <a:ext cx="1770535" cy="416068"/>
+          </a:xfrm>
+          <a:prstGeom prst="flowChartAlternateProcess">
+            <a:avLst/>
+          </a:prstGeom>
+          <a:solidFill>
+            <a:srgbClr val="FAA756"/>
+          </a:solidFill>
+          <a:ln>
+            <a:noFill/>
+          </a:ln>
+          <a:effectLst>
+            <a:outerShdw blurRad="57150" dist="19050" dir="5400000" algn="ctr" rotWithShape="0">
+              <a:srgbClr val="000000">
+                <a:alpha val="63000"/>
+              </a:srgbClr>
+            </a:outerShdw>
+          </a:effectLst>
+        </p:spPr>
+        <p:txBody>
+          <a:bodyPr anchor="ctr"/>
+          <a:lstStyle/>
+          <a:p>
+            <a:pPr algn="ctr" defTabSz="913765" eaLnBrk="0" fontAlgn="base" hangingPunct="0">
+              <a:spcBef>
+                <a:spcPct val="0"/>
+              </a:spcBef>
+              <a:spcAft>
+                <a:spcPct val="0"/>
+              </a:spcAft>
+              <a:defRPr/>
+            </a:pPr>
+            <a:r>
+              <a:rPr kumimoji="1" lang="en-US" altLang="zh-CN" sz="1400" kern="0" dirty="0">
+                <a:latin typeface="微软雅黑" panose="020B0503020204020204" charset="-122"/>
+                <a:ea typeface="微软雅黑" panose="020B0503020204020204" charset="-122"/>
+                <a:cs typeface="微软雅黑" panose="020B0503020204020204" charset="-122"/>
+              </a:rPr>
+              <a:t>request-response</a:t>
+            </a:r>
+          </a:p>
+        </p:txBody>
+      </p:sp>
+      <p:sp>
+        <p:nvSpPr>
+          <p:cNvPr id="28" name="可选流程 27"/>
+          <p:cNvSpPr/>
+          <p:nvPr/>
+        </p:nvSpPr>
+        <p:spPr>
+          <a:xfrm>
+            <a:off x="3815054" y="2880448"/>
+            <a:ext cx="1563592" cy="416068"/>
+          </a:xfrm>
+          <a:prstGeom prst="flowChartAlternateProcess">
+            <a:avLst/>
+          </a:prstGeom>
+          <a:solidFill>
+            <a:srgbClr val="FAA756"/>
+          </a:solidFill>
+          <a:ln>
+            <a:noFill/>
+          </a:ln>
+          <a:effectLst>
+            <a:outerShdw blurRad="57150" dist="19050" dir="5400000" algn="ctr" rotWithShape="0">
+              <a:srgbClr val="000000">
+                <a:alpha val="63000"/>
+              </a:srgbClr>
+            </a:outerShdw>
+          </a:effectLst>
+        </p:spPr>
+        <p:txBody>
+          <a:bodyPr anchor="ctr"/>
+          <a:lstStyle/>
+          <a:p>
+            <a:pPr algn="ctr" defTabSz="913765" eaLnBrk="0" fontAlgn="base" hangingPunct="0">
+              <a:spcBef>
+                <a:spcPct val="0"/>
+              </a:spcBef>
+              <a:spcAft>
+                <a:spcPct val="0"/>
+              </a:spcAft>
+              <a:defRPr/>
+            </a:pPr>
+            <a:r>
+              <a:rPr kumimoji="1" lang="en-US" altLang="zh-CN" sz="1400" kern="0" dirty="0">
+                <a:latin typeface="微软雅黑" panose="020B0503020204020204" charset="-122"/>
+                <a:ea typeface="微软雅黑" panose="020B0503020204020204" charset="-122"/>
+                <a:cs typeface="微软雅黑" panose="020B0503020204020204" charset="-122"/>
+              </a:rPr>
+              <a:t>data </a:t>
+            </a:r>
+            <a:r>
+              <a:rPr kumimoji="1" lang="en-US" altLang="zh-CN" sz="1400" kern="0" dirty="0" smtClean="0">
+                <a:latin typeface="微软雅黑" panose="020B0503020204020204" charset="-122"/>
+                <a:ea typeface="微软雅黑" panose="020B0503020204020204" charset="-122"/>
+                <a:cs typeface="微软雅黑" panose="020B0503020204020204" charset="-122"/>
+              </a:rPr>
+              <a:t>protocol</a:t>
+            </a:r>
+            <a:endParaRPr kumimoji="1" lang="en-US" altLang="zh-CN" sz="1400" kern="0" dirty="0">
+              <a:latin typeface="微软雅黑" panose="020B0503020204020204" charset="-122"/>
+              <a:ea typeface="微软雅黑" panose="020B0503020204020204" charset="-122"/>
+              <a:cs typeface="微软雅黑" panose="020B0503020204020204" charset="-122"/>
+            </a:endParaRPr>
+          </a:p>
+        </p:txBody>
+      </p:sp>
+      <p:sp>
+        <p:nvSpPr>
+          <p:cNvPr id="29" name="矩形 28"/>
+          <p:cNvSpPr/>
+          <p:nvPr/>
+        </p:nvSpPr>
+        <p:spPr>
+          <a:xfrm>
+            <a:off x="1403649" y="1565099"/>
+            <a:ext cx="2048514" cy="989677"/>
+          </a:xfrm>
+          <a:prstGeom prst="rect">
+            <a:avLst/>
+          </a:prstGeom>
+          <a:noFill/>
+          <a:ln w="12700" cap="flat" cmpd="sng" algn="ctr">
+            <a:solidFill>
+              <a:srgbClr val="5B9BD5">
+                <a:shade val="50000"/>
+              </a:srgbClr>
+            </a:solidFill>
+            <a:prstDash val="dash"/>
+            <a:miter lim="800000"/>
+          </a:ln>
+          <a:effectLst/>
+        </p:spPr>
+        <p:txBody>
+          <a:bodyPr anchor="b"/>
+          <a:lstStyle/>
+          <a:p>
+            <a:pPr algn="ctr" defTabSz="913765" eaLnBrk="0" fontAlgn="base" hangingPunct="0">
+              <a:spcBef>
+                <a:spcPct val="0"/>
+              </a:spcBef>
+              <a:spcAft>
+                <a:spcPct val="0"/>
+              </a:spcAft>
+              <a:defRPr/>
+            </a:pPr>
+            <a:r>
+              <a:rPr kumimoji="1" lang="en-US" altLang="zh-CN" sz="1400" b="1" kern="0" dirty="0" smtClean="0">
+                <a:latin typeface="微软雅黑" panose="020B0503020204020204" charset="-122"/>
+                <a:ea typeface="微软雅黑" panose="020B0503020204020204" charset="-122"/>
+                <a:cs typeface="微软雅黑" panose="020B0503020204020204" charset="-122"/>
+              </a:rPr>
+              <a:t>invoker</a:t>
+            </a:r>
+            <a:endParaRPr kumimoji="1" lang="zh-CN" altLang="en-US" sz="1400" b="1" kern="0" dirty="0">
+              <a:latin typeface="微软雅黑" panose="020B0503020204020204" charset="-122"/>
+              <a:ea typeface="微软雅黑" panose="020B0503020204020204" charset="-122"/>
+              <a:cs typeface="微软雅黑" panose="020B0503020204020204" charset="-122"/>
+            </a:endParaRPr>
+          </a:p>
+        </p:txBody>
+      </p:sp>
+      <p:sp>
+        <p:nvSpPr>
+          <p:cNvPr id="30" name="可选流程 29"/>
+          <p:cNvSpPr/>
+          <p:nvPr/>
+        </p:nvSpPr>
+        <p:spPr>
+          <a:xfrm>
+            <a:off x="3815053" y="1680749"/>
+            <a:ext cx="1567464" cy="416068"/>
+          </a:xfrm>
+          <a:prstGeom prst="flowChartAlternateProcess">
+            <a:avLst/>
+          </a:prstGeom>
+          <a:solidFill>
+            <a:srgbClr val="ABC36C"/>
+          </a:solidFill>
+          <a:ln>
+            <a:noFill/>
+          </a:ln>
+          <a:effectLst>
+            <a:outerShdw blurRad="57150" dist="19050" dir="5400000" algn="ctr" rotWithShape="0">
+              <a:srgbClr val="000000">
+                <a:alpha val="63000"/>
+              </a:srgbClr>
+            </a:outerShdw>
+          </a:effectLst>
+        </p:spPr>
+        <p:txBody>
+          <a:bodyPr anchor="ctr"/>
+          <a:lstStyle/>
+          <a:p>
+            <a:pPr algn="ctr" defTabSz="913765" eaLnBrk="0" fontAlgn="base" hangingPunct="0">
+              <a:spcBef>
+                <a:spcPct val="0"/>
+              </a:spcBef>
+              <a:spcAft>
+                <a:spcPct val="0"/>
+              </a:spcAft>
+              <a:defRPr/>
+            </a:pPr>
+            <a:r>
+              <a:rPr kumimoji="1" lang="en-US" altLang="zh-CN" sz="1400" kern="0" dirty="0" smtClean="0">
+                <a:latin typeface="微软雅黑" panose="020B0503020204020204" charset="-122"/>
+                <a:ea typeface="微软雅黑" panose="020B0503020204020204" charset="-122"/>
+                <a:cs typeface="微软雅黑" panose="020B0503020204020204" charset="-122"/>
+              </a:rPr>
+              <a:t>server</a:t>
+            </a:r>
+            <a:endParaRPr kumimoji="1" lang="zh-CN" altLang="en-US" sz="1400" kern="0" dirty="0">
+              <a:latin typeface="微软雅黑" panose="020B0503020204020204" charset="-122"/>
+              <a:ea typeface="微软雅黑" panose="020B0503020204020204" charset="-122"/>
+              <a:cs typeface="微软雅黑" panose="020B0503020204020204" charset="-122"/>
+            </a:endParaRPr>
+          </a:p>
+        </p:txBody>
+      </p:sp>
+      <p:sp>
+        <p:nvSpPr>
+          <p:cNvPr id="31" name="可选流程 30"/>
+          <p:cNvSpPr/>
+          <p:nvPr/>
+        </p:nvSpPr>
+        <p:spPr>
+          <a:xfrm>
+            <a:off x="1624559" y="1692899"/>
+            <a:ext cx="1567464" cy="416068"/>
+          </a:xfrm>
+          <a:prstGeom prst="flowChartAlternateProcess">
+            <a:avLst/>
+          </a:prstGeom>
+          <a:solidFill>
+            <a:srgbClr val="ABC36C"/>
+          </a:solidFill>
+          <a:ln>
+            <a:noFill/>
+          </a:ln>
+          <a:effectLst>
+            <a:outerShdw blurRad="57150" dist="19050" dir="5400000" algn="ctr" rotWithShape="0">
+              <a:srgbClr val="000000">
+                <a:alpha val="63000"/>
+              </a:srgbClr>
+            </a:outerShdw>
+          </a:effectLst>
+        </p:spPr>
+        <p:txBody>
+          <a:bodyPr anchor="ctr"/>
+          <a:lstStyle/>
+          <a:p>
+            <a:pPr algn="ctr" defTabSz="913765" eaLnBrk="0" fontAlgn="base" hangingPunct="0">
+              <a:spcBef>
+                <a:spcPct val="0"/>
+              </a:spcBef>
+              <a:spcAft>
+                <a:spcPct val="0"/>
+              </a:spcAft>
+              <a:defRPr/>
+            </a:pPr>
+            <a:r>
+              <a:rPr kumimoji="1" lang="en-US" altLang="zh-CN" sz="1400" kern="0" dirty="0">
+                <a:latin typeface="微软雅黑" panose="020B0503020204020204" charset="-122"/>
+                <a:ea typeface="微软雅黑" panose="020B0503020204020204" charset="-122"/>
+                <a:cs typeface="微软雅黑" panose="020B0503020204020204" charset="-122"/>
+              </a:rPr>
+              <a:t>proxy</a:t>
+            </a:r>
+            <a:endParaRPr kumimoji="1" lang="zh-CN" altLang="en-US" sz="1400" kern="0" dirty="0">
+              <a:latin typeface="微软雅黑" panose="020B0503020204020204" charset="-122"/>
+              <a:ea typeface="微软雅黑" panose="020B0503020204020204" charset="-122"/>
+              <a:cs typeface="微软雅黑" panose="020B0503020204020204" charset="-122"/>
+            </a:endParaRPr>
+          </a:p>
+        </p:txBody>
+      </p:sp>
+      <p:sp>
+        <p:nvSpPr>
+          <p:cNvPr id="33" name="矩形 32"/>
+          <p:cNvSpPr/>
+          <p:nvPr/>
+        </p:nvSpPr>
+        <p:spPr>
+          <a:xfrm>
+            <a:off x="1403648" y="3933056"/>
+            <a:ext cx="6350428" cy="994133"/>
+          </a:xfrm>
+          <a:prstGeom prst="rect">
+            <a:avLst/>
+          </a:prstGeom>
+          <a:noFill/>
+          <a:ln w="12700" cap="flat" cmpd="sng" algn="ctr">
+            <a:solidFill>
+              <a:srgbClr val="5B9BD5">
+                <a:shade val="50000"/>
+              </a:srgbClr>
+            </a:solidFill>
+            <a:prstDash val="dash"/>
+            <a:miter lim="800000"/>
+          </a:ln>
+          <a:effectLst/>
+        </p:spPr>
+        <p:txBody>
+          <a:bodyPr anchor="b"/>
+          <a:lstStyle/>
+          <a:p>
+            <a:pPr algn="ctr" defTabSz="913765" eaLnBrk="0" fontAlgn="base" hangingPunct="0">
+              <a:spcBef>
+                <a:spcPct val="0"/>
+              </a:spcBef>
+              <a:spcAft>
+                <a:spcPct val="0"/>
+              </a:spcAft>
+              <a:defRPr/>
+            </a:pPr>
+            <a:r>
+              <a:rPr kumimoji="1" lang="en-US" altLang="zh-CN" sz="1400" b="1" kern="0" dirty="0">
+                <a:latin typeface="微软雅黑" panose="020B0503020204020204" charset="-122"/>
+                <a:ea typeface="微软雅黑" panose="020B0503020204020204" charset="-122"/>
+                <a:cs typeface="微软雅黑" panose="020B0503020204020204" charset="-122"/>
+              </a:rPr>
+              <a:t>remoting</a:t>
+            </a:r>
+          </a:p>
+        </p:txBody>
+      </p:sp>
+      <p:sp>
+        <p:nvSpPr>
+          <p:cNvPr id="34" name="圆角矩形 33"/>
+          <p:cNvSpPr/>
+          <p:nvPr/>
+        </p:nvSpPr>
+        <p:spPr>
+          <a:xfrm>
+            <a:off x="3564623" y="4109763"/>
+            <a:ext cx="959232" cy="416068"/>
+          </a:xfrm>
+          <a:prstGeom prst="roundRect">
+            <a:avLst/>
+          </a:prstGeom>
+          <a:solidFill>
+            <a:srgbClr val="58B8D1"/>
+          </a:solidFill>
+          <a:ln>
+            <a:noFill/>
+          </a:ln>
+          <a:effectLst>
+            <a:outerShdw blurRad="57150" dist="19050" dir="5400000" algn="ctr" rotWithShape="0">
+              <a:srgbClr val="000000">
+                <a:alpha val="63000"/>
+              </a:srgbClr>
+            </a:outerShdw>
+          </a:effectLst>
+        </p:spPr>
+        <p:txBody>
+          <a:bodyPr anchor="ctr"/>
+          <a:lstStyle/>
+          <a:p>
+            <a:pPr algn="ctr" defTabSz="913765" eaLnBrk="0" fontAlgn="base" hangingPunct="0">
+              <a:spcBef>
+                <a:spcPct val="0"/>
+              </a:spcBef>
+              <a:spcAft>
+                <a:spcPct val="0"/>
+              </a:spcAft>
+              <a:defRPr/>
+            </a:pPr>
+            <a:r>
+              <a:rPr kumimoji="1" lang="en-US" altLang="zh-CN" sz="1400" kern="0" dirty="0">
+                <a:latin typeface="微软雅黑" panose="020B0503020204020204" charset="-122"/>
+                <a:ea typeface="微软雅黑" panose="020B0503020204020204" charset="-122"/>
+                <a:cs typeface="微软雅黑" panose="020B0503020204020204" charset="-122"/>
+              </a:rPr>
+              <a:t>codec</a:t>
+            </a:r>
+          </a:p>
+        </p:txBody>
+      </p:sp>
+      <p:sp>
+        <p:nvSpPr>
+          <p:cNvPr id="35" name="圆角矩形 34"/>
+          <p:cNvSpPr/>
+          <p:nvPr/>
+        </p:nvSpPr>
+        <p:spPr>
+          <a:xfrm>
+            <a:off x="4842286" y="4109763"/>
+            <a:ext cx="2731769" cy="416068"/>
+          </a:xfrm>
+          <a:prstGeom prst="roundRect">
+            <a:avLst/>
+          </a:prstGeom>
+          <a:solidFill>
+            <a:srgbClr val="58B8D1"/>
+          </a:solidFill>
+          <a:ln>
+            <a:noFill/>
+          </a:ln>
+          <a:effectLst>
+            <a:outerShdw blurRad="57150" dist="19050" dir="5400000" algn="ctr" rotWithShape="0">
+              <a:srgbClr val="000000">
+                <a:alpha val="63000"/>
+              </a:srgbClr>
+            </a:outerShdw>
+          </a:effectLst>
+        </p:spPr>
+        <p:txBody>
+          <a:bodyPr anchor="ctr"/>
+          <a:lstStyle/>
+          <a:p>
+            <a:pPr algn="ctr" defTabSz="913765" eaLnBrk="0" fontAlgn="base" hangingPunct="0">
+              <a:spcBef>
+                <a:spcPct val="0"/>
+              </a:spcBef>
+              <a:spcAft>
+                <a:spcPct val="0"/>
+              </a:spcAft>
+              <a:defRPr/>
+            </a:pPr>
+            <a:r>
+              <a:rPr kumimoji="1" lang="en-US" altLang="zh-CN" sz="1400" kern="0" dirty="0">
+                <a:latin typeface="微软雅黑" panose="020B0503020204020204" charset="-122"/>
+                <a:ea typeface="微软雅黑" panose="020B0503020204020204" charset="-122"/>
+                <a:cs typeface="微软雅黑" panose="020B0503020204020204" charset="-122"/>
+              </a:rPr>
+              <a:t>r</a:t>
+            </a:r>
+            <a:r>
+              <a:rPr kumimoji="1" lang="en-US" altLang="zh-CN" sz="1400" kern="0" dirty="0" smtClean="0">
+                <a:latin typeface="微软雅黑" panose="020B0503020204020204" charset="-122"/>
+                <a:ea typeface="微软雅黑" panose="020B0503020204020204" charset="-122"/>
+                <a:cs typeface="微软雅黑" panose="020B0503020204020204" charset="-122"/>
+              </a:rPr>
+              <a:t>emote procedure call</a:t>
+            </a:r>
+            <a:endParaRPr kumimoji="1" lang="en-US" altLang="zh-CN" sz="1400" kern="0" dirty="0">
+              <a:latin typeface="微软雅黑" panose="020B0503020204020204" charset="-122"/>
+              <a:ea typeface="微软雅黑" panose="020B0503020204020204" charset="-122"/>
+              <a:cs typeface="微软雅黑" panose="020B0503020204020204" charset="-122"/>
+            </a:endParaRPr>
+          </a:p>
+        </p:txBody>
+      </p:sp>
+      <p:sp>
+        <p:nvSpPr>
+          <p:cNvPr id="37" name="可选流程 36"/>
+          <p:cNvSpPr/>
+          <p:nvPr/>
+        </p:nvSpPr>
+        <p:spPr>
+          <a:xfrm>
+            <a:off x="6032385" y="1942381"/>
+            <a:ext cx="1515636" cy="416068"/>
+          </a:xfrm>
+          <a:prstGeom prst="flowChartAlternateProcess">
+            <a:avLst/>
+          </a:prstGeom>
+          <a:solidFill>
+            <a:srgbClr val="FAA756"/>
+          </a:solidFill>
+          <a:ln>
+            <a:noFill/>
+          </a:ln>
+          <a:effectLst>
+            <a:outerShdw blurRad="57150" dist="19050" dir="5400000" algn="ctr" rotWithShape="0">
+              <a:srgbClr val="000000">
+                <a:alpha val="63000"/>
+              </a:srgbClr>
+            </a:outerShdw>
+          </a:effectLst>
+        </p:spPr>
+        <p:txBody>
+          <a:bodyPr anchor="ctr"/>
+          <a:lstStyle/>
+          <a:p>
+            <a:pPr algn="ctr" defTabSz="913765" eaLnBrk="0" fontAlgn="base" hangingPunct="0">
+              <a:spcBef>
+                <a:spcPct val="0"/>
+              </a:spcBef>
+              <a:spcAft>
+                <a:spcPct val="0"/>
+              </a:spcAft>
+              <a:defRPr/>
+            </a:pPr>
+            <a:r>
+              <a:rPr kumimoji="1" lang="en-US" altLang="zh-CN" sz="1400" kern="0" dirty="0" smtClean="0">
+                <a:latin typeface="微软雅黑" panose="020B0503020204020204" charset="-122"/>
+                <a:ea typeface="微软雅黑" panose="020B0503020204020204" charset="-122"/>
+                <a:cs typeface="微软雅黑" panose="020B0503020204020204" charset="-122"/>
+              </a:rPr>
+              <a:t>registry</a:t>
+            </a:r>
+          </a:p>
+        </p:txBody>
+      </p:sp>
+      <p:sp>
+        <p:nvSpPr>
+          <p:cNvPr id="38" name="矩形 37"/>
+          <p:cNvSpPr/>
+          <p:nvPr/>
+        </p:nvSpPr>
+        <p:spPr>
+          <a:xfrm>
+            <a:off x="5826760" y="1553210"/>
+            <a:ext cx="1927225" cy="2148840"/>
+          </a:xfrm>
+          <a:prstGeom prst="rect">
+            <a:avLst/>
+          </a:prstGeom>
+          <a:noFill/>
+          <a:ln w="12700" cap="flat" cmpd="sng" algn="ctr">
+            <a:solidFill>
+              <a:srgbClr val="5B9BD5">
+                <a:shade val="50000"/>
+              </a:srgbClr>
+            </a:solidFill>
+            <a:prstDash val="dash"/>
+            <a:miter lim="800000"/>
+          </a:ln>
+          <a:effectLst/>
+        </p:spPr>
+        <p:txBody>
+          <a:bodyPr anchor="b"/>
+          <a:lstStyle/>
+          <a:p>
+            <a:pPr algn="ctr" defTabSz="913765" eaLnBrk="0" fontAlgn="base" hangingPunct="0">
+              <a:spcBef>
+                <a:spcPct val="0"/>
+              </a:spcBef>
+              <a:spcAft>
+                <a:spcPct val="0"/>
+              </a:spcAft>
+              <a:defRPr/>
+            </a:pPr>
+            <a:r>
+              <a:rPr kumimoji="1" lang="en-US" altLang="zh-CN" sz="1400" b="1" kern="0" dirty="0" smtClean="0">
+                <a:latin typeface="微软雅黑" panose="020B0503020204020204" charset="-122"/>
+                <a:ea typeface="微软雅黑" panose="020B0503020204020204" charset="-122"/>
+                <a:cs typeface="微软雅黑" panose="020B0503020204020204" charset="-122"/>
+              </a:rPr>
+              <a:t>plugin</a:t>
+            </a:r>
+            <a:endParaRPr kumimoji="1" lang="zh-CN" altLang="en-US" sz="1400" b="1" kern="0" dirty="0">
+              <a:latin typeface="微软雅黑" panose="020B0503020204020204" charset="-122"/>
+              <a:ea typeface="微软雅黑" panose="020B0503020204020204" charset="-122"/>
+              <a:cs typeface="微软雅黑" panose="020B0503020204020204" charset="-122"/>
+            </a:endParaRPr>
+          </a:p>
+        </p:txBody>
+      </p:sp>
+    </p:spTree>
+    <p:extLst>
+      <p:ext uri="{BB962C8B-B14F-4D97-AF65-F5344CB8AC3E}">
+        <p14:creationId xmlns:p14="http://schemas.microsoft.com/office/powerpoint/2010/main" val="1702956684"/>
+      </p:ext>
+    </p:extLst>
   </p:cSld>
   <p:clrMapOvr>
     <a:masterClrMapping/>
@@ -6007,6 +6943,8 @@
       </a:bgFillStyleLst>
     </a:fmtScheme>
   </a:themeElements>
+  <a:objectDefaults/>
+  <a:extraClrSchemeLst/>
   <a:extLst>
     <a:ext uri="{05A4C25C-085E-4340-85A3-A5531E510DB2}">
       <thm15:themeFamily xmlns:thm15="http://schemas.microsoft.com/office/thememl/2012/main" name="Office Theme" id="{62F939B6-93AF-4DB8-9C6B-D6C7DFDC589F}" vid="{4A3C46E8-61CC-4603-A589-7422A47A8E4A}"/>
@@ -6266,6 +7204,8 @@
       </a:bgFillStyleLst>
     </a:fmtScheme>
   </a:themeElements>
+  <a:objectDefaults/>
+  <a:extraClrSchemeLst/>
   <a:extLst>
     <a:ext uri="{05A4C25C-085E-4340-85A3-A5531E510DB2}">
       <thm15:themeFamily xmlns:thm15="http://schemas.microsoft.com/office/thememl/2012/main" name="Office Theme" id="{62F939B6-93AF-4DB8-9C6B-D6C7DFDC589F}" vid="{4A3C46E8-61CC-4603-A589-7422A47A8E4A}"/>

--- a/doc/XXL-RPC架构图.pptx
+++ b/doc/XXL-RPC架构图.pptx
@@ -1,6 +1,6 @@
 
 <file path=ppt/presentation.xml><?xml version="1.0" encoding="utf-8"?>
-<p:presentation xmlns:a="http://schemas.openxmlformats.org/drawingml/2006/main" xmlns:r="http://schemas.openxmlformats.org/officeDocument/2006/relationships" xmlns:p="http://schemas.openxmlformats.org/presentationml/2006/main" saveSubsetFonts="1">
+<p:presentation xmlns:a="http://schemas.openxmlformats.org/drawingml/2006/main" xmlns:r="http://schemas.openxmlformats.org/officeDocument/2006/relationships" xmlns:p="http://schemas.openxmlformats.org/presentationml/2006/main">
   <p:sldMasterIdLst>
     <p:sldMasterId id="2147483648" r:id="rId1"/>
   </p:sldMasterIdLst>
@@ -8,9 +8,10 @@
     <p:notesMasterId r:id="rId5"/>
   </p:notesMasterIdLst>
   <p:sldIdLst>
-    <p:sldId id="264" r:id="rId2"/>
-    <p:sldId id="265" r:id="rId3"/>
-    <p:sldId id="266" r:id="rId4"/>
+    <p:sldId id="264" r:id="rId3"/>
+    <p:sldId id="265" r:id="rId4"/>
+    <p:sldId id="266" r:id="rId6"/>
+    <p:sldId id="267" r:id="rId7"/>
   </p:sldIdLst>
   <p:sldSz cx="9144000" cy="6858000" type="screen4x3"/>
   <p:notesSz cx="6858000" cy="9144000"/>
@@ -109,22 +110,6 @@
       </a:defRPr>
     </a:lvl9pPr>
   </p:defaultTextStyle>
-  <p:extLst>
-    <p:ext uri="{EFAFB233-063F-42B5-8137-9DF3F51BA10A}">
-      <p15:sldGuideLst xmlns:p15="http://schemas.microsoft.com/office/powerpoint/2012/main">
-        <p15:guide id="1" orient="horz" pos="2191">
-          <p15:clr>
-            <a:srgbClr val="A4A3A4"/>
-          </p15:clr>
-        </p15:guide>
-        <p15:guide id="2" pos="2880">
-          <p15:clr>
-            <a:srgbClr val="A4A3A4"/>
-          </p15:clr>
-        </p15:guide>
-      </p15:sldGuideLst>
-    </p:ext>
-  </p:extLst>
 </p:presentation>
 </file>
 
@@ -210,7 +195,6 @@
           <a:p>
             <a:fld id="{D2A48B96-639E-45A3-A0BA-2464DFDB1FAA}" type="datetimeFigureOut">
               <a:rPr lang="zh-CN" altLang="en-US" smtClean="0"/>
-              <a:t>2018/12/21</a:t>
             </a:fld>
             <a:endParaRPr lang="zh-CN" altLang="en-US"/>
           </a:p>
@@ -277,6 +261,7 @@
               <a:rPr lang="zh-CN" altLang="en-US" smtClean="0"/>
               <a:t>单击此处编辑母版文本样式</a:t>
             </a:r>
+            <a:endParaRPr lang="zh-CN" altLang="en-US" smtClean="0"/>
           </a:p>
           <a:p>
             <a:pPr lvl="1"/>
@@ -284,6 +269,7 @@
               <a:rPr lang="zh-CN" altLang="en-US" smtClean="0"/>
               <a:t>第二级</a:t>
             </a:r>
+            <a:endParaRPr lang="zh-CN" altLang="en-US" smtClean="0"/>
           </a:p>
           <a:p>
             <a:pPr lvl="2"/>
@@ -291,6 +277,7 @@
               <a:rPr lang="zh-CN" altLang="en-US" smtClean="0"/>
               <a:t>第三级</a:t>
             </a:r>
+            <a:endParaRPr lang="zh-CN" altLang="en-US" smtClean="0"/>
           </a:p>
           <a:p>
             <a:pPr lvl="3"/>
@@ -298,6 +285,7 @@
               <a:rPr lang="zh-CN" altLang="en-US" smtClean="0"/>
               <a:t>第四级</a:t>
             </a:r>
+            <a:endParaRPr lang="zh-CN" altLang="en-US" smtClean="0"/>
           </a:p>
           <a:p>
             <a:pPr lvl="4"/>
@@ -369,18 +357,12 @@
           <a:p>
             <a:fld id="{A6837353-30EB-4A48-80EB-173D804AEFBD}" type="slidenum">
               <a:rPr lang="zh-CN" altLang="en-US" smtClean="0"/>
-              <a:t>‹#›</a:t>
             </a:fld>
             <a:endParaRPr lang="zh-CN" altLang="en-US"/>
           </a:p>
         </p:txBody>
       </p:sp>
     </p:spTree>
-    <p:extLst>
-      <p:ext uri="{BB962C8B-B14F-4D97-AF65-F5344CB8AC3E}">
-        <p14:creationId xmlns:p14="http://schemas.microsoft.com/office/powerpoint/2010/main" val="1489460228"/>
-      </p:ext>
-    </p:extLst>
   </p:cSld>
   <p:clrMap bg1="lt1" tx1="dk1" bg2="lt2" tx2="dk2" accent1="accent1" accent2="accent2" accent3="accent3" accent4="accent4" accent5="accent5" accent6="accent6" hlink="hlink" folHlink="folHlink"/>
   <p:notesStyle>
@@ -543,18 +525,12 @@
           <a:p>
             <a:fld id="{A6837353-30EB-4A48-80EB-173D804AEFBD}" type="slidenum">
               <a:rPr lang="zh-CN" altLang="en-US" smtClean="0"/>
-              <a:t>2</a:t>
             </a:fld>
             <a:endParaRPr lang="zh-CN" altLang="en-US"/>
           </a:p>
         </p:txBody>
       </p:sp>
     </p:spTree>
-    <p:extLst>
-      <p:ext uri="{BB962C8B-B14F-4D97-AF65-F5344CB8AC3E}">
-        <p14:creationId xmlns:p14="http://schemas.microsoft.com/office/powerpoint/2010/main" val="141178917"/>
-      </p:ext>
-    </p:extLst>
   </p:cSld>
   <p:clrMapOvr>
     <a:masterClrMapping/>
@@ -627,18 +603,90 @@
           <a:p>
             <a:fld id="{A6837353-30EB-4A48-80EB-173D804AEFBD}" type="slidenum">
               <a:rPr lang="zh-CN" altLang="en-US" smtClean="0"/>
-              <a:t>3</a:t>
             </a:fld>
             <a:endParaRPr lang="zh-CN" altLang="en-US"/>
           </a:p>
         </p:txBody>
       </p:sp>
     </p:spTree>
-    <p:extLst>
-      <p:ext uri="{BB962C8B-B14F-4D97-AF65-F5344CB8AC3E}">
-        <p14:creationId xmlns:p14="http://schemas.microsoft.com/office/powerpoint/2010/main" val="2078424419"/>
-      </p:ext>
-    </p:extLst>
+  </p:cSld>
+  <p:clrMapOvr>
+    <a:masterClrMapping/>
+  </p:clrMapOvr>
+</p:notes>
+</file>
+
+<file path=ppt/notesSlides/notesSlide3.xml><?xml version="1.0" encoding="utf-8"?>
+<p:notes xmlns:a="http://schemas.openxmlformats.org/drawingml/2006/main" xmlns:r="http://schemas.openxmlformats.org/officeDocument/2006/relationships" xmlns:p="http://schemas.openxmlformats.org/presentationml/2006/main">
+  <p:cSld>
+    <p:spTree>
+      <p:nvGrpSpPr>
+        <p:cNvPr id="1" name=""/>
+        <p:cNvGrpSpPr/>
+        <p:nvPr/>
+      </p:nvGrpSpPr>
+      <p:grpSpPr>
+        <a:xfrm>
+          <a:off x="0" y="0"/>
+          <a:ext cx="0" cy="0"/>
+          <a:chOff x="0" y="0"/>
+          <a:chExt cx="0" cy="0"/>
+        </a:xfrm>
+      </p:grpSpPr>
+      <p:sp>
+        <p:nvSpPr>
+          <p:cNvPr id="2" name="幻灯片图像占位符 1"/>
+          <p:cNvSpPr>
+            <a:spLocks noGrp="1" noRot="1" noChangeAspect="1"/>
+          </p:cNvSpPr>
+          <p:nvPr>
+            <p:ph type="sldImg"/>
+          </p:nvPr>
+        </p:nvSpPr>
+        <p:spPr/>
+      </p:sp>
+      <p:sp>
+        <p:nvSpPr>
+          <p:cNvPr id="3" name="备注占位符 2"/>
+          <p:cNvSpPr>
+            <a:spLocks noGrp="1"/>
+          </p:cNvSpPr>
+          <p:nvPr>
+            <p:ph type="body" idx="1"/>
+          </p:nvPr>
+        </p:nvSpPr>
+        <p:spPr/>
+        <p:txBody>
+          <a:bodyPr/>
+          <a:lstStyle/>
+          <a:p>
+            <a:endParaRPr kumimoji="1" lang="zh-CN" altLang="en-US" dirty="0"/>
+          </a:p>
+        </p:txBody>
+      </p:sp>
+      <p:sp>
+        <p:nvSpPr>
+          <p:cNvPr id="4" name="幻灯片编号占位符 3"/>
+          <p:cNvSpPr>
+            <a:spLocks noGrp="1"/>
+          </p:cNvSpPr>
+          <p:nvPr>
+            <p:ph type="sldNum" sz="quarter" idx="10"/>
+          </p:nvPr>
+        </p:nvSpPr>
+        <p:spPr/>
+        <p:txBody>
+          <a:bodyPr/>
+          <a:lstStyle/>
+          <a:p>
+            <a:fld id="{A6837353-30EB-4A48-80EB-173D804AEFBD}" type="slidenum">
+              <a:rPr lang="zh-CN" altLang="en-US" smtClean="0"/>
+            </a:fld>
+            <a:endParaRPr lang="zh-CN" altLang="en-US"/>
+          </a:p>
+        </p:txBody>
+      </p:sp>
+    </p:spTree>
   </p:cSld>
   <p:clrMapOvr>
     <a:masterClrMapping/>
@@ -827,7 +875,6 @@
           <a:p>
             <a:fld id="{412AD53C-0B11-4009-A8DE-410AD5B07B24}" type="datetimeFigureOut">
               <a:rPr lang="zh-CN" altLang="en-US" smtClean="0"/>
-              <a:t>2018/12/21</a:t>
             </a:fld>
             <a:endParaRPr lang="zh-CN" altLang="en-US"/>
           </a:p>
@@ -869,7 +916,6 @@
           <a:p>
             <a:fld id="{D1852977-412A-4F20-B1B0-7E8F02356B8C}" type="slidenum">
               <a:rPr lang="zh-CN" altLang="en-US" smtClean="0"/>
-              <a:t>‹#›</a:t>
             </a:fld>
             <a:endParaRPr lang="zh-CN" altLang="en-US"/>
           </a:p>
@@ -943,6 +989,7 @@
               <a:rPr lang="zh-CN" altLang="en-US" smtClean="0"/>
               <a:t>单击此处编辑母版文本样式</a:t>
             </a:r>
+            <a:endParaRPr lang="zh-CN" altLang="en-US" smtClean="0"/>
           </a:p>
           <a:p>
             <a:pPr lvl="1"/>
@@ -950,6 +997,7 @@
               <a:rPr lang="zh-CN" altLang="en-US" smtClean="0"/>
               <a:t>第二级</a:t>
             </a:r>
+            <a:endParaRPr lang="zh-CN" altLang="en-US" smtClean="0"/>
           </a:p>
           <a:p>
             <a:pPr lvl="2"/>
@@ -957,6 +1005,7 @@
               <a:rPr lang="zh-CN" altLang="en-US" smtClean="0"/>
               <a:t>第三级</a:t>
             </a:r>
+            <a:endParaRPr lang="zh-CN" altLang="en-US" smtClean="0"/>
           </a:p>
           <a:p>
             <a:pPr lvl="3"/>
@@ -964,6 +1013,7 @@
               <a:rPr lang="zh-CN" altLang="en-US" smtClean="0"/>
               <a:t>第四级</a:t>
             </a:r>
+            <a:endParaRPr lang="zh-CN" altLang="en-US" smtClean="0"/>
           </a:p>
           <a:p>
             <a:pPr lvl="4"/>
@@ -992,7 +1042,6 @@
           <a:p>
             <a:fld id="{412AD53C-0B11-4009-A8DE-410AD5B07B24}" type="datetimeFigureOut">
               <a:rPr lang="zh-CN" altLang="en-US" smtClean="0"/>
-              <a:t>2018/12/21</a:t>
             </a:fld>
             <a:endParaRPr lang="zh-CN" altLang="en-US"/>
           </a:p>
@@ -1034,7 +1083,6 @@
           <a:p>
             <a:fld id="{D1852977-412A-4F20-B1B0-7E8F02356B8C}" type="slidenum">
               <a:rPr lang="zh-CN" altLang="en-US" smtClean="0"/>
-              <a:t>‹#›</a:t>
             </a:fld>
             <a:endParaRPr lang="zh-CN" altLang="en-US"/>
           </a:p>
@@ -1118,6 +1166,7 @@
               <a:rPr lang="zh-CN" altLang="en-US" smtClean="0"/>
               <a:t>单击此处编辑母版文本样式</a:t>
             </a:r>
+            <a:endParaRPr lang="zh-CN" altLang="en-US" smtClean="0"/>
           </a:p>
           <a:p>
             <a:pPr lvl="1"/>
@@ -1125,6 +1174,7 @@
               <a:rPr lang="zh-CN" altLang="en-US" smtClean="0"/>
               <a:t>第二级</a:t>
             </a:r>
+            <a:endParaRPr lang="zh-CN" altLang="en-US" smtClean="0"/>
           </a:p>
           <a:p>
             <a:pPr lvl="2"/>
@@ -1132,6 +1182,7 @@
               <a:rPr lang="zh-CN" altLang="en-US" smtClean="0"/>
               <a:t>第三级</a:t>
             </a:r>
+            <a:endParaRPr lang="zh-CN" altLang="en-US" smtClean="0"/>
           </a:p>
           <a:p>
             <a:pPr lvl="3"/>
@@ -1139,6 +1190,7 @@
               <a:rPr lang="zh-CN" altLang="en-US" smtClean="0"/>
               <a:t>第四级</a:t>
             </a:r>
+            <a:endParaRPr lang="zh-CN" altLang="en-US" smtClean="0"/>
           </a:p>
           <a:p>
             <a:pPr lvl="4"/>
@@ -1167,7 +1219,6 @@
           <a:p>
             <a:fld id="{412AD53C-0B11-4009-A8DE-410AD5B07B24}" type="datetimeFigureOut">
               <a:rPr lang="zh-CN" altLang="en-US" smtClean="0"/>
-              <a:t>2018/12/21</a:t>
             </a:fld>
             <a:endParaRPr lang="zh-CN" altLang="en-US"/>
           </a:p>
@@ -1209,7 +1260,6 @@
           <a:p>
             <a:fld id="{D1852977-412A-4F20-B1B0-7E8F02356B8C}" type="slidenum">
               <a:rPr lang="zh-CN" altLang="en-US" smtClean="0"/>
-              <a:t>‹#›</a:t>
             </a:fld>
             <a:endParaRPr lang="zh-CN" altLang="en-US"/>
           </a:p>
@@ -1283,6 +1333,7 @@
               <a:rPr lang="zh-CN" altLang="en-US" smtClean="0"/>
               <a:t>单击此处编辑母版文本样式</a:t>
             </a:r>
+            <a:endParaRPr lang="zh-CN" altLang="en-US" smtClean="0"/>
           </a:p>
           <a:p>
             <a:pPr lvl="1"/>
@@ -1290,6 +1341,7 @@
               <a:rPr lang="zh-CN" altLang="en-US" smtClean="0"/>
               <a:t>第二级</a:t>
             </a:r>
+            <a:endParaRPr lang="zh-CN" altLang="en-US" smtClean="0"/>
           </a:p>
           <a:p>
             <a:pPr lvl="2"/>
@@ -1297,6 +1349,7 @@
               <a:rPr lang="zh-CN" altLang="en-US" smtClean="0"/>
               <a:t>第三级</a:t>
             </a:r>
+            <a:endParaRPr lang="zh-CN" altLang="en-US" smtClean="0"/>
           </a:p>
           <a:p>
             <a:pPr lvl="3"/>
@@ -1304,6 +1357,7 @@
               <a:rPr lang="zh-CN" altLang="en-US" smtClean="0"/>
               <a:t>第四级</a:t>
             </a:r>
+            <a:endParaRPr lang="zh-CN" altLang="en-US" smtClean="0"/>
           </a:p>
           <a:p>
             <a:pPr lvl="4"/>
@@ -1332,7 +1386,6 @@
           <a:p>
             <a:fld id="{412AD53C-0B11-4009-A8DE-410AD5B07B24}" type="datetimeFigureOut">
               <a:rPr lang="zh-CN" altLang="en-US" smtClean="0"/>
-              <a:t>2018/12/21</a:t>
             </a:fld>
             <a:endParaRPr lang="zh-CN" altLang="en-US"/>
           </a:p>
@@ -1374,7 +1427,6 @@
           <a:p>
             <a:fld id="{D1852977-412A-4F20-B1B0-7E8F02356B8C}" type="slidenum">
               <a:rPr lang="zh-CN" altLang="en-US" smtClean="0"/>
-              <a:t>‹#›</a:t>
             </a:fld>
             <a:endParaRPr lang="zh-CN" altLang="en-US"/>
           </a:p>
@@ -1553,6 +1605,7 @@
               <a:rPr lang="zh-CN" altLang="en-US" smtClean="0"/>
               <a:t>单击此处编辑母版文本样式</a:t>
             </a:r>
+            <a:endParaRPr lang="zh-CN" altLang="en-US" smtClean="0"/>
           </a:p>
         </p:txBody>
       </p:sp>
@@ -1573,7 +1626,6 @@
           <a:p>
             <a:fld id="{412AD53C-0B11-4009-A8DE-410AD5B07B24}" type="datetimeFigureOut">
               <a:rPr lang="zh-CN" altLang="en-US" smtClean="0"/>
-              <a:t>2018/12/21</a:t>
             </a:fld>
             <a:endParaRPr lang="zh-CN" altLang="en-US"/>
           </a:p>
@@ -1615,7 +1667,6 @@
           <a:p>
             <a:fld id="{D1852977-412A-4F20-B1B0-7E8F02356B8C}" type="slidenum">
               <a:rPr lang="zh-CN" altLang="en-US" smtClean="0"/>
-              <a:t>‹#›</a:t>
             </a:fld>
             <a:endParaRPr lang="zh-CN" altLang="en-US"/>
           </a:p>
@@ -1722,6 +1773,7 @@
               <a:rPr lang="zh-CN" altLang="en-US" smtClean="0"/>
               <a:t>单击此处编辑母版文本样式</a:t>
             </a:r>
+            <a:endParaRPr lang="zh-CN" altLang="en-US" smtClean="0"/>
           </a:p>
           <a:p>
             <a:pPr lvl="1"/>
@@ -1729,6 +1781,7 @@
               <a:rPr lang="zh-CN" altLang="en-US" smtClean="0"/>
               <a:t>第二级</a:t>
             </a:r>
+            <a:endParaRPr lang="zh-CN" altLang="en-US" smtClean="0"/>
           </a:p>
           <a:p>
             <a:pPr lvl="2"/>
@@ -1736,6 +1789,7 @@
               <a:rPr lang="zh-CN" altLang="en-US" smtClean="0"/>
               <a:t>第三级</a:t>
             </a:r>
+            <a:endParaRPr lang="zh-CN" altLang="en-US" smtClean="0"/>
           </a:p>
           <a:p>
             <a:pPr lvl="3"/>
@@ -1743,6 +1797,7 @@
               <a:rPr lang="zh-CN" altLang="en-US" smtClean="0"/>
               <a:t>第四级</a:t>
             </a:r>
+            <a:endParaRPr lang="zh-CN" altLang="en-US" smtClean="0"/>
           </a:p>
           <a:p>
             <a:pPr lvl="4"/>
@@ -1807,6 +1862,7 @@
               <a:rPr lang="zh-CN" altLang="en-US" smtClean="0"/>
               <a:t>单击此处编辑母版文本样式</a:t>
             </a:r>
+            <a:endParaRPr lang="zh-CN" altLang="en-US" smtClean="0"/>
           </a:p>
           <a:p>
             <a:pPr lvl="1"/>
@@ -1814,6 +1870,7 @@
               <a:rPr lang="zh-CN" altLang="en-US" smtClean="0"/>
               <a:t>第二级</a:t>
             </a:r>
+            <a:endParaRPr lang="zh-CN" altLang="en-US" smtClean="0"/>
           </a:p>
           <a:p>
             <a:pPr lvl="2"/>
@@ -1821,6 +1878,7 @@
               <a:rPr lang="zh-CN" altLang="en-US" smtClean="0"/>
               <a:t>第三级</a:t>
             </a:r>
+            <a:endParaRPr lang="zh-CN" altLang="en-US" smtClean="0"/>
           </a:p>
           <a:p>
             <a:pPr lvl="3"/>
@@ -1828,6 +1886,7 @@
               <a:rPr lang="zh-CN" altLang="en-US" smtClean="0"/>
               <a:t>第四级</a:t>
             </a:r>
+            <a:endParaRPr lang="zh-CN" altLang="en-US" smtClean="0"/>
           </a:p>
           <a:p>
             <a:pPr lvl="4"/>
@@ -1856,7 +1915,6 @@
           <a:p>
             <a:fld id="{412AD53C-0B11-4009-A8DE-410AD5B07B24}" type="datetimeFigureOut">
               <a:rPr lang="zh-CN" altLang="en-US" smtClean="0"/>
-              <a:t>2018/12/21</a:t>
             </a:fld>
             <a:endParaRPr lang="zh-CN" altLang="en-US"/>
           </a:p>
@@ -1898,7 +1956,6 @@
           <a:p>
             <a:fld id="{D1852977-412A-4F20-B1B0-7E8F02356B8C}" type="slidenum">
               <a:rPr lang="zh-CN" altLang="en-US" smtClean="0"/>
-              <a:t>‹#›</a:t>
             </a:fld>
             <a:endParaRPr lang="zh-CN" altLang="en-US"/>
           </a:p>
@@ -2018,6 +2075,7 @@
               <a:rPr lang="zh-CN" altLang="en-US" smtClean="0"/>
               <a:t>单击此处编辑母版文本样式</a:t>
             </a:r>
+            <a:endParaRPr lang="zh-CN" altLang="en-US" smtClean="0"/>
           </a:p>
         </p:txBody>
       </p:sp>
@@ -2074,6 +2132,7 @@
               <a:rPr lang="zh-CN" altLang="en-US" smtClean="0"/>
               <a:t>单击此处编辑母版文本样式</a:t>
             </a:r>
+            <a:endParaRPr lang="zh-CN" altLang="en-US" smtClean="0"/>
           </a:p>
           <a:p>
             <a:pPr lvl="1"/>
@@ -2081,6 +2140,7 @@
               <a:rPr lang="zh-CN" altLang="en-US" smtClean="0"/>
               <a:t>第二级</a:t>
             </a:r>
+            <a:endParaRPr lang="zh-CN" altLang="en-US" smtClean="0"/>
           </a:p>
           <a:p>
             <a:pPr lvl="2"/>
@@ -2088,6 +2148,7 @@
               <a:rPr lang="zh-CN" altLang="en-US" smtClean="0"/>
               <a:t>第三级</a:t>
             </a:r>
+            <a:endParaRPr lang="zh-CN" altLang="en-US" smtClean="0"/>
           </a:p>
           <a:p>
             <a:pPr lvl="3"/>
@@ -2095,6 +2156,7 @@
               <a:rPr lang="zh-CN" altLang="en-US" smtClean="0"/>
               <a:t>第四级</a:t>
             </a:r>
+            <a:endParaRPr lang="zh-CN" altLang="en-US" smtClean="0"/>
           </a:p>
           <a:p>
             <a:pPr lvl="4"/>
@@ -2168,6 +2230,7 @@
               <a:rPr lang="zh-CN" altLang="en-US" smtClean="0"/>
               <a:t>单击此处编辑母版文本样式</a:t>
             </a:r>
+            <a:endParaRPr lang="zh-CN" altLang="en-US" smtClean="0"/>
           </a:p>
         </p:txBody>
       </p:sp>
@@ -2224,6 +2287,7 @@
               <a:rPr lang="zh-CN" altLang="en-US" smtClean="0"/>
               <a:t>单击此处编辑母版文本样式</a:t>
             </a:r>
+            <a:endParaRPr lang="zh-CN" altLang="en-US" smtClean="0"/>
           </a:p>
           <a:p>
             <a:pPr lvl="1"/>
@@ -2231,6 +2295,7 @@
               <a:rPr lang="zh-CN" altLang="en-US" smtClean="0"/>
               <a:t>第二级</a:t>
             </a:r>
+            <a:endParaRPr lang="zh-CN" altLang="en-US" smtClean="0"/>
           </a:p>
           <a:p>
             <a:pPr lvl="2"/>
@@ -2238,6 +2303,7 @@
               <a:rPr lang="zh-CN" altLang="en-US" smtClean="0"/>
               <a:t>第三级</a:t>
             </a:r>
+            <a:endParaRPr lang="zh-CN" altLang="en-US" smtClean="0"/>
           </a:p>
           <a:p>
             <a:pPr lvl="3"/>
@@ -2245,6 +2311,7 @@
               <a:rPr lang="zh-CN" altLang="en-US" smtClean="0"/>
               <a:t>第四级</a:t>
             </a:r>
+            <a:endParaRPr lang="zh-CN" altLang="en-US" smtClean="0"/>
           </a:p>
           <a:p>
             <a:pPr lvl="4"/>
@@ -2273,7 +2340,6 @@
           <a:p>
             <a:fld id="{412AD53C-0B11-4009-A8DE-410AD5B07B24}" type="datetimeFigureOut">
               <a:rPr lang="zh-CN" altLang="en-US" smtClean="0"/>
-              <a:t>2018/12/21</a:t>
             </a:fld>
             <a:endParaRPr lang="zh-CN" altLang="en-US"/>
           </a:p>
@@ -2315,7 +2381,6 @@
           <a:p>
             <a:fld id="{D1852977-412A-4F20-B1B0-7E8F02356B8C}" type="slidenum">
               <a:rPr lang="zh-CN" altLang="en-US" smtClean="0"/>
-              <a:t>‹#›</a:t>
             </a:fld>
             <a:endParaRPr lang="zh-CN" altLang="en-US"/>
           </a:p>
@@ -2386,7 +2451,6 @@
           <a:p>
             <a:fld id="{412AD53C-0B11-4009-A8DE-410AD5B07B24}" type="datetimeFigureOut">
               <a:rPr lang="zh-CN" altLang="en-US" smtClean="0"/>
-              <a:t>2018/12/21</a:t>
             </a:fld>
             <a:endParaRPr lang="zh-CN" altLang="en-US"/>
           </a:p>
@@ -2428,7 +2492,6 @@
           <a:p>
             <a:fld id="{D1852977-412A-4F20-B1B0-7E8F02356B8C}" type="slidenum">
               <a:rPr lang="zh-CN" altLang="en-US" smtClean="0"/>
-              <a:t>‹#›</a:t>
             </a:fld>
             <a:endParaRPr lang="zh-CN" altLang="en-US"/>
           </a:p>
@@ -2476,7 +2539,6 @@
           <a:p>
             <a:fld id="{412AD53C-0B11-4009-A8DE-410AD5B07B24}" type="datetimeFigureOut">
               <a:rPr lang="zh-CN" altLang="en-US" smtClean="0"/>
-              <a:t>2018/12/21</a:t>
             </a:fld>
             <a:endParaRPr lang="zh-CN" altLang="en-US"/>
           </a:p>
@@ -2518,7 +2580,6 @@
           <a:p>
             <a:fld id="{D1852977-412A-4F20-B1B0-7E8F02356B8C}" type="slidenum">
               <a:rPr lang="zh-CN" altLang="en-US" smtClean="0"/>
-              <a:t>‹#›</a:t>
             </a:fld>
             <a:endParaRPr lang="zh-CN" altLang="en-US"/>
           </a:p>
@@ -2634,6 +2695,7 @@
               <a:rPr lang="zh-CN" altLang="en-US" smtClean="0"/>
               <a:t>单击此处编辑母版文本样式</a:t>
             </a:r>
+            <a:endParaRPr lang="zh-CN" altLang="en-US" smtClean="0"/>
           </a:p>
           <a:p>
             <a:pPr lvl="1"/>
@@ -2641,6 +2703,7 @@
               <a:rPr lang="zh-CN" altLang="en-US" smtClean="0"/>
               <a:t>第二级</a:t>
             </a:r>
+            <a:endParaRPr lang="zh-CN" altLang="en-US" smtClean="0"/>
           </a:p>
           <a:p>
             <a:pPr lvl="2"/>
@@ -2648,6 +2711,7 @@
               <a:rPr lang="zh-CN" altLang="en-US" smtClean="0"/>
               <a:t>第三级</a:t>
             </a:r>
+            <a:endParaRPr lang="zh-CN" altLang="en-US" smtClean="0"/>
           </a:p>
           <a:p>
             <a:pPr lvl="3"/>
@@ -2655,6 +2719,7 @@
               <a:rPr lang="zh-CN" altLang="en-US" smtClean="0"/>
               <a:t>第四级</a:t>
             </a:r>
+            <a:endParaRPr lang="zh-CN" altLang="en-US" smtClean="0"/>
           </a:p>
           <a:p>
             <a:pPr lvl="4"/>
@@ -2728,6 +2793,7 @@
               <a:rPr lang="zh-CN" altLang="en-US" smtClean="0"/>
               <a:t>单击此处编辑母版文本样式</a:t>
             </a:r>
+            <a:endParaRPr lang="zh-CN" altLang="en-US" smtClean="0"/>
           </a:p>
         </p:txBody>
       </p:sp>
@@ -2748,7 +2814,6 @@
           <a:p>
             <a:fld id="{412AD53C-0B11-4009-A8DE-410AD5B07B24}" type="datetimeFigureOut">
               <a:rPr lang="zh-CN" altLang="en-US" smtClean="0"/>
-              <a:t>2018/12/21</a:t>
             </a:fld>
             <a:endParaRPr lang="zh-CN" altLang="en-US"/>
           </a:p>
@@ -2790,7 +2855,6 @@
           <a:p>
             <a:fld id="{D1852977-412A-4F20-B1B0-7E8F02356B8C}" type="slidenum">
               <a:rPr lang="zh-CN" altLang="en-US" smtClean="0"/>
-              <a:t>‹#›</a:t>
             </a:fld>
             <a:endParaRPr lang="zh-CN" altLang="en-US"/>
           </a:p>
@@ -2976,6 +3040,7 @@
               <a:rPr lang="zh-CN" altLang="en-US" smtClean="0"/>
               <a:t>单击此处编辑母版文本样式</a:t>
             </a:r>
+            <a:endParaRPr lang="zh-CN" altLang="en-US" smtClean="0"/>
           </a:p>
         </p:txBody>
       </p:sp>
@@ -2996,7 +3061,6 @@
           <a:p>
             <a:fld id="{412AD53C-0B11-4009-A8DE-410AD5B07B24}" type="datetimeFigureOut">
               <a:rPr lang="zh-CN" altLang="en-US" smtClean="0"/>
-              <a:t>2018/12/21</a:t>
             </a:fld>
             <a:endParaRPr lang="zh-CN" altLang="en-US"/>
           </a:p>
@@ -3038,7 +3102,6 @@
           <a:p>
             <a:fld id="{D1852977-412A-4F20-B1B0-7E8F02356B8C}" type="slidenum">
               <a:rPr lang="zh-CN" altLang="en-US" smtClean="0"/>
-              <a:t>‹#›</a:t>
             </a:fld>
             <a:endParaRPr lang="zh-CN" altLang="en-US"/>
           </a:p>
@@ -3137,6 +3200,7 @@
               <a:rPr lang="zh-CN" altLang="en-US" smtClean="0"/>
               <a:t>单击此处编辑母版文本样式</a:t>
             </a:r>
+            <a:endParaRPr lang="zh-CN" altLang="en-US" smtClean="0"/>
           </a:p>
           <a:p>
             <a:pPr lvl="1"/>
@@ -3144,6 +3208,7 @@
               <a:rPr lang="zh-CN" altLang="en-US" smtClean="0"/>
               <a:t>第二级</a:t>
             </a:r>
+            <a:endParaRPr lang="zh-CN" altLang="en-US" smtClean="0"/>
           </a:p>
           <a:p>
             <a:pPr lvl="2"/>
@@ -3151,6 +3216,7 @@
               <a:rPr lang="zh-CN" altLang="en-US" smtClean="0"/>
               <a:t>第三级</a:t>
             </a:r>
+            <a:endParaRPr lang="zh-CN" altLang="en-US" smtClean="0"/>
           </a:p>
           <a:p>
             <a:pPr lvl="3"/>
@@ -3158,6 +3224,7 @@
               <a:rPr lang="zh-CN" altLang="en-US" smtClean="0"/>
               <a:t>第四级</a:t>
             </a:r>
+            <a:endParaRPr lang="zh-CN" altLang="en-US" smtClean="0"/>
           </a:p>
           <a:p>
             <a:pPr lvl="4"/>
@@ -3204,7 +3271,6 @@
           <a:p>
             <a:fld id="{412AD53C-0B11-4009-A8DE-410AD5B07B24}" type="datetimeFigureOut">
               <a:rPr lang="zh-CN" altLang="en-US" smtClean="0"/>
-              <a:t>2018/12/21</a:t>
             </a:fld>
             <a:endParaRPr lang="zh-CN" altLang="en-US"/>
           </a:p>
@@ -3282,7 +3348,6 @@
           <a:p>
             <a:fld id="{D1852977-412A-4F20-B1B0-7E8F02356B8C}" type="slidenum">
               <a:rPr lang="zh-CN" altLang="en-US" smtClean="0"/>
-              <a:t>‹#›</a:t>
             </a:fld>
             <a:endParaRPr lang="zh-CN" altLang="en-US"/>
           </a:p>
@@ -3855,6 +3920,11 @@
               </a:rPr>
               <a:t>network communication</a:t>
             </a:r>
+            <a:endParaRPr lang="en-US" altLang="zh-CN" dirty="0">
+              <a:solidFill>
+                <a:schemeClr val="tx1"/>
+              </a:solidFill>
+            </a:endParaRPr>
           </a:p>
           <a:p>
             <a:pPr algn="ctr"/>
@@ -3913,6 +3983,12 @@
               </a:rPr>
               <a:t>Registry</a:t>
             </a:r>
+            <a:endParaRPr lang="en-US" altLang="zh-CN" dirty="0" smtClean="0">
+              <a:solidFill>
+                <a:schemeClr val="tx1"/>
+              </a:solidFill>
+              <a:sym typeface="+mn-ea"/>
+            </a:endParaRPr>
           </a:p>
         </p:txBody>
       </p:sp>
@@ -3997,6 +4073,12 @@
               </a:rPr>
               <a:t>sync-over-async</a:t>
             </a:r>
+            <a:endParaRPr lang="zh-CN" altLang="en-US" dirty="0" smtClean="0">
+              <a:solidFill>
+                <a:schemeClr val="tx1"/>
+              </a:solidFill>
+              <a:sym typeface="+mn-ea"/>
+            </a:endParaRPr>
           </a:p>
         </p:txBody>
       </p:sp>
@@ -4043,6 +4125,12 @@
               </a:rPr>
               <a:t>rpc</a:t>
             </a:r>
+            <a:endParaRPr lang="en-US" altLang="zh-CN" dirty="0" smtClean="0">
+              <a:solidFill>
+                <a:schemeClr val="tx1"/>
+              </a:solidFill>
+              <a:sym typeface="+mn-ea"/>
+            </a:endParaRPr>
           </a:p>
         </p:txBody>
       </p:sp>
@@ -4084,6 +4172,7 @@
               <a:rPr lang="en-US" altLang="zh-CN" dirty="0"/>
               <a:t>codec</a:t>
             </a:r>
+            <a:endParaRPr lang="en-US" altLang="zh-CN" dirty="0"/>
           </a:p>
         </p:txBody>
       </p:sp>
@@ -4125,6 +4214,7 @@
               <a:rPr lang="en-US" altLang="zh-CN" dirty="0"/>
               <a:t>proxy</a:t>
             </a:r>
+            <a:endParaRPr lang="en-US" altLang="zh-CN" dirty="0"/>
           </a:p>
         </p:txBody>
       </p:sp>
@@ -4963,6 +5053,11 @@
               </a:rPr>
               <a:t>v1.2</a:t>
             </a:r>
+            <a:endParaRPr lang="en-US" altLang="zh-CN" sz="2400" b="1" dirty="0">
+              <a:solidFill>
+                <a:prstClr val="black"/>
+              </a:solidFill>
+            </a:endParaRPr>
           </a:p>
         </p:txBody>
       </p:sp>
@@ -5253,6 +5348,11 @@
               </a:rPr>
               <a:t>request-response</a:t>
             </a:r>
+            <a:endParaRPr kumimoji="1" lang="en-US" altLang="zh-CN" sz="1400" kern="0" dirty="0">
+              <a:latin typeface="微软雅黑" panose="020B0503020204020204" charset="-122"/>
+              <a:ea typeface="微软雅黑" panose="020B0503020204020204" charset="-122"/>
+              <a:cs typeface="微软雅黑" panose="020B0503020204020204" charset="-122"/>
+            </a:endParaRPr>
           </a:p>
         </p:txBody>
       </p:sp>
@@ -5537,6 +5637,11 @@
               </a:rPr>
               <a:t>remoting</a:t>
             </a:r>
+            <a:endParaRPr kumimoji="1" lang="en-US" altLang="zh-CN" sz="1400" b="1" kern="0" dirty="0">
+              <a:latin typeface="微软雅黑" panose="020B0503020204020204" charset="-122"/>
+              <a:ea typeface="微软雅黑" panose="020B0503020204020204" charset="-122"/>
+              <a:cs typeface="微软雅黑" panose="020B0503020204020204" charset="-122"/>
+            </a:endParaRPr>
           </a:p>
         </p:txBody>
       </p:sp>
@@ -5589,6 +5694,11 @@
               </a:rPr>
               <a:t>codec</a:t>
             </a:r>
+            <a:endParaRPr kumimoji="1" lang="en-US" altLang="zh-CN" sz="1400" kern="0" dirty="0">
+              <a:latin typeface="微软雅黑" panose="020B0503020204020204" charset="-122"/>
+              <a:ea typeface="微软雅黑" panose="020B0503020204020204" charset="-122"/>
+              <a:cs typeface="微软雅黑" panose="020B0503020204020204" charset="-122"/>
+            </a:endParaRPr>
           </a:p>
         </p:txBody>
       </p:sp>
@@ -5706,6 +5816,11 @@
               </a:rPr>
               <a:t>registry</a:t>
             </a:r>
+            <a:endParaRPr kumimoji="1" lang="en-US" altLang="zh-CN" sz="1400" kern="0" dirty="0" smtClean="0">
+              <a:latin typeface="微软雅黑" panose="020B0503020204020204" charset="-122"/>
+              <a:ea typeface="微软雅黑" panose="020B0503020204020204" charset="-122"/>
+              <a:cs typeface="微软雅黑" panose="020B0503020204020204" charset="-122"/>
+            </a:endParaRPr>
           </a:p>
         </p:txBody>
       </p:sp>
@@ -6141,6 +6256,11 @@
               </a:rPr>
               <a:t>request-response</a:t>
             </a:r>
+            <a:endParaRPr kumimoji="1" lang="en-US" altLang="zh-CN" sz="1400" kern="0" dirty="0">
+              <a:latin typeface="微软雅黑" panose="020B0503020204020204" charset="-122"/>
+              <a:ea typeface="微软雅黑" panose="020B0503020204020204" charset="-122"/>
+              <a:cs typeface="微软雅黑" panose="020B0503020204020204" charset="-122"/>
+            </a:endParaRPr>
           </a:p>
         </p:txBody>
       </p:sp>
@@ -6425,6 +6545,11 @@
               </a:rPr>
               <a:t>remoting</a:t>
             </a:r>
+            <a:endParaRPr kumimoji="1" lang="en-US" altLang="zh-CN" sz="1400" b="1" kern="0" dirty="0">
+              <a:latin typeface="微软雅黑" panose="020B0503020204020204" charset="-122"/>
+              <a:ea typeface="微软雅黑" panose="020B0503020204020204" charset="-122"/>
+              <a:cs typeface="微软雅黑" panose="020B0503020204020204" charset="-122"/>
+            </a:endParaRPr>
           </a:p>
         </p:txBody>
       </p:sp>
@@ -6477,6 +6602,11 @@
               </a:rPr>
               <a:t>codec</a:t>
             </a:r>
+            <a:endParaRPr kumimoji="1" lang="en-US" altLang="zh-CN" sz="1400" kern="0" dirty="0">
+              <a:latin typeface="微软雅黑" panose="020B0503020204020204" charset="-122"/>
+              <a:ea typeface="微软雅黑" panose="020B0503020204020204" charset="-122"/>
+              <a:cs typeface="微软雅黑" panose="020B0503020204020204" charset="-122"/>
+            </a:endParaRPr>
           </a:p>
         </p:txBody>
       </p:sp>
@@ -6594,6 +6724,11 @@
               </a:rPr>
               <a:t>registry</a:t>
             </a:r>
+            <a:endParaRPr kumimoji="1" lang="en-US" altLang="zh-CN" sz="1400" kern="0" dirty="0" smtClean="0">
+              <a:latin typeface="微软雅黑" panose="020B0503020204020204" charset="-122"/>
+              <a:ea typeface="微软雅黑" panose="020B0503020204020204" charset="-122"/>
+              <a:cs typeface="微软雅黑" panose="020B0503020204020204" charset="-122"/>
+            </a:endParaRPr>
           </a:p>
         </p:txBody>
       </p:sp>
@@ -6653,11 +6788,1236 @@
         </p:txBody>
       </p:sp>
     </p:spTree>
-    <p:extLst>
-      <p:ext uri="{BB962C8B-B14F-4D97-AF65-F5344CB8AC3E}">
-        <p14:creationId xmlns:p14="http://schemas.microsoft.com/office/powerpoint/2010/main" val="1702956684"/>
-      </p:ext>
-    </p:extLst>
+  </p:cSld>
+  <p:clrMapOvr>
+    <a:masterClrMapping/>
+  </p:clrMapOvr>
+</p:sld>
+</file>
+
+<file path=ppt/slides/slide4.xml><?xml version="1.0" encoding="utf-8"?>
+<p:sld xmlns:a="http://schemas.openxmlformats.org/drawingml/2006/main" xmlns:r="http://schemas.openxmlformats.org/officeDocument/2006/relationships" xmlns:p="http://schemas.openxmlformats.org/presentationml/2006/main">
+  <p:cSld>
+    <p:spTree>
+      <p:nvGrpSpPr>
+        <p:cNvPr id="1" name=""/>
+        <p:cNvGrpSpPr/>
+        <p:nvPr/>
+      </p:nvGrpSpPr>
+      <p:grpSpPr>
+        <a:xfrm>
+          <a:off x="0" y="0"/>
+          <a:ext cx="0" cy="0"/>
+          <a:chOff x="0" y="0"/>
+          <a:chExt cx="0" cy="0"/>
+        </a:xfrm>
+      </p:grpSpPr>
+      <p:sp>
+        <p:nvSpPr>
+          <p:cNvPr id="84" name="矩形 83"/>
+          <p:cNvSpPr/>
+          <p:nvPr/>
+        </p:nvSpPr>
+        <p:spPr>
+          <a:xfrm>
+            <a:off x="3031456" y="5225578"/>
+            <a:ext cx="3754120" cy="368300"/>
+          </a:xfrm>
+          <a:prstGeom prst="rect">
+            <a:avLst/>
+          </a:prstGeom>
+        </p:spPr>
+        <p:txBody>
+          <a:bodyPr wrap="none">
+            <a:spAutoFit/>
+          </a:bodyPr>
+          <a:lstStyle/>
+          <a:p>
+            <a:pPr lvl="0" algn="ctr"/>
+            <a:r>
+              <a:rPr lang="en-US" altLang="zh-CN" dirty="0" smtClean="0">
+                <a:solidFill>
+                  <a:prstClr val="black"/>
+                </a:solidFill>
+                <a:latin typeface="微软雅黑" panose="020B0503020204020204" charset="-122"/>
+                <a:ea typeface="微软雅黑" panose="020B0503020204020204" charset="-122"/>
+                <a:cs typeface="微软雅黑" panose="020B0503020204020204" charset="-122"/>
+              </a:rPr>
+              <a:t>XXL-RPC</a:t>
+            </a:r>
+            <a:r>
+              <a:rPr lang="zh-CN" altLang="en-US" dirty="0" smtClean="0">
+                <a:solidFill>
+                  <a:prstClr val="black"/>
+                </a:solidFill>
+                <a:latin typeface="微软雅黑" panose="020B0503020204020204" charset="-122"/>
+                <a:ea typeface="微软雅黑" panose="020B0503020204020204" charset="-122"/>
+                <a:cs typeface="微软雅黑" panose="020B0503020204020204" charset="-122"/>
+              </a:rPr>
+              <a:t>内置</a:t>
+            </a:r>
+            <a:r>
+              <a:rPr lang="zh-CN" altLang="en-US" dirty="0" smtClean="0">
+                <a:solidFill>
+                  <a:prstClr val="black"/>
+                </a:solidFill>
+                <a:latin typeface="微软雅黑" panose="020B0503020204020204" charset="-122"/>
+                <a:ea typeface="微软雅黑" panose="020B0503020204020204" charset="-122"/>
+                <a:cs typeface="微软雅黑" panose="020B0503020204020204" charset="-122"/>
+              </a:rPr>
+              <a:t>注册中心 架构</a:t>
+            </a:r>
+            <a:r>
+              <a:rPr lang="zh-CN" altLang="en-US" dirty="0">
+                <a:solidFill>
+                  <a:prstClr val="black"/>
+                </a:solidFill>
+                <a:latin typeface="微软雅黑" panose="020B0503020204020204" charset="-122"/>
+                <a:ea typeface="微软雅黑" panose="020B0503020204020204" charset="-122"/>
+                <a:cs typeface="微软雅黑" panose="020B0503020204020204" charset="-122"/>
+              </a:rPr>
+              <a:t>图 </a:t>
+            </a:r>
+            <a:r>
+              <a:rPr lang="en-US" altLang="zh-CN" dirty="0" smtClean="0">
+                <a:solidFill>
+                  <a:prstClr val="black"/>
+                </a:solidFill>
+                <a:latin typeface="微软雅黑" panose="020B0503020204020204" charset="-122"/>
+                <a:ea typeface="微软雅黑" panose="020B0503020204020204" charset="-122"/>
+                <a:cs typeface="微软雅黑" panose="020B0503020204020204" charset="-122"/>
+              </a:rPr>
+              <a:t>v1.x</a:t>
+            </a:r>
+            <a:endParaRPr lang="en-US" altLang="zh-CN" dirty="0">
+              <a:solidFill>
+                <a:prstClr val="black"/>
+              </a:solidFill>
+              <a:latin typeface="微软雅黑" panose="020B0503020204020204" charset="-122"/>
+              <a:ea typeface="微软雅黑" panose="020B0503020204020204" charset="-122"/>
+              <a:cs typeface="微软雅黑" panose="020B0503020204020204" charset="-122"/>
+            </a:endParaRPr>
+          </a:p>
+        </p:txBody>
+      </p:sp>
+      <p:sp>
+        <p:nvSpPr>
+          <p:cNvPr id="30" name="可选流程 29"/>
+          <p:cNvSpPr/>
+          <p:nvPr/>
+        </p:nvSpPr>
+        <p:spPr>
+          <a:xfrm>
+            <a:off x="4563192" y="4241426"/>
+            <a:ext cx="1140785" cy="390353"/>
+          </a:xfrm>
+          <a:prstGeom prst="flowChartAlternateProcess">
+            <a:avLst/>
+          </a:prstGeom>
+          <a:solidFill>
+            <a:srgbClr val="FAA756"/>
+          </a:solidFill>
+          <a:ln>
+            <a:noFill/>
+          </a:ln>
+          <a:effectLst>
+            <a:outerShdw blurRad="57150" dist="19050" dir="5400000" algn="ctr" rotWithShape="0">
+              <a:srgbClr val="000000">
+                <a:alpha val="63000"/>
+              </a:srgbClr>
+            </a:outerShdw>
+          </a:effectLst>
+        </p:spPr>
+        <p:txBody>
+          <a:bodyPr anchor="ctr"/>
+          <a:lstStyle/>
+          <a:p>
+            <a:pPr algn="ctr" defTabSz="1219200" eaLnBrk="0" fontAlgn="base" hangingPunct="0">
+              <a:spcBef>
+                <a:spcPct val="0"/>
+              </a:spcBef>
+              <a:spcAft>
+                <a:spcPct val="0"/>
+              </a:spcAft>
+              <a:defRPr/>
+            </a:pPr>
+            <a:r>
+              <a:rPr kumimoji="1" lang="en-US" altLang="zh-CN" sz="1350" kern="0" dirty="0" smtClean="0">
+                <a:latin typeface="微软雅黑" panose="020B0503020204020204" charset="-122"/>
+                <a:ea typeface="微软雅黑" panose="020B0503020204020204" charset="-122"/>
+                <a:cs typeface="微软雅黑" panose="020B0503020204020204" charset="-122"/>
+              </a:rPr>
+              <a:t>file</a:t>
+            </a:r>
+            <a:endParaRPr kumimoji="1" lang="zh-CN" altLang="en-US" sz="1350" kern="0" dirty="0">
+              <a:latin typeface="微软雅黑" panose="020B0503020204020204" charset="-122"/>
+              <a:ea typeface="微软雅黑" panose="020B0503020204020204" charset="-122"/>
+              <a:cs typeface="微软雅黑" panose="020B0503020204020204" charset="-122"/>
+            </a:endParaRPr>
+          </a:p>
+        </p:txBody>
+      </p:sp>
+      <p:sp>
+        <p:nvSpPr>
+          <p:cNvPr id="31" name="圆角矩形 30"/>
+          <p:cNvSpPr/>
+          <p:nvPr/>
+        </p:nvSpPr>
+        <p:spPr>
+          <a:xfrm>
+            <a:off x="2455002" y="3191247"/>
+            <a:ext cx="1138352" cy="390353"/>
+          </a:xfrm>
+          <a:prstGeom prst="roundRect">
+            <a:avLst/>
+          </a:prstGeom>
+          <a:solidFill>
+            <a:srgbClr val="58B8D1"/>
+          </a:solidFill>
+          <a:ln>
+            <a:noFill/>
+          </a:ln>
+          <a:effectLst>
+            <a:outerShdw blurRad="57150" dist="19050" dir="5400000" algn="ctr" rotWithShape="0">
+              <a:srgbClr val="000000">
+                <a:alpha val="63000"/>
+              </a:srgbClr>
+            </a:outerShdw>
+          </a:effectLst>
+        </p:spPr>
+        <p:txBody>
+          <a:bodyPr anchor="ctr"/>
+          <a:lstStyle/>
+          <a:p>
+            <a:pPr algn="ctr" defTabSz="1219200" eaLnBrk="0" fontAlgn="base" hangingPunct="0">
+              <a:spcBef>
+                <a:spcPct val="0"/>
+              </a:spcBef>
+              <a:spcAft>
+                <a:spcPct val="0"/>
+              </a:spcAft>
+              <a:defRPr/>
+            </a:pPr>
+            <a:r>
+              <a:rPr kumimoji="1" lang="en-US" altLang="zh-CN" sz="1350" kern="0" dirty="0" smtClean="0">
+                <a:latin typeface="微软雅黑" panose="020B0503020204020204" charset="-122"/>
+                <a:ea typeface="微软雅黑" panose="020B0503020204020204" charset="-122"/>
+                <a:cs typeface="微软雅黑" panose="020B0503020204020204" charset="-122"/>
+              </a:rPr>
+              <a:t>admin</a:t>
+            </a:r>
+            <a:endParaRPr kumimoji="1" lang="zh-CN" altLang="en-US" sz="1350" kern="0" dirty="0">
+              <a:latin typeface="微软雅黑" panose="020B0503020204020204" charset="-122"/>
+              <a:ea typeface="微软雅黑" panose="020B0503020204020204" charset="-122"/>
+              <a:cs typeface="微软雅黑" panose="020B0503020204020204" charset="-122"/>
+            </a:endParaRPr>
+          </a:p>
+        </p:txBody>
+      </p:sp>
+      <p:sp>
+        <p:nvSpPr>
+          <p:cNvPr id="37" name="矩形 36"/>
+          <p:cNvSpPr/>
+          <p:nvPr/>
+        </p:nvSpPr>
+        <p:spPr>
+          <a:xfrm>
+            <a:off x="4385888" y="4107170"/>
+            <a:ext cx="3027441" cy="718914"/>
+          </a:xfrm>
+          <a:prstGeom prst="rect">
+            <a:avLst/>
+          </a:prstGeom>
+          <a:noFill/>
+          <a:ln w="12700" cap="flat" cmpd="sng" algn="ctr">
+            <a:solidFill>
+              <a:srgbClr val="5B9BD5">
+                <a:shade val="50000"/>
+              </a:srgbClr>
+            </a:solidFill>
+            <a:prstDash val="dash"/>
+            <a:miter lim="800000"/>
+          </a:ln>
+          <a:effectLst/>
+        </p:spPr>
+        <p:txBody>
+          <a:bodyPr anchor="b"/>
+          <a:lstStyle/>
+          <a:p>
+            <a:pPr algn="ctr" defTabSz="1219200" eaLnBrk="0" fontAlgn="base" hangingPunct="0">
+              <a:spcBef>
+                <a:spcPct val="0"/>
+              </a:spcBef>
+              <a:spcAft>
+                <a:spcPct val="0"/>
+              </a:spcAft>
+              <a:defRPr/>
+            </a:pPr>
+            <a:endParaRPr kumimoji="1" lang="zh-CN" altLang="en-US" sz="1350" kern="0" dirty="0">
+              <a:latin typeface="微软雅黑" panose="020B0503020204020204" charset="-122"/>
+              <a:ea typeface="微软雅黑" panose="020B0503020204020204" charset="-122"/>
+              <a:cs typeface="微软雅黑" panose="020B0503020204020204" charset="-122"/>
+            </a:endParaRPr>
+          </a:p>
+        </p:txBody>
+      </p:sp>
+      <p:sp>
+        <p:nvSpPr>
+          <p:cNvPr id="9" name="磁盘 8"/>
+          <p:cNvSpPr/>
+          <p:nvPr/>
+        </p:nvSpPr>
+        <p:spPr>
+          <a:xfrm>
+            <a:off x="2455002" y="3885863"/>
+            <a:ext cx="1138352" cy="580765"/>
+          </a:xfrm>
+          <a:prstGeom prst="flowChartMagneticDisk">
+            <a:avLst/>
+          </a:prstGeom>
+        </p:spPr>
+        <p:style>
+          <a:lnRef idx="1">
+            <a:schemeClr val="accent3"/>
+          </a:lnRef>
+          <a:fillRef idx="2">
+            <a:schemeClr val="accent3"/>
+          </a:fillRef>
+          <a:effectRef idx="1">
+            <a:schemeClr val="accent3"/>
+          </a:effectRef>
+          <a:fontRef idx="minor">
+            <a:schemeClr val="dk1"/>
+          </a:fontRef>
+        </p:style>
+        <p:txBody>
+          <a:bodyPr rtlCol="0" anchor="ctr"/>
+          <a:lstStyle/>
+          <a:p>
+            <a:pPr algn="ctr"/>
+            <a:r>
+              <a:rPr kumimoji="1" lang="en-US" altLang="zh-CN" sz="1350" dirty="0" smtClean="0">
+                <a:latin typeface="微软雅黑" panose="020B0503020204020204" charset="-122"/>
+                <a:ea typeface="微软雅黑" panose="020B0503020204020204" charset="-122"/>
+                <a:cs typeface="微软雅黑" panose="020B0503020204020204" charset="-122"/>
+              </a:rPr>
+              <a:t>DB</a:t>
+            </a:r>
+            <a:endParaRPr kumimoji="1" lang="zh-CN" altLang="en-US" sz="1350" dirty="0">
+              <a:latin typeface="微软雅黑" panose="020B0503020204020204" charset="-122"/>
+              <a:ea typeface="微软雅黑" panose="020B0503020204020204" charset="-122"/>
+              <a:cs typeface="微软雅黑" panose="020B0503020204020204" charset="-122"/>
+            </a:endParaRPr>
+          </a:p>
+        </p:txBody>
+      </p:sp>
+      <p:sp>
+        <p:nvSpPr>
+          <p:cNvPr id="48" name="可选流程 47"/>
+          <p:cNvSpPr/>
+          <p:nvPr/>
+        </p:nvSpPr>
+        <p:spPr>
+          <a:xfrm>
+            <a:off x="6115769" y="2822000"/>
+            <a:ext cx="1136864" cy="386744"/>
+          </a:xfrm>
+          <a:prstGeom prst="flowChartAlternateProcess">
+            <a:avLst/>
+          </a:prstGeom>
+          <a:solidFill>
+            <a:srgbClr val="ABC36C"/>
+          </a:solidFill>
+          <a:ln>
+            <a:noFill/>
+          </a:ln>
+          <a:effectLst>
+            <a:outerShdw blurRad="57150" dist="19050" dir="5400000" algn="ctr" rotWithShape="0">
+              <a:srgbClr val="000000">
+                <a:alpha val="63000"/>
+              </a:srgbClr>
+            </a:outerShdw>
+          </a:effectLst>
+        </p:spPr>
+        <p:txBody>
+          <a:bodyPr anchor="ctr"/>
+          <a:lstStyle/>
+          <a:p>
+            <a:pPr algn="ctr" defTabSz="1219200" eaLnBrk="0" fontAlgn="base" hangingPunct="0">
+              <a:spcBef>
+                <a:spcPct val="0"/>
+              </a:spcBef>
+              <a:spcAft>
+                <a:spcPct val="0"/>
+              </a:spcAft>
+              <a:defRPr/>
+            </a:pPr>
+            <a:r>
+              <a:rPr kumimoji="1" lang="en-US" altLang="zh-CN" sz="1350" kern="0" dirty="0" smtClean="0">
+                <a:latin typeface="微软雅黑" panose="020B0503020204020204" charset="-122"/>
+                <a:ea typeface="微软雅黑" panose="020B0503020204020204" charset="-122"/>
+                <a:cs typeface="微软雅黑" panose="020B0503020204020204" charset="-122"/>
+              </a:rPr>
+              <a:t>client</a:t>
+            </a:r>
+            <a:endParaRPr kumimoji="1" lang="zh-CN" altLang="en-US" sz="1350" kern="0" dirty="0">
+              <a:latin typeface="微软雅黑" panose="020B0503020204020204" charset="-122"/>
+              <a:ea typeface="微软雅黑" panose="020B0503020204020204" charset="-122"/>
+              <a:cs typeface="微软雅黑" panose="020B0503020204020204" charset="-122"/>
+            </a:endParaRPr>
+          </a:p>
+        </p:txBody>
+      </p:sp>
+      <p:sp>
+        <p:nvSpPr>
+          <p:cNvPr id="49" name="可选流程 48"/>
+          <p:cNvSpPr/>
+          <p:nvPr/>
+        </p:nvSpPr>
+        <p:spPr>
+          <a:xfrm>
+            <a:off x="4563192" y="2795004"/>
+            <a:ext cx="1136864" cy="390353"/>
+          </a:xfrm>
+          <a:prstGeom prst="flowChartAlternateProcess">
+            <a:avLst/>
+          </a:prstGeom>
+          <a:solidFill>
+            <a:srgbClr val="D8D8D8"/>
+          </a:solidFill>
+          <a:ln>
+            <a:noFill/>
+          </a:ln>
+          <a:effectLst>
+            <a:outerShdw blurRad="57150" dist="19050" dir="5400000" algn="ctr" rotWithShape="0">
+              <a:srgbClr val="000000">
+                <a:alpha val="63000"/>
+              </a:srgbClr>
+            </a:outerShdw>
+          </a:effectLst>
+        </p:spPr>
+        <p:txBody>
+          <a:bodyPr anchor="ctr"/>
+          <a:lstStyle/>
+          <a:p>
+            <a:pPr algn="ctr" defTabSz="1219200" eaLnBrk="0" fontAlgn="base" hangingPunct="0">
+              <a:spcBef>
+                <a:spcPct val="0"/>
+              </a:spcBef>
+              <a:spcAft>
+                <a:spcPct val="0"/>
+              </a:spcAft>
+              <a:defRPr/>
+            </a:pPr>
+            <a:r>
+              <a:rPr kumimoji="1" lang="en-US" altLang="zh-CN" sz="1350" kern="0" dirty="0" smtClean="0">
+                <a:solidFill>
+                  <a:prstClr val="black"/>
+                </a:solidFill>
+                <a:latin typeface="微软雅黑" panose="020B0503020204020204" charset="-122"/>
+                <a:ea typeface="微软雅黑" panose="020B0503020204020204" charset="-122"/>
+                <a:cs typeface="微软雅黑" panose="020B0503020204020204" charset="-122"/>
+              </a:rPr>
+              <a:t>client</a:t>
+            </a:r>
+            <a:endParaRPr kumimoji="1" lang="zh-CN" altLang="en-US" sz="1350" kern="0" dirty="0">
+              <a:solidFill>
+                <a:prstClr val="black"/>
+              </a:solidFill>
+              <a:latin typeface="微软雅黑" panose="020B0503020204020204" charset="-122"/>
+              <a:ea typeface="微软雅黑" panose="020B0503020204020204" charset="-122"/>
+              <a:cs typeface="微软雅黑" panose="020B0503020204020204" charset="-122"/>
+            </a:endParaRPr>
+          </a:p>
+        </p:txBody>
+      </p:sp>
+      <p:sp>
+        <p:nvSpPr>
+          <p:cNvPr id="56" name="可选流程 55"/>
+          <p:cNvSpPr/>
+          <p:nvPr/>
+        </p:nvSpPr>
+        <p:spPr>
+          <a:xfrm>
+            <a:off x="2455002" y="2270898"/>
+            <a:ext cx="1138352" cy="390353"/>
+          </a:xfrm>
+          <a:prstGeom prst="flowChartAlternateProcess">
+            <a:avLst/>
+          </a:prstGeom>
+        </p:spPr>
+        <p:style>
+          <a:lnRef idx="2">
+            <a:schemeClr val="dk1"/>
+          </a:lnRef>
+          <a:fillRef idx="1">
+            <a:schemeClr val="lt1"/>
+          </a:fillRef>
+          <a:effectRef idx="0">
+            <a:schemeClr val="dk1"/>
+          </a:effectRef>
+          <a:fontRef idx="minor">
+            <a:schemeClr val="dk1"/>
+          </a:fontRef>
+        </p:style>
+        <p:txBody>
+          <a:bodyPr anchor="ctr"/>
+          <a:lstStyle/>
+          <a:p>
+            <a:pPr algn="ctr" defTabSz="1219200" eaLnBrk="0" fontAlgn="base" hangingPunct="0">
+              <a:spcBef>
+                <a:spcPct val="0"/>
+              </a:spcBef>
+              <a:spcAft>
+                <a:spcPct val="0"/>
+              </a:spcAft>
+              <a:defRPr/>
+            </a:pPr>
+            <a:r>
+              <a:rPr kumimoji="1" lang="en-US" altLang="zh-CN" sz="1350" kern="0" dirty="0" smtClean="0">
+                <a:solidFill>
+                  <a:prstClr val="black"/>
+                </a:solidFill>
+                <a:latin typeface="微软雅黑" panose="020B0503020204020204" charset="-122"/>
+                <a:ea typeface="微软雅黑" panose="020B0503020204020204" charset="-122"/>
+                <a:cs typeface="微软雅黑" panose="020B0503020204020204" charset="-122"/>
+              </a:rPr>
+              <a:t>browser</a:t>
+            </a:r>
+            <a:endParaRPr kumimoji="1" lang="zh-CN" altLang="en-US" sz="1350" kern="0" dirty="0">
+              <a:solidFill>
+                <a:prstClr val="black"/>
+              </a:solidFill>
+              <a:latin typeface="微软雅黑" panose="020B0503020204020204" charset="-122"/>
+              <a:ea typeface="微软雅黑" panose="020B0503020204020204" charset="-122"/>
+              <a:cs typeface="微软雅黑" panose="020B0503020204020204" charset="-122"/>
+            </a:endParaRPr>
+          </a:p>
+        </p:txBody>
+      </p:sp>
+      <p:sp>
+        <p:nvSpPr>
+          <p:cNvPr id="58" name="矩形 57"/>
+          <p:cNvSpPr/>
+          <p:nvPr/>
+        </p:nvSpPr>
+        <p:spPr>
+          <a:xfrm>
+            <a:off x="2279082" y="2948360"/>
+            <a:ext cx="1442466" cy="1877725"/>
+          </a:xfrm>
+          <a:prstGeom prst="rect">
+            <a:avLst/>
+          </a:prstGeom>
+          <a:noFill/>
+          <a:ln w="12700" cap="flat" cmpd="sng" algn="ctr">
+            <a:solidFill>
+              <a:srgbClr val="5B9BD5">
+                <a:shade val="50000"/>
+              </a:srgbClr>
+            </a:solidFill>
+            <a:prstDash val="dash"/>
+            <a:miter lim="800000"/>
+          </a:ln>
+          <a:effectLst/>
+        </p:spPr>
+        <p:txBody>
+          <a:bodyPr anchor="b"/>
+          <a:lstStyle/>
+          <a:p>
+            <a:pPr algn="ctr" defTabSz="1219200" eaLnBrk="0" fontAlgn="base" hangingPunct="0">
+              <a:spcBef>
+                <a:spcPct val="0"/>
+              </a:spcBef>
+              <a:spcAft>
+                <a:spcPct val="0"/>
+              </a:spcAft>
+              <a:defRPr/>
+            </a:pPr>
+            <a:endParaRPr kumimoji="1" lang="zh-CN" altLang="en-US" sz="1350" kern="0" dirty="0">
+              <a:latin typeface="微软雅黑" panose="020B0503020204020204" charset="-122"/>
+              <a:ea typeface="微软雅黑" panose="020B0503020204020204" charset="-122"/>
+              <a:cs typeface="微软雅黑" panose="020B0503020204020204" charset="-122"/>
+            </a:endParaRPr>
+          </a:p>
+        </p:txBody>
+      </p:sp>
+      <p:cxnSp>
+        <p:nvCxnSpPr>
+          <p:cNvPr id="59" name="直线箭头连接符 58"/>
+          <p:cNvCxnSpPr/>
+          <p:nvPr/>
+        </p:nvCxnSpPr>
+        <p:spPr>
+          <a:xfrm flipH="1">
+            <a:off x="3841232" y="4496970"/>
+            <a:ext cx="514222" cy="3458"/>
+          </a:xfrm>
+          <a:prstGeom prst="straightConnector1">
+            <a:avLst/>
+          </a:prstGeom>
+          <a:ln w="38100">
+            <a:headEnd type="triangle" w="med" len="lg"/>
+            <a:tailEnd type="none" w="med" len="lg"/>
+          </a:ln>
+        </p:spPr>
+        <p:style>
+          <a:lnRef idx="3">
+            <a:schemeClr val="accent1"/>
+          </a:lnRef>
+          <a:fillRef idx="0">
+            <a:schemeClr val="accent1"/>
+          </a:fillRef>
+          <a:effectRef idx="2">
+            <a:schemeClr val="accent1"/>
+          </a:effectRef>
+          <a:fontRef idx="minor">
+            <a:schemeClr val="tx1"/>
+          </a:fontRef>
+        </p:style>
+      </p:cxnSp>
+      <p:sp>
+        <p:nvSpPr>
+          <p:cNvPr id="66" name="矩形 65"/>
+          <p:cNvSpPr/>
+          <p:nvPr/>
+        </p:nvSpPr>
+        <p:spPr>
+          <a:xfrm>
+            <a:off x="4385887" y="2097693"/>
+            <a:ext cx="1454333" cy="1250093"/>
+          </a:xfrm>
+          <a:prstGeom prst="rect">
+            <a:avLst/>
+          </a:prstGeom>
+          <a:noFill/>
+          <a:ln w="12700" cap="flat" cmpd="sng" algn="ctr">
+            <a:solidFill>
+              <a:srgbClr val="5B9BD5">
+                <a:shade val="50000"/>
+              </a:srgbClr>
+            </a:solidFill>
+            <a:prstDash val="dash"/>
+            <a:miter lim="800000"/>
+          </a:ln>
+          <a:effectLst/>
+        </p:spPr>
+        <p:txBody>
+          <a:bodyPr anchor="b"/>
+          <a:lstStyle/>
+          <a:p>
+            <a:pPr algn="ctr" defTabSz="1219200" eaLnBrk="0" fontAlgn="base" hangingPunct="0">
+              <a:spcBef>
+                <a:spcPct val="0"/>
+              </a:spcBef>
+              <a:spcAft>
+                <a:spcPct val="0"/>
+              </a:spcAft>
+              <a:defRPr/>
+            </a:pPr>
+            <a:endParaRPr kumimoji="1" lang="zh-CN" altLang="en-US" sz="1350" kern="0" dirty="0">
+              <a:latin typeface="微软雅黑" panose="020B0503020204020204" charset="-122"/>
+              <a:ea typeface="微软雅黑" panose="020B0503020204020204" charset="-122"/>
+              <a:cs typeface="微软雅黑" panose="020B0503020204020204" charset="-122"/>
+            </a:endParaRPr>
+          </a:p>
+        </p:txBody>
+      </p:sp>
+      <p:sp>
+        <p:nvSpPr>
+          <p:cNvPr id="82" name="可选流程 81"/>
+          <p:cNvSpPr/>
+          <p:nvPr/>
+        </p:nvSpPr>
+        <p:spPr>
+          <a:xfrm>
+            <a:off x="4564337" y="2246409"/>
+            <a:ext cx="1138352" cy="390353"/>
+          </a:xfrm>
+          <a:prstGeom prst="flowChartAlternateProcess">
+            <a:avLst/>
+          </a:prstGeom>
+        </p:spPr>
+        <p:style>
+          <a:lnRef idx="2">
+            <a:schemeClr val="accent6"/>
+          </a:lnRef>
+          <a:fillRef idx="1">
+            <a:schemeClr val="lt1"/>
+          </a:fillRef>
+          <a:effectRef idx="0">
+            <a:schemeClr val="accent6"/>
+          </a:effectRef>
+          <a:fontRef idx="minor">
+            <a:schemeClr val="dk1"/>
+          </a:fontRef>
+        </p:style>
+        <p:txBody>
+          <a:bodyPr anchor="ctr"/>
+          <a:lstStyle/>
+          <a:p>
+            <a:pPr algn="ctr" defTabSz="1219200" eaLnBrk="0" fontAlgn="base" hangingPunct="0">
+              <a:spcBef>
+                <a:spcPct val="0"/>
+              </a:spcBef>
+              <a:spcAft>
+                <a:spcPct val="0"/>
+              </a:spcAft>
+              <a:defRPr/>
+            </a:pPr>
+            <a:r>
+              <a:rPr kumimoji="1" lang="en-US" altLang="zh-CN" sz="1350" kern="0" dirty="0" smtClean="0">
+                <a:solidFill>
+                  <a:prstClr val="black"/>
+                </a:solidFill>
+                <a:latin typeface="微软雅黑" panose="020B0503020204020204" charset="-122"/>
+                <a:ea typeface="微软雅黑" panose="020B0503020204020204" charset="-122"/>
+                <a:cs typeface="微软雅黑" panose="020B0503020204020204" charset="-122"/>
+              </a:rPr>
+              <a:t>app</a:t>
+            </a:r>
+            <a:r>
+              <a:rPr kumimoji="1" lang="zh-CN" altLang="en-US" sz="1350" kern="0" dirty="0" smtClean="0">
+                <a:solidFill>
+                  <a:prstClr val="black"/>
+                </a:solidFill>
+                <a:latin typeface="微软雅黑" panose="020B0503020204020204" charset="-122"/>
+                <a:ea typeface="微软雅黑" panose="020B0503020204020204" charset="-122"/>
+                <a:cs typeface="微软雅黑" panose="020B0503020204020204" charset="-122"/>
+              </a:rPr>
+              <a:t> </a:t>
+            </a:r>
+            <a:endParaRPr kumimoji="1" lang="en-US" altLang="zh-CN" sz="1350" kern="0" dirty="0" smtClean="0">
+              <a:solidFill>
+                <a:prstClr val="black"/>
+              </a:solidFill>
+              <a:latin typeface="微软雅黑" panose="020B0503020204020204" charset="-122"/>
+              <a:ea typeface="微软雅黑" panose="020B0503020204020204" charset="-122"/>
+              <a:cs typeface="微软雅黑" panose="020B0503020204020204" charset="-122"/>
+            </a:endParaRPr>
+          </a:p>
+          <a:p>
+            <a:pPr algn="ctr" defTabSz="1219200" eaLnBrk="0" fontAlgn="base" hangingPunct="0">
+              <a:spcBef>
+                <a:spcPct val="0"/>
+              </a:spcBef>
+              <a:spcAft>
+                <a:spcPct val="0"/>
+              </a:spcAft>
+              <a:defRPr/>
+            </a:pPr>
+            <a:r>
+              <a:rPr kumimoji="1" lang="en-US" altLang="zh-CN" sz="1350" kern="0" dirty="0" smtClean="0">
+                <a:solidFill>
+                  <a:prstClr val="black"/>
+                </a:solidFill>
+                <a:latin typeface="微软雅黑" panose="020B0503020204020204" charset="-122"/>
+                <a:ea typeface="微软雅黑" panose="020B0503020204020204" charset="-122"/>
+                <a:cs typeface="微软雅黑" panose="020B0503020204020204" charset="-122"/>
+              </a:rPr>
+              <a:t>(xxl-rpc)</a:t>
+            </a:r>
+            <a:endParaRPr kumimoji="1" lang="zh-CN" altLang="en-US" sz="1350" kern="0" dirty="0">
+              <a:solidFill>
+                <a:prstClr val="black"/>
+              </a:solidFill>
+              <a:latin typeface="微软雅黑" panose="020B0503020204020204" charset="-122"/>
+              <a:ea typeface="微软雅黑" panose="020B0503020204020204" charset="-122"/>
+              <a:cs typeface="微软雅黑" panose="020B0503020204020204" charset="-122"/>
+            </a:endParaRPr>
+          </a:p>
+        </p:txBody>
+      </p:sp>
+      <p:sp>
+        <p:nvSpPr>
+          <p:cNvPr id="86" name="可选流程 85"/>
+          <p:cNvSpPr/>
+          <p:nvPr/>
+        </p:nvSpPr>
+        <p:spPr>
+          <a:xfrm>
+            <a:off x="6115769" y="2270898"/>
+            <a:ext cx="1140785" cy="390353"/>
+          </a:xfrm>
+          <a:prstGeom prst="flowChartAlternateProcess">
+            <a:avLst/>
+          </a:prstGeom>
+        </p:spPr>
+        <p:style>
+          <a:lnRef idx="2">
+            <a:schemeClr val="accent4"/>
+          </a:lnRef>
+          <a:fillRef idx="1">
+            <a:schemeClr val="lt1"/>
+          </a:fillRef>
+          <a:effectRef idx="0">
+            <a:schemeClr val="accent4"/>
+          </a:effectRef>
+          <a:fontRef idx="minor">
+            <a:schemeClr val="dk1"/>
+          </a:fontRef>
+        </p:style>
+        <p:txBody>
+          <a:bodyPr anchor="ctr"/>
+          <a:lstStyle/>
+          <a:p>
+            <a:pPr algn="ctr" defTabSz="1219200" eaLnBrk="0" fontAlgn="base" hangingPunct="0">
+              <a:spcBef>
+                <a:spcPct val="0"/>
+              </a:spcBef>
+              <a:spcAft>
+                <a:spcPct val="0"/>
+              </a:spcAft>
+              <a:defRPr/>
+            </a:pPr>
+            <a:r>
+              <a:rPr kumimoji="1" lang="en-US" altLang="zh-CN" sz="1350" kern="0" dirty="0">
+                <a:solidFill>
+                  <a:prstClr val="black"/>
+                </a:solidFill>
+                <a:latin typeface="微软雅黑" panose="020B0503020204020204" charset="-122"/>
+                <a:ea typeface="微软雅黑" panose="020B0503020204020204" charset="-122"/>
+                <a:cs typeface="微软雅黑" panose="020B0503020204020204" charset="-122"/>
+              </a:rPr>
+              <a:t>a</a:t>
+            </a:r>
+            <a:r>
+              <a:rPr kumimoji="1" lang="en-US" altLang="zh-CN" sz="1350" kern="0" dirty="0" smtClean="0">
+                <a:solidFill>
+                  <a:prstClr val="black"/>
+                </a:solidFill>
+                <a:latin typeface="微软雅黑" panose="020B0503020204020204" charset="-122"/>
+                <a:ea typeface="微软雅黑" panose="020B0503020204020204" charset="-122"/>
+                <a:cs typeface="微软雅黑" panose="020B0503020204020204" charset="-122"/>
+              </a:rPr>
+              <a:t>pp</a:t>
+            </a:r>
+            <a:endParaRPr kumimoji="1" lang="en-US" altLang="zh-CN" sz="1350" kern="0" dirty="0" smtClean="0">
+              <a:solidFill>
+                <a:prstClr val="black"/>
+              </a:solidFill>
+              <a:latin typeface="微软雅黑" panose="020B0503020204020204" charset="-122"/>
+              <a:ea typeface="微软雅黑" panose="020B0503020204020204" charset="-122"/>
+              <a:cs typeface="微软雅黑" panose="020B0503020204020204" charset="-122"/>
+            </a:endParaRPr>
+          </a:p>
+          <a:p>
+            <a:pPr algn="ctr" defTabSz="1219200" eaLnBrk="0" fontAlgn="base" hangingPunct="0">
+              <a:spcBef>
+                <a:spcPct val="0"/>
+              </a:spcBef>
+              <a:spcAft>
+                <a:spcPct val="0"/>
+              </a:spcAft>
+              <a:defRPr/>
+            </a:pPr>
+            <a:r>
+              <a:rPr kumimoji="1" lang="zh-CN" altLang="en-US" sz="1350" kern="0" dirty="0" smtClean="0">
+                <a:solidFill>
+                  <a:prstClr val="black"/>
+                </a:solidFill>
+                <a:latin typeface="微软雅黑" panose="020B0503020204020204" charset="-122"/>
+                <a:ea typeface="微软雅黑" panose="020B0503020204020204" charset="-122"/>
+                <a:cs typeface="微软雅黑" panose="020B0503020204020204" charset="-122"/>
+              </a:rPr>
+              <a:t> </a:t>
+            </a:r>
+            <a:r>
+              <a:rPr kumimoji="1" lang="en-US" altLang="zh-CN" sz="1350" kern="0" dirty="0" smtClean="0">
+                <a:solidFill>
+                  <a:prstClr val="black"/>
+                </a:solidFill>
+                <a:latin typeface="微软雅黑" panose="020B0503020204020204" charset="-122"/>
+                <a:ea typeface="微软雅黑" panose="020B0503020204020204" charset="-122"/>
+                <a:cs typeface="微软雅黑" panose="020B0503020204020204" charset="-122"/>
+              </a:rPr>
+              <a:t>(other)</a:t>
+            </a:r>
+            <a:endParaRPr kumimoji="1" lang="zh-CN" altLang="en-US" sz="1350" kern="0" dirty="0">
+              <a:solidFill>
+                <a:prstClr val="black"/>
+              </a:solidFill>
+              <a:latin typeface="微软雅黑" panose="020B0503020204020204" charset="-122"/>
+              <a:ea typeface="微软雅黑" panose="020B0503020204020204" charset="-122"/>
+              <a:cs typeface="微软雅黑" panose="020B0503020204020204" charset="-122"/>
+            </a:endParaRPr>
+          </a:p>
+        </p:txBody>
+      </p:sp>
+      <p:sp>
+        <p:nvSpPr>
+          <p:cNvPr id="89" name="可选流程 88"/>
+          <p:cNvSpPr/>
+          <p:nvPr/>
+        </p:nvSpPr>
+        <p:spPr>
+          <a:xfrm>
+            <a:off x="6115769" y="4238756"/>
+            <a:ext cx="1140785" cy="390353"/>
+          </a:xfrm>
+          <a:prstGeom prst="flowChartAlternateProcess">
+            <a:avLst/>
+          </a:prstGeom>
+          <a:solidFill>
+            <a:srgbClr val="FAA756"/>
+          </a:solidFill>
+          <a:ln>
+            <a:noFill/>
+          </a:ln>
+          <a:effectLst>
+            <a:outerShdw blurRad="57150" dist="19050" dir="5400000" algn="ctr" rotWithShape="0">
+              <a:srgbClr val="000000">
+                <a:alpha val="63000"/>
+              </a:srgbClr>
+            </a:outerShdw>
+          </a:effectLst>
+        </p:spPr>
+        <p:txBody>
+          <a:bodyPr anchor="ctr"/>
+          <a:lstStyle/>
+          <a:p>
+            <a:pPr algn="ctr" defTabSz="1219200" eaLnBrk="0" fontAlgn="base" hangingPunct="0">
+              <a:spcBef>
+                <a:spcPct val="0"/>
+              </a:spcBef>
+              <a:spcAft>
+                <a:spcPct val="0"/>
+              </a:spcAft>
+              <a:defRPr/>
+            </a:pPr>
+            <a:r>
+              <a:rPr kumimoji="1" lang="en-US" altLang="zh-CN" sz="1350" kern="0" dirty="0" smtClean="0">
+                <a:latin typeface="微软雅黑" panose="020B0503020204020204" charset="-122"/>
+                <a:ea typeface="微软雅黑" panose="020B0503020204020204" charset="-122"/>
+                <a:cs typeface="微软雅黑" panose="020B0503020204020204" charset="-122"/>
+              </a:rPr>
+              <a:t>file</a:t>
+            </a:r>
+            <a:endParaRPr kumimoji="1" lang="zh-CN" altLang="en-US" sz="1350" kern="0" dirty="0">
+              <a:latin typeface="微软雅黑" panose="020B0503020204020204" charset="-122"/>
+              <a:ea typeface="微软雅黑" panose="020B0503020204020204" charset="-122"/>
+              <a:cs typeface="微软雅黑" panose="020B0503020204020204" charset="-122"/>
+            </a:endParaRPr>
+          </a:p>
+        </p:txBody>
+      </p:sp>
+      <p:cxnSp>
+        <p:nvCxnSpPr>
+          <p:cNvPr id="104" name="直线箭头连接符 103"/>
+          <p:cNvCxnSpPr/>
+          <p:nvPr/>
+        </p:nvCxnSpPr>
+        <p:spPr>
+          <a:xfrm flipH="1">
+            <a:off x="4728851" y="3524249"/>
+            <a:ext cx="1139" cy="456210"/>
+          </a:xfrm>
+          <a:prstGeom prst="straightConnector1">
+            <a:avLst/>
+          </a:prstGeom>
+          <a:ln w="38100">
+            <a:headEnd type="triangle" w="med" len="lg"/>
+            <a:tailEnd type="triangle" w="med" len="lg"/>
+          </a:ln>
+        </p:spPr>
+        <p:style>
+          <a:lnRef idx="3">
+            <a:schemeClr val="accent1"/>
+          </a:lnRef>
+          <a:fillRef idx="0">
+            <a:schemeClr val="accent1"/>
+          </a:fillRef>
+          <a:effectRef idx="2">
+            <a:schemeClr val="accent1"/>
+          </a:effectRef>
+          <a:fontRef idx="minor">
+            <a:schemeClr val="tx1"/>
+          </a:fontRef>
+        </p:style>
+      </p:cxnSp>
+      <p:sp>
+        <p:nvSpPr>
+          <p:cNvPr id="112" name="文本框 111"/>
+          <p:cNvSpPr txBox="1"/>
+          <p:nvPr/>
+        </p:nvSpPr>
+        <p:spPr>
+          <a:xfrm>
+            <a:off x="3775544" y="4145134"/>
+            <a:ext cx="588645" cy="299085"/>
+          </a:xfrm>
+          <a:prstGeom prst="rect">
+            <a:avLst/>
+          </a:prstGeom>
+          <a:noFill/>
+        </p:spPr>
+        <p:txBody>
+          <a:bodyPr wrap="none" rtlCol="0">
+            <a:spAutoFit/>
+          </a:bodyPr>
+          <a:lstStyle/>
+          <a:p>
+            <a:r>
+              <a:rPr kumimoji="1" lang="en-US" altLang="zh-CN" sz="1350" dirty="0" smtClean="0">
+                <a:latin typeface="微软雅黑" panose="020B0503020204020204" charset="-122"/>
+                <a:ea typeface="微软雅黑" panose="020B0503020204020204" charset="-122"/>
+                <a:cs typeface="微软雅黑" panose="020B0503020204020204" charset="-122"/>
+              </a:rPr>
+              <a:t>write</a:t>
+            </a:r>
+            <a:endParaRPr kumimoji="1" lang="zh-CN" altLang="en-US" sz="1350" dirty="0">
+              <a:latin typeface="微软雅黑" panose="020B0503020204020204" charset="-122"/>
+              <a:ea typeface="微软雅黑" panose="020B0503020204020204" charset="-122"/>
+              <a:cs typeface="微软雅黑" panose="020B0503020204020204" charset="-122"/>
+            </a:endParaRPr>
+          </a:p>
+        </p:txBody>
+      </p:sp>
+      <p:sp>
+        <p:nvSpPr>
+          <p:cNvPr id="115" name="文本框 114"/>
+          <p:cNvSpPr txBox="1"/>
+          <p:nvPr/>
+        </p:nvSpPr>
+        <p:spPr>
+          <a:xfrm>
+            <a:off x="6477235" y="3576782"/>
+            <a:ext cx="1198245" cy="299085"/>
+          </a:xfrm>
+          <a:prstGeom prst="rect">
+            <a:avLst/>
+          </a:prstGeom>
+          <a:noFill/>
+        </p:spPr>
+        <p:txBody>
+          <a:bodyPr wrap="none" rtlCol="0">
+            <a:spAutoFit/>
+          </a:bodyPr>
+          <a:lstStyle/>
+          <a:p>
+            <a:r>
+              <a:rPr kumimoji="1" lang="en-US" altLang="zh-CN" sz="1350" dirty="0">
+                <a:latin typeface="微软雅黑" panose="020B0503020204020204" charset="-122"/>
+                <a:ea typeface="微软雅黑" panose="020B0503020204020204" charset="-122"/>
+                <a:cs typeface="微软雅黑" panose="020B0503020204020204" charset="-122"/>
+              </a:rPr>
+              <a:t>long-polling</a:t>
+            </a:r>
+            <a:endParaRPr kumimoji="1" lang="zh-CN" altLang="en-US" sz="1350" dirty="0">
+              <a:latin typeface="微软雅黑" panose="020B0503020204020204" charset="-122"/>
+              <a:ea typeface="微软雅黑" panose="020B0503020204020204" charset="-122"/>
+              <a:cs typeface="微软雅黑" panose="020B0503020204020204" charset="-122"/>
+            </a:endParaRPr>
+          </a:p>
+        </p:txBody>
+      </p:sp>
+      <p:sp>
+        <p:nvSpPr>
+          <p:cNvPr id="29" name="文本框 28"/>
+          <p:cNvSpPr txBox="1"/>
+          <p:nvPr/>
+        </p:nvSpPr>
+        <p:spPr>
+          <a:xfrm>
+            <a:off x="4796177" y="3569204"/>
+            <a:ext cx="1198245" cy="299085"/>
+          </a:xfrm>
+          <a:prstGeom prst="rect">
+            <a:avLst/>
+          </a:prstGeom>
+          <a:noFill/>
+        </p:spPr>
+        <p:txBody>
+          <a:bodyPr wrap="none" rtlCol="0">
+            <a:spAutoFit/>
+          </a:bodyPr>
+          <a:lstStyle/>
+          <a:p>
+            <a:r>
+              <a:rPr kumimoji="1" lang="en-US" altLang="zh-CN" sz="1350" dirty="0">
+                <a:latin typeface="微软雅黑" panose="020B0503020204020204" charset="-122"/>
+                <a:ea typeface="微软雅黑" panose="020B0503020204020204" charset="-122"/>
+                <a:cs typeface="微软雅黑" panose="020B0503020204020204" charset="-122"/>
+              </a:rPr>
+              <a:t>long-polling</a:t>
+            </a:r>
+            <a:endParaRPr kumimoji="1" lang="zh-CN" altLang="en-US" sz="1350" dirty="0">
+              <a:latin typeface="微软雅黑" panose="020B0503020204020204" charset="-122"/>
+              <a:ea typeface="微软雅黑" panose="020B0503020204020204" charset="-122"/>
+              <a:cs typeface="微软雅黑" panose="020B0503020204020204" charset="-122"/>
+            </a:endParaRPr>
+          </a:p>
+        </p:txBody>
+      </p:sp>
+      <p:sp>
+        <p:nvSpPr>
+          <p:cNvPr id="32" name="矩形 31"/>
+          <p:cNvSpPr/>
+          <p:nvPr/>
+        </p:nvSpPr>
+        <p:spPr>
+          <a:xfrm>
+            <a:off x="5958995" y="2123366"/>
+            <a:ext cx="1454333" cy="1250093"/>
+          </a:xfrm>
+          <a:prstGeom prst="rect">
+            <a:avLst/>
+          </a:prstGeom>
+          <a:noFill/>
+          <a:ln w="12700" cap="flat" cmpd="sng" algn="ctr">
+            <a:solidFill>
+              <a:srgbClr val="5B9BD5">
+                <a:shade val="50000"/>
+              </a:srgbClr>
+            </a:solidFill>
+            <a:prstDash val="dash"/>
+            <a:miter lim="800000"/>
+          </a:ln>
+          <a:effectLst/>
+        </p:spPr>
+        <p:txBody>
+          <a:bodyPr anchor="b"/>
+          <a:lstStyle/>
+          <a:p>
+            <a:pPr algn="ctr" defTabSz="1219200" eaLnBrk="0" fontAlgn="base" hangingPunct="0">
+              <a:spcBef>
+                <a:spcPct val="0"/>
+              </a:spcBef>
+              <a:spcAft>
+                <a:spcPct val="0"/>
+              </a:spcAft>
+              <a:defRPr/>
+            </a:pPr>
+            <a:endParaRPr kumimoji="1" lang="zh-CN" altLang="en-US" sz="1350" kern="0" dirty="0">
+              <a:latin typeface="微软雅黑" panose="020B0503020204020204" charset="-122"/>
+              <a:ea typeface="微软雅黑" panose="020B0503020204020204" charset="-122"/>
+              <a:cs typeface="微软雅黑" panose="020B0503020204020204" charset="-122"/>
+            </a:endParaRPr>
+          </a:p>
+        </p:txBody>
+      </p:sp>
+      <p:cxnSp>
+        <p:nvCxnSpPr>
+          <p:cNvPr id="34" name="直线箭头连接符 33"/>
+          <p:cNvCxnSpPr/>
+          <p:nvPr/>
+        </p:nvCxnSpPr>
+        <p:spPr>
+          <a:xfrm flipH="1">
+            <a:off x="6399881" y="3501459"/>
+            <a:ext cx="1139" cy="456210"/>
+          </a:xfrm>
+          <a:prstGeom prst="straightConnector1">
+            <a:avLst/>
+          </a:prstGeom>
+          <a:ln w="38100">
+            <a:headEnd type="triangle" w="med" len="lg"/>
+            <a:tailEnd type="triangle" w="med" len="lg"/>
+          </a:ln>
+        </p:spPr>
+        <p:style>
+          <a:lnRef idx="3">
+            <a:schemeClr val="accent1"/>
+          </a:lnRef>
+          <a:fillRef idx="0">
+            <a:schemeClr val="accent1"/>
+          </a:fillRef>
+          <a:effectRef idx="2">
+            <a:schemeClr val="accent1"/>
+          </a:effectRef>
+          <a:fontRef idx="minor">
+            <a:schemeClr val="tx1"/>
+          </a:fontRef>
+        </p:style>
+      </p:cxnSp>
+      <p:cxnSp>
+        <p:nvCxnSpPr>
+          <p:cNvPr id="22" name="直线箭头连接符 21"/>
+          <p:cNvCxnSpPr/>
+          <p:nvPr/>
+        </p:nvCxnSpPr>
+        <p:spPr>
+          <a:xfrm rot="10800000" flipH="1">
+            <a:off x="3783012" y="3060603"/>
+            <a:ext cx="514222" cy="3458"/>
+          </a:xfrm>
+          <a:prstGeom prst="straightConnector1">
+            <a:avLst/>
+          </a:prstGeom>
+          <a:ln w="38100">
+            <a:headEnd type="triangle" w="med" len="lg"/>
+            <a:tailEnd type="none" w="med" len="lg"/>
+          </a:ln>
+        </p:spPr>
+        <p:style>
+          <a:lnRef idx="3">
+            <a:schemeClr val="accent1"/>
+          </a:lnRef>
+          <a:fillRef idx="0">
+            <a:schemeClr val="accent1"/>
+          </a:fillRef>
+          <a:effectRef idx="2">
+            <a:schemeClr val="accent1"/>
+          </a:effectRef>
+          <a:fontRef idx="minor">
+            <a:schemeClr val="tx1"/>
+          </a:fontRef>
+        </p:style>
+      </p:cxnSp>
+      <p:sp>
+        <p:nvSpPr>
+          <p:cNvPr id="23" name="文本框 22"/>
+          <p:cNvSpPr txBox="1"/>
+          <p:nvPr/>
+        </p:nvSpPr>
+        <p:spPr>
+          <a:xfrm>
+            <a:off x="3712128" y="3152176"/>
+            <a:ext cx="805180" cy="506730"/>
+          </a:xfrm>
+          <a:prstGeom prst="rect">
+            <a:avLst/>
+          </a:prstGeom>
+          <a:noFill/>
+        </p:spPr>
+        <p:txBody>
+          <a:bodyPr wrap="none" rtlCol="0">
+            <a:spAutoFit/>
+          </a:bodyPr>
+          <a:lstStyle/>
+          <a:p>
+            <a:r>
+              <a:rPr kumimoji="1" lang="en-US" altLang="zh-CN" sz="1350" smtClean="0">
+                <a:latin typeface="微软雅黑" panose="020B0503020204020204" charset="-122"/>
+                <a:ea typeface="微软雅黑" panose="020B0503020204020204" charset="-122"/>
+                <a:cs typeface="微软雅黑" panose="020B0503020204020204" charset="-122"/>
+              </a:rPr>
+              <a:t>registry</a:t>
+            </a:r>
+            <a:endParaRPr kumimoji="1" lang="en-US" altLang="zh-CN" sz="1350" dirty="0" smtClean="0">
+              <a:latin typeface="微软雅黑" panose="020B0503020204020204" charset="-122"/>
+              <a:ea typeface="微软雅黑" panose="020B0503020204020204" charset="-122"/>
+              <a:cs typeface="微软雅黑" panose="020B0503020204020204" charset="-122"/>
+            </a:endParaRPr>
+          </a:p>
+          <a:p>
+            <a:r>
+              <a:rPr kumimoji="1" lang="en-US" altLang="zh-CN" sz="1350" dirty="0" smtClean="0">
+                <a:latin typeface="微软雅黑" panose="020B0503020204020204" charset="-122"/>
+                <a:ea typeface="微软雅黑" panose="020B0503020204020204" charset="-122"/>
+                <a:cs typeface="微软雅黑" panose="020B0503020204020204" charset="-122"/>
+              </a:rPr>
+              <a:t>remove</a:t>
+            </a:r>
+            <a:endParaRPr kumimoji="1" lang="zh-CN" altLang="en-US" sz="1350" dirty="0">
+              <a:latin typeface="微软雅黑" panose="020B0503020204020204" charset="-122"/>
+              <a:ea typeface="微软雅黑" panose="020B0503020204020204" charset="-122"/>
+              <a:cs typeface="微软雅黑" panose="020B0503020204020204" charset="-122"/>
+            </a:endParaRPr>
+          </a:p>
+        </p:txBody>
+      </p:sp>
+    </p:spTree>
   </p:cSld>
   <p:clrMapOvr>
     <a:masterClrMapping/>
@@ -6943,8 +8303,6 @@
       </a:bgFillStyleLst>
     </a:fmtScheme>
   </a:themeElements>
-  <a:objectDefaults/>
-  <a:extraClrSchemeLst/>
   <a:extLst>
     <a:ext uri="{05A4C25C-085E-4340-85A3-A5531E510DB2}">
       <thm15:themeFamily xmlns:thm15="http://schemas.microsoft.com/office/thememl/2012/main" name="Office Theme" id="{62F939B6-93AF-4DB8-9C6B-D6C7DFDC589F}" vid="{4A3C46E8-61CC-4603-A589-7422A47A8E4A}"/>
@@ -7204,8 +8562,6 @@
       </a:bgFillStyleLst>
     </a:fmtScheme>
   </a:themeElements>
-  <a:objectDefaults/>
-  <a:extraClrSchemeLst/>
   <a:extLst>
     <a:ext uri="{05A4C25C-085E-4340-85A3-A5531E510DB2}">
       <thm15:themeFamily xmlns:thm15="http://schemas.microsoft.com/office/thememl/2012/main" name="Office Theme" id="{62F939B6-93AF-4DB8-9C6B-D6C7DFDC589F}" vid="{4A3C46E8-61CC-4603-A589-7422A47A8E4A}"/>

--- a/doc/XXL-RPC架构图.pptx
+++ b/doc/XXL-RPC架构图.pptx
@@ -5,13 +5,11 @@
     <p:sldMasterId id="2147483648" r:id="rId1"/>
   </p:sldMasterIdLst>
   <p:notesMasterIdLst>
-    <p:notesMasterId r:id="rId5"/>
+    <p:notesMasterId r:id="rId4"/>
   </p:notesMasterIdLst>
   <p:sldIdLst>
-    <p:sldId id="264" r:id="rId3"/>
-    <p:sldId id="265" r:id="rId4"/>
-    <p:sldId id="266" r:id="rId6"/>
-    <p:sldId id="267" r:id="rId7"/>
+    <p:sldId id="266" r:id="rId3"/>
+    <p:sldId id="267" r:id="rId5"/>
   </p:sldIdLst>
   <p:sldSz cx="9144000" cy="6858000" type="screen4x3"/>
   <p:notesSz cx="6858000" cy="9144000"/>
@@ -110,6 +108,22 @@
       </a:defRPr>
     </a:lvl9pPr>
   </p:defaultTextStyle>
+  <p:extLst>
+    <p:ext uri="{EFAFB233-063F-42B5-8137-9DF3F51BA10A}">
+      <p15:sldGuideLst xmlns:p15="http://schemas.microsoft.com/office/powerpoint/2012/main">
+        <p15:guide id="1" orient="horz" pos="2206" userDrawn="1">
+          <p15:clr>
+            <a:srgbClr val="A4A3A4"/>
+          </p15:clr>
+        </p15:guide>
+        <p15:guide id="2" pos="2846" userDrawn="1">
+          <p15:clr>
+            <a:srgbClr val="A4A3A4"/>
+          </p15:clr>
+        </p15:guide>
+      </p15:sldGuideLst>
+    </p:ext>
+  </p:extLst>
 </p:presentation>
 </file>
 
@@ -616,84 +630,6 @@
 </p:notes>
 </file>
 
-<file path=ppt/notesSlides/notesSlide3.xml><?xml version="1.0" encoding="utf-8"?>
-<p:notes xmlns:a="http://schemas.openxmlformats.org/drawingml/2006/main" xmlns:r="http://schemas.openxmlformats.org/officeDocument/2006/relationships" xmlns:p="http://schemas.openxmlformats.org/presentationml/2006/main">
-  <p:cSld>
-    <p:spTree>
-      <p:nvGrpSpPr>
-        <p:cNvPr id="1" name=""/>
-        <p:cNvGrpSpPr/>
-        <p:nvPr/>
-      </p:nvGrpSpPr>
-      <p:grpSpPr>
-        <a:xfrm>
-          <a:off x="0" y="0"/>
-          <a:ext cx="0" cy="0"/>
-          <a:chOff x="0" y="0"/>
-          <a:chExt cx="0" cy="0"/>
-        </a:xfrm>
-      </p:grpSpPr>
-      <p:sp>
-        <p:nvSpPr>
-          <p:cNvPr id="2" name="幻灯片图像占位符 1"/>
-          <p:cNvSpPr>
-            <a:spLocks noGrp="1" noRot="1" noChangeAspect="1"/>
-          </p:cNvSpPr>
-          <p:nvPr>
-            <p:ph type="sldImg"/>
-          </p:nvPr>
-        </p:nvSpPr>
-        <p:spPr/>
-      </p:sp>
-      <p:sp>
-        <p:nvSpPr>
-          <p:cNvPr id="3" name="备注占位符 2"/>
-          <p:cNvSpPr>
-            <a:spLocks noGrp="1"/>
-          </p:cNvSpPr>
-          <p:nvPr>
-            <p:ph type="body" idx="1"/>
-          </p:nvPr>
-        </p:nvSpPr>
-        <p:spPr/>
-        <p:txBody>
-          <a:bodyPr/>
-          <a:lstStyle/>
-          <a:p>
-            <a:endParaRPr kumimoji="1" lang="zh-CN" altLang="en-US" dirty="0"/>
-          </a:p>
-        </p:txBody>
-      </p:sp>
-      <p:sp>
-        <p:nvSpPr>
-          <p:cNvPr id="4" name="幻灯片编号占位符 3"/>
-          <p:cNvSpPr>
-            <a:spLocks noGrp="1"/>
-          </p:cNvSpPr>
-          <p:nvPr>
-            <p:ph type="sldNum" sz="quarter" idx="10"/>
-          </p:nvPr>
-        </p:nvSpPr>
-        <p:spPr/>
-        <p:txBody>
-          <a:bodyPr/>
-          <a:lstStyle/>
-          <a:p>
-            <a:fld id="{A6837353-30EB-4A48-80EB-173D804AEFBD}" type="slidenum">
-              <a:rPr lang="zh-CN" altLang="en-US" smtClean="0"/>
-            </a:fld>
-            <a:endParaRPr lang="zh-CN" altLang="en-US"/>
-          </a:p>
-        </p:txBody>
-      </p:sp>
-    </p:spTree>
-  </p:cSld>
-  <p:clrMapOvr>
-    <a:masterClrMapping/>
-  </p:clrMapOvr>
-</p:notes>
-</file>
-
 <file path=ppt/slideLayouts/slideLayout1.xml><?xml version="1.0" encoding="utf-8"?>
 <p:sldLayout xmlns:a="http://schemas.openxmlformats.org/drawingml/2006/main" xmlns:r="http://schemas.openxmlformats.org/officeDocument/2006/relationships" xmlns:p="http://schemas.openxmlformats.org/presentationml/2006/main" type="title" preserve="1">
   <p:cSld name="标题幻灯片">
@@ -3391,7 +3327,7 @@
         <a:spcBef>
           <a:spcPct val="20000"/>
         </a:spcBef>
-        <a:buFont typeface="Arial" panose="020B0604020202020204" pitchFamily="34" charset="0"/>
+        <a:buFont typeface="Arial" panose="020B0604020202090204" pitchFamily="34" charset="0"/>
         <a:buChar char="•"/>
         <a:defRPr sz="3200" kern="1200">
           <a:solidFill>
@@ -3406,7 +3342,7 @@
         <a:spcBef>
           <a:spcPct val="20000"/>
         </a:spcBef>
-        <a:buFont typeface="Arial" panose="020B0604020202020204" pitchFamily="34" charset="0"/>
+        <a:buFont typeface="Arial" panose="020B0604020202090204" pitchFamily="34" charset="0"/>
         <a:buChar char="–"/>
         <a:defRPr sz="2800" kern="1200">
           <a:solidFill>
@@ -3421,7 +3357,7 @@
         <a:spcBef>
           <a:spcPct val="20000"/>
         </a:spcBef>
-        <a:buFont typeface="Arial" panose="020B0604020202020204" pitchFamily="34" charset="0"/>
+        <a:buFont typeface="Arial" panose="020B0604020202090204" pitchFamily="34" charset="0"/>
         <a:buChar char="•"/>
         <a:defRPr sz="2400" kern="1200">
           <a:solidFill>
@@ -3436,7 +3372,7 @@
         <a:spcBef>
           <a:spcPct val="20000"/>
         </a:spcBef>
-        <a:buFont typeface="Arial" panose="020B0604020202020204" pitchFamily="34" charset="0"/>
+        <a:buFont typeface="Arial" panose="020B0604020202090204" pitchFamily="34" charset="0"/>
         <a:buChar char="–"/>
         <a:defRPr sz="2000" kern="1200">
           <a:solidFill>
@@ -3451,7 +3387,7 @@
         <a:spcBef>
           <a:spcPct val="20000"/>
         </a:spcBef>
-        <a:buFont typeface="Arial" panose="020B0604020202020204" pitchFamily="34" charset="0"/>
+        <a:buFont typeface="Arial" panose="020B0604020202090204" pitchFamily="34" charset="0"/>
         <a:buChar char="»"/>
         <a:defRPr sz="2000" kern="1200">
           <a:solidFill>
@@ -3466,7 +3402,7 @@
         <a:spcBef>
           <a:spcPct val="20000"/>
         </a:spcBef>
-        <a:buFont typeface="Arial" panose="020B0604020202020204" pitchFamily="34" charset="0"/>
+        <a:buFont typeface="Arial" panose="020B0604020202090204" pitchFamily="34" charset="0"/>
         <a:buChar char="•"/>
         <a:defRPr sz="2000" kern="1200">
           <a:solidFill>
@@ -3481,7 +3417,7 @@
         <a:spcBef>
           <a:spcPct val="20000"/>
         </a:spcBef>
-        <a:buFont typeface="Arial" panose="020B0604020202020204" pitchFamily="34" charset="0"/>
+        <a:buFont typeface="Arial" panose="020B0604020202090204" pitchFamily="34" charset="0"/>
         <a:buChar char="•"/>
         <a:defRPr sz="2000" kern="1200">
           <a:solidFill>
@@ -3496,7 +3432,7 @@
         <a:spcBef>
           <a:spcPct val="20000"/>
         </a:spcBef>
-        <a:buFont typeface="Arial" panose="020B0604020202020204" pitchFamily="34" charset="0"/>
+        <a:buFont typeface="Arial" panose="020B0604020202090204" pitchFamily="34" charset="0"/>
         <a:buChar char="•"/>
         <a:defRPr sz="2000" kern="1200">
           <a:solidFill>
@@ -3511,7 +3447,7 @@
         <a:spcBef>
           <a:spcPct val="20000"/>
         </a:spcBef>
-        <a:buFont typeface="Arial" panose="020B0604020202020204" pitchFamily="34" charset="0"/>
+        <a:buFont typeface="Arial" panose="020B0604020202090204" pitchFamily="34" charset="0"/>
         <a:buChar char="•"/>
         <a:defRPr sz="2000" kern="1200">
           <a:solidFill>
@@ -3641,668 +3577,884 @@
       </p:grpSpPr>
       <p:sp>
         <p:nvSpPr>
-          <p:cNvPr id="4" name="流程图: 文档 3"/>
+          <p:cNvPr id="20" name="矩形 19"/>
           <p:cNvSpPr/>
           <p:nvPr/>
         </p:nvSpPr>
         <p:spPr>
           <a:xfrm>
-            <a:off x="0" y="0"/>
-            <a:ext cx="9144000" cy="1500174"/>
-          </a:xfrm>
-          <a:prstGeom prst="flowChartDocument">
+            <a:off x="3396189" y="5166578"/>
+            <a:ext cx="2544445" cy="460375"/>
+          </a:xfrm>
+          <a:prstGeom prst="rect">
             <a:avLst/>
           </a:prstGeom>
         </p:spPr>
-        <p:style>
-          <a:lnRef idx="3">
-            <a:schemeClr val="lt1"/>
-          </a:lnRef>
-          <a:fillRef idx="1">
-            <a:schemeClr val="accent2"/>
-          </a:fillRef>
-          <a:effectRef idx="1">
-            <a:schemeClr val="accent2"/>
-          </a:effectRef>
-          <a:fontRef idx="minor">
-            <a:schemeClr val="lt1"/>
-          </a:fontRef>
-        </p:style>
-        <p:txBody>
-          <a:bodyPr rtlCol="0" anchor="ctr"/>
-          <a:lstStyle/>
-          <a:p>
-            <a:pPr lvl="1"/>
-            <a:r>
-              <a:rPr lang="zh-CN" altLang="en-US" sz="5400" smtClean="0">
-                <a:latin typeface="华文琥珀" panose="02010800040101010101" pitchFamily="2" charset="-122"/>
-                <a:ea typeface="华文琥珀" panose="02010800040101010101" pitchFamily="2" charset="-122"/>
+        <p:txBody>
+          <a:bodyPr wrap="none">
+            <a:spAutoFit/>
+          </a:bodyPr>
+          <a:lstStyle/>
+          <a:p>
+            <a:pPr lvl="0" algn="ctr"/>
+            <a:r>
+              <a:rPr lang="en-US" altLang="zh-CN" sz="2400" b="1" dirty="0">
+                <a:solidFill>
+                  <a:prstClr val="black"/>
+                </a:solidFill>
               </a:rPr>
-              <a:t>架构图</a:t>
-            </a:r>
-            <a:endParaRPr lang="en-US" altLang="zh-CN" sz="5400" dirty="0">
-              <a:latin typeface="华文琥珀" panose="02010800040101010101" pitchFamily="2" charset="-122"/>
-              <a:ea typeface="华文琥珀" panose="02010800040101010101" pitchFamily="2" charset="-122"/>
+              <a:t>XXL-RPC </a:t>
+            </a:r>
+            <a:r>
+              <a:rPr lang="zh-CN" altLang="en-US" sz="2400" b="1" dirty="0">
+                <a:solidFill>
+                  <a:prstClr val="black"/>
+                </a:solidFill>
+              </a:rPr>
+              <a:t>架</a:t>
+            </a:r>
+            <a:r>
+              <a:rPr lang="zh-CN" altLang="en-US" sz="2400" b="1" dirty="0">
+                <a:solidFill>
+                  <a:prstClr val="black"/>
+                </a:solidFill>
+              </a:rPr>
+              <a:t>构图</a:t>
+            </a:r>
+            <a:endParaRPr lang="en-US" altLang="zh-CN" sz="2400" b="1" dirty="0">
+              <a:solidFill>
+                <a:prstClr val="black"/>
+              </a:solidFill>
             </a:endParaRPr>
           </a:p>
         </p:txBody>
       </p:sp>
       <p:sp>
         <p:nvSpPr>
-          <p:cNvPr id="3" name="流程图: 文档 2"/>
+          <p:cNvPr id="21" name="圆角矩形 20"/>
           <p:cNvSpPr/>
           <p:nvPr/>
         </p:nvSpPr>
         <p:spPr>
-          <a:xfrm rot="10800000">
-            <a:off x="0" y="5895340"/>
-            <a:ext cx="9144000" cy="905510"/>
-          </a:xfrm>
-          <a:prstGeom prst="flowChartDocument">
-            <a:avLst/>
-          </a:prstGeom>
-          <a:effectLst>
-            <a:outerShdw blurRad="50800" dist="38100" dir="5400000" algn="t" rotWithShape="0">
-              <a:prstClr val="black">
-                <a:alpha val="40000"/>
-              </a:prstClr>
-            </a:outerShdw>
-          </a:effectLst>
-        </p:spPr>
-        <p:style>
-          <a:lnRef idx="3">
-            <a:schemeClr val="lt1"/>
-          </a:lnRef>
-          <a:fillRef idx="1">
-            <a:schemeClr val="accent2"/>
-          </a:fillRef>
-          <a:effectRef idx="1">
-            <a:schemeClr val="accent2"/>
-          </a:effectRef>
-          <a:fontRef idx="minor">
-            <a:schemeClr val="lt1"/>
-          </a:fontRef>
-        </p:style>
-        <p:txBody>
-          <a:bodyPr rtlCol="0" anchor="ctr"/>
-          <a:lstStyle/>
-          <a:p>
-            <a:pPr lvl="1"/>
-            <a:endParaRPr lang="en-US" altLang="zh-CN" sz="2000" dirty="0" smtClean="0">
-              <a:latin typeface="微软雅黑" panose="020B0503020204020204" charset="-122"/>
-              <a:ea typeface="微软雅黑" panose="020B0503020204020204" charset="-122"/>
-            </a:endParaRPr>
-          </a:p>
-        </p:txBody>
-      </p:sp>
-      <p:sp>
-        <p:nvSpPr>
-          <p:cNvPr id="10" name="圆角矩形 9"/>
-          <p:cNvSpPr/>
-          <p:nvPr/>
-        </p:nvSpPr>
-        <p:spPr>
           <a:xfrm>
-            <a:off x="1763688" y="1772816"/>
-            <a:ext cx="5544616" cy="4032448"/>
+            <a:off x="1624559" y="4109763"/>
+            <a:ext cx="1621633" cy="416068"/>
           </a:xfrm>
           <a:prstGeom prst="roundRect">
             <a:avLst/>
           </a:prstGeom>
+          <a:solidFill>
+            <a:srgbClr val="58B8D1"/>
+          </a:solidFill>
+          <a:ln>
+            <a:noFill/>
+          </a:ln>
           <a:effectLst>
-            <a:outerShdw blurRad="50800" dist="38100" dir="5400000" algn="t" rotWithShape="0">
-              <a:prstClr val="black">
-                <a:alpha val="40000"/>
-              </a:prstClr>
+            <a:outerShdw blurRad="57150" dist="19050" dir="5400000" algn="ctr" rotWithShape="0">
+              <a:srgbClr val="000000">
+                <a:alpha val="63000"/>
+              </a:srgbClr>
             </a:outerShdw>
           </a:effectLst>
         </p:spPr>
-        <p:style>
-          <a:lnRef idx="3">
-            <a:schemeClr val="lt1"/>
-          </a:lnRef>
-          <a:fillRef idx="1">
-            <a:schemeClr val="accent6"/>
-          </a:fillRef>
-          <a:effectRef idx="1">
-            <a:schemeClr val="accent6"/>
-          </a:effectRef>
-          <a:fontRef idx="minor">
-            <a:schemeClr val="lt1"/>
-          </a:fontRef>
-        </p:style>
-        <p:txBody>
-          <a:bodyPr rtlCol="0" anchor="ctr"/>
-          <a:lstStyle/>
-          <a:p>
-            <a:pPr algn="ctr"/>
-            <a:endParaRPr lang="zh-CN" altLang="en-US" sz="2000" dirty="0" smtClean="0"/>
-          </a:p>
-          <a:p>
-            <a:pPr algn="ctr"/>
-            <a:endParaRPr lang="zh-CN" altLang="en-US" sz="2000" dirty="0"/>
-          </a:p>
-          <a:p>
-            <a:pPr algn="ctr"/>
-            <a:endParaRPr lang="zh-CN" altLang="en-US" sz="2000" dirty="0" smtClean="0"/>
-          </a:p>
-          <a:p>
-            <a:pPr algn="ctr"/>
-            <a:endParaRPr lang="zh-CN" altLang="en-US" sz="2000" dirty="0"/>
-          </a:p>
-          <a:p>
-            <a:pPr algn="ctr"/>
-            <a:endParaRPr lang="zh-CN" altLang="en-US" sz="2000" dirty="0" smtClean="0"/>
-          </a:p>
-          <a:p>
-            <a:pPr algn="ctr"/>
-            <a:endParaRPr lang="zh-CN" altLang="en-US" sz="2000" dirty="0"/>
-          </a:p>
-          <a:p>
-            <a:pPr algn="ctr"/>
-            <a:endParaRPr lang="zh-CN" altLang="en-US" sz="2000" dirty="0" smtClean="0"/>
-          </a:p>
-          <a:p>
-            <a:pPr algn="ctr"/>
-            <a:endParaRPr lang="zh-CN" altLang="en-US" sz="2000" dirty="0"/>
-          </a:p>
-          <a:p>
-            <a:pPr algn="ctr"/>
-            <a:endParaRPr lang="zh-CN" altLang="en-US" sz="2000" dirty="0" smtClean="0"/>
-          </a:p>
-          <a:p>
-            <a:pPr algn="ctr"/>
-            <a:endParaRPr lang="zh-CN" altLang="en-US" sz="2000" dirty="0" smtClean="0"/>
-          </a:p>
-          <a:p>
-            <a:pPr algn="ctr"/>
-            <a:endParaRPr lang="zh-CN" altLang="en-US" sz="2000" dirty="0">
-              <a:solidFill>
-                <a:schemeClr val="tx1"/>
-              </a:solidFill>
+        <p:txBody>
+          <a:bodyPr anchor="ctr"/>
+          <a:lstStyle/>
+          <a:p>
+            <a:pPr algn="ctr" defTabSz="913765" eaLnBrk="0" fontAlgn="base" hangingPunct="0">
+              <a:spcBef>
+                <a:spcPct val="0"/>
+              </a:spcBef>
+              <a:spcAft>
+                <a:spcPct val="0"/>
+              </a:spcAft>
+              <a:defRPr/>
+            </a:pPr>
+            <a:r>
+              <a:rPr kumimoji="1" lang="en-US" altLang="zh-CN" sz="1400" kern="0" dirty="0" smtClean="0">
+                <a:latin typeface="微软雅黑" panose="020B0503020204020204" charset="-122"/>
+                <a:ea typeface="微软雅黑" panose="020B0503020204020204" charset="-122"/>
+                <a:cs typeface="微软雅黑" panose="020B0503020204020204" charset="-122"/>
+              </a:rPr>
+              <a:t>sync-over-</a:t>
+            </a:r>
+            <a:r>
+              <a:rPr kumimoji="1" lang="en-US" altLang="zh-CN" sz="1400" kern="0" dirty="0" smtClean="0">
+                <a:latin typeface="微软雅黑" panose="020B0503020204020204" charset="-122"/>
+                <a:ea typeface="微软雅黑" panose="020B0503020204020204" charset="-122"/>
+                <a:cs typeface="微软雅黑" panose="020B0503020204020204" charset="-122"/>
+              </a:rPr>
+              <a:t>async</a:t>
+            </a:r>
+            <a:endParaRPr kumimoji="1" lang="en-US" altLang="zh-CN" sz="1400" kern="0" dirty="0">
+              <a:latin typeface="微软雅黑" panose="020B0503020204020204" charset="-122"/>
+              <a:ea typeface="微软雅黑" panose="020B0503020204020204" charset="-122"/>
+              <a:cs typeface="微软雅黑" panose="020B0503020204020204" charset="-122"/>
             </a:endParaRPr>
           </a:p>
-          <a:p>
-            <a:pPr algn="ctr"/>
-            <a:r>
-              <a:rPr lang="en-US" altLang="zh-CN" sz="2400" dirty="0" smtClean="0">
-                <a:solidFill>
-                  <a:schemeClr val="tx1"/>
-                </a:solidFill>
-              </a:rPr>
-              <a:t>xxl-rpc</a:t>
-            </a:r>
-            <a:endParaRPr lang="zh-CN" altLang="en-US" sz="2400" dirty="0" smtClean="0">
-              <a:solidFill>
-                <a:schemeClr val="tx1"/>
-              </a:solidFill>
-            </a:endParaRPr>
-          </a:p>
-        </p:txBody>
-      </p:sp>
-      <p:sp>
-        <p:nvSpPr>
-          <p:cNvPr id="5" name="文本框 4"/>
-          <p:cNvSpPr txBox="1"/>
+        </p:txBody>
+      </p:sp>
+      <p:sp>
+        <p:nvSpPr>
+          <p:cNvPr id="22" name="矩形 21"/>
+          <p:cNvSpPr/>
           <p:nvPr/>
         </p:nvSpPr>
         <p:spPr>
           <a:xfrm>
-            <a:off x="6948170" y="6165215"/>
-            <a:ext cx="1071127" cy="400110"/>
+            <a:off x="3681735" y="1552941"/>
+            <a:ext cx="1927503" cy="989677"/>
           </a:xfrm>
           <a:prstGeom prst="rect">
             <a:avLst/>
           </a:prstGeom>
           <a:noFill/>
-        </p:spPr>
-        <p:txBody>
-          <a:bodyPr wrap="none" rtlCol="0">
-            <a:spAutoFit/>
-          </a:bodyPr>
-          <a:lstStyle/>
-          <a:p>
-            <a:r>
-              <a:rPr lang="en-US" altLang="zh-CN" sz="2000" b="1" dirty="0" smtClean="0">
-                <a:solidFill>
-                  <a:schemeClr val="bg1"/>
-                </a:solidFill>
+          <a:ln w="12700" cap="flat" cmpd="sng" algn="ctr">
+            <a:solidFill>
+              <a:srgbClr val="5B9BD5">
+                <a:shade val="50000"/>
+              </a:srgbClr>
+            </a:solidFill>
+            <a:prstDash val="dash"/>
+            <a:miter lim="800000"/>
+          </a:ln>
+          <a:effectLst/>
+        </p:spPr>
+        <p:txBody>
+          <a:bodyPr anchor="b"/>
+          <a:lstStyle/>
+          <a:p>
+            <a:pPr algn="ctr" defTabSz="913765" eaLnBrk="0" fontAlgn="base" hangingPunct="0">
+              <a:spcBef>
+                <a:spcPct val="0"/>
+              </a:spcBef>
+              <a:spcAft>
+                <a:spcPct val="0"/>
+              </a:spcAft>
+              <a:defRPr/>
+            </a:pPr>
+            <a:r>
+              <a:rPr kumimoji="1" lang="en-US" altLang="zh-CN" sz="1400" b="1" kern="0" dirty="0" smtClean="0">
+                <a:latin typeface="微软雅黑" panose="020B0503020204020204" charset="-122"/>
+                <a:ea typeface="微软雅黑" panose="020B0503020204020204" charset="-122"/>
+                <a:cs typeface="微软雅黑" panose="020B0503020204020204" charset="-122"/>
               </a:rPr>
-              <a:t>XXL-RPC</a:t>
-            </a:r>
-            <a:endParaRPr lang="en-US" altLang="zh-CN" sz="2000" b="1" dirty="0">
-              <a:solidFill>
-                <a:schemeClr val="bg1"/>
-              </a:solidFill>
+              <a:t>provider</a:t>
+            </a:r>
+            <a:endParaRPr kumimoji="1" lang="zh-CN" altLang="en-US" sz="1400" b="1" kern="0" dirty="0">
+              <a:latin typeface="微软雅黑" panose="020B0503020204020204" charset="-122"/>
+              <a:ea typeface="微软雅黑" panose="020B0503020204020204" charset="-122"/>
+              <a:cs typeface="微软雅黑" panose="020B0503020204020204" charset="-122"/>
             </a:endParaRPr>
           </a:p>
         </p:txBody>
       </p:sp>
       <p:sp>
         <p:nvSpPr>
-          <p:cNvPr id="7" name="流程图: 可选过程 6"/>
+          <p:cNvPr id="25" name="可选流程 24"/>
           <p:cNvSpPr/>
           <p:nvPr/>
         </p:nvSpPr>
         <p:spPr>
           <a:xfrm>
-            <a:off x="2073235" y="4077335"/>
-            <a:ext cx="4893945" cy="1224280"/>
+            <a:off x="6032470" y="2682864"/>
+            <a:ext cx="1567464" cy="416068"/>
           </a:xfrm>
           <a:prstGeom prst="flowChartAlternateProcess">
             <a:avLst/>
           </a:prstGeom>
-        </p:spPr>
-        <p:style>
-          <a:lnRef idx="0">
-            <a:schemeClr val="accent4"/>
-          </a:lnRef>
-          <a:fillRef idx="3">
-            <a:schemeClr val="accent4"/>
-          </a:fillRef>
-          <a:effectRef idx="3">
-            <a:schemeClr val="accent4"/>
-          </a:effectRef>
-          <a:fontRef idx="minor">
-            <a:schemeClr val="lt1"/>
-          </a:fontRef>
-        </p:style>
-        <p:txBody>
-          <a:bodyPr rtlCol="0" anchor="ctr"/>
-          <a:lstStyle/>
-          <a:p>
-            <a:pPr algn="ctr"/>
-            <a:r>
-              <a:rPr lang="en-US" altLang="zh-CN" dirty="0">
+          <a:solidFill>
+            <a:srgbClr val="D8D8D8"/>
+          </a:solidFill>
+          <a:ln>
+            <a:noFill/>
+          </a:ln>
+          <a:effectLst>
+            <a:outerShdw blurRad="57150" dist="19050" dir="5400000" algn="ctr" rotWithShape="0">
+              <a:srgbClr val="000000">
+                <a:alpha val="63000"/>
+              </a:srgbClr>
+            </a:outerShdw>
+          </a:effectLst>
+        </p:spPr>
+        <p:txBody>
+          <a:bodyPr anchor="ctr"/>
+          <a:lstStyle/>
+          <a:p>
+            <a:pPr algn="ctr" defTabSz="913765" eaLnBrk="0" fontAlgn="base" hangingPunct="0">
+              <a:spcBef>
+                <a:spcPct val="0"/>
+              </a:spcBef>
+              <a:spcAft>
+                <a:spcPct val="0"/>
+              </a:spcAft>
+              <a:defRPr/>
+            </a:pPr>
+            <a:r>
+              <a:rPr kumimoji="1" lang="en-US" altLang="zh-CN" sz="1400" kern="0" dirty="0">
                 <a:solidFill>
-                  <a:schemeClr val="tx1"/>
+                  <a:prstClr val="black"/>
                 </a:solidFill>
+                <a:latin typeface="Heiti SC Light" panose="02000000000000000000" charset="-122"/>
+                <a:ea typeface="Heiti SC Light" panose="02000000000000000000" charset="-122"/>
+                <a:cs typeface="Heiti SC Light" panose="02000000000000000000" charset="-122"/>
               </a:rPr>
-              <a:t>network communication</a:t>
-            </a:r>
-            <a:endParaRPr lang="en-US" altLang="zh-CN" dirty="0">
+              <a:t>t</a:t>
+            </a:r>
+            <a:r>
+              <a:rPr kumimoji="1" lang="en-US" altLang="zh-CN" sz="1400" kern="0" dirty="0" smtClean="0">
+                <a:solidFill>
+                  <a:prstClr val="black"/>
+                </a:solidFill>
+                <a:latin typeface="Heiti SC Light" panose="02000000000000000000" charset="-122"/>
+                <a:ea typeface="Heiti SC Light" panose="02000000000000000000" charset="-122"/>
+                <a:cs typeface="Heiti SC Light" panose="02000000000000000000" charset="-122"/>
+              </a:rPr>
+              <a:t>race/monitor</a:t>
+            </a:r>
+            <a:endParaRPr kumimoji="1" lang="zh-CN" altLang="en-US" sz="1400" kern="0" dirty="0">
               <a:solidFill>
-                <a:schemeClr val="tx1"/>
+                <a:prstClr val="black"/>
               </a:solidFill>
+              <a:latin typeface="Heiti SC Light" panose="02000000000000000000" charset="-122"/>
+              <a:ea typeface="Heiti SC Light" panose="02000000000000000000" charset="-122"/>
+              <a:cs typeface="Heiti SC Light" panose="02000000000000000000" charset="-122"/>
             </a:endParaRPr>
           </a:p>
-          <a:p>
-            <a:pPr algn="ctr"/>
-            <a:endParaRPr lang="en-US" altLang="zh-CN" dirty="0">
-              <a:solidFill>
-                <a:schemeClr val="tx1"/>
-              </a:solidFill>
-            </a:endParaRPr>
-          </a:p>
-          <a:p>
-            <a:pPr algn="ctr"/>
-            <a:endParaRPr lang="en-US" altLang="zh-CN" dirty="0"/>
-          </a:p>
-        </p:txBody>
-      </p:sp>
-      <p:sp>
-        <p:nvSpPr>
-          <p:cNvPr id="8" name="流程图: 可选过程 7"/>
+        </p:txBody>
+      </p:sp>
+      <p:sp>
+        <p:nvSpPr>
+          <p:cNvPr id="26" name="矩形 25"/>
           <p:cNvSpPr/>
           <p:nvPr/>
         </p:nvSpPr>
         <p:spPr>
           <a:xfrm>
-            <a:off x="4653240" y="2061210"/>
-            <a:ext cx="2302510" cy="769620"/>
+            <a:off x="1403649" y="2766044"/>
+            <a:ext cx="4205589" cy="936826"/>
+          </a:xfrm>
+          <a:prstGeom prst="rect">
+            <a:avLst/>
+          </a:prstGeom>
+          <a:noFill/>
+          <a:ln w="12700" cap="flat" cmpd="sng" algn="ctr">
+            <a:solidFill>
+              <a:srgbClr val="5B9BD5">
+                <a:shade val="50000"/>
+              </a:srgbClr>
+            </a:solidFill>
+            <a:prstDash val="dash"/>
+            <a:miter lim="800000"/>
+          </a:ln>
+          <a:effectLst/>
+        </p:spPr>
+        <p:txBody>
+          <a:bodyPr anchor="b"/>
+          <a:lstStyle/>
+          <a:p>
+            <a:pPr algn="ctr" defTabSz="913765" eaLnBrk="0" fontAlgn="base" hangingPunct="0">
+              <a:spcBef>
+                <a:spcPct val="0"/>
+              </a:spcBef>
+              <a:spcAft>
+                <a:spcPct val="0"/>
+              </a:spcAft>
+              <a:defRPr/>
+            </a:pPr>
+            <a:r>
+              <a:rPr kumimoji="1" lang="en-US" altLang="zh-CN" sz="1400" b="1" kern="0" dirty="0" smtClean="0">
+                <a:latin typeface="微软雅黑" panose="020B0503020204020204" charset="-122"/>
+                <a:ea typeface="微软雅黑" panose="020B0503020204020204" charset="-122"/>
+                <a:cs typeface="微软雅黑" panose="020B0503020204020204" charset="-122"/>
+              </a:rPr>
+              <a:t>serializer</a:t>
+            </a:r>
+            <a:endParaRPr kumimoji="1" lang="zh-CN" altLang="en-US" sz="1400" b="1" kern="0" dirty="0">
+              <a:latin typeface="微软雅黑" panose="020B0503020204020204" charset="-122"/>
+              <a:ea typeface="微软雅黑" panose="020B0503020204020204" charset="-122"/>
+              <a:cs typeface="微软雅黑" panose="020B0503020204020204" charset="-122"/>
+            </a:endParaRPr>
+          </a:p>
+        </p:txBody>
+      </p:sp>
+      <p:sp>
+        <p:nvSpPr>
+          <p:cNvPr id="27" name="可选流程 26"/>
+          <p:cNvSpPr/>
+          <p:nvPr/>
+        </p:nvSpPr>
+        <p:spPr>
+          <a:xfrm>
+            <a:off x="1624559" y="2907581"/>
+            <a:ext cx="1770535" cy="416068"/>
           </a:xfrm>
           <a:prstGeom prst="flowChartAlternateProcess">
             <a:avLst/>
           </a:prstGeom>
-        </p:spPr>
-        <p:style>
-          <a:lnRef idx="0">
-            <a:schemeClr val="accent4"/>
-          </a:lnRef>
-          <a:fillRef idx="3">
-            <a:schemeClr val="accent4"/>
-          </a:fillRef>
-          <a:effectRef idx="3">
-            <a:schemeClr val="accent4"/>
-          </a:effectRef>
-          <a:fontRef idx="minor">
-            <a:schemeClr val="lt1"/>
-          </a:fontRef>
-        </p:style>
-        <p:txBody>
-          <a:bodyPr rtlCol="0" anchor="ctr"/>
-          <a:lstStyle/>
-          <a:p>
-            <a:pPr algn="ctr"/>
-            <a:r>
-              <a:rPr lang="en-US" altLang="zh-CN" dirty="0" smtClean="0">
-                <a:solidFill>
-                  <a:schemeClr val="tx1"/>
-                </a:solidFill>
-                <a:sym typeface="+mn-ea"/>
+          <a:solidFill>
+            <a:srgbClr val="FAA756"/>
+          </a:solidFill>
+          <a:ln>
+            <a:noFill/>
+          </a:ln>
+          <a:effectLst>
+            <a:outerShdw blurRad="57150" dist="19050" dir="5400000" algn="ctr" rotWithShape="0">
+              <a:srgbClr val="000000">
+                <a:alpha val="63000"/>
+              </a:srgbClr>
+            </a:outerShdw>
+          </a:effectLst>
+        </p:spPr>
+        <p:txBody>
+          <a:bodyPr anchor="ctr"/>
+          <a:lstStyle/>
+          <a:p>
+            <a:pPr algn="ctr" defTabSz="913765" eaLnBrk="0" fontAlgn="base" hangingPunct="0">
+              <a:spcBef>
+                <a:spcPct val="0"/>
+              </a:spcBef>
+              <a:spcAft>
+                <a:spcPct val="0"/>
+              </a:spcAft>
+              <a:defRPr/>
+            </a:pPr>
+            <a:r>
+              <a:rPr kumimoji="1" lang="en-US" altLang="zh-CN" sz="1400" kern="0" dirty="0">
+                <a:latin typeface="微软雅黑" panose="020B0503020204020204" charset="-122"/>
+                <a:ea typeface="微软雅黑" panose="020B0503020204020204" charset="-122"/>
+                <a:cs typeface="微软雅黑" panose="020B0503020204020204" charset="-122"/>
               </a:rPr>
-              <a:t>Registry</a:t>
-            </a:r>
-            <a:endParaRPr lang="en-US" altLang="zh-CN" dirty="0" smtClean="0">
-              <a:solidFill>
-                <a:schemeClr val="tx1"/>
-              </a:solidFill>
-              <a:sym typeface="+mn-ea"/>
+              <a:t>request-response</a:t>
+            </a:r>
+            <a:endParaRPr kumimoji="1" lang="en-US" altLang="zh-CN" sz="1400" kern="0" dirty="0">
+              <a:latin typeface="微软雅黑" panose="020B0503020204020204" charset="-122"/>
+              <a:ea typeface="微软雅黑" panose="020B0503020204020204" charset="-122"/>
+              <a:cs typeface="微软雅黑" panose="020B0503020204020204" charset="-122"/>
             </a:endParaRPr>
           </a:p>
         </p:txBody>
       </p:sp>
       <p:sp>
         <p:nvSpPr>
-          <p:cNvPr id="9" name="流程图: 可选过程 8"/>
+          <p:cNvPr id="28" name="可选流程 27"/>
           <p:cNvSpPr/>
           <p:nvPr/>
         </p:nvSpPr>
         <p:spPr>
           <a:xfrm>
-            <a:off x="2076410" y="2985135"/>
-            <a:ext cx="4897755" cy="902970"/>
+            <a:off x="3815054" y="2880448"/>
+            <a:ext cx="1563592" cy="416068"/>
           </a:xfrm>
           <a:prstGeom prst="flowChartAlternateProcess">
             <a:avLst/>
           </a:prstGeom>
-        </p:spPr>
-        <p:style>
-          <a:lnRef idx="0">
-            <a:schemeClr val="accent4"/>
-          </a:lnRef>
-          <a:fillRef idx="3">
-            <a:schemeClr val="accent4"/>
-          </a:fillRef>
-          <a:effectRef idx="3">
-            <a:schemeClr val="accent4"/>
-          </a:effectRef>
-          <a:fontRef idx="minor">
-            <a:schemeClr val="lt1"/>
-          </a:fontRef>
-        </p:style>
-        <p:txBody>
-          <a:bodyPr rtlCol="0" anchor="ctr"/>
-          <a:lstStyle/>
-          <a:p>
-            <a:pPr algn="ctr"/>
-            <a:endParaRPr lang="zh-CN" altLang="en-US"/>
-          </a:p>
-        </p:txBody>
-      </p:sp>
-      <p:sp>
-        <p:nvSpPr>
-          <p:cNvPr id="11" name="流程图: 可选过程 10"/>
+          <a:solidFill>
+            <a:srgbClr val="FAA756"/>
+          </a:solidFill>
+          <a:ln>
+            <a:noFill/>
+          </a:ln>
+          <a:effectLst>
+            <a:outerShdw blurRad="57150" dist="19050" dir="5400000" algn="ctr" rotWithShape="0">
+              <a:srgbClr val="000000">
+                <a:alpha val="63000"/>
+              </a:srgbClr>
+            </a:outerShdw>
+          </a:effectLst>
+        </p:spPr>
+        <p:txBody>
+          <a:bodyPr anchor="ctr"/>
+          <a:lstStyle/>
+          <a:p>
+            <a:pPr algn="ctr" defTabSz="913765" eaLnBrk="0" fontAlgn="base" hangingPunct="0">
+              <a:spcBef>
+                <a:spcPct val="0"/>
+              </a:spcBef>
+              <a:spcAft>
+                <a:spcPct val="0"/>
+              </a:spcAft>
+              <a:defRPr/>
+            </a:pPr>
+            <a:r>
+              <a:rPr kumimoji="1" lang="en-US" altLang="zh-CN" sz="1400" kern="0" dirty="0">
+                <a:latin typeface="微软雅黑" panose="020B0503020204020204" charset="-122"/>
+                <a:ea typeface="微软雅黑" panose="020B0503020204020204" charset="-122"/>
+                <a:cs typeface="微软雅黑" panose="020B0503020204020204" charset="-122"/>
+              </a:rPr>
+              <a:t>data </a:t>
+            </a:r>
+            <a:r>
+              <a:rPr kumimoji="1" lang="en-US" altLang="zh-CN" sz="1400" kern="0" dirty="0" smtClean="0">
+                <a:latin typeface="微软雅黑" panose="020B0503020204020204" charset="-122"/>
+                <a:ea typeface="微软雅黑" panose="020B0503020204020204" charset="-122"/>
+                <a:cs typeface="微软雅黑" panose="020B0503020204020204" charset="-122"/>
+              </a:rPr>
+              <a:t>protocol</a:t>
+            </a:r>
+            <a:endParaRPr kumimoji="1" lang="en-US" altLang="zh-CN" sz="1400" kern="0" dirty="0">
+              <a:latin typeface="微软雅黑" panose="020B0503020204020204" charset="-122"/>
+              <a:ea typeface="微软雅黑" panose="020B0503020204020204" charset="-122"/>
+              <a:cs typeface="微软雅黑" panose="020B0503020204020204" charset="-122"/>
+            </a:endParaRPr>
+          </a:p>
+        </p:txBody>
+      </p:sp>
+      <p:sp>
+        <p:nvSpPr>
+          <p:cNvPr id="29" name="矩形 28"/>
           <p:cNvSpPr/>
           <p:nvPr/>
         </p:nvSpPr>
         <p:spPr>
           <a:xfrm>
-            <a:off x="2438360" y="4577715"/>
-            <a:ext cx="1862455" cy="584200"/>
+            <a:off x="1403649" y="1565099"/>
+            <a:ext cx="2048514" cy="989677"/>
+          </a:xfrm>
+          <a:prstGeom prst="rect">
+            <a:avLst/>
+          </a:prstGeom>
+          <a:noFill/>
+          <a:ln w="12700" cap="flat" cmpd="sng" algn="ctr">
+            <a:solidFill>
+              <a:srgbClr val="5B9BD5">
+                <a:shade val="50000"/>
+              </a:srgbClr>
+            </a:solidFill>
+            <a:prstDash val="dash"/>
+            <a:miter lim="800000"/>
+          </a:ln>
+          <a:effectLst/>
+        </p:spPr>
+        <p:txBody>
+          <a:bodyPr anchor="b"/>
+          <a:lstStyle/>
+          <a:p>
+            <a:pPr algn="ctr" defTabSz="913765" eaLnBrk="0" fontAlgn="base" hangingPunct="0">
+              <a:spcBef>
+                <a:spcPct val="0"/>
+              </a:spcBef>
+              <a:spcAft>
+                <a:spcPct val="0"/>
+              </a:spcAft>
+              <a:defRPr/>
+            </a:pPr>
+            <a:r>
+              <a:rPr kumimoji="1" lang="en-US" altLang="zh-CN" sz="1400" b="1" kern="0" dirty="0" smtClean="0">
+                <a:latin typeface="微软雅黑" panose="020B0503020204020204" charset="-122"/>
+                <a:ea typeface="微软雅黑" panose="020B0503020204020204" charset="-122"/>
+                <a:cs typeface="微软雅黑" panose="020B0503020204020204" charset="-122"/>
+              </a:rPr>
+              <a:t>invoker</a:t>
+            </a:r>
+            <a:endParaRPr kumimoji="1" lang="zh-CN" altLang="en-US" sz="1400" b="1" kern="0" dirty="0">
+              <a:latin typeface="微软雅黑" panose="020B0503020204020204" charset="-122"/>
+              <a:ea typeface="微软雅黑" panose="020B0503020204020204" charset="-122"/>
+              <a:cs typeface="微软雅黑" panose="020B0503020204020204" charset="-122"/>
+            </a:endParaRPr>
+          </a:p>
+        </p:txBody>
+      </p:sp>
+      <p:sp>
+        <p:nvSpPr>
+          <p:cNvPr id="30" name="可选流程 29"/>
+          <p:cNvSpPr/>
+          <p:nvPr/>
+        </p:nvSpPr>
+        <p:spPr>
+          <a:xfrm>
+            <a:off x="3815053" y="1680749"/>
+            <a:ext cx="1567464" cy="416068"/>
           </a:xfrm>
           <a:prstGeom prst="flowChartAlternateProcess">
             <a:avLst/>
           </a:prstGeom>
-        </p:spPr>
-        <p:style>
-          <a:lnRef idx="0">
-            <a:schemeClr val="accent3"/>
-          </a:lnRef>
-          <a:fillRef idx="3">
-            <a:schemeClr val="accent3"/>
-          </a:fillRef>
-          <a:effectRef idx="3">
-            <a:schemeClr val="accent3"/>
-          </a:effectRef>
-          <a:fontRef idx="minor">
-            <a:schemeClr val="lt1"/>
-          </a:fontRef>
-        </p:style>
-        <p:txBody>
-          <a:bodyPr rtlCol="0" anchor="ctr"/>
-          <a:lstStyle/>
-          <a:p>
-            <a:pPr algn="ctr"/>
-            <a:r>
-              <a:rPr lang="zh-CN" altLang="en-US" dirty="0" smtClean="0">
-                <a:solidFill>
-                  <a:schemeClr val="tx1"/>
-                </a:solidFill>
-                <a:sym typeface="+mn-ea"/>
+          <a:solidFill>
+            <a:srgbClr val="ABC36C"/>
+          </a:solidFill>
+          <a:ln>
+            <a:noFill/>
+          </a:ln>
+          <a:effectLst>
+            <a:outerShdw blurRad="57150" dist="19050" dir="5400000" algn="ctr" rotWithShape="0">
+              <a:srgbClr val="000000">
+                <a:alpha val="63000"/>
+              </a:srgbClr>
+            </a:outerShdw>
+          </a:effectLst>
+        </p:spPr>
+        <p:txBody>
+          <a:bodyPr anchor="ctr"/>
+          <a:lstStyle/>
+          <a:p>
+            <a:pPr algn="ctr" defTabSz="913765" eaLnBrk="0" fontAlgn="base" hangingPunct="0">
+              <a:spcBef>
+                <a:spcPct val="0"/>
+              </a:spcBef>
+              <a:spcAft>
+                <a:spcPct val="0"/>
+              </a:spcAft>
+              <a:defRPr/>
+            </a:pPr>
+            <a:r>
+              <a:rPr kumimoji="1" lang="en-US" altLang="zh-CN" sz="1400" kern="0" dirty="0" smtClean="0">
+                <a:latin typeface="微软雅黑" panose="020B0503020204020204" charset="-122"/>
+                <a:ea typeface="微软雅黑" panose="020B0503020204020204" charset="-122"/>
+                <a:cs typeface="微软雅黑" panose="020B0503020204020204" charset="-122"/>
               </a:rPr>
-              <a:t>sync-over-async</a:t>
-            </a:r>
-            <a:endParaRPr lang="zh-CN" altLang="en-US" dirty="0" smtClean="0">
-              <a:solidFill>
-                <a:schemeClr val="tx1"/>
-              </a:solidFill>
-              <a:sym typeface="+mn-ea"/>
+              <a:t>server</a:t>
+            </a:r>
+            <a:endParaRPr kumimoji="1" lang="zh-CN" altLang="en-US" sz="1400" kern="0" dirty="0">
+              <a:latin typeface="微软雅黑" panose="020B0503020204020204" charset="-122"/>
+              <a:ea typeface="微软雅黑" panose="020B0503020204020204" charset="-122"/>
+              <a:cs typeface="微软雅黑" panose="020B0503020204020204" charset="-122"/>
             </a:endParaRPr>
           </a:p>
         </p:txBody>
       </p:sp>
       <p:sp>
         <p:nvSpPr>
-          <p:cNvPr id="12" name="流程图: 可选过程 11"/>
+          <p:cNvPr id="31" name="可选流程 30"/>
           <p:cNvSpPr/>
           <p:nvPr/>
         </p:nvSpPr>
         <p:spPr>
           <a:xfrm>
-            <a:off x="6105485" y="4581525"/>
-            <a:ext cx="600710" cy="573405"/>
+            <a:off x="1624559" y="1692899"/>
+            <a:ext cx="1567464" cy="416068"/>
           </a:xfrm>
           <a:prstGeom prst="flowChartAlternateProcess">
             <a:avLst/>
           </a:prstGeom>
-        </p:spPr>
-        <p:style>
-          <a:lnRef idx="0">
-            <a:schemeClr val="accent3"/>
-          </a:lnRef>
-          <a:fillRef idx="3">
-            <a:schemeClr val="accent3"/>
-          </a:fillRef>
-          <a:effectRef idx="3">
-            <a:schemeClr val="accent3"/>
-          </a:effectRef>
-          <a:fontRef idx="minor">
-            <a:schemeClr val="lt1"/>
-          </a:fontRef>
-        </p:style>
-        <p:txBody>
-          <a:bodyPr rtlCol="0" anchor="ctr"/>
-          <a:lstStyle/>
-          <a:p>
-            <a:pPr algn="ctr"/>
-            <a:r>
-              <a:rPr lang="en-US" altLang="zh-CN" dirty="0" smtClean="0">
-                <a:solidFill>
-                  <a:schemeClr val="tx1"/>
-                </a:solidFill>
-                <a:sym typeface="+mn-ea"/>
+          <a:solidFill>
+            <a:srgbClr val="ABC36C"/>
+          </a:solidFill>
+          <a:ln>
+            <a:noFill/>
+          </a:ln>
+          <a:effectLst>
+            <a:outerShdw blurRad="57150" dist="19050" dir="5400000" algn="ctr" rotWithShape="0">
+              <a:srgbClr val="000000">
+                <a:alpha val="63000"/>
+              </a:srgbClr>
+            </a:outerShdw>
+          </a:effectLst>
+        </p:spPr>
+        <p:txBody>
+          <a:bodyPr anchor="ctr"/>
+          <a:lstStyle/>
+          <a:p>
+            <a:pPr algn="ctr" defTabSz="913765" eaLnBrk="0" fontAlgn="base" hangingPunct="0">
+              <a:spcBef>
+                <a:spcPct val="0"/>
+              </a:spcBef>
+              <a:spcAft>
+                <a:spcPct val="0"/>
+              </a:spcAft>
+              <a:defRPr/>
+            </a:pPr>
+            <a:r>
+              <a:rPr kumimoji="1" lang="en-US" altLang="zh-CN" sz="1400" kern="0" dirty="0">
+                <a:latin typeface="微软雅黑" panose="020B0503020204020204" charset="-122"/>
+                <a:ea typeface="微软雅黑" panose="020B0503020204020204" charset="-122"/>
+                <a:cs typeface="微软雅黑" panose="020B0503020204020204" charset="-122"/>
               </a:rPr>
-              <a:t>rpc</a:t>
-            </a:r>
-            <a:endParaRPr lang="en-US" altLang="zh-CN" dirty="0" smtClean="0">
-              <a:solidFill>
-                <a:schemeClr val="tx1"/>
-              </a:solidFill>
-              <a:sym typeface="+mn-ea"/>
+              <a:t>proxy</a:t>
+            </a:r>
+            <a:endParaRPr kumimoji="1" lang="zh-CN" altLang="en-US" sz="1400" kern="0" dirty="0">
+              <a:latin typeface="微软雅黑" panose="020B0503020204020204" charset="-122"/>
+              <a:ea typeface="微软雅黑" panose="020B0503020204020204" charset="-122"/>
+              <a:cs typeface="微软雅黑" panose="020B0503020204020204" charset="-122"/>
             </a:endParaRPr>
           </a:p>
         </p:txBody>
       </p:sp>
       <p:sp>
         <p:nvSpPr>
-          <p:cNvPr id="13" name="流程图: 可选过程 12"/>
+          <p:cNvPr id="33" name="矩形 32"/>
           <p:cNvSpPr/>
           <p:nvPr/>
         </p:nvSpPr>
         <p:spPr>
           <a:xfrm>
-            <a:off x="4592915" y="4581525"/>
-            <a:ext cx="1169035" cy="561975"/>
+            <a:off x="1403648" y="3933056"/>
+            <a:ext cx="6350428" cy="994133"/>
+          </a:xfrm>
+          <a:prstGeom prst="rect">
+            <a:avLst/>
+          </a:prstGeom>
+          <a:noFill/>
+          <a:ln w="12700" cap="flat" cmpd="sng" algn="ctr">
+            <a:solidFill>
+              <a:srgbClr val="5B9BD5">
+                <a:shade val="50000"/>
+              </a:srgbClr>
+            </a:solidFill>
+            <a:prstDash val="dash"/>
+            <a:miter lim="800000"/>
+          </a:ln>
+          <a:effectLst/>
+        </p:spPr>
+        <p:txBody>
+          <a:bodyPr anchor="b"/>
+          <a:lstStyle/>
+          <a:p>
+            <a:pPr algn="ctr" defTabSz="913765" eaLnBrk="0" fontAlgn="base" hangingPunct="0">
+              <a:spcBef>
+                <a:spcPct val="0"/>
+              </a:spcBef>
+              <a:spcAft>
+                <a:spcPct val="0"/>
+              </a:spcAft>
+              <a:defRPr/>
+            </a:pPr>
+            <a:r>
+              <a:rPr kumimoji="1" lang="en-US" altLang="zh-CN" sz="1400" b="1" kern="0" dirty="0">
+                <a:latin typeface="微软雅黑" panose="020B0503020204020204" charset="-122"/>
+                <a:ea typeface="微软雅黑" panose="020B0503020204020204" charset="-122"/>
+                <a:cs typeface="微软雅黑" panose="020B0503020204020204" charset="-122"/>
+              </a:rPr>
+              <a:t>remoting</a:t>
+            </a:r>
+            <a:endParaRPr kumimoji="1" lang="en-US" altLang="zh-CN" sz="1400" b="1" kern="0" dirty="0">
+              <a:latin typeface="微软雅黑" panose="020B0503020204020204" charset="-122"/>
+              <a:ea typeface="微软雅黑" panose="020B0503020204020204" charset="-122"/>
+              <a:cs typeface="微软雅黑" panose="020B0503020204020204" charset="-122"/>
+            </a:endParaRPr>
+          </a:p>
+        </p:txBody>
+      </p:sp>
+      <p:sp>
+        <p:nvSpPr>
+          <p:cNvPr id="34" name="圆角矩形 33"/>
+          <p:cNvSpPr/>
+          <p:nvPr/>
+        </p:nvSpPr>
+        <p:spPr>
+          <a:xfrm>
+            <a:off x="3564623" y="4109763"/>
+            <a:ext cx="959232" cy="416068"/>
+          </a:xfrm>
+          <a:prstGeom prst="roundRect">
+            <a:avLst/>
+          </a:prstGeom>
+          <a:solidFill>
+            <a:srgbClr val="58B8D1"/>
+          </a:solidFill>
+          <a:ln>
+            <a:noFill/>
+          </a:ln>
+          <a:effectLst>
+            <a:outerShdw blurRad="57150" dist="19050" dir="5400000" algn="ctr" rotWithShape="0">
+              <a:srgbClr val="000000">
+                <a:alpha val="63000"/>
+              </a:srgbClr>
+            </a:outerShdw>
+          </a:effectLst>
+        </p:spPr>
+        <p:txBody>
+          <a:bodyPr anchor="ctr"/>
+          <a:lstStyle/>
+          <a:p>
+            <a:pPr algn="ctr" defTabSz="913765" eaLnBrk="0" fontAlgn="base" hangingPunct="0">
+              <a:spcBef>
+                <a:spcPct val="0"/>
+              </a:spcBef>
+              <a:spcAft>
+                <a:spcPct val="0"/>
+              </a:spcAft>
+              <a:defRPr/>
+            </a:pPr>
+            <a:r>
+              <a:rPr kumimoji="1" lang="en-US" altLang="zh-CN" sz="1400" kern="0" dirty="0">
+                <a:latin typeface="微软雅黑" panose="020B0503020204020204" charset="-122"/>
+                <a:ea typeface="微软雅黑" panose="020B0503020204020204" charset="-122"/>
+                <a:cs typeface="微软雅黑" panose="020B0503020204020204" charset="-122"/>
+              </a:rPr>
+              <a:t>codec</a:t>
+            </a:r>
+            <a:endParaRPr kumimoji="1" lang="en-US" altLang="zh-CN" sz="1400" kern="0" dirty="0">
+              <a:latin typeface="微软雅黑" panose="020B0503020204020204" charset="-122"/>
+              <a:ea typeface="微软雅黑" panose="020B0503020204020204" charset="-122"/>
+              <a:cs typeface="微软雅黑" panose="020B0503020204020204" charset="-122"/>
+            </a:endParaRPr>
+          </a:p>
+        </p:txBody>
+      </p:sp>
+      <p:sp>
+        <p:nvSpPr>
+          <p:cNvPr id="35" name="圆角矩形 34"/>
+          <p:cNvSpPr/>
+          <p:nvPr/>
+        </p:nvSpPr>
+        <p:spPr>
+          <a:xfrm>
+            <a:off x="4842286" y="4109763"/>
+            <a:ext cx="2731769" cy="416068"/>
+          </a:xfrm>
+          <a:prstGeom prst="roundRect">
+            <a:avLst/>
+          </a:prstGeom>
+          <a:solidFill>
+            <a:srgbClr val="58B8D1"/>
+          </a:solidFill>
+          <a:ln>
+            <a:noFill/>
+          </a:ln>
+          <a:effectLst>
+            <a:outerShdw blurRad="57150" dist="19050" dir="5400000" algn="ctr" rotWithShape="0">
+              <a:srgbClr val="000000">
+                <a:alpha val="63000"/>
+              </a:srgbClr>
+            </a:outerShdw>
+          </a:effectLst>
+        </p:spPr>
+        <p:txBody>
+          <a:bodyPr anchor="ctr"/>
+          <a:lstStyle/>
+          <a:p>
+            <a:pPr algn="ctr" defTabSz="913765" eaLnBrk="0" fontAlgn="base" hangingPunct="0">
+              <a:spcBef>
+                <a:spcPct val="0"/>
+              </a:spcBef>
+              <a:spcAft>
+                <a:spcPct val="0"/>
+              </a:spcAft>
+              <a:defRPr/>
+            </a:pPr>
+            <a:r>
+              <a:rPr kumimoji="1" lang="en-US" altLang="zh-CN" sz="1400" kern="0" dirty="0">
+                <a:latin typeface="微软雅黑" panose="020B0503020204020204" charset="-122"/>
+                <a:ea typeface="微软雅黑" panose="020B0503020204020204" charset="-122"/>
+                <a:cs typeface="微软雅黑" panose="020B0503020204020204" charset="-122"/>
+              </a:rPr>
+              <a:t>r</a:t>
+            </a:r>
+            <a:r>
+              <a:rPr kumimoji="1" lang="en-US" altLang="zh-CN" sz="1400" kern="0" dirty="0" smtClean="0">
+                <a:latin typeface="微软雅黑" panose="020B0503020204020204" charset="-122"/>
+                <a:ea typeface="微软雅黑" panose="020B0503020204020204" charset="-122"/>
+                <a:cs typeface="微软雅黑" panose="020B0503020204020204" charset="-122"/>
+              </a:rPr>
+              <a:t>emote procedure call</a:t>
+            </a:r>
+            <a:endParaRPr kumimoji="1" lang="en-US" altLang="zh-CN" sz="1400" kern="0" dirty="0">
+              <a:latin typeface="微软雅黑" panose="020B0503020204020204" charset="-122"/>
+              <a:ea typeface="微软雅黑" panose="020B0503020204020204" charset="-122"/>
+              <a:cs typeface="微软雅黑" panose="020B0503020204020204" charset="-122"/>
+            </a:endParaRPr>
+          </a:p>
+        </p:txBody>
+      </p:sp>
+      <p:sp>
+        <p:nvSpPr>
+          <p:cNvPr id="37" name="可选流程 36"/>
+          <p:cNvSpPr/>
+          <p:nvPr/>
+        </p:nvSpPr>
+        <p:spPr>
+          <a:xfrm>
+            <a:off x="6032385" y="1942381"/>
+            <a:ext cx="1515636" cy="416068"/>
           </a:xfrm>
           <a:prstGeom prst="flowChartAlternateProcess">
             <a:avLst/>
           </a:prstGeom>
-        </p:spPr>
-        <p:style>
-          <a:lnRef idx="0">
-            <a:schemeClr val="accent3"/>
-          </a:lnRef>
-          <a:fillRef idx="3">
-            <a:schemeClr val="accent3"/>
-          </a:fillRef>
-          <a:effectRef idx="3">
-            <a:schemeClr val="accent3"/>
-          </a:effectRef>
-          <a:fontRef idx="minor">
-            <a:schemeClr val="lt1"/>
-          </a:fontRef>
-        </p:style>
-        <p:txBody>
-          <a:bodyPr rtlCol="0" anchor="ctr"/>
-          <a:lstStyle/>
-          <a:p>
-            <a:pPr algn="ctr"/>
-            <a:r>
-              <a:rPr lang="en-US" altLang="zh-CN" dirty="0"/>
-              <a:t>codec</a:t>
-            </a:r>
-            <a:endParaRPr lang="en-US" altLang="zh-CN" dirty="0"/>
-          </a:p>
-        </p:txBody>
-      </p:sp>
-      <p:sp>
-        <p:nvSpPr>
-          <p:cNvPr id="15" name="流程图: 可选过程 14"/>
+          <a:solidFill>
+            <a:srgbClr val="FAA756"/>
+          </a:solidFill>
+          <a:ln>
+            <a:noFill/>
+          </a:ln>
+          <a:effectLst>
+            <a:outerShdw blurRad="57150" dist="19050" dir="5400000" algn="ctr" rotWithShape="0">
+              <a:srgbClr val="000000">
+                <a:alpha val="63000"/>
+              </a:srgbClr>
+            </a:outerShdw>
+          </a:effectLst>
+        </p:spPr>
+        <p:txBody>
+          <a:bodyPr anchor="ctr"/>
+          <a:lstStyle/>
+          <a:p>
+            <a:pPr algn="ctr" defTabSz="913765" eaLnBrk="0" fontAlgn="base" hangingPunct="0">
+              <a:spcBef>
+                <a:spcPct val="0"/>
+              </a:spcBef>
+              <a:spcAft>
+                <a:spcPct val="0"/>
+              </a:spcAft>
+              <a:defRPr/>
+            </a:pPr>
+            <a:r>
+              <a:rPr kumimoji="1" lang="en-US" altLang="zh-CN" sz="1400" kern="0" dirty="0" smtClean="0">
+                <a:latin typeface="微软雅黑" panose="020B0503020204020204" charset="-122"/>
+                <a:ea typeface="微软雅黑" panose="020B0503020204020204" charset="-122"/>
+                <a:cs typeface="微软雅黑" panose="020B0503020204020204" charset="-122"/>
+              </a:rPr>
+              <a:t>registry</a:t>
+            </a:r>
+            <a:endParaRPr kumimoji="1" lang="en-US" altLang="zh-CN" sz="1400" kern="0" dirty="0" smtClean="0">
+              <a:latin typeface="微软雅黑" panose="020B0503020204020204" charset="-122"/>
+              <a:ea typeface="微软雅黑" panose="020B0503020204020204" charset="-122"/>
+              <a:cs typeface="微软雅黑" panose="020B0503020204020204" charset="-122"/>
+            </a:endParaRPr>
+          </a:p>
+        </p:txBody>
+      </p:sp>
+      <p:sp>
+        <p:nvSpPr>
+          <p:cNvPr id="38" name="矩形 37"/>
           <p:cNvSpPr/>
           <p:nvPr/>
         </p:nvSpPr>
         <p:spPr>
           <a:xfrm>
-            <a:off x="2073870" y="2061845"/>
-            <a:ext cx="2306320" cy="791845"/>
-          </a:xfrm>
-          <a:prstGeom prst="flowChartAlternateProcess">
+            <a:off x="5826760" y="1553210"/>
+            <a:ext cx="1927225" cy="2148840"/>
+          </a:xfrm>
+          <a:prstGeom prst="rect">
             <a:avLst/>
           </a:prstGeom>
-        </p:spPr>
-        <p:style>
-          <a:lnRef idx="0">
-            <a:schemeClr val="accent4"/>
-          </a:lnRef>
-          <a:fillRef idx="3">
-            <a:schemeClr val="accent4"/>
-          </a:fillRef>
-          <a:effectRef idx="3">
-            <a:schemeClr val="accent4"/>
-          </a:effectRef>
-          <a:fontRef idx="minor">
-            <a:schemeClr val="lt1"/>
-          </a:fontRef>
-        </p:style>
-        <p:txBody>
-          <a:bodyPr rtlCol="0" anchor="ctr"/>
-          <a:lstStyle/>
-          <a:p>
-            <a:pPr algn="ctr"/>
-            <a:r>
-              <a:rPr lang="en-US" altLang="zh-CN" dirty="0"/>
-              <a:t>proxy</a:t>
-            </a:r>
-            <a:endParaRPr lang="en-US" altLang="zh-CN" dirty="0"/>
-          </a:p>
-        </p:txBody>
-      </p:sp>
-      <p:sp>
-        <p:nvSpPr>
-          <p:cNvPr id="17" name="流程图: 可选过程 16"/>
-          <p:cNvSpPr/>
-          <p:nvPr/>
-        </p:nvSpPr>
-        <p:spPr>
-          <a:xfrm>
-            <a:off x="2289135" y="3141980"/>
-            <a:ext cx="2012950" cy="561975"/>
-          </a:xfrm>
-          <a:prstGeom prst="flowChartAlternateProcess">
-            <a:avLst/>
-          </a:prstGeom>
-        </p:spPr>
-        <p:style>
-          <a:lnRef idx="0">
-            <a:schemeClr val="accent3"/>
-          </a:lnRef>
-          <a:fillRef idx="3">
-            <a:schemeClr val="accent3"/>
-          </a:fillRef>
-          <a:effectRef idx="3">
-            <a:schemeClr val="accent3"/>
-          </a:effectRef>
-          <a:fontRef idx="minor">
-            <a:schemeClr val="lt1"/>
-          </a:fontRef>
-        </p:style>
-        <p:txBody>
-          <a:bodyPr rtlCol="0" anchor="ctr"/>
-          <a:lstStyle/>
-          <a:p>
-            <a:pPr algn="ctr"/>
-            <a:r>
-              <a:rPr lang="zh-CN" altLang="en-US" dirty="0" smtClean="0">
-                <a:sym typeface="+mn-ea"/>
+          <a:noFill/>
+          <a:ln w="12700" cap="flat" cmpd="sng" algn="ctr">
+            <a:solidFill>
+              <a:srgbClr val="5B9BD5">
+                <a:shade val="50000"/>
+              </a:srgbClr>
+            </a:solidFill>
+            <a:prstDash val="dash"/>
+            <a:miter lim="800000"/>
+          </a:ln>
+          <a:effectLst/>
+        </p:spPr>
+        <p:txBody>
+          <a:bodyPr anchor="b"/>
+          <a:lstStyle/>
+          <a:p>
+            <a:pPr algn="ctr" defTabSz="913765" eaLnBrk="0" fontAlgn="base" hangingPunct="0">
+              <a:spcBef>
+                <a:spcPct val="0"/>
+              </a:spcBef>
+              <a:spcAft>
+                <a:spcPct val="0"/>
+              </a:spcAft>
+              <a:defRPr/>
+            </a:pPr>
+            <a:r>
+              <a:rPr kumimoji="1" lang="en-US" altLang="zh-CN" sz="1400" b="1" kern="0" dirty="0" smtClean="0">
+                <a:latin typeface="微软雅黑" panose="020B0503020204020204" charset="-122"/>
+                <a:ea typeface="微软雅黑" panose="020B0503020204020204" charset="-122"/>
+                <a:cs typeface="微软雅黑" panose="020B0503020204020204" charset="-122"/>
               </a:rPr>
-              <a:t>request-response</a:t>
-            </a:r>
-            <a:endParaRPr lang="en-US" altLang="zh-CN" dirty="0"/>
-          </a:p>
-        </p:txBody>
-      </p:sp>
-      <p:sp>
-        <p:nvSpPr>
-          <p:cNvPr id="18" name="流程图: 可选过程 17"/>
-          <p:cNvSpPr/>
-          <p:nvPr/>
-        </p:nvSpPr>
-        <p:spPr>
-          <a:xfrm>
-            <a:off x="4561165" y="3142615"/>
-            <a:ext cx="1976120" cy="561975"/>
-          </a:xfrm>
-          <a:prstGeom prst="flowChartAlternateProcess">
-            <a:avLst/>
-          </a:prstGeom>
-        </p:spPr>
-        <p:style>
-          <a:lnRef idx="0">
-            <a:schemeClr val="accent3"/>
-          </a:lnRef>
-          <a:fillRef idx="3">
-            <a:schemeClr val="accent3"/>
-          </a:fillRef>
-          <a:effectRef idx="3">
-            <a:schemeClr val="accent3"/>
-          </a:effectRef>
-          <a:fontRef idx="minor">
-            <a:schemeClr val="lt1"/>
-          </a:fontRef>
-        </p:style>
-        <p:txBody>
-          <a:bodyPr rtlCol="0" anchor="ctr"/>
-          <a:lstStyle/>
-          <a:p>
-            <a:pPr algn="ctr"/>
-            <a:r>
-              <a:rPr lang="en-US" dirty="0" smtClean="0">
-                <a:sym typeface="+mn-ea"/>
-              </a:rPr>
-              <a:t>serializer</a:t>
-            </a:r>
-            <a:endParaRPr lang="en-US" dirty="0"/>
+              <a:t>plugin</a:t>
+            </a:r>
+            <a:endParaRPr kumimoji="1" lang="zh-CN" altLang="en-US" sz="1400" b="1" kern="0" dirty="0">
+              <a:latin typeface="微软雅黑" panose="020B0503020204020204" charset="-122"/>
+              <a:ea typeface="微软雅黑" panose="020B0503020204020204" charset="-122"/>
+              <a:cs typeface="微软雅黑" panose="020B0503020204020204" charset="-122"/>
+            </a:endParaRPr>
           </a:p>
         </p:txBody>
       </p:sp>
@@ -4311,682 +4463,6 @@
   <p:clrMapOvr>
     <a:masterClrMapping/>
   </p:clrMapOvr>
-  <p:timing>
-    <p:tnLst>
-      <p:par>
-        <p:cTn id="1" dur="indefinite" restart="never" nodeType="tmRoot">
-          <p:childTnLst>
-            <p:seq concurrent="1" nextAc="seek">
-              <p:cTn id="2" dur="indefinite" nodeType="mainSeq">
-                <p:childTnLst>
-                  <p:par>
-                    <p:cTn id="3" fill="hold">
-                      <p:stCondLst>
-                        <p:cond delay="indefinite"/>
-                        <p:cond evt="onBegin" delay="0">
-                          <p:tn val="2"/>
-                        </p:cond>
-                      </p:stCondLst>
-                      <p:childTnLst>
-                        <p:par>
-                          <p:cTn id="4" fill="hold">
-                            <p:stCondLst>
-                              <p:cond delay="0"/>
-                            </p:stCondLst>
-                            <p:childTnLst>
-                              <p:par>
-                                <p:cTn id="5" presetID="41" presetClass="entr" presetSubtype="0" fill="hold" nodeType="withEffect">
-                                  <p:stCondLst>
-                                    <p:cond delay="0"/>
-                                  </p:stCondLst>
-                                  <p:iterate type="lt">
-                                    <p:tmPct val="10000"/>
-                                  </p:iterate>
-                                  <p:childTnLst>
-                                    <p:set>
-                                      <p:cBhvr>
-                                        <p:cTn id="6" dur="1" fill="hold">
-                                          <p:stCondLst>
-                                            <p:cond delay="0"/>
-                                          </p:stCondLst>
-                                        </p:cTn>
-                                        <p:tgtEl>
-                                          <p:spTgt spid="4">
-                                            <p:txEl>
-                                              <p:pRg st="0" end="0"/>
-                                            </p:txEl>
-                                          </p:spTgt>
-                                        </p:tgtEl>
-                                        <p:attrNameLst>
-                                          <p:attrName>style.visibility</p:attrName>
-                                        </p:attrNameLst>
-                                      </p:cBhvr>
-                                      <p:to>
-                                        <p:strVal val="visible"/>
-                                      </p:to>
-                                    </p:set>
-                                    <p:anim calcmode="lin" valueType="num">
-                                      <p:cBhvr>
-                                        <p:cTn id="7" dur="500" fill="hold"/>
-                                        <p:tgtEl>
-                                          <p:spTgt spid="4">
-                                            <p:txEl>
-                                              <p:pRg st="0" end="0"/>
-                                            </p:txEl>
-                                          </p:spTgt>
-                                        </p:tgtEl>
-                                        <p:attrNameLst>
-                                          <p:attrName>ppt_x</p:attrName>
-                                        </p:attrNameLst>
-                                      </p:cBhvr>
-                                      <p:tavLst>
-                                        <p:tav tm="0">
-                                          <p:val>
-                                            <p:strVal val="#ppt_x"/>
-                                          </p:val>
-                                        </p:tav>
-                                        <p:tav tm="50000">
-                                          <p:val>
-                                            <p:strVal val="#ppt_x+.1"/>
-                                          </p:val>
-                                        </p:tav>
-                                        <p:tav tm="100000">
-                                          <p:val>
-                                            <p:strVal val="#ppt_x"/>
-                                          </p:val>
-                                        </p:tav>
-                                      </p:tavLst>
-                                    </p:anim>
-                                    <p:anim calcmode="lin" valueType="num">
-                                      <p:cBhvr>
-                                        <p:cTn id="8" dur="500" fill="hold"/>
-                                        <p:tgtEl>
-                                          <p:spTgt spid="4">
-                                            <p:txEl>
-                                              <p:pRg st="0" end="0"/>
-                                            </p:txEl>
-                                          </p:spTgt>
-                                        </p:tgtEl>
-                                        <p:attrNameLst>
-                                          <p:attrName>ppt_y</p:attrName>
-                                        </p:attrNameLst>
-                                      </p:cBhvr>
-                                      <p:tavLst>
-                                        <p:tav tm="0">
-                                          <p:val>
-                                            <p:strVal val="#ppt_y"/>
-                                          </p:val>
-                                        </p:tav>
-                                        <p:tav tm="100000">
-                                          <p:val>
-                                            <p:strVal val="#ppt_y"/>
-                                          </p:val>
-                                        </p:tav>
-                                      </p:tavLst>
-                                    </p:anim>
-                                    <p:anim calcmode="lin" valueType="num">
-                                      <p:cBhvr>
-                                        <p:cTn id="9" dur="500" fill="hold"/>
-                                        <p:tgtEl>
-                                          <p:spTgt spid="4">
-                                            <p:txEl>
-                                              <p:pRg st="0" end="0"/>
-                                            </p:txEl>
-                                          </p:spTgt>
-                                        </p:tgtEl>
-                                        <p:attrNameLst>
-                                          <p:attrName>ppt_h</p:attrName>
-                                        </p:attrNameLst>
-                                      </p:cBhvr>
-                                      <p:tavLst>
-                                        <p:tav tm="0">
-                                          <p:val>
-                                            <p:strVal val="#ppt_h/10"/>
-                                          </p:val>
-                                        </p:tav>
-                                        <p:tav tm="50000">
-                                          <p:val>
-                                            <p:strVal val="#ppt_h+.01"/>
-                                          </p:val>
-                                        </p:tav>
-                                        <p:tav tm="100000">
-                                          <p:val>
-                                            <p:strVal val="#ppt_h"/>
-                                          </p:val>
-                                        </p:tav>
-                                      </p:tavLst>
-                                    </p:anim>
-                                    <p:anim calcmode="lin" valueType="num">
-                                      <p:cBhvr>
-                                        <p:cTn id="10" dur="500" fill="hold"/>
-                                        <p:tgtEl>
-                                          <p:spTgt spid="4">
-                                            <p:txEl>
-                                              <p:pRg st="0" end="0"/>
-                                            </p:txEl>
-                                          </p:spTgt>
-                                        </p:tgtEl>
-                                        <p:attrNameLst>
-                                          <p:attrName>ppt_w</p:attrName>
-                                        </p:attrNameLst>
-                                      </p:cBhvr>
-                                      <p:tavLst>
-                                        <p:tav tm="0">
-                                          <p:val>
-                                            <p:strVal val="#ppt_w/10"/>
-                                          </p:val>
-                                        </p:tav>
-                                        <p:tav tm="50000">
-                                          <p:val>
-                                            <p:strVal val="#ppt_w+.01"/>
-                                          </p:val>
-                                        </p:tav>
-                                        <p:tav tm="100000">
-                                          <p:val>
-                                            <p:strVal val="#ppt_w"/>
-                                          </p:val>
-                                        </p:tav>
-                                      </p:tavLst>
-                                    </p:anim>
-                                    <p:animEffect transition="in" filter="fade">
-                                      <p:cBhvr>
-                                        <p:cTn id="11" dur="500" tmFilter="0,0; .5, 1; 1, 1"/>
-                                        <p:tgtEl>
-                                          <p:spTgt spid="4">
-                                            <p:txEl>
-                                              <p:pRg st="0" end="0"/>
-                                            </p:txEl>
-                                          </p:spTgt>
-                                        </p:tgtEl>
-                                      </p:cBhvr>
-                                    </p:animEffect>
-                                  </p:childTnLst>
-                                </p:cTn>
-                              </p:par>
-                              <p:par>
-                                <p:cTn id="12" presetID="41" presetClass="entr" presetSubtype="0" fill="hold" nodeType="withEffect">
-                                  <p:stCondLst>
-                                    <p:cond delay="0"/>
-                                  </p:stCondLst>
-                                  <p:iterate type="lt">
-                                    <p:tmPct val="10000"/>
-                                  </p:iterate>
-                                  <p:childTnLst>
-                                    <p:set>
-                                      <p:cBhvr>
-                                        <p:cTn id="13" dur="1" fill="hold">
-                                          <p:stCondLst>
-                                            <p:cond delay="0"/>
-                                          </p:stCondLst>
-                                        </p:cTn>
-                                        <p:tgtEl>
-                                          <p:spTgt spid="3">
-                                            <p:txEl>
-                                              <p:pRg st="0" end="0"/>
-                                            </p:txEl>
-                                          </p:spTgt>
-                                        </p:tgtEl>
-                                        <p:attrNameLst>
-                                          <p:attrName>style.visibility</p:attrName>
-                                        </p:attrNameLst>
-                                      </p:cBhvr>
-                                      <p:to>
-                                        <p:strVal val="visible"/>
-                                      </p:to>
-                                    </p:set>
-                                    <p:anim calcmode="lin" valueType="num">
-                                      <p:cBhvr>
-                                        <p:cTn id="14" dur="500" fill="hold"/>
-                                        <p:tgtEl>
-                                          <p:spTgt spid="3">
-                                            <p:txEl>
-                                              <p:pRg st="0" end="0"/>
-                                            </p:txEl>
-                                          </p:spTgt>
-                                        </p:tgtEl>
-                                        <p:attrNameLst>
-                                          <p:attrName>ppt_x</p:attrName>
-                                        </p:attrNameLst>
-                                      </p:cBhvr>
-                                      <p:tavLst>
-                                        <p:tav tm="0">
-                                          <p:val>
-                                            <p:strVal val="#ppt_x"/>
-                                          </p:val>
-                                        </p:tav>
-                                        <p:tav tm="50000">
-                                          <p:val>
-                                            <p:strVal val="#ppt_x+.1"/>
-                                          </p:val>
-                                        </p:tav>
-                                        <p:tav tm="100000">
-                                          <p:val>
-                                            <p:strVal val="#ppt_x"/>
-                                          </p:val>
-                                        </p:tav>
-                                      </p:tavLst>
-                                    </p:anim>
-                                    <p:anim calcmode="lin" valueType="num">
-                                      <p:cBhvr>
-                                        <p:cTn id="15" dur="500" fill="hold"/>
-                                        <p:tgtEl>
-                                          <p:spTgt spid="3">
-                                            <p:txEl>
-                                              <p:pRg st="0" end="0"/>
-                                            </p:txEl>
-                                          </p:spTgt>
-                                        </p:tgtEl>
-                                        <p:attrNameLst>
-                                          <p:attrName>ppt_y</p:attrName>
-                                        </p:attrNameLst>
-                                      </p:cBhvr>
-                                      <p:tavLst>
-                                        <p:tav tm="0">
-                                          <p:val>
-                                            <p:strVal val="#ppt_y"/>
-                                          </p:val>
-                                        </p:tav>
-                                        <p:tav tm="100000">
-                                          <p:val>
-                                            <p:strVal val="#ppt_y"/>
-                                          </p:val>
-                                        </p:tav>
-                                      </p:tavLst>
-                                    </p:anim>
-                                    <p:anim calcmode="lin" valueType="num">
-                                      <p:cBhvr>
-                                        <p:cTn id="16" dur="500" fill="hold"/>
-                                        <p:tgtEl>
-                                          <p:spTgt spid="3">
-                                            <p:txEl>
-                                              <p:pRg st="0" end="0"/>
-                                            </p:txEl>
-                                          </p:spTgt>
-                                        </p:tgtEl>
-                                        <p:attrNameLst>
-                                          <p:attrName>ppt_h</p:attrName>
-                                        </p:attrNameLst>
-                                      </p:cBhvr>
-                                      <p:tavLst>
-                                        <p:tav tm="0">
-                                          <p:val>
-                                            <p:strVal val="#ppt_h/10"/>
-                                          </p:val>
-                                        </p:tav>
-                                        <p:tav tm="50000">
-                                          <p:val>
-                                            <p:strVal val="#ppt_h+.01"/>
-                                          </p:val>
-                                        </p:tav>
-                                        <p:tav tm="100000">
-                                          <p:val>
-                                            <p:strVal val="#ppt_h"/>
-                                          </p:val>
-                                        </p:tav>
-                                      </p:tavLst>
-                                    </p:anim>
-                                    <p:anim calcmode="lin" valueType="num">
-                                      <p:cBhvr>
-                                        <p:cTn id="17" dur="500" fill="hold"/>
-                                        <p:tgtEl>
-                                          <p:spTgt spid="3">
-                                            <p:txEl>
-                                              <p:pRg st="0" end="0"/>
-                                            </p:txEl>
-                                          </p:spTgt>
-                                        </p:tgtEl>
-                                        <p:attrNameLst>
-                                          <p:attrName>ppt_w</p:attrName>
-                                        </p:attrNameLst>
-                                      </p:cBhvr>
-                                      <p:tavLst>
-                                        <p:tav tm="0">
-                                          <p:val>
-                                            <p:strVal val="#ppt_w/10"/>
-                                          </p:val>
-                                        </p:tav>
-                                        <p:tav tm="50000">
-                                          <p:val>
-                                            <p:strVal val="#ppt_w+.01"/>
-                                          </p:val>
-                                        </p:tav>
-                                        <p:tav tm="100000">
-                                          <p:val>
-                                            <p:strVal val="#ppt_w"/>
-                                          </p:val>
-                                        </p:tav>
-                                      </p:tavLst>
-                                    </p:anim>
-                                    <p:animEffect transition="in" filter="fade">
-                                      <p:cBhvr>
-                                        <p:cTn id="18" dur="500" tmFilter="0,0; .5, 1; 1, 1"/>
-                                        <p:tgtEl>
-                                          <p:spTgt spid="3">
-                                            <p:txEl>
-                                              <p:pRg st="0" end="0"/>
-                                            </p:txEl>
-                                          </p:spTgt>
-                                        </p:tgtEl>
-                                      </p:cBhvr>
-                                    </p:animEffect>
-                                  </p:childTnLst>
-                                </p:cTn>
-                              </p:par>
-                            </p:childTnLst>
-                          </p:cTn>
-                        </p:par>
-                        <p:par>
-                          <p:cTn id="19" fill="hold">
-                            <p:stCondLst>
-                              <p:cond delay="0"/>
-                            </p:stCondLst>
-                            <p:childTnLst>
-                              <p:par>
-                                <p:cTn id="20" presetID="26" presetClass="entr" presetSubtype="0" fill="hold" nodeType="afterEffect">
-                                  <p:stCondLst>
-                                    <p:cond delay="0"/>
-                                  </p:stCondLst>
-                                  <p:childTnLst>
-                                    <p:set>
-                                      <p:cBhvr>
-                                        <p:cTn id="21" dur="1" fill="hold">
-                                          <p:stCondLst>
-                                            <p:cond delay="0"/>
-                                          </p:stCondLst>
-                                        </p:cTn>
-                                        <p:tgtEl>
-                                          <p:spTgt spid="10"/>
-                                        </p:tgtEl>
-                                        <p:attrNameLst>
-                                          <p:attrName>style.visibility</p:attrName>
-                                        </p:attrNameLst>
-                                      </p:cBhvr>
-                                      <p:to>
-                                        <p:strVal val="visible"/>
-                                      </p:to>
-                                    </p:set>
-                                    <p:animEffect transition="in" filter="wipe(down)">
-                                      <p:cBhvr>
-                                        <p:cTn id="22" dur="290">
-                                          <p:stCondLst>
-                                            <p:cond delay="0"/>
-                                          </p:stCondLst>
-                                        </p:cTn>
-                                        <p:tgtEl>
-                                          <p:spTgt spid="10"/>
-                                        </p:tgtEl>
-                                      </p:cBhvr>
-                                    </p:animEffect>
-                                    <p:anim calcmode="lin" valueType="num">
-                                      <p:cBhvr>
-                                        <p:cTn id="23" dur="911" tmFilter="0,0; 0.14,0.36; 0.43,0.73; 0.71,0.91; 1.0,1.0">
-                                          <p:stCondLst>
-                                            <p:cond delay="0"/>
-                                          </p:stCondLst>
-                                        </p:cTn>
-                                        <p:tgtEl>
-                                          <p:spTgt spid="10"/>
-                                        </p:tgtEl>
-                                        <p:attrNameLst>
-                                          <p:attrName>ppt_x</p:attrName>
-                                        </p:attrNameLst>
-                                      </p:cBhvr>
-                                      <p:tavLst>
-                                        <p:tav tm="0">
-                                          <p:val>
-                                            <p:strVal val="#ppt_x-0.25"/>
-                                          </p:val>
-                                        </p:tav>
-                                        <p:tav tm="100000">
-                                          <p:val>
-                                            <p:strVal val="#ppt_x"/>
-                                          </p:val>
-                                        </p:tav>
-                                      </p:tavLst>
-                                    </p:anim>
-                                    <p:anim calcmode="lin" valueType="num">
-                                      <p:cBhvr>
-                                        <p:cTn id="24" dur="332" tmFilter="0.0,0.0; 0.25,0.07; 0.50,0.2; 0.75,0.467; 1.0,1.0">
-                                          <p:stCondLst>
-                                            <p:cond delay="0"/>
-                                          </p:stCondLst>
-                                        </p:cTn>
-                                        <p:tgtEl>
-                                          <p:spTgt spid="10"/>
-                                        </p:tgtEl>
-                                        <p:attrNameLst>
-                                          <p:attrName>ppt_y</p:attrName>
-                                        </p:attrNameLst>
-                                      </p:cBhvr>
-                                      <p:tavLst>
-                                        <p:tav tm="0" fmla="#ppt_y-sin(pi*$)/3">
-                                          <p:val>
-                                            <p:fltVal val="0.5"/>
-                                          </p:val>
-                                        </p:tav>
-                                        <p:tav tm="100000">
-                                          <p:val>
-                                            <p:fltVal val="1"/>
-                                          </p:val>
-                                        </p:tav>
-                                      </p:tavLst>
-                                    </p:anim>
-                                    <p:anim calcmode="lin" valueType="num">
-                                      <p:cBhvr>
-                                        <p:cTn id="25" dur="332" tmFilter="0, 0; 0.125,0.2665; 0.25,0.4; 0.375,0.465; 0.5,0.5;  0.625,0.535; 0.75,0.6; 0.875,0.7335; 1,1">
-                                          <p:stCondLst>
-                                            <p:cond delay="332"/>
-                                          </p:stCondLst>
-                                        </p:cTn>
-                                        <p:tgtEl>
-                                          <p:spTgt spid="10"/>
-                                        </p:tgtEl>
-                                        <p:attrNameLst>
-                                          <p:attrName>ppt_y</p:attrName>
-                                        </p:attrNameLst>
-                                      </p:cBhvr>
-                                      <p:tavLst>
-                                        <p:tav tm="0" fmla="#ppt_y-sin(pi*$)/9">
-                                          <p:val>
-                                            <p:fltVal val="0"/>
-                                          </p:val>
-                                        </p:tav>
-                                        <p:tav tm="100000">
-                                          <p:val>
-                                            <p:fltVal val="1"/>
-                                          </p:val>
-                                        </p:tav>
-                                      </p:tavLst>
-                                    </p:anim>
-                                    <p:anim calcmode="lin" valueType="num">
-                                      <p:cBhvr>
-                                        <p:cTn id="26" dur="166" tmFilter="0, 0; 0.125,0.2665; 0.25,0.4; 0.375,0.465; 0.5,0.5;  0.625,0.535; 0.75,0.6; 0.875,0.7335; 1,1">
-                                          <p:stCondLst>
-                                            <p:cond delay="662"/>
-                                          </p:stCondLst>
-                                        </p:cTn>
-                                        <p:tgtEl>
-                                          <p:spTgt spid="10"/>
-                                        </p:tgtEl>
-                                        <p:attrNameLst>
-                                          <p:attrName>ppt_y</p:attrName>
-                                        </p:attrNameLst>
-                                      </p:cBhvr>
-                                      <p:tavLst>
-                                        <p:tav tm="0" fmla="#ppt_y-sin(pi*$)/27">
-                                          <p:val>
-                                            <p:fltVal val="0"/>
-                                          </p:val>
-                                        </p:tav>
-                                        <p:tav tm="100000">
-                                          <p:val>
-                                            <p:fltVal val="1"/>
-                                          </p:val>
-                                        </p:tav>
-                                      </p:tavLst>
-                                    </p:anim>
-                                    <p:anim calcmode="lin" valueType="num">
-                                      <p:cBhvr>
-                                        <p:cTn id="27" dur="82" tmFilter="0, 0; 0.125,0.2665; 0.25,0.4; 0.375,0.465; 0.5,0.5;  0.625,0.535; 0.75,0.6; 0.875,0.7335; 1,1">
-                                          <p:stCondLst>
-                                            <p:cond delay="828"/>
-                                          </p:stCondLst>
-                                        </p:cTn>
-                                        <p:tgtEl>
-                                          <p:spTgt spid="10"/>
-                                        </p:tgtEl>
-                                        <p:attrNameLst>
-                                          <p:attrName>ppt_y</p:attrName>
-                                        </p:attrNameLst>
-                                      </p:cBhvr>
-                                      <p:tavLst>
-                                        <p:tav tm="0" fmla="#ppt_y-sin(pi*$)/81">
-                                          <p:val>
-                                            <p:fltVal val="0"/>
-                                          </p:val>
-                                        </p:tav>
-                                        <p:tav tm="100000">
-                                          <p:val>
-                                            <p:fltVal val="1"/>
-                                          </p:val>
-                                        </p:tav>
-                                      </p:tavLst>
-                                    </p:anim>
-                                    <p:animScale>
-                                      <p:cBhvr>
-                                        <p:cTn id="28" dur="13">
-                                          <p:stCondLst>
-                                            <p:cond delay="325"/>
-                                          </p:stCondLst>
-                                        </p:cTn>
-                                        <p:tgtEl>
-                                          <p:spTgt spid="10"/>
-                                        </p:tgtEl>
-                                      </p:cBhvr>
-                                      <p:to x="100000" y="60000"/>
-                                    </p:animScale>
-                                    <p:animScale>
-                                      <p:cBhvr>
-                                        <p:cTn id="29" dur="83" decel="50000">
-                                          <p:stCondLst>
-                                            <p:cond delay="338"/>
-                                          </p:stCondLst>
-                                        </p:cTn>
-                                        <p:tgtEl>
-                                          <p:spTgt spid="10"/>
-                                        </p:tgtEl>
-                                      </p:cBhvr>
-                                      <p:to x="100000" y="100000"/>
-                                    </p:animScale>
-                                    <p:animScale>
-                                      <p:cBhvr>
-                                        <p:cTn id="30" dur="13">
-                                          <p:stCondLst>
-                                            <p:cond delay="656"/>
-                                          </p:stCondLst>
-                                        </p:cTn>
-                                        <p:tgtEl>
-                                          <p:spTgt spid="10"/>
-                                        </p:tgtEl>
-                                      </p:cBhvr>
-                                      <p:to x="100000" y="80000"/>
-                                    </p:animScale>
-                                    <p:animScale>
-                                      <p:cBhvr>
-                                        <p:cTn id="31" dur="83" decel="50000">
-                                          <p:stCondLst>
-                                            <p:cond delay="669"/>
-                                          </p:stCondLst>
-                                        </p:cTn>
-                                        <p:tgtEl>
-                                          <p:spTgt spid="10"/>
-                                        </p:tgtEl>
-                                      </p:cBhvr>
-                                      <p:to x="100000" y="100000"/>
-                                    </p:animScale>
-                                    <p:animScale>
-                                      <p:cBhvr>
-                                        <p:cTn id="32" dur="13">
-                                          <p:stCondLst>
-                                            <p:cond delay="821"/>
-                                          </p:stCondLst>
-                                        </p:cTn>
-                                        <p:tgtEl>
-                                          <p:spTgt spid="10"/>
-                                        </p:tgtEl>
-                                      </p:cBhvr>
-                                      <p:to x="100000" y="90000"/>
-                                    </p:animScale>
-                                    <p:animScale>
-                                      <p:cBhvr>
-                                        <p:cTn id="33" dur="83" decel="50000">
-                                          <p:stCondLst>
-                                            <p:cond delay="834"/>
-                                          </p:stCondLst>
-                                        </p:cTn>
-                                        <p:tgtEl>
-                                          <p:spTgt spid="10"/>
-                                        </p:tgtEl>
-                                      </p:cBhvr>
-                                      <p:to x="100000" y="100000"/>
-                                    </p:animScale>
-                                    <p:animScale>
-                                      <p:cBhvr>
-                                        <p:cTn id="34" dur="13">
-                                          <p:stCondLst>
-                                            <p:cond delay="904"/>
-                                          </p:stCondLst>
-                                        </p:cTn>
-                                        <p:tgtEl>
-                                          <p:spTgt spid="10"/>
-                                        </p:tgtEl>
-                                      </p:cBhvr>
-                                      <p:to x="100000" y="95000"/>
-                                    </p:animScale>
-                                    <p:animScale>
-                                      <p:cBhvr>
-                                        <p:cTn id="35" dur="83" decel="50000">
-                                          <p:stCondLst>
-                                            <p:cond delay="917"/>
-                                          </p:stCondLst>
-                                        </p:cTn>
-                                        <p:tgtEl>
-                                          <p:spTgt spid="10"/>
-                                        </p:tgtEl>
-                                      </p:cBhvr>
-                                      <p:to x="100000" y="100000"/>
-                                    </p:animScale>
-                                  </p:childTnLst>
-                                </p:cTn>
-                              </p:par>
-                            </p:childTnLst>
-                          </p:cTn>
-                        </p:par>
-                      </p:childTnLst>
-                    </p:cTn>
-                  </p:par>
-                </p:childTnLst>
-              </p:cTn>
-              <p:prevCondLst>
-                <p:cond evt="onPrev" delay="0">
-                  <p:tgtEl>
-                    <p:sldTgt/>
-                  </p:tgtEl>
-                </p:cond>
-              </p:prevCondLst>
-              <p:nextCondLst>
-                <p:cond evt="onNext" delay="0">
-                  <p:tgtEl>
-                    <p:sldTgt/>
-                  </p:tgtEl>
-                </p:cond>
-              </p:nextCondLst>
-            </p:seq>
-          </p:childTnLst>
-        </p:cTn>
-      </p:par>
-    </p:tnLst>
-  </p:timing>
 </p:sld>
 </file>
 
@@ -5009,68 +4485,71 @@
       </p:grpSpPr>
       <p:sp>
         <p:nvSpPr>
-          <p:cNvPr id="20" name="矩形 19"/>
+          <p:cNvPr id="30" name="可选流程 29"/>
           <p:cNvSpPr/>
           <p:nvPr/>
         </p:nvSpPr>
         <p:spPr>
           <a:xfrm>
-            <a:off x="3278447" y="5166578"/>
-            <a:ext cx="2779928" cy="461665"/>
-          </a:xfrm>
-          <a:prstGeom prst="rect">
+            <a:off x="4563192" y="4241426"/>
+            <a:ext cx="1140785" cy="390353"/>
+          </a:xfrm>
+          <a:prstGeom prst="flowChartAlternateProcess">
             <a:avLst/>
           </a:prstGeom>
-        </p:spPr>
-        <p:txBody>
-          <a:bodyPr wrap="none">
-            <a:spAutoFit/>
-          </a:bodyPr>
-          <a:lstStyle/>
-          <a:p>
-            <a:pPr lvl="0" algn="ctr"/>
-            <a:r>
-              <a:rPr lang="en-US" altLang="zh-CN" sz="2400" b="1" dirty="0">
-                <a:solidFill>
-                  <a:prstClr val="black"/>
-                </a:solidFill>
+          <a:solidFill>
+            <a:srgbClr val="FAA756"/>
+          </a:solidFill>
+          <a:ln>
+            <a:noFill/>
+          </a:ln>
+          <a:effectLst>
+            <a:outerShdw blurRad="57150" dist="19050" dir="5400000" algn="ctr" rotWithShape="0">
+              <a:srgbClr val="000000">
+                <a:alpha val="63000"/>
+              </a:srgbClr>
+            </a:outerShdw>
+          </a:effectLst>
+        </p:spPr>
+        <p:txBody>
+          <a:bodyPr anchor="ctr"/>
+          <a:lstStyle/>
+          <a:p>
+            <a:pPr algn="ctr" defTabSz="1219200" eaLnBrk="0" fontAlgn="base" hangingPunct="0">
+              <a:spcBef>
+                <a:spcPct val="0"/>
+              </a:spcBef>
+              <a:spcAft>
+                <a:spcPct val="0"/>
+              </a:spcAft>
+              <a:defRPr/>
+            </a:pPr>
+            <a:r>
+              <a:rPr kumimoji="1" lang="en-US" altLang="zh-CN" sz="1350" kern="0" dirty="0" smtClean="0">
+                <a:latin typeface="微软雅黑" panose="020B0503020204020204" charset="-122"/>
+                <a:ea typeface="微软雅黑" panose="020B0503020204020204" charset="-122"/>
+                <a:cs typeface="微软雅黑" panose="020B0503020204020204" charset="-122"/>
               </a:rPr>
-              <a:t>XXL-RPC</a:t>
-            </a:r>
-            <a:r>
-              <a:rPr lang="zh-CN" altLang="en-US" sz="2400" b="1" dirty="0">
-                <a:solidFill>
-                  <a:prstClr val="black"/>
-                </a:solidFill>
-              </a:rPr>
-              <a:t>架构图 </a:t>
-            </a:r>
-            <a:r>
-              <a:rPr lang="en-US" altLang="zh-CN" sz="2400" b="1" dirty="0">
-                <a:solidFill>
-                  <a:prstClr val="black"/>
-                </a:solidFill>
-              </a:rPr>
-              <a:t>v1.2</a:t>
-            </a:r>
-            <a:endParaRPr lang="en-US" altLang="zh-CN" sz="2400" b="1" dirty="0">
-              <a:solidFill>
-                <a:prstClr val="black"/>
-              </a:solidFill>
+              <a:t>file</a:t>
+            </a:r>
+            <a:endParaRPr kumimoji="1" lang="zh-CN" altLang="en-US" sz="1350" kern="0" dirty="0">
+              <a:latin typeface="微软雅黑" panose="020B0503020204020204" charset="-122"/>
+              <a:ea typeface="微软雅黑" panose="020B0503020204020204" charset="-122"/>
+              <a:cs typeface="微软雅黑" panose="020B0503020204020204" charset="-122"/>
             </a:endParaRPr>
           </a:p>
         </p:txBody>
       </p:sp>
       <p:sp>
         <p:nvSpPr>
-          <p:cNvPr id="21" name="圆角矩形 20"/>
+          <p:cNvPr id="31" name="圆角矩形 30"/>
           <p:cNvSpPr/>
           <p:nvPr/>
         </p:nvSpPr>
         <p:spPr>
           <a:xfrm>
-            <a:off x="1624559" y="4109763"/>
-            <a:ext cx="1621633" cy="416068"/>
+            <a:off x="2455002" y="3191247"/>
+            <a:ext cx="1138352" cy="390353"/>
           </a:xfrm>
           <a:prstGeom prst="roundRect">
             <a:avLst/>
@@ -5093,7 +4572,7 @@
           <a:bodyPr anchor="ctr"/>
           <a:lstStyle/>
           <a:p>
-            <a:pPr algn="ctr" defTabSz="913765" eaLnBrk="0" fontAlgn="base" hangingPunct="0">
+            <a:pPr algn="ctr" defTabSz="1219200" eaLnBrk="0" fontAlgn="base" hangingPunct="0">
               <a:spcBef>
                 <a:spcPct val="0"/>
               </a:spcBef>
@@ -5103,22 +4582,14 @@
               <a:defRPr/>
             </a:pPr>
             <a:r>
-              <a:rPr kumimoji="1" lang="en-US" altLang="zh-CN" sz="1400" kern="0" dirty="0" smtClean="0">
+              <a:rPr kumimoji="1" lang="en-US" altLang="zh-CN" sz="1350" kern="0" dirty="0" smtClean="0">
                 <a:latin typeface="微软雅黑" panose="020B0503020204020204" charset="-122"/>
                 <a:ea typeface="微软雅黑" panose="020B0503020204020204" charset="-122"/>
                 <a:cs typeface="微软雅黑" panose="020B0503020204020204" charset="-122"/>
               </a:rPr>
-              <a:t>sync-over-</a:t>
-            </a:r>
-            <a:r>
-              <a:rPr kumimoji="1" lang="en-US" altLang="zh-CN" sz="1400" kern="0" dirty="0" smtClean="0">
-                <a:latin typeface="微软雅黑" panose="020B0503020204020204" charset="-122"/>
-                <a:ea typeface="微软雅黑" panose="020B0503020204020204" charset="-122"/>
-                <a:cs typeface="微软雅黑" panose="020B0503020204020204" charset="-122"/>
-              </a:rPr>
-              <a:t>async</a:t>
-            </a:r>
-            <a:endParaRPr kumimoji="1" lang="en-US" altLang="zh-CN" sz="1400" kern="0" dirty="0">
+              <a:t>admin</a:t>
+            </a:r>
+            <a:endParaRPr kumimoji="1" lang="zh-CN" altLang="en-US" sz="1350" kern="0" dirty="0">
               <a:latin typeface="微软雅黑" panose="020B0503020204020204" charset="-122"/>
               <a:ea typeface="微软雅黑" panose="020B0503020204020204" charset="-122"/>
               <a:cs typeface="微软雅黑" panose="020B0503020204020204" charset="-122"/>
@@ -5128,14 +4599,14 @@
       </p:sp>
       <p:sp>
         <p:nvSpPr>
-          <p:cNvPr id="22" name="矩形 21"/>
+          <p:cNvPr id="37" name="矩形 36"/>
           <p:cNvSpPr/>
           <p:nvPr/>
         </p:nvSpPr>
         <p:spPr>
           <a:xfrm>
-            <a:off x="3681735" y="1552941"/>
-            <a:ext cx="1927503" cy="989677"/>
+            <a:off x="4385888" y="4107170"/>
+            <a:ext cx="3027441" cy="718914"/>
           </a:xfrm>
           <a:prstGeom prst="rect">
             <a:avLst/>
@@ -5156,7 +4627,7 @@
           <a:bodyPr anchor="b"/>
           <a:lstStyle/>
           <a:p>
-            <a:pPr algn="ctr" defTabSz="913765" eaLnBrk="0" fontAlgn="base" hangingPunct="0">
+            <a:pPr algn="ctr" defTabSz="1219200" eaLnBrk="0" fontAlgn="base" hangingPunct="0">
               <a:spcBef>
                 <a:spcPct val="0"/>
               </a:spcBef>
@@ -5165,15 +4636,57 @@
               </a:spcAft>
               <a:defRPr/>
             </a:pPr>
-            <a:r>
-              <a:rPr kumimoji="1" lang="en-US" altLang="zh-CN" sz="1400" b="1" kern="0" dirty="0" smtClean="0">
+            <a:endParaRPr kumimoji="1" lang="zh-CN" altLang="en-US" sz="1350" kern="0" dirty="0">
+              <a:latin typeface="微软雅黑" panose="020B0503020204020204" charset="-122"/>
+              <a:ea typeface="微软雅黑" panose="020B0503020204020204" charset="-122"/>
+              <a:cs typeface="微软雅黑" panose="020B0503020204020204" charset="-122"/>
+            </a:endParaRPr>
+          </a:p>
+        </p:txBody>
+      </p:sp>
+      <p:sp>
+        <p:nvSpPr>
+          <p:cNvPr id="9" name="磁盘 8"/>
+          <p:cNvSpPr/>
+          <p:nvPr/>
+        </p:nvSpPr>
+        <p:spPr>
+          <a:xfrm>
+            <a:off x="2455002" y="3885863"/>
+            <a:ext cx="1138352" cy="580765"/>
+          </a:xfrm>
+          <a:prstGeom prst="flowChartMagneticDisk">
+            <a:avLst/>
+          </a:prstGeom>
+        </p:spPr>
+        <p:style>
+          <a:lnRef idx="1">
+            <a:schemeClr val="accent3"/>
+          </a:lnRef>
+          <a:fillRef idx="2">
+            <a:schemeClr val="accent3"/>
+          </a:fillRef>
+          <a:effectRef idx="1">
+            <a:schemeClr val="accent3"/>
+          </a:effectRef>
+          <a:fontRef idx="minor">
+            <a:schemeClr val="dk1"/>
+          </a:fontRef>
+        </p:style>
+        <p:txBody>
+          <a:bodyPr rtlCol="0" anchor="ctr"/>
+          <a:lstStyle/>
+          <a:p>
+            <a:pPr algn="ctr"/>
+            <a:r>
+              <a:rPr kumimoji="1" lang="en-US" altLang="zh-CN" sz="1350" dirty="0" smtClean="0">
                 <a:latin typeface="微软雅黑" panose="020B0503020204020204" charset="-122"/>
                 <a:ea typeface="微软雅黑" panose="020B0503020204020204" charset="-122"/>
                 <a:cs typeface="微软雅黑" panose="020B0503020204020204" charset="-122"/>
               </a:rPr>
-              <a:t>provider</a:t>
-            </a:r>
-            <a:endParaRPr kumimoji="1" lang="zh-CN" altLang="en-US" sz="1400" b="1" kern="0" dirty="0">
+              <a:t>DB</a:t>
+            </a:r>
+            <a:endParaRPr kumimoji="1" lang="zh-CN" altLang="en-US" sz="1350" dirty="0">
               <a:latin typeface="微软雅黑" panose="020B0503020204020204" charset="-122"/>
               <a:ea typeface="微软雅黑" panose="020B0503020204020204" charset="-122"/>
               <a:cs typeface="微软雅黑" panose="020B0503020204020204" charset="-122"/>
@@ -5183,14 +4696,71 @@
       </p:sp>
       <p:sp>
         <p:nvSpPr>
-          <p:cNvPr id="25" name="可选流程 24"/>
+          <p:cNvPr id="48" name="可选流程 47"/>
           <p:cNvSpPr/>
           <p:nvPr/>
         </p:nvSpPr>
         <p:spPr>
           <a:xfrm>
-            <a:off x="6032470" y="2682864"/>
-            <a:ext cx="1567464" cy="416068"/>
+            <a:off x="6115769" y="2822000"/>
+            <a:ext cx="1136864" cy="386744"/>
+          </a:xfrm>
+          <a:prstGeom prst="flowChartAlternateProcess">
+            <a:avLst/>
+          </a:prstGeom>
+          <a:solidFill>
+            <a:srgbClr val="ABC36C"/>
+          </a:solidFill>
+          <a:ln>
+            <a:noFill/>
+          </a:ln>
+          <a:effectLst>
+            <a:outerShdw blurRad="57150" dist="19050" dir="5400000" algn="ctr" rotWithShape="0">
+              <a:srgbClr val="000000">
+                <a:alpha val="63000"/>
+              </a:srgbClr>
+            </a:outerShdw>
+          </a:effectLst>
+        </p:spPr>
+        <p:txBody>
+          <a:bodyPr anchor="ctr"/>
+          <a:lstStyle/>
+          <a:p>
+            <a:pPr algn="ctr" defTabSz="1219200" eaLnBrk="0" fontAlgn="base" hangingPunct="0">
+              <a:spcBef>
+                <a:spcPct val="0"/>
+              </a:spcBef>
+              <a:spcAft>
+                <a:spcPct val="0"/>
+              </a:spcAft>
+              <a:defRPr/>
+            </a:pPr>
+            <a:r>
+              <a:rPr kumimoji="1" lang="en-US" altLang="zh-CN" sz="1350" kern="0" dirty="0" smtClean="0">
+                <a:latin typeface="微软雅黑" panose="020B0503020204020204" charset="-122"/>
+                <a:ea typeface="微软雅黑" panose="020B0503020204020204" charset="-122"/>
+                <a:cs typeface="微软雅黑" panose="020B0503020204020204" charset="-122"/>
+              </a:rPr>
+              <a:t>client</a:t>
+            </a:r>
+            <a:endParaRPr kumimoji="1" lang="zh-CN" altLang="en-US" sz="1350" kern="0" dirty="0">
+              <a:latin typeface="微软雅黑" panose="020B0503020204020204" charset="-122"/>
+              <a:ea typeface="微软雅黑" panose="020B0503020204020204" charset="-122"/>
+              <a:cs typeface="微软雅黑" panose="020B0503020204020204" charset="-122"/>
+            </a:endParaRPr>
+          </a:p>
+        </p:txBody>
+      </p:sp>
+      <p:sp>
+        <p:nvSpPr>
+          <p:cNvPr id="49" name="可选流程 48"/>
+          <p:cNvSpPr/>
+          <p:nvPr/>
+        </p:nvSpPr>
+        <p:spPr>
+          <a:xfrm>
+            <a:off x="4563192" y="2795004"/>
+            <a:ext cx="1136864" cy="390353"/>
           </a:xfrm>
           <a:prstGeom prst="flowChartAlternateProcess">
             <a:avLst/>
@@ -5213,7 +4783,7 @@
           <a:bodyPr anchor="ctr"/>
           <a:lstStyle/>
           <a:p>
-            <a:pPr algn="ctr" defTabSz="913765" eaLnBrk="0" fontAlgn="base" hangingPunct="0">
+            <a:pPr algn="ctr" defTabSz="1219200" eaLnBrk="0" fontAlgn="base" hangingPunct="0">
               <a:spcBef>
                 <a:spcPct val="0"/>
               </a:spcBef>
@@ -5223,37 +4793,101 @@
               <a:defRPr/>
             </a:pPr>
             <a:r>
-              <a:rPr kumimoji="1" lang="en-US" altLang="zh-CN" sz="1400" kern="0" dirty="0" smtClean="0">
+              <a:rPr kumimoji="1" lang="en-US" altLang="zh-CN" sz="1350" kern="0" dirty="0" smtClean="0">
                 <a:solidFill>
                   <a:prstClr val="black"/>
                 </a:solidFill>
-                <a:latin typeface="Heiti SC Light" charset="-122"/>
-                <a:ea typeface="Heiti SC Light" charset="-122"/>
-                <a:cs typeface="Heiti SC Light" charset="-122"/>
+                <a:latin typeface="微软雅黑" panose="020B0503020204020204" charset="-122"/>
+                <a:ea typeface="微软雅黑" panose="020B0503020204020204" charset="-122"/>
+                <a:cs typeface="微软雅黑" panose="020B0503020204020204" charset="-122"/>
               </a:rPr>
-              <a:t>monitor</a:t>
-            </a:r>
-            <a:endParaRPr kumimoji="1" lang="zh-CN" altLang="en-US" sz="1400" kern="0" dirty="0">
+              <a:t>client</a:t>
+            </a:r>
+            <a:endParaRPr kumimoji="1" lang="zh-CN" altLang="en-US" sz="1350" kern="0" dirty="0">
               <a:solidFill>
                 <a:prstClr val="black"/>
               </a:solidFill>
-              <a:latin typeface="Heiti SC Light" charset="-122"/>
-              <a:ea typeface="Heiti SC Light" charset="-122"/>
-              <a:cs typeface="Heiti SC Light" charset="-122"/>
+              <a:latin typeface="微软雅黑" panose="020B0503020204020204" charset="-122"/>
+              <a:ea typeface="微软雅黑" panose="020B0503020204020204" charset="-122"/>
+              <a:cs typeface="微软雅黑" panose="020B0503020204020204" charset="-122"/>
             </a:endParaRPr>
           </a:p>
         </p:txBody>
       </p:sp>
       <p:sp>
         <p:nvSpPr>
-          <p:cNvPr id="26" name="矩形 25"/>
+          <p:cNvPr id="56" name="可选流程 55"/>
           <p:cNvSpPr/>
           <p:nvPr/>
         </p:nvSpPr>
         <p:spPr>
           <a:xfrm>
-            <a:off x="1403649" y="2766044"/>
-            <a:ext cx="4205589" cy="936826"/>
+            <a:off x="2455002" y="2270898"/>
+            <a:ext cx="1138352" cy="390353"/>
+          </a:xfrm>
+          <a:prstGeom prst="flowChartAlternateProcess">
+            <a:avLst/>
+          </a:prstGeom>
+        </p:spPr>
+        <p:style>
+          <a:lnRef idx="2">
+            <a:schemeClr val="dk1"/>
+          </a:lnRef>
+          <a:fillRef idx="1">
+            <a:schemeClr val="lt1"/>
+          </a:fillRef>
+          <a:effectRef idx="0">
+            <a:schemeClr val="dk1"/>
+          </a:effectRef>
+          <a:fontRef idx="minor">
+            <a:schemeClr val="dk1"/>
+          </a:fontRef>
+        </p:style>
+        <p:txBody>
+          <a:bodyPr anchor="ctr"/>
+          <a:lstStyle/>
+          <a:p>
+            <a:pPr algn="ctr" defTabSz="1219200" eaLnBrk="0" fontAlgn="base" hangingPunct="0">
+              <a:spcBef>
+                <a:spcPct val="0"/>
+              </a:spcBef>
+              <a:spcAft>
+                <a:spcPct val="0"/>
+              </a:spcAft>
+              <a:defRPr/>
+            </a:pPr>
+            <a:r>
+              <a:rPr kumimoji="1" lang="en-US" altLang="zh-CN" sz="1350" kern="0" dirty="0" smtClean="0">
+                <a:solidFill>
+                  <a:prstClr val="black"/>
+                </a:solidFill>
+                <a:latin typeface="微软雅黑" panose="020B0503020204020204" charset="-122"/>
+                <a:ea typeface="微软雅黑" panose="020B0503020204020204" charset="-122"/>
+                <a:cs typeface="微软雅黑" panose="020B0503020204020204" charset="-122"/>
+              </a:rPr>
+              <a:t>browser</a:t>
+            </a:r>
+            <a:endParaRPr kumimoji="1" lang="zh-CN" altLang="en-US" sz="1350" kern="0" dirty="0">
+              <a:solidFill>
+                <a:prstClr val="black"/>
+              </a:solidFill>
+              <a:latin typeface="微软雅黑" panose="020B0503020204020204" charset="-122"/>
+              <a:ea typeface="微软雅黑" panose="020B0503020204020204" charset="-122"/>
+              <a:cs typeface="微软雅黑" panose="020B0503020204020204" charset="-122"/>
+            </a:endParaRPr>
+          </a:p>
+        </p:txBody>
+      </p:sp>
+      <p:sp>
+        <p:nvSpPr>
+          <p:cNvPr id="58" name="矩形 57"/>
+          <p:cNvSpPr/>
+          <p:nvPr/>
+        </p:nvSpPr>
+        <p:spPr>
+          <a:xfrm>
+            <a:off x="2279082" y="2948360"/>
+            <a:ext cx="1442466" cy="1877725"/>
           </a:xfrm>
           <a:prstGeom prst="rect">
             <a:avLst/>
@@ -5274,7 +4908,7 @@
           <a:bodyPr anchor="b"/>
           <a:lstStyle/>
           <a:p>
-            <a:pPr algn="ctr" defTabSz="913765" eaLnBrk="0" fontAlgn="base" hangingPunct="0">
+            <a:pPr algn="ctr" defTabSz="1219200" eaLnBrk="0" fontAlgn="base" hangingPunct="0">
               <a:spcBef>
                 <a:spcPct val="0"/>
               </a:spcBef>
@@ -5283,32 +4917,326 @@
               </a:spcAft>
               <a:defRPr/>
             </a:pPr>
-            <a:r>
-              <a:rPr kumimoji="1" lang="en-US" altLang="zh-CN" sz="1400" b="1" kern="0" dirty="0" smtClean="0">
+            <a:endParaRPr kumimoji="1" lang="zh-CN" altLang="en-US" sz="1350" kern="0" dirty="0">
+              <a:latin typeface="微软雅黑" panose="020B0503020204020204" charset="-122"/>
+              <a:ea typeface="微软雅黑" panose="020B0503020204020204" charset="-122"/>
+              <a:cs typeface="微软雅黑" panose="020B0503020204020204" charset="-122"/>
+            </a:endParaRPr>
+          </a:p>
+        </p:txBody>
+      </p:sp>
+      <p:cxnSp>
+        <p:nvCxnSpPr>
+          <p:cNvPr id="59" name="直线箭头连接符 58"/>
+          <p:cNvCxnSpPr/>
+          <p:nvPr/>
+        </p:nvCxnSpPr>
+        <p:spPr>
+          <a:xfrm flipH="1">
+            <a:off x="3841232" y="4496970"/>
+            <a:ext cx="514222" cy="3458"/>
+          </a:xfrm>
+          <a:prstGeom prst="straightConnector1">
+            <a:avLst/>
+          </a:prstGeom>
+          <a:ln w="38100">
+            <a:headEnd type="triangle" w="med" len="lg"/>
+            <a:tailEnd type="none" w="med" len="lg"/>
+          </a:ln>
+        </p:spPr>
+        <p:style>
+          <a:lnRef idx="3">
+            <a:schemeClr val="accent1"/>
+          </a:lnRef>
+          <a:fillRef idx="0">
+            <a:schemeClr val="accent1"/>
+          </a:fillRef>
+          <a:effectRef idx="2">
+            <a:schemeClr val="accent1"/>
+          </a:effectRef>
+          <a:fontRef idx="minor">
+            <a:schemeClr val="tx1"/>
+          </a:fontRef>
+        </p:style>
+      </p:cxnSp>
+      <p:sp>
+        <p:nvSpPr>
+          <p:cNvPr id="66" name="矩形 65"/>
+          <p:cNvSpPr/>
+          <p:nvPr/>
+        </p:nvSpPr>
+        <p:spPr>
+          <a:xfrm>
+            <a:off x="4385887" y="2097693"/>
+            <a:ext cx="1454333" cy="1250093"/>
+          </a:xfrm>
+          <a:prstGeom prst="rect">
+            <a:avLst/>
+          </a:prstGeom>
+          <a:noFill/>
+          <a:ln w="12700" cap="flat" cmpd="sng" algn="ctr">
+            <a:solidFill>
+              <a:srgbClr val="5B9BD5">
+                <a:shade val="50000"/>
+              </a:srgbClr>
+            </a:solidFill>
+            <a:prstDash val="dash"/>
+            <a:miter lim="800000"/>
+          </a:ln>
+          <a:effectLst/>
+        </p:spPr>
+        <p:txBody>
+          <a:bodyPr anchor="b"/>
+          <a:lstStyle/>
+          <a:p>
+            <a:pPr algn="ctr" defTabSz="1219200" eaLnBrk="0" fontAlgn="base" hangingPunct="0">
+              <a:spcBef>
+                <a:spcPct val="0"/>
+              </a:spcBef>
+              <a:spcAft>
+                <a:spcPct val="0"/>
+              </a:spcAft>
+              <a:defRPr/>
+            </a:pPr>
+            <a:endParaRPr kumimoji="1" lang="zh-CN" altLang="en-US" sz="1350" kern="0" dirty="0">
+              <a:latin typeface="微软雅黑" panose="020B0503020204020204" charset="-122"/>
+              <a:ea typeface="微软雅黑" panose="020B0503020204020204" charset="-122"/>
+              <a:cs typeface="微软雅黑" panose="020B0503020204020204" charset="-122"/>
+            </a:endParaRPr>
+          </a:p>
+        </p:txBody>
+      </p:sp>
+      <p:sp>
+        <p:nvSpPr>
+          <p:cNvPr id="82" name="可选流程 81"/>
+          <p:cNvSpPr/>
+          <p:nvPr/>
+        </p:nvSpPr>
+        <p:spPr>
+          <a:xfrm>
+            <a:off x="4564337" y="2246409"/>
+            <a:ext cx="1138352" cy="390353"/>
+          </a:xfrm>
+          <a:prstGeom prst="flowChartAlternateProcess">
+            <a:avLst/>
+          </a:prstGeom>
+        </p:spPr>
+        <p:style>
+          <a:lnRef idx="2">
+            <a:schemeClr val="accent6"/>
+          </a:lnRef>
+          <a:fillRef idx="1">
+            <a:schemeClr val="lt1"/>
+          </a:fillRef>
+          <a:effectRef idx="0">
+            <a:schemeClr val="accent6"/>
+          </a:effectRef>
+          <a:fontRef idx="minor">
+            <a:schemeClr val="dk1"/>
+          </a:fontRef>
+        </p:style>
+        <p:txBody>
+          <a:bodyPr anchor="ctr"/>
+          <a:lstStyle/>
+          <a:p>
+            <a:pPr algn="ctr" defTabSz="1219200" eaLnBrk="0" fontAlgn="base" hangingPunct="0">
+              <a:spcBef>
+                <a:spcPct val="0"/>
+              </a:spcBef>
+              <a:spcAft>
+                <a:spcPct val="0"/>
+              </a:spcAft>
+              <a:defRPr/>
+            </a:pPr>
+            <a:r>
+              <a:rPr kumimoji="1" lang="en-US" altLang="zh-CN" sz="1350" kern="0" dirty="0" smtClean="0">
+                <a:solidFill>
+                  <a:prstClr val="black"/>
+                </a:solidFill>
                 <a:latin typeface="微软雅黑" panose="020B0503020204020204" charset="-122"/>
                 <a:ea typeface="微软雅黑" panose="020B0503020204020204" charset="-122"/>
                 <a:cs typeface="微软雅黑" panose="020B0503020204020204" charset="-122"/>
               </a:rPr>
-              <a:t>serializer</a:t>
-            </a:r>
-            <a:endParaRPr kumimoji="1" lang="zh-CN" altLang="en-US" sz="1400" b="1" kern="0" dirty="0">
+              <a:t>app</a:t>
+            </a:r>
+            <a:r>
+              <a:rPr kumimoji="1" lang="zh-CN" altLang="en-US" sz="1350" kern="0" dirty="0" smtClean="0">
+                <a:solidFill>
+                  <a:prstClr val="black"/>
+                </a:solidFill>
+                <a:latin typeface="微软雅黑" panose="020B0503020204020204" charset="-122"/>
+                <a:ea typeface="微软雅黑" panose="020B0503020204020204" charset="-122"/>
+                <a:cs typeface="微软雅黑" panose="020B0503020204020204" charset="-122"/>
+              </a:rPr>
+              <a:t> </a:t>
+            </a:r>
+            <a:endParaRPr kumimoji="1" lang="en-US" altLang="zh-CN" sz="1350" kern="0" dirty="0" smtClean="0">
+              <a:solidFill>
+                <a:prstClr val="black"/>
+              </a:solidFill>
               <a:latin typeface="微软雅黑" panose="020B0503020204020204" charset="-122"/>
               <a:ea typeface="微软雅黑" panose="020B0503020204020204" charset="-122"/>
               <a:cs typeface="微软雅黑" panose="020B0503020204020204" charset="-122"/>
             </a:endParaRPr>
           </a:p>
-        </p:txBody>
-      </p:sp>
-      <p:sp>
-        <p:nvSpPr>
-          <p:cNvPr id="27" name="可选流程 26"/>
+          <a:p>
+            <a:pPr algn="ctr" defTabSz="1219200" eaLnBrk="0" fontAlgn="base" hangingPunct="0">
+              <a:spcBef>
+                <a:spcPct val="0"/>
+              </a:spcBef>
+              <a:spcAft>
+                <a:spcPct val="0"/>
+              </a:spcAft>
+              <a:defRPr/>
+            </a:pPr>
+            <a:r>
+              <a:rPr kumimoji="1" lang="en-US" altLang="zh-CN" sz="1350" kern="0" dirty="0" smtClean="0">
+                <a:solidFill>
+                  <a:prstClr val="black"/>
+                </a:solidFill>
+                <a:latin typeface="微软雅黑" panose="020B0503020204020204" charset="-122"/>
+                <a:ea typeface="微软雅黑" panose="020B0503020204020204" charset="-122"/>
+                <a:cs typeface="微软雅黑" panose="020B0503020204020204" charset="-122"/>
+              </a:rPr>
+              <a:t>(xxl-rpc)</a:t>
+            </a:r>
+            <a:endParaRPr kumimoji="1" lang="zh-CN" altLang="en-US" sz="1350" kern="0" dirty="0">
+              <a:solidFill>
+                <a:prstClr val="black"/>
+              </a:solidFill>
+              <a:latin typeface="微软雅黑" panose="020B0503020204020204" charset="-122"/>
+              <a:ea typeface="微软雅黑" panose="020B0503020204020204" charset="-122"/>
+              <a:cs typeface="微软雅黑" panose="020B0503020204020204" charset="-122"/>
+            </a:endParaRPr>
+          </a:p>
+        </p:txBody>
+      </p:sp>
+      <p:sp>
+        <p:nvSpPr>
+          <p:cNvPr id="86" name="可选流程 85"/>
           <p:cNvSpPr/>
           <p:nvPr/>
         </p:nvSpPr>
         <p:spPr>
           <a:xfrm>
-            <a:off x="1624559" y="2907581"/>
-            <a:ext cx="1770535" cy="416068"/>
+            <a:off x="6115769" y="2270898"/>
+            <a:ext cx="1140785" cy="390353"/>
+          </a:xfrm>
+          <a:prstGeom prst="flowChartAlternateProcess">
+            <a:avLst/>
+          </a:prstGeom>
+        </p:spPr>
+        <p:style>
+          <a:lnRef idx="2">
+            <a:schemeClr val="accent4"/>
+          </a:lnRef>
+          <a:fillRef idx="1">
+            <a:schemeClr val="lt1"/>
+          </a:fillRef>
+          <a:effectRef idx="0">
+            <a:schemeClr val="accent4"/>
+          </a:effectRef>
+          <a:fontRef idx="minor">
+            <a:schemeClr val="dk1"/>
+          </a:fontRef>
+        </p:style>
+        <p:txBody>
+          <a:bodyPr anchor="ctr"/>
+          <a:lstStyle/>
+          <a:p>
+            <a:pPr algn="ctr" defTabSz="1219200" eaLnBrk="0" fontAlgn="base" hangingPunct="0">
+              <a:spcBef>
+                <a:spcPct val="0"/>
+              </a:spcBef>
+              <a:spcAft>
+                <a:spcPct val="0"/>
+              </a:spcAft>
+              <a:defRPr/>
+            </a:pPr>
+            <a:r>
+              <a:rPr kumimoji="1" lang="en-US" altLang="zh-CN" sz="1350" kern="0" dirty="0">
+                <a:solidFill>
+                  <a:prstClr val="black"/>
+                </a:solidFill>
+                <a:latin typeface="微软雅黑" panose="020B0503020204020204" charset="-122"/>
+                <a:ea typeface="微软雅黑" panose="020B0503020204020204" charset="-122"/>
+                <a:cs typeface="微软雅黑" panose="020B0503020204020204" charset="-122"/>
+              </a:rPr>
+              <a:t>a</a:t>
+            </a:r>
+            <a:r>
+              <a:rPr kumimoji="1" lang="en-US" altLang="zh-CN" sz="1350" kern="0" dirty="0" smtClean="0">
+                <a:solidFill>
+                  <a:prstClr val="black"/>
+                </a:solidFill>
+                <a:latin typeface="微软雅黑" panose="020B0503020204020204" charset="-122"/>
+                <a:ea typeface="微软雅黑" panose="020B0503020204020204" charset="-122"/>
+                <a:cs typeface="微软雅黑" panose="020B0503020204020204" charset="-122"/>
+              </a:rPr>
+              <a:t>pp</a:t>
+            </a:r>
+            <a:endParaRPr kumimoji="1" lang="en-US" altLang="zh-CN" sz="1350" kern="0" dirty="0" smtClean="0">
+              <a:solidFill>
+                <a:prstClr val="black"/>
+              </a:solidFill>
+              <a:latin typeface="微软雅黑" panose="020B0503020204020204" charset="-122"/>
+              <a:ea typeface="微软雅黑" panose="020B0503020204020204" charset="-122"/>
+              <a:cs typeface="微软雅黑" panose="020B0503020204020204" charset="-122"/>
+            </a:endParaRPr>
+          </a:p>
+          <a:p>
+            <a:pPr algn="ctr" defTabSz="1219200" eaLnBrk="0" fontAlgn="base" hangingPunct="0">
+              <a:spcBef>
+                <a:spcPct val="0"/>
+              </a:spcBef>
+              <a:spcAft>
+                <a:spcPct val="0"/>
+              </a:spcAft>
+              <a:defRPr/>
+            </a:pPr>
+            <a:r>
+              <a:rPr kumimoji="1" lang="zh-CN" altLang="en-US" sz="1350" kern="0" dirty="0" smtClean="0">
+                <a:solidFill>
+                  <a:prstClr val="black"/>
+                </a:solidFill>
+                <a:latin typeface="微软雅黑" panose="020B0503020204020204" charset="-122"/>
+                <a:ea typeface="微软雅黑" panose="020B0503020204020204" charset="-122"/>
+                <a:cs typeface="微软雅黑" panose="020B0503020204020204" charset="-122"/>
+              </a:rPr>
+              <a:t> </a:t>
+            </a:r>
+            <a:r>
+              <a:rPr kumimoji="1" lang="en-US" altLang="zh-CN" sz="1350" kern="0" dirty="0" smtClean="0">
+                <a:solidFill>
+                  <a:prstClr val="black"/>
+                </a:solidFill>
+                <a:latin typeface="微软雅黑" panose="020B0503020204020204" charset="-122"/>
+                <a:ea typeface="微软雅黑" panose="020B0503020204020204" charset="-122"/>
+                <a:cs typeface="微软雅黑" panose="020B0503020204020204" charset="-122"/>
+              </a:rPr>
+              <a:t>(other)</a:t>
+            </a:r>
+            <a:endParaRPr kumimoji="1" lang="zh-CN" altLang="en-US" sz="1350" kern="0" dirty="0">
+              <a:solidFill>
+                <a:prstClr val="black"/>
+              </a:solidFill>
+              <a:latin typeface="微软雅黑" panose="020B0503020204020204" charset="-122"/>
+              <a:ea typeface="微软雅黑" panose="020B0503020204020204" charset="-122"/>
+              <a:cs typeface="微软雅黑" panose="020B0503020204020204" charset="-122"/>
+            </a:endParaRPr>
+          </a:p>
+        </p:txBody>
+      </p:sp>
+      <p:sp>
+        <p:nvSpPr>
+          <p:cNvPr id="89" name="可选流程 88"/>
+          <p:cNvSpPr/>
+          <p:nvPr/>
+        </p:nvSpPr>
+        <p:spPr>
+          <a:xfrm>
+            <a:off x="6115769" y="4238756"/>
+            <a:ext cx="1140785" cy="390353"/>
           </a:xfrm>
           <a:prstGeom prst="flowChartAlternateProcess">
             <a:avLst/>
@@ -5331,1607 +5259,6 @@
           <a:bodyPr anchor="ctr"/>
           <a:lstStyle/>
           <a:p>
-            <a:pPr algn="ctr" defTabSz="913765" eaLnBrk="0" fontAlgn="base" hangingPunct="0">
-              <a:spcBef>
-                <a:spcPct val="0"/>
-              </a:spcBef>
-              <a:spcAft>
-                <a:spcPct val="0"/>
-              </a:spcAft>
-              <a:defRPr/>
-            </a:pPr>
-            <a:r>
-              <a:rPr kumimoji="1" lang="en-US" altLang="zh-CN" sz="1400" kern="0" dirty="0">
-                <a:latin typeface="微软雅黑" panose="020B0503020204020204" charset="-122"/>
-                <a:ea typeface="微软雅黑" panose="020B0503020204020204" charset="-122"/>
-                <a:cs typeface="微软雅黑" panose="020B0503020204020204" charset="-122"/>
-              </a:rPr>
-              <a:t>request-response</a:t>
-            </a:r>
-            <a:endParaRPr kumimoji="1" lang="en-US" altLang="zh-CN" sz="1400" kern="0" dirty="0">
-              <a:latin typeface="微软雅黑" panose="020B0503020204020204" charset="-122"/>
-              <a:ea typeface="微软雅黑" panose="020B0503020204020204" charset="-122"/>
-              <a:cs typeface="微软雅黑" panose="020B0503020204020204" charset="-122"/>
-            </a:endParaRPr>
-          </a:p>
-        </p:txBody>
-      </p:sp>
-      <p:sp>
-        <p:nvSpPr>
-          <p:cNvPr id="28" name="可选流程 27"/>
-          <p:cNvSpPr/>
-          <p:nvPr/>
-        </p:nvSpPr>
-        <p:spPr>
-          <a:xfrm>
-            <a:off x="3815054" y="2880448"/>
-            <a:ext cx="1563592" cy="416068"/>
-          </a:xfrm>
-          <a:prstGeom prst="flowChartAlternateProcess">
-            <a:avLst/>
-          </a:prstGeom>
-          <a:solidFill>
-            <a:srgbClr val="FAA756"/>
-          </a:solidFill>
-          <a:ln>
-            <a:noFill/>
-          </a:ln>
-          <a:effectLst>
-            <a:outerShdw blurRad="57150" dist="19050" dir="5400000" algn="ctr" rotWithShape="0">
-              <a:srgbClr val="000000">
-                <a:alpha val="63000"/>
-              </a:srgbClr>
-            </a:outerShdw>
-          </a:effectLst>
-        </p:spPr>
-        <p:txBody>
-          <a:bodyPr anchor="ctr"/>
-          <a:lstStyle/>
-          <a:p>
-            <a:pPr algn="ctr" defTabSz="913765" eaLnBrk="0" fontAlgn="base" hangingPunct="0">
-              <a:spcBef>
-                <a:spcPct val="0"/>
-              </a:spcBef>
-              <a:spcAft>
-                <a:spcPct val="0"/>
-              </a:spcAft>
-              <a:defRPr/>
-            </a:pPr>
-            <a:r>
-              <a:rPr kumimoji="1" lang="en-US" altLang="zh-CN" sz="1400" kern="0" dirty="0">
-                <a:latin typeface="微软雅黑" panose="020B0503020204020204" charset="-122"/>
-                <a:ea typeface="微软雅黑" panose="020B0503020204020204" charset="-122"/>
-                <a:cs typeface="微软雅黑" panose="020B0503020204020204" charset="-122"/>
-              </a:rPr>
-              <a:t>data </a:t>
-            </a:r>
-            <a:r>
-              <a:rPr kumimoji="1" lang="en-US" altLang="zh-CN" sz="1400" kern="0" dirty="0" smtClean="0">
-                <a:latin typeface="微软雅黑" panose="020B0503020204020204" charset="-122"/>
-                <a:ea typeface="微软雅黑" panose="020B0503020204020204" charset="-122"/>
-                <a:cs typeface="微软雅黑" panose="020B0503020204020204" charset="-122"/>
-              </a:rPr>
-              <a:t>protocol</a:t>
-            </a:r>
-            <a:endParaRPr kumimoji="1" lang="en-US" altLang="zh-CN" sz="1400" kern="0" dirty="0">
-              <a:latin typeface="微软雅黑" panose="020B0503020204020204" charset="-122"/>
-              <a:ea typeface="微软雅黑" panose="020B0503020204020204" charset="-122"/>
-              <a:cs typeface="微软雅黑" panose="020B0503020204020204" charset="-122"/>
-            </a:endParaRPr>
-          </a:p>
-        </p:txBody>
-      </p:sp>
-      <p:sp>
-        <p:nvSpPr>
-          <p:cNvPr id="29" name="矩形 28"/>
-          <p:cNvSpPr/>
-          <p:nvPr/>
-        </p:nvSpPr>
-        <p:spPr>
-          <a:xfrm>
-            <a:off x="1403649" y="1565099"/>
-            <a:ext cx="2048514" cy="989677"/>
-          </a:xfrm>
-          <a:prstGeom prst="rect">
-            <a:avLst/>
-          </a:prstGeom>
-          <a:noFill/>
-          <a:ln w="12700" cap="flat" cmpd="sng" algn="ctr">
-            <a:solidFill>
-              <a:srgbClr val="5B9BD5">
-                <a:shade val="50000"/>
-              </a:srgbClr>
-            </a:solidFill>
-            <a:prstDash val="dash"/>
-            <a:miter lim="800000"/>
-          </a:ln>
-          <a:effectLst/>
-        </p:spPr>
-        <p:txBody>
-          <a:bodyPr anchor="b"/>
-          <a:lstStyle/>
-          <a:p>
-            <a:pPr algn="ctr" defTabSz="913765" eaLnBrk="0" fontAlgn="base" hangingPunct="0">
-              <a:spcBef>
-                <a:spcPct val="0"/>
-              </a:spcBef>
-              <a:spcAft>
-                <a:spcPct val="0"/>
-              </a:spcAft>
-              <a:defRPr/>
-            </a:pPr>
-            <a:r>
-              <a:rPr kumimoji="1" lang="en-US" altLang="zh-CN" sz="1400" b="1" kern="0" dirty="0" smtClean="0">
-                <a:latin typeface="微软雅黑" panose="020B0503020204020204" charset="-122"/>
-                <a:ea typeface="微软雅黑" panose="020B0503020204020204" charset="-122"/>
-                <a:cs typeface="微软雅黑" panose="020B0503020204020204" charset="-122"/>
-              </a:rPr>
-              <a:t>invoker</a:t>
-            </a:r>
-            <a:endParaRPr kumimoji="1" lang="zh-CN" altLang="en-US" sz="1400" b="1" kern="0" dirty="0">
-              <a:latin typeface="微软雅黑" panose="020B0503020204020204" charset="-122"/>
-              <a:ea typeface="微软雅黑" panose="020B0503020204020204" charset="-122"/>
-              <a:cs typeface="微软雅黑" panose="020B0503020204020204" charset="-122"/>
-            </a:endParaRPr>
-          </a:p>
-        </p:txBody>
-      </p:sp>
-      <p:sp>
-        <p:nvSpPr>
-          <p:cNvPr id="30" name="可选流程 29"/>
-          <p:cNvSpPr/>
-          <p:nvPr/>
-        </p:nvSpPr>
-        <p:spPr>
-          <a:xfrm>
-            <a:off x="3815053" y="1680749"/>
-            <a:ext cx="1567464" cy="416068"/>
-          </a:xfrm>
-          <a:prstGeom prst="flowChartAlternateProcess">
-            <a:avLst/>
-          </a:prstGeom>
-          <a:solidFill>
-            <a:srgbClr val="ABC36C"/>
-          </a:solidFill>
-          <a:ln>
-            <a:noFill/>
-          </a:ln>
-          <a:effectLst>
-            <a:outerShdw blurRad="57150" dist="19050" dir="5400000" algn="ctr" rotWithShape="0">
-              <a:srgbClr val="000000">
-                <a:alpha val="63000"/>
-              </a:srgbClr>
-            </a:outerShdw>
-          </a:effectLst>
-        </p:spPr>
-        <p:txBody>
-          <a:bodyPr anchor="ctr"/>
-          <a:lstStyle/>
-          <a:p>
-            <a:pPr algn="ctr" defTabSz="913765" eaLnBrk="0" fontAlgn="base" hangingPunct="0">
-              <a:spcBef>
-                <a:spcPct val="0"/>
-              </a:spcBef>
-              <a:spcAft>
-                <a:spcPct val="0"/>
-              </a:spcAft>
-              <a:defRPr/>
-            </a:pPr>
-            <a:r>
-              <a:rPr kumimoji="1" lang="en-US" altLang="zh-CN" sz="1400" kern="0" dirty="0" smtClean="0">
-                <a:latin typeface="微软雅黑" panose="020B0503020204020204" charset="-122"/>
-                <a:ea typeface="微软雅黑" panose="020B0503020204020204" charset="-122"/>
-                <a:cs typeface="微软雅黑" panose="020B0503020204020204" charset="-122"/>
-              </a:rPr>
-              <a:t>server</a:t>
-            </a:r>
-            <a:endParaRPr kumimoji="1" lang="zh-CN" altLang="en-US" sz="1400" kern="0" dirty="0">
-              <a:latin typeface="微软雅黑" panose="020B0503020204020204" charset="-122"/>
-              <a:ea typeface="微软雅黑" panose="020B0503020204020204" charset="-122"/>
-              <a:cs typeface="微软雅黑" panose="020B0503020204020204" charset="-122"/>
-            </a:endParaRPr>
-          </a:p>
-        </p:txBody>
-      </p:sp>
-      <p:sp>
-        <p:nvSpPr>
-          <p:cNvPr id="31" name="可选流程 30"/>
-          <p:cNvSpPr/>
-          <p:nvPr/>
-        </p:nvSpPr>
-        <p:spPr>
-          <a:xfrm>
-            <a:off x="1624559" y="1692899"/>
-            <a:ext cx="1567464" cy="416068"/>
-          </a:xfrm>
-          <a:prstGeom prst="flowChartAlternateProcess">
-            <a:avLst/>
-          </a:prstGeom>
-          <a:solidFill>
-            <a:srgbClr val="ABC36C"/>
-          </a:solidFill>
-          <a:ln>
-            <a:noFill/>
-          </a:ln>
-          <a:effectLst>
-            <a:outerShdw blurRad="57150" dist="19050" dir="5400000" algn="ctr" rotWithShape="0">
-              <a:srgbClr val="000000">
-                <a:alpha val="63000"/>
-              </a:srgbClr>
-            </a:outerShdw>
-          </a:effectLst>
-        </p:spPr>
-        <p:txBody>
-          <a:bodyPr anchor="ctr"/>
-          <a:lstStyle/>
-          <a:p>
-            <a:pPr algn="ctr" defTabSz="913765" eaLnBrk="0" fontAlgn="base" hangingPunct="0">
-              <a:spcBef>
-                <a:spcPct val="0"/>
-              </a:spcBef>
-              <a:spcAft>
-                <a:spcPct val="0"/>
-              </a:spcAft>
-              <a:defRPr/>
-            </a:pPr>
-            <a:r>
-              <a:rPr kumimoji="1" lang="en-US" altLang="zh-CN" sz="1400" kern="0" dirty="0">
-                <a:latin typeface="微软雅黑" panose="020B0503020204020204" charset="-122"/>
-                <a:ea typeface="微软雅黑" panose="020B0503020204020204" charset="-122"/>
-                <a:cs typeface="微软雅黑" panose="020B0503020204020204" charset="-122"/>
-              </a:rPr>
-              <a:t>proxy</a:t>
-            </a:r>
-            <a:endParaRPr kumimoji="1" lang="zh-CN" altLang="en-US" sz="1400" kern="0" dirty="0">
-              <a:latin typeface="微软雅黑" panose="020B0503020204020204" charset="-122"/>
-              <a:ea typeface="微软雅黑" panose="020B0503020204020204" charset="-122"/>
-              <a:cs typeface="微软雅黑" panose="020B0503020204020204" charset="-122"/>
-            </a:endParaRPr>
-          </a:p>
-        </p:txBody>
-      </p:sp>
-      <p:sp>
-        <p:nvSpPr>
-          <p:cNvPr id="33" name="矩形 32"/>
-          <p:cNvSpPr/>
-          <p:nvPr/>
-        </p:nvSpPr>
-        <p:spPr>
-          <a:xfrm>
-            <a:off x="1403648" y="3933056"/>
-            <a:ext cx="6350428" cy="994133"/>
-          </a:xfrm>
-          <a:prstGeom prst="rect">
-            <a:avLst/>
-          </a:prstGeom>
-          <a:noFill/>
-          <a:ln w="12700" cap="flat" cmpd="sng" algn="ctr">
-            <a:solidFill>
-              <a:srgbClr val="5B9BD5">
-                <a:shade val="50000"/>
-              </a:srgbClr>
-            </a:solidFill>
-            <a:prstDash val="dash"/>
-            <a:miter lim="800000"/>
-          </a:ln>
-          <a:effectLst/>
-        </p:spPr>
-        <p:txBody>
-          <a:bodyPr anchor="b"/>
-          <a:lstStyle/>
-          <a:p>
-            <a:pPr algn="ctr" defTabSz="913765" eaLnBrk="0" fontAlgn="base" hangingPunct="0">
-              <a:spcBef>
-                <a:spcPct val="0"/>
-              </a:spcBef>
-              <a:spcAft>
-                <a:spcPct val="0"/>
-              </a:spcAft>
-              <a:defRPr/>
-            </a:pPr>
-            <a:r>
-              <a:rPr kumimoji="1" lang="en-US" altLang="zh-CN" sz="1400" b="1" kern="0" dirty="0">
-                <a:latin typeface="微软雅黑" panose="020B0503020204020204" charset="-122"/>
-                <a:ea typeface="微软雅黑" panose="020B0503020204020204" charset="-122"/>
-                <a:cs typeface="微软雅黑" panose="020B0503020204020204" charset="-122"/>
-              </a:rPr>
-              <a:t>remoting</a:t>
-            </a:r>
-            <a:endParaRPr kumimoji="1" lang="en-US" altLang="zh-CN" sz="1400" b="1" kern="0" dirty="0">
-              <a:latin typeface="微软雅黑" panose="020B0503020204020204" charset="-122"/>
-              <a:ea typeface="微软雅黑" panose="020B0503020204020204" charset="-122"/>
-              <a:cs typeface="微软雅黑" panose="020B0503020204020204" charset="-122"/>
-            </a:endParaRPr>
-          </a:p>
-        </p:txBody>
-      </p:sp>
-      <p:sp>
-        <p:nvSpPr>
-          <p:cNvPr id="34" name="圆角矩形 33"/>
-          <p:cNvSpPr/>
-          <p:nvPr/>
-        </p:nvSpPr>
-        <p:spPr>
-          <a:xfrm>
-            <a:off x="3564623" y="4109763"/>
-            <a:ext cx="959232" cy="416068"/>
-          </a:xfrm>
-          <a:prstGeom prst="roundRect">
-            <a:avLst/>
-          </a:prstGeom>
-          <a:solidFill>
-            <a:srgbClr val="58B8D1"/>
-          </a:solidFill>
-          <a:ln>
-            <a:noFill/>
-          </a:ln>
-          <a:effectLst>
-            <a:outerShdw blurRad="57150" dist="19050" dir="5400000" algn="ctr" rotWithShape="0">
-              <a:srgbClr val="000000">
-                <a:alpha val="63000"/>
-              </a:srgbClr>
-            </a:outerShdw>
-          </a:effectLst>
-        </p:spPr>
-        <p:txBody>
-          <a:bodyPr anchor="ctr"/>
-          <a:lstStyle/>
-          <a:p>
-            <a:pPr algn="ctr" defTabSz="913765" eaLnBrk="0" fontAlgn="base" hangingPunct="0">
-              <a:spcBef>
-                <a:spcPct val="0"/>
-              </a:spcBef>
-              <a:spcAft>
-                <a:spcPct val="0"/>
-              </a:spcAft>
-              <a:defRPr/>
-            </a:pPr>
-            <a:r>
-              <a:rPr kumimoji="1" lang="en-US" altLang="zh-CN" sz="1400" kern="0" dirty="0">
-                <a:latin typeface="微软雅黑" panose="020B0503020204020204" charset="-122"/>
-                <a:ea typeface="微软雅黑" panose="020B0503020204020204" charset="-122"/>
-                <a:cs typeface="微软雅黑" panose="020B0503020204020204" charset="-122"/>
-              </a:rPr>
-              <a:t>codec</a:t>
-            </a:r>
-            <a:endParaRPr kumimoji="1" lang="en-US" altLang="zh-CN" sz="1400" kern="0" dirty="0">
-              <a:latin typeface="微软雅黑" panose="020B0503020204020204" charset="-122"/>
-              <a:ea typeface="微软雅黑" panose="020B0503020204020204" charset="-122"/>
-              <a:cs typeface="微软雅黑" panose="020B0503020204020204" charset="-122"/>
-            </a:endParaRPr>
-          </a:p>
-        </p:txBody>
-      </p:sp>
-      <p:sp>
-        <p:nvSpPr>
-          <p:cNvPr id="35" name="圆角矩形 34"/>
-          <p:cNvSpPr/>
-          <p:nvPr/>
-        </p:nvSpPr>
-        <p:spPr>
-          <a:xfrm>
-            <a:off x="4842286" y="4109763"/>
-            <a:ext cx="2731769" cy="416068"/>
-          </a:xfrm>
-          <a:prstGeom prst="roundRect">
-            <a:avLst/>
-          </a:prstGeom>
-          <a:solidFill>
-            <a:srgbClr val="58B8D1"/>
-          </a:solidFill>
-          <a:ln>
-            <a:noFill/>
-          </a:ln>
-          <a:effectLst>
-            <a:outerShdw blurRad="57150" dist="19050" dir="5400000" algn="ctr" rotWithShape="0">
-              <a:srgbClr val="000000">
-                <a:alpha val="63000"/>
-              </a:srgbClr>
-            </a:outerShdw>
-          </a:effectLst>
-        </p:spPr>
-        <p:txBody>
-          <a:bodyPr anchor="ctr"/>
-          <a:lstStyle/>
-          <a:p>
-            <a:pPr algn="ctr" defTabSz="913765" eaLnBrk="0" fontAlgn="base" hangingPunct="0">
-              <a:spcBef>
-                <a:spcPct val="0"/>
-              </a:spcBef>
-              <a:spcAft>
-                <a:spcPct val="0"/>
-              </a:spcAft>
-              <a:defRPr/>
-            </a:pPr>
-            <a:r>
-              <a:rPr kumimoji="1" lang="en-US" altLang="zh-CN" sz="1400" kern="0" dirty="0">
-                <a:latin typeface="微软雅黑" panose="020B0503020204020204" charset="-122"/>
-                <a:ea typeface="微软雅黑" panose="020B0503020204020204" charset="-122"/>
-                <a:cs typeface="微软雅黑" panose="020B0503020204020204" charset="-122"/>
-              </a:rPr>
-              <a:t>r</a:t>
-            </a:r>
-            <a:r>
-              <a:rPr kumimoji="1" lang="en-US" altLang="zh-CN" sz="1400" kern="0" dirty="0" smtClean="0">
-                <a:latin typeface="微软雅黑" panose="020B0503020204020204" charset="-122"/>
-                <a:ea typeface="微软雅黑" panose="020B0503020204020204" charset="-122"/>
-                <a:cs typeface="微软雅黑" panose="020B0503020204020204" charset="-122"/>
-              </a:rPr>
-              <a:t>emote procedure call</a:t>
-            </a:r>
-            <a:endParaRPr kumimoji="1" lang="en-US" altLang="zh-CN" sz="1400" kern="0" dirty="0">
-              <a:latin typeface="微软雅黑" panose="020B0503020204020204" charset="-122"/>
-              <a:ea typeface="微软雅黑" panose="020B0503020204020204" charset="-122"/>
-              <a:cs typeface="微软雅黑" panose="020B0503020204020204" charset="-122"/>
-            </a:endParaRPr>
-          </a:p>
-        </p:txBody>
-      </p:sp>
-      <p:sp>
-        <p:nvSpPr>
-          <p:cNvPr id="37" name="可选流程 36"/>
-          <p:cNvSpPr/>
-          <p:nvPr/>
-        </p:nvSpPr>
-        <p:spPr>
-          <a:xfrm>
-            <a:off x="6032385" y="1942381"/>
-            <a:ext cx="1515636" cy="416068"/>
-          </a:xfrm>
-          <a:prstGeom prst="flowChartAlternateProcess">
-            <a:avLst/>
-          </a:prstGeom>
-          <a:solidFill>
-            <a:srgbClr val="FAA756"/>
-          </a:solidFill>
-          <a:ln>
-            <a:noFill/>
-          </a:ln>
-          <a:effectLst>
-            <a:outerShdw blurRad="57150" dist="19050" dir="5400000" algn="ctr" rotWithShape="0">
-              <a:srgbClr val="000000">
-                <a:alpha val="63000"/>
-              </a:srgbClr>
-            </a:outerShdw>
-          </a:effectLst>
-        </p:spPr>
-        <p:txBody>
-          <a:bodyPr anchor="ctr"/>
-          <a:lstStyle/>
-          <a:p>
-            <a:pPr algn="ctr" defTabSz="913765" eaLnBrk="0" fontAlgn="base" hangingPunct="0">
-              <a:spcBef>
-                <a:spcPct val="0"/>
-              </a:spcBef>
-              <a:spcAft>
-                <a:spcPct val="0"/>
-              </a:spcAft>
-              <a:defRPr/>
-            </a:pPr>
-            <a:r>
-              <a:rPr kumimoji="1" lang="en-US" altLang="zh-CN" sz="1400" kern="0" dirty="0" smtClean="0">
-                <a:latin typeface="微软雅黑" panose="020B0503020204020204" charset="-122"/>
-                <a:ea typeface="微软雅黑" panose="020B0503020204020204" charset="-122"/>
-                <a:cs typeface="微软雅黑" panose="020B0503020204020204" charset="-122"/>
-              </a:rPr>
-              <a:t>registry</a:t>
-            </a:r>
-            <a:endParaRPr kumimoji="1" lang="en-US" altLang="zh-CN" sz="1400" kern="0" dirty="0" smtClean="0">
-              <a:latin typeface="微软雅黑" panose="020B0503020204020204" charset="-122"/>
-              <a:ea typeface="微软雅黑" panose="020B0503020204020204" charset="-122"/>
-              <a:cs typeface="微软雅黑" panose="020B0503020204020204" charset="-122"/>
-            </a:endParaRPr>
-          </a:p>
-        </p:txBody>
-      </p:sp>
-      <p:sp>
-        <p:nvSpPr>
-          <p:cNvPr id="38" name="矩形 37"/>
-          <p:cNvSpPr/>
-          <p:nvPr/>
-        </p:nvSpPr>
-        <p:spPr>
-          <a:xfrm>
-            <a:off x="5826760" y="1553210"/>
-            <a:ext cx="1927225" cy="2148840"/>
-          </a:xfrm>
-          <a:prstGeom prst="rect">
-            <a:avLst/>
-          </a:prstGeom>
-          <a:noFill/>
-          <a:ln w="12700" cap="flat" cmpd="sng" algn="ctr">
-            <a:solidFill>
-              <a:srgbClr val="5B9BD5">
-                <a:shade val="50000"/>
-              </a:srgbClr>
-            </a:solidFill>
-            <a:prstDash val="dash"/>
-            <a:miter lim="800000"/>
-          </a:ln>
-          <a:effectLst/>
-        </p:spPr>
-        <p:txBody>
-          <a:bodyPr anchor="b"/>
-          <a:lstStyle/>
-          <a:p>
-            <a:pPr algn="ctr" defTabSz="913765" eaLnBrk="0" fontAlgn="base" hangingPunct="0">
-              <a:spcBef>
-                <a:spcPct val="0"/>
-              </a:spcBef>
-              <a:spcAft>
-                <a:spcPct val="0"/>
-              </a:spcAft>
-              <a:defRPr/>
-            </a:pPr>
-            <a:r>
-              <a:rPr kumimoji="1" lang="en-US" altLang="zh-CN" sz="1400" b="1" kern="0" dirty="0">
-                <a:latin typeface="微软雅黑" panose="020B0503020204020204" charset="-122"/>
-                <a:ea typeface="微软雅黑" panose="020B0503020204020204" charset="-122"/>
-                <a:cs typeface="微软雅黑" panose="020B0503020204020204" charset="-122"/>
-              </a:rPr>
-              <a:t>admin</a:t>
-            </a:r>
-            <a:endParaRPr kumimoji="1" lang="zh-CN" altLang="en-US" sz="1400" b="1" kern="0" dirty="0">
-              <a:latin typeface="微软雅黑" panose="020B0503020204020204" charset="-122"/>
-              <a:ea typeface="微软雅黑" panose="020B0503020204020204" charset="-122"/>
-              <a:cs typeface="微软雅黑" panose="020B0503020204020204" charset="-122"/>
-            </a:endParaRPr>
-          </a:p>
-        </p:txBody>
-      </p:sp>
-    </p:spTree>
-  </p:cSld>
-  <p:clrMapOvr>
-    <a:masterClrMapping/>
-  </p:clrMapOvr>
-</p:sld>
-</file>
-
-<file path=ppt/slides/slide3.xml><?xml version="1.0" encoding="utf-8"?>
-<p:sld xmlns:a="http://schemas.openxmlformats.org/drawingml/2006/main" xmlns:r="http://schemas.openxmlformats.org/officeDocument/2006/relationships" xmlns:p="http://schemas.openxmlformats.org/presentationml/2006/main">
-  <p:cSld>
-    <p:spTree>
-      <p:nvGrpSpPr>
-        <p:cNvPr id="1" name=""/>
-        <p:cNvGrpSpPr/>
-        <p:nvPr/>
-      </p:nvGrpSpPr>
-      <p:grpSpPr>
-        <a:xfrm>
-          <a:off x="0" y="0"/>
-          <a:ext cx="0" cy="0"/>
-          <a:chOff x="0" y="0"/>
-          <a:chExt cx="0" cy="0"/>
-        </a:xfrm>
-      </p:grpSpPr>
-      <p:sp>
-        <p:nvSpPr>
-          <p:cNvPr id="20" name="矩形 19"/>
-          <p:cNvSpPr/>
-          <p:nvPr/>
-        </p:nvSpPr>
-        <p:spPr>
-          <a:xfrm>
-            <a:off x="3278447" y="5166578"/>
-            <a:ext cx="2779928" cy="461665"/>
-          </a:xfrm>
-          <a:prstGeom prst="rect">
-            <a:avLst/>
-          </a:prstGeom>
-        </p:spPr>
-        <p:txBody>
-          <a:bodyPr wrap="none">
-            <a:spAutoFit/>
-          </a:bodyPr>
-          <a:lstStyle/>
-          <a:p>
-            <a:pPr lvl="0" algn="ctr"/>
-            <a:r>
-              <a:rPr lang="en-US" altLang="zh-CN" sz="2400" b="1" dirty="0">
-                <a:solidFill>
-                  <a:prstClr val="black"/>
-                </a:solidFill>
-              </a:rPr>
-              <a:t>XXL-RPC</a:t>
-            </a:r>
-            <a:r>
-              <a:rPr lang="zh-CN" altLang="en-US" sz="2400" b="1" dirty="0">
-                <a:solidFill>
-                  <a:prstClr val="black"/>
-                </a:solidFill>
-              </a:rPr>
-              <a:t>架构图 </a:t>
-            </a:r>
-            <a:r>
-              <a:rPr lang="en-US" altLang="zh-CN" sz="2400" b="1" dirty="0" smtClean="0">
-                <a:solidFill>
-                  <a:prstClr val="black"/>
-                </a:solidFill>
-              </a:rPr>
-              <a:t>v1.3</a:t>
-            </a:r>
-            <a:endParaRPr lang="en-US" altLang="zh-CN" sz="2400" b="1" dirty="0">
-              <a:solidFill>
-                <a:prstClr val="black"/>
-              </a:solidFill>
-            </a:endParaRPr>
-          </a:p>
-        </p:txBody>
-      </p:sp>
-      <p:sp>
-        <p:nvSpPr>
-          <p:cNvPr id="21" name="圆角矩形 20"/>
-          <p:cNvSpPr/>
-          <p:nvPr/>
-        </p:nvSpPr>
-        <p:spPr>
-          <a:xfrm>
-            <a:off x="1624559" y="4109763"/>
-            <a:ext cx="1621633" cy="416068"/>
-          </a:xfrm>
-          <a:prstGeom prst="roundRect">
-            <a:avLst/>
-          </a:prstGeom>
-          <a:solidFill>
-            <a:srgbClr val="58B8D1"/>
-          </a:solidFill>
-          <a:ln>
-            <a:noFill/>
-          </a:ln>
-          <a:effectLst>
-            <a:outerShdw blurRad="57150" dist="19050" dir="5400000" algn="ctr" rotWithShape="0">
-              <a:srgbClr val="000000">
-                <a:alpha val="63000"/>
-              </a:srgbClr>
-            </a:outerShdw>
-          </a:effectLst>
-        </p:spPr>
-        <p:txBody>
-          <a:bodyPr anchor="ctr"/>
-          <a:lstStyle/>
-          <a:p>
-            <a:pPr algn="ctr" defTabSz="913765" eaLnBrk="0" fontAlgn="base" hangingPunct="0">
-              <a:spcBef>
-                <a:spcPct val="0"/>
-              </a:spcBef>
-              <a:spcAft>
-                <a:spcPct val="0"/>
-              </a:spcAft>
-              <a:defRPr/>
-            </a:pPr>
-            <a:r>
-              <a:rPr kumimoji="1" lang="en-US" altLang="zh-CN" sz="1400" kern="0" dirty="0" smtClean="0">
-                <a:latin typeface="微软雅黑" panose="020B0503020204020204" charset="-122"/>
-                <a:ea typeface="微软雅黑" panose="020B0503020204020204" charset="-122"/>
-                <a:cs typeface="微软雅黑" panose="020B0503020204020204" charset="-122"/>
-              </a:rPr>
-              <a:t>sync-over-</a:t>
-            </a:r>
-            <a:r>
-              <a:rPr kumimoji="1" lang="en-US" altLang="zh-CN" sz="1400" kern="0" dirty="0" smtClean="0">
-                <a:latin typeface="微软雅黑" panose="020B0503020204020204" charset="-122"/>
-                <a:ea typeface="微软雅黑" panose="020B0503020204020204" charset="-122"/>
-                <a:cs typeface="微软雅黑" panose="020B0503020204020204" charset="-122"/>
-              </a:rPr>
-              <a:t>async</a:t>
-            </a:r>
-            <a:endParaRPr kumimoji="1" lang="en-US" altLang="zh-CN" sz="1400" kern="0" dirty="0">
-              <a:latin typeface="微软雅黑" panose="020B0503020204020204" charset="-122"/>
-              <a:ea typeface="微软雅黑" panose="020B0503020204020204" charset="-122"/>
-              <a:cs typeface="微软雅黑" panose="020B0503020204020204" charset="-122"/>
-            </a:endParaRPr>
-          </a:p>
-        </p:txBody>
-      </p:sp>
-      <p:sp>
-        <p:nvSpPr>
-          <p:cNvPr id="22" name="矩形 21"/>
-          <p:cNvSpPr/>
-          <p:nvPr/>
-        </p:nvSpPr>
-        <p:spPr>
-          <a:xfrm>
-            <a:off x="3681735" y="1552941"/>
-            <a:ext cx="1927503" cy="989677"/>
-          </a:xfrm>
-          <a:prstGeom prst="rect">
-            <a:avLst/>
-          </a:prstGeom>
-          <a:noFill/>
-          <a:ln w="12700" cap="flat" cmpd="sng" algn="ctr">
-            <a:solidFill>
-              <a:srgbClr val="5B9BD5">
-                <a:shade val="50000"/>
-              </a:srgbClr>
-            </a:solidFill>
-            <a:prstDash val="dash"/>
-            <a:miter lim="800000"/>
-          </a:ln>
-          <a:effectLst/>
-        </p:spPr>
-        <p:txBody>
-          <a:bodyPr anchor="b"/>
-          <a:lstStyle/>
-          <a:p>
-            <a:pPr algn="ctr" defTabSz="913765" eaLnBrk="0" fontAlgn="base" hangingPunct="0">
-              <a:spcBef>
-                <a:spcPct val="0"/>
-              </a:spcBef>
-              <a:spcAft>
-                <a:spcPct val="0"/>
-              </a:spcAft>
-              <a:defRPr/>
-            </a:pPr>
-            <a:r>
-              <a:rPr kumimoji="1" lang="en-US" altLang="zh-CN" sz="1400" b="1" kern="0" dirty="0" smtClean="0">
-                <a:latin typeface="微软雅黑" panose="020B0503020204020204" charset="-122"/>
-                <a:ea typeface="微软雅黑" panose="020B0503020204020204" charset="-122"/>
-                <a:cs typeface="微软雅黑" panose="020B0503020204020204" charset="-122"/>
-              </a:rPr>
-              <a:t>provider</a:t>
-            </a:r>
-            <a:endParaRPr kumimoji="1" lang="zh-CN" altLang="en-US" sz="1400" b="1" kern="0" dirty="0">
-              <a:latin typeface="微软雅黑" panose="020B0503020204020204" charset="-122"/>
-              <a:ea typeface="微软雅黑" panose="020B0503020204020204" charset="-122"/>
-              <a:cs typeface="微软雅黑" panose="020B0503020204020204" charset="-122"/>
-            </a:endParaRPr>
-          </a:p>
-        </p:txBody>
-      </p:sp>
-      <p:sp>
-        <p:nvSpPr>
-          <p:cNvPr id="25" name="可选流程 24"/>
-          <p:cNvSpPr/>
-          <p:nvPr/>
-        </p:nvSpPr>
-        <p:spPr>
-          <a:xfrm>
-            <a:off x="6032470" y="2682864"/>
-            <a:ext cx="1567464" cy="416068"/>
-          </a:xfrm>
-          <a:prstGeom prst="flowChartAlternateProcess">
-            <a:avLst/>
-          </a:prstGeom>
-          <a:solidFill>
-            <a:srgbClr val="D8D8D8"/>
-          </a:solidFill>
-          <a:ln>
-            <a:noFill/>
-          </a:ln>
-          <a:effectLst>
-            <a:outerShdw blurRad="57150" dist="19050" dir="5400000" algn="ctr" rotWithShape="0">
-              <a:srgbClr val="000000">
-                <a:alpha val="63000"/>
-              </a:srgbClr>
-            </a:outerShdw>
-          </a:effectLst>
-        </p:spPr>
-        <p:txBody>
-          <a:bodyPr anchor="ctr"/>
-          <a:lstStyle/>
-          <a:p>
-            <a:pPr algn="ctr" defTabSz="913765" eaLnBrk="0" fontAlgn="base" hangingPunct="0">
-              <a:spcBef>
-                <a:spcPct val="0"/>
-              </a:spcBef>
-              <a:spcAft>
-                <a:spcPct val="0"/>
-              </a:spcAft>
-              <a:defRPr/>
-            </a:pPr>
-            <a:r>
-              <a:rPr kumimoji="1" lang="en-US" altLang="zh-CN" sz="1400" kern="0" dirty="0">
-                <a:solidFill>
-                  <a:prstClr val="black"/>
-                </a:solidFill>
-                <a:latin typeface="Heiti SC Light" charset="-122"/>
-                <a:ea typeface="Heiti SC Light" charset="-122"/>
-                <a:cs typeface="Heiti SC Light" charset="-122"/>
-              </a:rPr>
-              <a:t>t</a:t>
-            </a:r>
-            <a:r>
-              <a:rPr kumimoji="1" lang="en-US" altLang="zh-CN" sz="1400" kern="0" dirty="0" smtClean="0">
-                <a:solidFill>
-                  <a:prstClr val="black"/>
-                </a:solidFill>
-                <a:latin typeface="Heiti SC Light" charset="-122"/>
-                <a:ea typeface="Heiti SC Light" charset="-122"/>
-                <a:cs typeface="Heiti SC Light" charset="-122"/>
-              </a:rPr>
-              <a:t>race/monitor</a:t>
-            </a:r>
-            <a:endParaRPr kumimoji="1" lang="zh-CN" altLang="en-US" sz="1400" kern="0" dirty="0">
-              <a:solidFill>
-                <a:prstClr val="black"/>
-              </a:solidFill>
-              <a:latin typeface="Heiti SC Light" charset="-122"/>
-              <a:ea typeface="Heiti SC Light" charset="-122"/>
-              <a:cs typeface="Heiti SC Light" charset="-122"/>
-            </a:endParaRPr>
-          </a:p>
-        </p:txBody>
-      </p:sp>
-      <p:sp>
-        <p:nvSpPr>
-          <p:cNvPr id="26" name="矩形 25"/>
-          <p:cNvSpPr/>
-          <p:nvPr/>
-        </p:nvSpPr>
-        <p:spPr>
-          <a:xfrm>
-            <a:off x="1403649" y="2766044"/>
-            <a:ext cx="4205589" cy="936826"/>
-          </a:xfrm>
-          <a:prstGeom prst="rect">
-            <a:avLst/>
-          </a:prstGeom>
-          <a:noFill/>
-          <a:ln w="12700" cap="flat" cmpd="sng" algn="ctr">
-            <a:solidFill>
-              <a:srgbClr val="5B9BD5">
-                <a:shade val="50000"/>
-              </a:srgbClr>
-            </a:solidFill>
-            <a:prstDash val="dash"/>
-            <a:miter lim="800000"/>
-          </a:ln>
-          <a:effectLst/>
-        </p:spPr>
-        <p:txBody>
-          <a:bodyPr anchor="b"/>
-          <a:lstStyle/>
-          <a:p>
-            <a:pPr algn="ctr" defTabSz="913765" eaLnBrk="0" fontAlgn="base" hangingPunct="0">
-              <a:spcBef>
-                <a:spcPct val="0"/>
-              </a:spcBef>
-              <a:spcAft>
-                <a:spcPct val="0"/>
-              </a:spcAft>
-              <a:defRPr/>
-            </a:pPr>
-            <a:r>
-              <a:rPr kumimoji="1" lang="en-US" altLang="zh-CN" sz="1400" b="1" kern="0" dirty="0" smtClean="0">
-                <a:latin typeface="微软雅黑" panose="020B0503020204020204" charset="-122"/>
-                <a:ea typeface="微软雅黑" panose="020B0503020204020204" charset="-122"/>
-                <a:cs typeface="微软雅黑" panose="020B0503020204020204" charset="-122"/>
-              </a:rPr>
-              <a:t>serializer</a:t>
-            </a:r>
-            <a:endParaRPr kumimoji="1" lang="zh-CN" altLang="en-US" sz="1400" b="1" kern="0" dirty="0">
-              <a:latin typeface="微软雅黑" panose="020B0503020204020204" charset="-122"/>
-              <a:ea typeface="微软雅黑" panose="020B0503020204020204" charset="-122"/>
-              <a:cs typeface="微软雅黑" panose="020B0503020204020204" charset="-122"/>
-            </a:endParaRPr>
-          </a:p>
-        </p:txBody>
-      </p:sp>
-      <p:sp>
-        <p:nvSpPr>
-          <p:cNvPr id="27" name="可选流程 26"/>
-          <p:cNvSpPr/>
-          <p:nvPr/>
-        </p:nvSpPr>
-        <p:spPr>
-          <a:xfrm>
-            <a:off x="1624559" y="2907581"/>
-            <a:ext cx="1770535" cy="416068"/>
-          </a:xfrm>
-          <a:prstGeom prst="flowChartAlternateProcess">
-            <a:avLst/>
-          </a:prstGeom>
-          <a:solidFill>
-            <a:srgbClr val="FAA756"/>
-          </a:solidFill>
-          <a:ln>
-            <a:noFill/>
-          </a:ln>
-          <a:effectLst>
-            <a:outerShdw blurRad="57150" dist="19050" dir="5400000" algn="ctr" rotWithShape="0">
-              <a:srgbClr val="000000">
-                <a:alpha val="63000"/>
-              </a:srgbClr>
-            </a:outerShdw>
-          </a:effectLst>
-        </p:spPr>
-        <p:txBody>
-          <a:bodyPr anchor="ctr"/>
-          <a:lstStyle/>
-          <a:p>
-            <a:pPr algn="ctr" defTabSz="913765" eaLnBrk="0" fontAlgn="base" hangingPunct="0">
-              <a:spcBef>
-                <a:spcPct val="0"/>
-              </a:spcBef>
-              <a:spcAft>
-                <a:spcPct val="0"/>
-              </a:spcAft>
-              <a:defRPr/>
-            </a:pPr>
-            <a:r>
-              <a:rPr kumimoji="1" lang="en-US" altLang="zh-CN" sz="1400" kern="0" dirty="0">
-                <a:latin typeface="微软雅黑" panose="020B0503020204020204" charset="-122"/>
-                <a:ea typeface="微软雅黑" panose="020B0503020204020204" charset="-122"/>
-                <a:cs typeface="微软雅黑" panose="020B0503020204020204" charset="-122"/>
-              </a:rPr>
-              <a:t>request-response</a:t>
-            </a:r>
-            <a:endParaRPr kumimoji="1" lang="en-US" altLang="zh-CN" sz="1400" kern="0" dirty="0">
-              <a:latin typeface="微软雅黑" panose="020B0503020204020204" charset="-122"/>
-              <a:ea typeface="微软雅黑" panose="020B0503020204020204" charset="-122"/>
-              <a:cs typeface="微软雅黑" panose="020B0503020204020204" charset="-122"/>
-            </a:endParaRPr>
-          </a:p>
-        </p:txBody>
-      </p:sp>
-      <p:sp>
-        <p:nvSpPr>
-          <p:cNvPr id="28" name="可选流程 27"/>
-          <p:cNvSpPr/>
-          <p:nvPr/>
-        </p:nvSpPr>
-        <p:spPr>
-          <a:xfrm>
-            <a:off x="3815054" y="2880448"/>
-            <a:ext cx="1563592" cy="416068"/>
-          </a:xfrm>
-          <a:prstGeom prst="flowChartAlternateProcess">
-            <a:avLst/>
-          </a:prstGeom>
-          <a:solidFill>
-            <a:srgbClr val="FAA756"/>
-          </a:solidFill>
-          <a:ln>
-            <a:noFill/>
-          </a:ln>
-          <a:effectLst>
-            <a:outerShdw blurRad="57150" dist="19050" dir="5400000" algn="ctr" rotWithShape="0">
-              <a:srgbClr val="000000">
-                <a:alpha val="63000"/>
-              </a:srgbClr>
-            </a:outerShdw>
-          </a:effectLst>
-        </p:spPr>
-        <p:txBody>
-          <a:bodyPr anchor="ctr"/>
-          <a:lstStyle/>
-          <a:p>
-            <a:pPr algn="ctr" defTabSz="913765" eaLnBrk="0" fontAlgn="base" hangingPunct="0">
-              <a:spcBef>
-                <a:spcPct val="0"/>
-              </a:spcBef>
-              <a:spcAft>
-                <a:spcPct val="0"/>
-              </a:spcAft>
-              <a:defRPr/>
-            </a:pPr>
-            <a:r>
-              <a:rPr kumimoji="1" lang="en-US" altLang="zh-CN" sz="1400" kern="0" dirty="0">
-                <a:latin typeface="微软雅黑" panose="020B0503020204020204" charset="-122"/>
-                <a:ea typeface="微软雅黑" panose="020B0503020204020204" charset="-122"/>
-                <a:cs typeface="微软雅黑" panose="020B0503020204020204" charset="-122"/>
-              </a:rPr>
-              <a:t>data </a:t>
-            </a:r>
-            <a:r>
-              <a:rPr kumimoji="1" lang="en-US" altLang="zh-CN" sz="1400" kern="0" dirty="0" smtClean="0">
-                <a:latin typeface="微软雅黑" panose="020B0503020204020204" charset="-122"/>
-                <a:ea typeface="微软雅黑" panose="020B0503020204020204" charset="-122"/>
-                <a:cs typeface="微软雅黑" panose="020B0503020204020204" charset="-122"/>
-              </a:rPr>
-              <a:t>protocol</a:t>
-            </a:r>
-            <a:endParaRPr kumimoji="1" lang="en-US" altLang="zh-CN" sz="1400" kern="0" dirty="0">
-              <a:latin typeface="微软雅黑" panose="020B0503020204020204" charset="-122"/>
-              <a:ea typeface="微软雅黑" panose="020B0503020204020204" charset="-122"/>
-              <a:cs typeface="微软雅黑" panose="020B0503020204020204" charset="-122"/>
-            </a:endParaRPr>
-          </a:p>
-        </p:txBody>
-      </p:sp>
-      <p:sp>
-        <p:nvSpPr>
-          <p:cNvPr id="29" name="矩形 28"/>
-          <p:cNvSpPr/>
-          <p:nvPr/>
-        </p:nvSpPr>
-        <p:spPr>
-          <a:xfrm>
-            <a:off x="1403649" y="1565099"/>
-            <a:ext cx="2048514" cy="989677"/>
-          </a:xfrm>
-          <a:prstGeom prst="rect">
-            <a:avLst/>
-          </a:prstGeom>
-          <a:noFill/>
-          <a:ln w="12700" cap="flat" cmpd="sng" algn="ctr">
-            <a:solidFill>
-              <a:srgbClr val="5B9BD5">
-                <a:shade val="50000"/>
-              </a:srgbClr>
-            </a:solidFill>
-            <a:prstDash val="dash"/>
-            <a:miter lim="800000"/>
-          </a:ln>
-          <a:effectLst/>
-        </p:spPr>
-        <p:txBody>
-          <a:bodyPr anchor="b"/>
-          <a:lstStyle/>
-          <a:p>
-            <a:pPr algn="ctr" defTabSz="913765" eaLnBrk="0" fontAlgn="base" hangingPunct="0">
-              <a:spcBef>
-                <a:spcPct val="0"/>
-              </a:spcBef>
-              <a:spcAft>
-                <a:spcPct val="0"/>
-              </a:spcAft>
-              <a:defRPr/>
-            </a:pPr>
-            <a:r>
-              <a:rPr kumimoji="1" lang="en-US" altLang="zh-CN" sz="1400" b="1" kern="0" dirty="0" smtClean="0">
-                <a:latin typeface="微软雅黑" panose="020B0503020204020204" charset="-122"/>
-                <a:ea typeface="微软雅黑" panose="020B0503020204020204" charset="-122"/>
-                <a:cs typeface="微软雅黑" panose="020B0503020204020204" charset="-122"/>
-              </a:rPr>
-              <a:t>invoker</a:t>
-            </a:r>
-            <a:endParaRPr kumimoji="1" lang="zh-CN" altLang="en-US" sz="1400" b="1" kern="0" dirty="0">
-              <a:latin typeface="微软雅黑" panose="020B0503020204020204" charset="-122"/>
-              <a:ea typeface="微软雅黑" panose="020B0503020204020204" charset="-122"/>
-              <a:cs typeface="微软雅黑" panose="020B0503020204020204" charset="-122"/>
-            </a:endParaRPr>
-          </a:p>
-        </p:txBody>
-      </p:sp>
-      <p:sp>
-        <p:nvSpPr>
-          <p:cNvPr id="30" name="可选流程 29"/>
-          <p:cNvSpPr/>
-          <p:nvPr/>
-        </p:nvSpPr>
-        <p:spPr>
-          <a:xfrm>
-            <a:off x="3815053" y="1680749"/>
-            <a:ext cx="1567464" cy="416068"/>
-          </a:xfrm>
-          <a:prstGeom prst="flowChartAlternateProcess">
-            <a:avLst/>
-          </a:prstGeom>
-          <a:solidFill>
-            <a:srgbClr val="ABC36C"/>
-          </a:solidFill>
-          <a:ln>
-            <a:noFill/>
-          </a:ln>
-          <a:effectLst>
-            <a:outerShdw blurRad="57150" dist="19050" dir="5400000" algn="ctr" rotWithShape="0">
-              <a:srgbClr val="000000">
-                <a:alpha val="63000"/>
-              </a:srgbClr>
-            </a:outerShdw>
-          </a:effectLst>
-        </p:spPr>
-        <p:txBody>
-          <a:bodyPr anchor="ctr"/>
-          <a:lstStyle/>
-          <a:p>
-            <a:pPr algn="ctr" defTabSz="913765" eaLnBrk="0" fontAlgn="base" hangingPunct="0">
-              <a:spcBef>
-                <a:spcPct val="0"/>
-              </a:spcBef>
-              <a:spcAft>
-                <a:spcPct val="0"/>
-              </a:spcAft>
-              <a:defRPr/>
-            </a:pPr>
-            <a:r>
-              <a:rPr kumimoji="1" lang="en-US" altLang="zh-CN" sz="1400" kern="0" dirty="0" smtClean="0">
-                <a:latin typeface="微软雅黑" panose="020B0503020204020204" charset="-122"/>
-                <a:ea typeface="微软雅黑" panose="020B0503020204020204" charset="-122"/>
-                <a:cs typeface="微软雅黑" panose="020B0503020204020204" charset="-122"/>
-              </a:rPr>
-              <a:t>server</a:t>
-            </a:r>
-            <a:endParaRPr kumimoji="1" lang="zh-CN" altLang="en-US" sz="1400" kern="0" dirty="0">
-              <a:latin typeface="微软雅黑" panose="020B0503020204020204" charset="-122"/>
-              <a:ea typeface="微软雅黑" panose="020B0503020204020204" charset="-122"/>
-              <a:cs typeface="微软雅黑" panose="020B0503020204020204" charset="-122"/>
-            </a:endParaRPr>
-          </a:p>
-        </p:txBody>
-      </p:sp>
-      <p:sp>
-        <p:nvSpPr>
-          <p:cNvPr id="31" name="可选流程 30"/>
-          <p:cNvSpPr/>
-          <p:nvPr/>
-        </p:nvSpPr>
-        <p:spPr>
-          <a:xfrm>
-            <a:off x="1624559" y="1692899"/>
-            <a:ext cx="1567464" cy="416068"/>
-          </a:xfrm>
-          <a:prstGeom prst="flowChartAlternateProcess">
-            <a:avLst/>
-          </a:prstGeom>
-          <a:solidFill>
-            <a:srgbClr val="ABC36C"/>
-          </a:solidFill>
-          <a:ln>
-            <a:noFill/>
-          </a:ln>
-          <a:effectLst>
-            <a:outerShdw blurRad="57150" dist="19050" dir="5400000" algn="ctr" rotWithShape="0">
-              <a:srgbClr val="000000">
-                <a:alpha val="63000"/>
-              </a:srgbClr>
-            </a:outerShdw>
-          </a:effectLst>
-        </p:spPr>
-        <p:txBody>
-          <a:bodyPr anchor="ctr"/>
-          <a:lstStyle/>
-          <a:p>
-            <a:pPr algn="ctr" defTabSz="913765" eaLnBrk="0" fontAlgn="base" hangingPunct="0">
-              <a:spcBef>
-                <a:spcPct val="0"/>
-              </a:spcBef>
-              <a:spcAft>
-                <a:spcPct val="0"/>
-              </a:spcAft>
-              <a:defRPr/>
-            </a:pPr>
-            <a:r>
-              <a:rPr kumimoji="1" lang="en-US" altLang="zh-CN" sz="1400" kern="0" dirty="0">
-                <a:latin typeface="微软雅黑" panose="020B0503020204020204" charset="-122"/>
-                <a:ea typeface="微软雅黑" panose="020B0503020204020204" charset="-122"/>
-                <a:cs typeface="微软雅黑" panose="020B0503020204020204" charset="-122"/>
-              </a:rPr>
-              <a:t>proxy</a:t>
-            </a:r>
-            <a:endParaRPr kumimoji="1" lang="zh-CN" altLang="en-US" sz="1400" kern="0" dirty="0">
-              <a:latin typeface="微软雅黑" panose="020B0503020204020204" charset="-122"/>
-              <a:ea typeface="微软雅黑" panose="020B0503020204020204" charset="-122"/>
-              <a:cs typeface="微软雅黑" panose="020B0503020204020204" charset="-122"/>
-            </a:endParaRPr>
-          </a:p>
-        </p:txBody>
-      </p:sp>
-      <p:sp>
-        <p:nvSpPr>
-          <p:cNvPr id="33" name="矩形 32"/>
-          <p:cNvSpPr/>
-          <p:nvPr/>
-        </p:nvSpPr>
-        <p:spPr>
-          <a:xfrm>
-            <a:off x="1403648" y="3933056"/>
-            <a:ext cx="6350428" cy="994133"/>
-          </a:xfrm>
-          <a:prstGeom prst="rect">
-            <a:avLst/>
-          </a:prstGeom>
-          <a:noFill/>
-          <a:ln w="12700" cap="flat" cmpd="sng" algn="ctr">
-            <a:solidFill>
-              <a:srgbClr val="5B9BD5">
-                <a:shade val="50000"/>
-              </a:srgbClr>
-            </a:solidFill>
-            <a:prstDash val="dash"/>
-            <a:miter lim="800000"/>
-          </a:ln>
-          <a:effectLst/>
-        </p:spPr>
-        <p:txBody>
-          <a:bodyPr anchor="b"/>
-          <a:lstStyle/>
-          <a:p>
-            <a:pPr algn="ctr" defTabSz="913765" eaLnBrk="0" fontAlgn="base" hangingPunct="0">
-              <a:spcBef>
-                <a:spcPct val="0"/>
-              </a:spcBef>
-              <a:spcAft>
-                <a:spcPct val="0"/>
-              </a:spcAft>
-              <a:defRPr/>
-            </a:pPr>
-            <a:r>
-              <a:rPr kumimoji="1" lang="en-US" altLang="zh-CN" sz="1400" b="1" kern="0" dirty="0">
-                <a:latin typeface="微软雅黑" panose="020B0503020204020204" charset="-122"/>
-                <a:ea typeface="微软雅黑" panose="020B0503020204020204" charset="-122"/>
-                <a:cs typeface="微软雅黑" panose="020B0503020204020204" charset="-122"/>
-              </a:rPr>
-              <a:t>remoting</a:t>
-            </a:r>
-            <a:endParaRPr kumimoji="1" lang="en-US" altLang="zh-CN" sz="1400" b="1" kern="0" dirty="0">
-              <a:latin typeface="微软雅黑" panose="020B0503020204020204" charset="-122"/>
-              <a:ea typeface="微软雅黑" panose="020B0503020204020204" charset="-122"/>
-              <a:cs typeface="微软雅黑" panose="020B0503020204020204" charset="-122"/>
-            </a:endParaRPr>
-          </a:p>
-        </p:txBody>
-      </p:sp>
-      <p:sp>
-        <p:nvSpPr>
-          <p:cNvPr id="34" name="圆角矩形 33"/>
-          <p:cNvSpPr/>
-          <p:nvPr/>
-        </p:nvSpPr>
-        <p:spPr>
-          <a:xfrm>
-            <a:off x="3564623" y="4109763"/>
-            <a:ext cx="959232" cy="416068"/>
-          </a:xfrm>
-          <a:prstGeom prst="roundRect">
-            <a:avLst/>
-          </a:prstGeom>
-          <a:solidFill>
-            <a:srgbClr val="58B8D1"/>
-          </a:solidFill>
-          <a:ln>
-            <a:noFill/>
-          </a:ln>
-          <a:effectLst>
-            <a:outerShdw blurRad="57150" dist="19050" dir="5400000" algn="ctr" rotWithShape="0">
-              <a:srgbClr val="000000">
-                <a:alpha val="63000"/>
-              </a:srgbClr>
-            </a:outerShdw>
-          </a:effectLst>
-        </p:spPr>
-        <p:txBody>
-          <a:bodyPr anchor="ctr"/>
-          <a:lstStyle/>
-          <a:p>
-            <a:pPr algn="ctr" defTabSz="913765" eaLnBrk="0" fontAlgn="base" hangingPunct="0">
-              <a:spcBef>
-                <a:spcPct val="0"/>
-              </a:spcBef>
-              <a:spcAft>
-                <a:spcPct val="0"/>
-              </a:spcAft>
-              <a:defRPr/>
-            </a:pPr>
-            <a:r>
-              <a:rPr kumimoji="1" lang="en-US" altLang="zh-CN" sz="1400" kern="0" dirty="0">
-                <a:latin typeface="微软雅黑" panose="020B0503020204020204" charset="-122"/>
-                <a:ea typeface="微软雅黑" panose="020B0503020204020204" charset="-122"/>
-                <a:cs typeface="微软雅黑" panose="020B0503020204020204" charset="-122"/>
-              </a:rPr>
-              <a:t>codec</a:t>
-            </a:r>
-            <a:endParaRPr kumimoji="1" lang="en-US" altLang="zh-CN" sz="1400" kern="0" dirty="0">
-              <a:latin typeface="微软雅黑" panose="020B0503020204020204" charset="-122"/>
-              <a:ea typeface="微软雅黑" panose="020B0503020204020204" charset="-122"/>
-              <a:cs typeface="微软雅黑" panose="020B0503020204020204" charset="-122"/>
-            </a:endParaRPr>
-          </a:p>
-        </p:txBody>
-      </p:sp>
-      <p:sp>
-        <p:nvSpPr>
-          <p:cNvPr id="35" name="圆角矩形 34"/>
-          <p:cNvSpPr/>
-          <p:nvPr/>
-        </p:nvSpPr>
-        <p:spPr>
-          <a:xfrm>
-            <a:off x="4842286" y="4109763"/>
-            <a:ext cx="2731769" cy="416068"/>
-          </a:xfrm>
-          <a:prstGeom prst="roundRect">
-            <a:avLst/>
-          </a:prstGeom>
-          <a:solidFill>
-            <a:srgbClr val="58B8D1"/>
-          </a:solidFill>
-          <a:ln>
-            <a:noFill/>
-          </a:ln>
-          <a:effectLst>
-            <a:outerShdw blurRad="57150" dist="19050" dir="5400000" algn="ctr" rotWithShape="0">
-              <a:srgbClr val="000000">
-                <a:alpha val="63000"/>
-              </a:srgbClr>
-            </a:outerShdw>
-          </a:effectLst>
-        </p:spPr>
-        <p:txBody>
-          <a:bodyPr anchor="ctr"/>
-          <a:lstStyle/>
-          <a:p>
-            <a:pPr algn="ctr" defTabSz="913765" eaLnBrk="0" fontAlgn="base" hangingPunct="0">
-              <a:spcBef>
-                <a:spcPct val="0"/>
-              </a:spcBef>
-              <a:spcAft>
-                <a:spcPct val="0"/>
-              </a:spcAft>
-              <a:defRPr/>
-            </a:pPr>
-            <a:r>
-              <a:rPr kumimoji="1" lang="en-US" altLang="zh-CN" sz="1400" kern="0" dirty="0">
-                <a:latin typeface="微软雅黑" panose="020B0503020204020204" charset="-122"/>
-                <a:ea typeface="微软雅黑" panose="020B0503020204020204" charset="-122"/>
-                <a:cs typeface="微软雅黑" panose="020B0503020204020204" charset="-122"/>
-              </a:rPr>
-              <a:t>r</a:t>
-            </a:r>
-            <a:r>
-              <a:rPr kumimoji="1" lang="en-US" altLang="zh-CN" sz="1400" kern="0" dirty="0" smtClean="0">
-                <a:latin typeface="微软雅黑" panose="020B0503020204020204" charset="-122"/>
-                <a:ea typeface="微软雅黑" panose="020B0503020204020204" charset="-122"/>
-                <a:cs typeface="微软雅黑" panose="020B0503020204020204" charset="-122"/>
-              </a:rPr>
-              <a:t>emote procedure call</a:t>
-            </a:r>
-            <a:endParaRPr kumimoji="1" lang="en-US" altLang="zh-CN" sz="1400" kern="0" dirty="0">
-              <a:latin typeface="微软雅黑" panose="020B0503020204020204" charset="-122"/>
-              <a:ea typeface="微软雅黑" panose="020B0503020204020204" charset="-122"/>
-              <a:cs typeface="微软雅黑" panose="020B0503020204020204" charset="-122"/>
-            </a:endParaRPr>
-          </a:p>
-        </p:txBody>
-      </p:sp>
-      <p:sp>
-        <p:nvSpPr>
-          <p:cNvPr id="37" name="可选流程 36"/>
-          <p:cNvSpPr/>
-          <p:nvPr/>
-        </p:nvSpPr>
-        <p:spPr>
-          <a:xfrm>
-            <a:off x="6032385" y="1942381"/>
-            <a:ext cx="1515636" cy="416068"/>
-          </a:xfrm>
-          <a:prstGeom prst="flowChartAlternateProcess">
-            <a:avLst/>
-          </a:prstGeom>
-          <a:solidFill>
-            <a:srgbClr val="FAA756"/>
-          </a:solidFill>
-          <a:ln>
-            <a:noFill/>
-          </a:ln>
-          <a:effectLst>
-            <a:outerShdw blurRad="57150" dist="19050" dir="5400000" algn="ctr" rotWithShape="0">
-              <a:srgbClr val="000000">
-                <a:alpha val="63000"/>
-              </a:srgbClr>
-            </a:outerShdw>
-          </a:effectLst>
-        </p:spPr>
-        <p:txBody>
-          <a:bodyPr anchor="ctr"/>
-          <a:lstStyle/>
-          <a:p>
-            <a:pPr algn="ctr" defTabSz="913765" eaLnBrk="0" fontAlgn="base" hangingPunct="0">
-              <a:spcBef>
-                <a:spcPct val="0"/>
-              </a:spcBef>
-              <a:spcAft>
-                <a:spcPct val="0"/>
-              </a:spcAft>
-              <a:defRPr/>
-            </a:pPr>
-            <a:r>
-              <a:rPr kumimoji="1" lang="en-US" altLang="zh-CN" sz="1400" kern="0" dirty="0" smtClean="0">
-                <a:latin typeface="微软雅黑" panose="020B0503020204020204" charset="-122"/>
-                <a:ea typeface="微软雅黑" panose="020B0503020204020204" charset="-122"/>
-                <a:cs typeface="微软雅黑" panose="020B0503020204020204" charset="-122"/>
-              </a:rPr>
-              <a:t>registry</a:t>
-            </a:r>
-            <a:endParaRPr kumimoji="1" lang="en-US" altLang="zh-CN" sz="1400" kern="0" dirty="0" smtClean="0">
-              <a:latin typeface="微软雅黑" panose="020B0503020204020204" charset="-122"/>
-              <a:ea typeface="微软雅黑" panose="020B0503020204020204" charset="-122"/>
-              <a:cs typeface="微软雅黑" panose="020B0503020204020204" charset="-122"/>
-            </a:endParaRPr>
-          </a:p>
-        </p:txBody>
-      </p:sp>
-      <p:sp>
-        <p:nvSpPr>
-          <p:cNvPr id="38" name="矩形 37"/>
-          <p:cNvSpPr/>
-          <p:nvPr/>
-        </p:nvSpPr>
-        <p:spPr>
-          <a:xfrm>
-            <a:off x="5826760" y="1553210"/>
-            <a:ext cx="1927225" cy="2148840"/>
-          </a:xfrm>
-          <a:prstGeom prst="rect">
-            <a:avLst/>
-          </a:prstGeom>
-          <a:noFill/>
-          <a:ln w="12700" cap="flat" cmpd="sng" algn="ctr">
-            <a:solidFill>
-              <a:srgbClr val="5B9BD5">
-                <a:shade val="50000"/>
-              </a:srgbClr>
-            </a:solidFill>
-            <a:prstDash val="dash"/>
-            <a:miter lim="800000"/>
-          </a:ln>
-          <a:effectLst/>
-        </p:spPr>
-        <p:txBody>
-          <a:bodyPr anchor="b"/>
-          <a:lstStyle/>
-          <a:p>
-            <a:pPr algn="ctr" defTabSz="913765" eaLnBrk="0" fontAlgn="base" hangingPunct="0">
-              <a:spcBef>
-                <a:spcPct val="0"/>
-              </a:spcBef>
-              <a:spcAft>
-                <a:spcPct val="0"/>
-              </a:spcAft>
-              <a:defRPr/>
-            </a:pPr>
-            <a:r>
-              <a:rPr kumimoji="1" lang="en-US" altLang="zh-CN" sz="1400" b="1" kern="0" dirty="0" smtClean="0">
-                <a:latin typeface="微软雅黑" panose="020B0503020204020204" charset="-122"/>
-                <a:ea typeface="微软雅黑" panose="020B0503020204020204" charset="-122"/>
-                <a:cs typeface="微软雅黑" panose="020B0503020204020204" charset="-122"/>
-              </a:rPr>
-              <a:t>plugin</a:t>
-            </a:r>
-            <a:endParaRPr kumimoji="1" lang="zh-CN" altLang="en-US" sz="1400" b="1" kern="0" dirty="0">
-              <a:latin typeface="微软雅黑" panose="020B0503020204020204" charset="-122"/>
-              <a:ea typeface="微软雅黑" panose="020B0503020204020204" charset="-122"/>
-              <a:cs typeface="微软雅黑" panose="020B0503020204020204" charset="-122"/>
-            </a:endParaRPr>
-          </a:p>
-        </p:txBody>
-      </p:sp>
-    </p:spTree>
-  </p:cSld>
-  <p:clrMapOvr>
-    <a:masterClrMapping/>
-  </p:clrMapOvr>
-</p:sld>
-</file>
-
-<file path=ppt/slides/slide4.xml><?xml version="1.0" encoding="utf-8"?>
-<p:sld xmlns:a="http://schemas.openxmlformats.org/drawingml/2006/main" xmlns:r="http://schemas.openxmlformats.org/officeDocument/2006/relationships" xmlns:p="http://schemas.openxmlformats.org/presentationml/2006/main">
-  <p:cSld>
-    <p:spTree>
-      <p:nvGrpSpPr>
-        <p:cNvPr id="1" name=""/>
-        <p:cNvGrpSpPr/>
-        <p:nvPr/>
-      </p:nvGrpSpPr>
-      <p:grpSpPr>
-        <a:xfrm>
-          <a:off x="0" y="0"/>
-          <a:ext cx="0" cy="0"/>
-          <a:chOff x="0" y="0"/>
-          <a:chExt cx="0" cy="0"/>
-        </a:xfrm>
-      </p:grpSpPr>
-      <p:sp>
-        <p:nvSpPr>
-          <p:cNvPr id="84" name="矩形 83"/>
-          <p:cNvSpPr/>
-          <p:nvPr/>
-        </p:nvSpPr>
-        <p:spPr>
-          <a:xfrm>
-            <a:off x="3031456" y="5225578"/>
-            <a:ext cx="3754120" cy="368300"/>
-          </a:xfrm>
-          <a:prstGeom prst="rect">
-            <a:avLst/>
-          </a:prstGeom>
-        </p:spPr>
-        <p:txBody>
-          <a:bodyPr wrap="none">
-            <a:spAutoFit/>
-          </a:bodyPr>
-          <a:lstStyle/>
-          <a:p>
-            <a:pPr lvl="0" algn="ctr"/>
-            <a:r>
-              <a:rPr lang="en-US" altLang="zh-CN" dirty="0" smtClean="0">
-                <a:solidFill>
-                  <a:prstClr val="black"/>
-                </a:solidFill>
-                <a:latin typeface="微软雅黑" panose="020B0503020204020204" charset="-122"/>
-                <a:ea typeface="微软雅黑" panose="020B0503020204020204" charset="-122"/>
-                <a:cs typeface="微软雅黑" panose="020B0503020204020204" charset="-122"/>
-              </a:rPr>
-              <a:t>XXL-RPC</a:t>
-            </a:r>
-            <a:r>
-              <a:rPr lang="zh-CN" altLang="en-US" dirty="0" smtClean="0">
-                <a:solidFill>
-                  <a:prstClr val="black"/>
-                </a:solidFill>
-                <a:latin typeface="微软雅黑" panose="020B0503020204020204" charset="-122"/>
-                <a:ea typeface="微软雅黑" panose="020B0503020204020204" charset="-122"/>
-                <a:cs typeface="微软雅黑" panose="020B0503020204020204" charset="-122"/>
-              </a:rPr>
-              <a:t>内置</a:t>
-            </a:r>
-            <a:r>
-              <a:rPr lang="zh-CN" altLang="en-US" dirty="0" smtClean="0">
-                <a:solidFill>
-                  <a:prstClr val="black"/>
-                </a:solidFill>
-                <a:latin typeface="微软雅黑" panose="020B0503020204020204" charset="-122"/>
-                <a:ea typeface="微软雅黑" panose="020B0503020204020204" charset="-122"/>
-                <a:cs typeface="微软雅黑" panose="020B0503020204020204" charset="-122"/>
-              </a:rPr>
-              <a:t>注册中心 架构</a:t>
-            </a:r>
-            <a:r>
-              <a:rPr lang="zh-CN" altLang="en-US" dirty="0">
-                <a:solidFill>
-                  <a:prstClr val="black"/>
-                </a:solidFill>
-                <a:latin typeface="微软雅黑" panose="020B0503020204020204" charset="-122"/>
-                <a:ea typeface="微软雅黑" panose="020B0503020204020204" charset="-122"/>
-                <a:cs typeface="微软雅黑" panose="020B0503020204020204" charset="-122"/>
-              </a:rPr>
-              <a:t>图 </a:t>
-            </a:r>
-            <a:r>
-              <a:rPr lang="en-US" altLang="zh-CN" dirty="0" smtClean="0">
-                <a:solidFill>
-                  <a:prstClr val="black"/>
-                </a:solidFill>
-                <a:latin typeface="微软雅黑" panose="020B0503020204020204" charset="-122"/>
-                <a:ea typeface="微软雅黑" panose="020B0503020204020204" charset="-122"/>
-                <a:cs typeface="微软雅黑" panose="020B0503020204020204" charset="-122"/>
-              </a:rPr>
-              <a:t>v1.x</a:t>
-            </a:r>
-            <a:endParaRPr lang="en-US" altLang="zh-CN" dirty="0">
-              <a:solidFill>
-                <a:prstClr val="black"/>
-              </a:solidFill>
-              <a:latin typeface="微软雅黑" panose="020B0503020204020204" charset="-122"/>
-              <a:ea typeface="微软雅黑" panose="020B0503020204020204" charset="-122"/>
-              <a:cs typeface="微软雅黑" panose="020B0503020204020204" charset="-122"/>
-            </a:endParaRPr>
-          </a:p>
-        </p:txBody>
-      </p:sp>
-      <p:sp>
-        <p:nvSpPr>
-          <p:cNvPr id="30" name="可选流程 29"/>
-          <p:cNvSpPr/>
-          <p:nvPr/>
-        </p:nvSpPr>
-        <p:spPr>
-          <a:xfrm>
-            <a:off x="4563192" y="4241426"/>
-            <a:ext cx="1140785" cy="390353"/>
-          </a:xfrm>
-          <a:prstGeom prst="flowChartAlternateProcess">
-            <a:avLst/>
-          </a:prstGeom>
-          <a:solidFill>
-            <a:srgbClr val="FAA756"/>
-          </a:solidFill>
-          <a:ln>
-            <a:noFill/>
-          </a:ln>
-          <a:effectLst>
-            <a:outerShdw blurRad="57150" dist="19050" dir="5400000" algn="ctr" rotWithShape="0">
-              <a:srgbClr val="000000">
-                <a:alpha val="63000"/>
-              </a:srgbClr>
-            </a:outerShdw>
-          </a:effectLst>
-        </p:spPr>
-        <p:txBody>
-          <a:bodyPr anchor="ctr"/>
-          <a:lstStyle/>
-          <a:p>
             <a:pPr algn="ctr" defTabSz="1219200" eaLnBrk="0" fontAlgn="base" hangingPunct="0">
               <a:spcBef>
                 <a:spcPct val="0"/>
@@ -6957,408 +5284,23 @@
           </a:p>
         </p:txBody>
       </p:sp>
-      <p:sp>
-        <p:nvSpPr>
-          <p:cNvPr id="31" name="圆角矩形 30"/>
-          <p:cNvSpPr/>
-          <p:nvPr/>
-        </p:nvSpPr>
-        <p:spPr>
-          <a:xfrm>
-            <a:off x="2455002" y="3191247"/>
-            <a:ext cx="1138352" cy="390353"/>
-          </a:xfrm>
-          <a:prstGeom prst="roundRect">
-            <a:avLst/>
-          </a:prstGeom>
-          <a:solidFill>
-            <a:srgbClr val="58B8D1"/>
-          </a:solidFill>
-          <a:ln>
-            <a:noFill/>
-          </a:ln>
-          <a:effectLst>
-            <a:outerShdw blurRad="57150" dist="19050" dir="5400000" algn="ctr" rotWithShape="0">
-              <a:srgbClr val="000000">
-                <a:alpha val="63000"/>
-              </a:srgbClr>
-            </a:outerShdw>
-          </a:effectLst>
-        </p:spPr>
-        <p:txBody>
-          <a:bodyPr anchor="ctr"/>
-          <a:lstStyle/>
-          <a:p>
-            <a:pPr algn="ctr" defTabSz="1219200" eaLnBrk="0" fontAlgn="base" hangingPunct="0">
-              <a:spcBef>
-                <a:spcPct val="0"/>
-              </a:spcBef>
-              <a:spcAft>
-                <a:spcPct val="0"/>
-              </a:spcAft>
-              <a:defRPr/>
-            </a:pPr>
-            <a:r>
-              <a:rPr kumimoji="1" lang="en-US" altLang="zh-CN" sz="1350" kern="0" dirty="0" smtClean="0">
-                <a:latin typeface="微软雅黑" panose="020B0503020204020204" charset="-122"/>
-                <a:ea typeface="微软雅黑" panose="020B0503020204020204" charset="-122"/>
-                <a:cs typeface="微软雅黑" panose="020B0503020204020204" charset="-122"/>
-              </a:rPr>
-              <a:t>admin</a:t>
-            </a:r>
-            <a:endParaRPr kumimoji="1" lang="zh-CN" altLang="en-US" sz="1350" kern="0" dirty="0">
-              <a:latin typeface="微软雅黑" panose="020B0503020204020204" charset="-122"/>
-              <a:ea typeface="微软雅黑" panose="020B0503020204020204" charset="-122"/>
-              <a:cs typeface="微软雅黑" panose="020B0503020204020204" charset="-122"/>
-            </a:endParaRPr>
-          </a:p>
-        </p:txBody>
-      </p:sp>
-      <p:sp>
-        <p:nvSpPr>
-          <p:cNvPr id="37" name="矩形 36"/>
-          <p:cNvSpPr/>
-          <p:nvPr/>
-        </p:nvSpPr>
-        <p:spPr>
-          <a:xfrm>
-            <a:off x="4385888" y="4107170"/>
-            <a:ext cx="3027441" cy="718914"/>
-          </a:xfrm>
-          <a:prstGeom prst="rect">
-            <a:avLst/>
-          </a:prstGeom>
-          <a:noFill/>
-          <a:ln w="12700" cap="flat" cmpd="sng" algn="ctr">
-            <a:solidFill>
-              <a:srgbClr val="5B9BD5">
-                <a:shade val="50000"/>
-              </a:srgbClr>
-            </a:solidFill>
-            <a:prstDash val="dash"/>
-            <a:miter lim="800000"/>
-          </a:ln>
-          <a:effectLst/>
-        </p:spPr>
-        <p:txBody>
-          <a:bodyPr anchor="b"/>
-          <a:lstStyle/>
-          <a:p>
-            <a:pPr algn="ctr" defTabSz="1219200" eaLnBrk="0" fontAlgn="base" hangingPunct="0">
-              <a:spcBef>
-                <a:spcPct val="0"/>
-              </a:spcBef>
-              <a:spcAft>
-                <a:spcPct val="0"/>
-              </a:spcAft>
-              <a:defRPr/>
-            </a:pPr>
-            <a:endParaRPr kumimoji="1" lang="zh-CN" altLang="en-US" sz="1350" kern="0" dirty="0">
-              <a:latin typeface="微软雅黑" panose="020B0503020204020204" charset="-122"/>
-              <a:ea typeface="微软雅黑" panose="020B0503020204020204" charset="-122"/>
-              <a:cs typeface="微软雅黑" panose="020B0503020204020204" charset="-122"/>
-            </a:endParaRPr>
-          </a:p>
-        </p:txBody>
-      </p:sp>
-      <p:sp>
-        <p:nvSpPr>
-          <p:cNvPr id="9" name="磁盘 8"/>
-          <p:cNvSpPr/>
-          <p:nvPr/>
-        </p:nvSpPr>
-        <p:spPr>
-          <a:xfrm>
-            <a:off x="2455002" y="3885863"/>
-            <a:ext cx="1138352" cy="580765"/>
-          </a:xfrm>
-          <a:prstGeom prst="flowChartMagneticDisk">
-            <a:avLst/>
-          </a:prstGeom>
-        </p:spPr>
-        <p:style>
-          <a:lnRef idx="1">
-            <a:schemeClr val="accent3"/>
-          </a:lnRef>
-          <a:fillRef idx="2">
-            <a:schemeClr val="accent3"/>
-          </a:fillRef>
-          <a:effectRef idx="1">
-            <a:schemeClr val="accent3"/>
-          </a:effectRef>
-          <a:fontRef idx="minor">
-            <a:schemeClr val="dk1"/>
-          </a:fontRef>
-        </p:style>
-        <p:txBody>
-          <a:bodyPr rtlCol="0" anchor="ctr"/>
-          <a:lstStyle/>
-          <a:p>
-            <a:pPr algn="ctr"/>
-            <a:r>
-              <a:rPr kumimoji="1" lang="en-US" altLang="zh-CN" sz="1350" dirty="0" smtClean="0">
-                <a:latin typeface="微软雅黑" panose="020B0503020204020204" charset="-122"/>
-                <a:ea typeface="微软雅黑" panose="020B0503020204020204" charset="-122"/>
-                <a:cs typeface="微软雅黑" panose="020B0503020204020204" charset="-122"/>
-              </a:rPr>
-              <a:t>DB</a:t>
-            </a:r>
-            <a:endParaRPr kumimoji="1" lang="zh-CN" altLang="en-US" sz="1350" dirty="0">
-              <a:latin typeface="微软雅黑" panose="020B0503020204020204" charset="-122"/>
-              <a:ea typeface="微软雅黑" panose="020B0503020204020204" charset="-122"/>
-              <a:cs typeface="微软雅黑" panose="020B0503020204020204" charset="-122"/>
-            </a:endParaRPr>
-          </a:p>
-        </p:txBody>
-      </p:sp>
-      <p:sp>
-        <p:nvSpPr>
-          <p:cNvPr id="48" name="可选流程 47"/>
-          <p:cNvSpPr/>
-          <p:nvPr/>
-        </p:nvSpPr>
-        <p:spPr>
-          <a:xfrm>
-            <a:off x="6115769" y="2822000"/>
-            <a:ext cx="1136864" cy="386744"/>
-          </a:xfrm>
-          <a:prstGeom prst="flowChartAlternateProcess">
-            <a:avLst/>
-          </a:prstGeom>
-          <a:solidFill>
-            <a:srgbClr val="ABC36C"/>
-          </a:solidFill>
-          <a:ln>
-            <a:noFill/>
-          </a:ln>
-          <a:effectLst>
-            <a:outerShdw blurRad="57150" dist="19050" dir="5400000" algn="ctr" rotWithShape="0">
-              <a:srgbClr val="000000">
-                <a:alpha val="63000"/>
-              </a:srgbClr>
-            </a:outerShdw>
-          </a:effectLst>
-        </p:spPr>
-        <p:txBody>
-          <a:bodyPr anchor="ctr"/>
-          <a:lstStyle/>
-          <a:p>
-            <a:pPr algn="ctr" defTabSz="1219200" eaLnBrk="0" fontAlgn="base" hangingPunct="0">
-              <a:spcBef>
-                <a:spcPct val="0"/>
-              </a:spcBef>
-              <a:spcAft>
-                <a:spcPct val="0"/>
-              </a:spcAft>
-              <a:defRPr/>
-            </a:pPr>
-            <a:r>
-              <a:rPr kumimoji="1" lang="en-US" altLang="zh-CN" sz="1350" kern="0" dirty="0" smtClean="0">
-                <a:latin typeface="微软雅黑" panose="020B0503020204020204" charset="-122"/>
-                <a:ea typeface="微软雅黑" panose="020B0503020204020204" charset="-122"/>
-                <a:cs typeface="微软雅黑" panose="020B0503020204020204" charset="-122"/>
-              </a:rPr>
-              <a:t>client</a:t>
-            </a:r>
-            <a:endParaRPr kumimoji="1" lang="zh-CN" altLang="en-US" sz="1350" kern="0" dirty="0">
-              <a:latin typeface="微软雅黑" panose="020B0503020204020204" charset="-122"/>
-              <a:ea typeface="微软雅黑" panose="020B0503020204020204" charset="-122"/>
-              <a:cs typeface="微软雅黑" panose="020B0503020204020204" charset="-122"/>
-            </a:endParaRPr>
-          </a:p>
-        </p:txBody>
-      </p:sp>
-      <p:sp>
-        <p:nvSpPr>
-          <p:cNvPr id="49" name="可选流程 48"/>
-          <p:cNvSpPr/>
-          <p:nvPr/>
-        </p:nvSpPr>
-        <p:spPr>
-          <a:xfrm>
-            <a:off x="4563192" y="2795004"/>
-            <a:ext cx="1136864" cy="390353"/>
-          </a:xfrm>
-          <a:prstGeom prst="flowChartAlternateProcess">
-            <a:avLst/>
-          </a:prstGeom>
-          <a:solidFill>
-            <a:srgbClr val="D8D8D8"/>
-          </a:solidFill>
-          <a:ln>
-            <a:noFill/>
-          </a:ln>
-          <a:effectLst>
-            <a:outerShdw blurRad="57150" dist="19050" dir="5400000" algn="ctr" rotWithShape="0">
-              <a:srgbClr val="000000">
-                <a:alpha val="63000"/>
-              </a:srgbClr>
-            </a:outerShdw>
-          </a:effectLst>
-        </p:spPr>
-        <p:txBody>
-          <a:bodyPr anchor="ctr"/>
-          <a:lstStyle/>
-          <a:p>
-            <a:pPr algn="ctr" defTabSz="1219200" eaLnBrk="0" fontAlgn="base" hangingPunct="0">
-              <a:spcBef>
-                <a:spcPct val="0"/>
-              </a:spcBef>
-              <a:spcAft>
-                <a:spcPct val="0"/>
-              </a:spcAft>
-              <a:defRPr/>
-            </a:pPr>
-            <a:r>
-              <a:rPr kumimoji="1" lang="en-US" altLang="zh-CN" sz="1350" kern="0" dirty="0" smtClean="0">
-                <a:solidFill>
-                  <a:prstClr val="black"/>
-                </a:solidFill>
-                <a:latin typeface="微软雅黑" panose="020B0503020204020204" charset="-122"/>
-                <a:ea typeface="微软雅黑" panose="020B0503020204020204" charset="-122"/>
-                <a:cs typeface="微软雅黑" panose="020B0503020204020204" charset="-122"/>
-              </a:rPr>
-              <a:t>client</a:t>
-            </a:r>
-            <a:endParaRPr kumimoji="1" lang="zh-CN" altLang="en-US" sz="1350" kern="0" dirty="0">
-              <a:solidFill>
-                <a:prstClr val="black"/>
-              </a:solidFill>
-              <a:latin typeface="微软雅黑" panose="020B0503020204020204" charset="-122"/>
-              <a:ea typeface="微软雅黑" panose="020B0503020204020204" charset="-122"/>
-              <a:cs typeface="微软雅黑" panose="020B0503020204020204" charset="-122"/>
-            </a:endParaRPr>
-          </a:p>
-        </p:txBody>
-      </p:sp>
-      <p:sp>
-        <p:nvSpPr>
-          <p:cNvPr id="56" name="可选流程 55"/>
-          <p:cNvSpPr/>
-          <p:nvPr/>
-        </p:nvSpPr>
-        <p:spPr>
-          <a:xfrm>
-            <a:off x="2455002" y="2270898"/>
-            <a:ext cx="1138352" cy="390353"/>
-          </a:xfrm>
-          <a:prstGeom prst="flowChartAlternateProcess">
-            <a:avLst/>
-          </a:prstGeom>
-        </p:spPr>
-        <p:style>
-          <a:lnRef idx="2">
-            <a:schemeClr val="dk1"/>
-          </a:lnRef>
-          <a:fillRef idx="1">
-            <a:schemeClr val="lt1"/>
-          </a:fillRef>
-          <a:effectRef idx="0">
-            <a:schemeClr val="dk1"/>
-          </a:effectRef>
-          <a:fontRef idx="minor">
-            <a:schemeClr val="dk1"/>
-          </a:fontRef>
-        </p:style>
-        <p:txBody>
-          <a:bodyPr anchor="ctr"/>
-          <a:lstStyle/>
-          <a:p>
-            <a:pPr algn="ctr" defTabSz="1219200" eaLnBrk="0" fontAlgn="base" hangingPunct="0">
-              <a:spcBef>
-                <a:spcPct val="0"/>
-              </a:spcBef>
-              <a:spcAft>
-                <a:spcPct val="0"/>
-              </a:spcAft>
-              <a:defRPr/>
-            </a:pPr>
-            <a:r>
-              <a:rPr kumimoji="1" lang="en-US" altLang="zh-CN" sz="1350" kern="0" dirty="0" smtClean="0">
-                <a:solidFill>
-                  <a:prstClr val="black"/>
-                </a:solidFill>
-                <a:latin typeface="微软雅黑" panose="020B0503020204020204" charset="-122"/>
-                <a:ea typeface="微软雅黑" panose="020B0503020204020204" charset="-122"/>
-                <a:cs typeface="微软雅黑" panose="020B0503020204020204" charset="-122"/>
-              </a:rPr>
-              <a:t>browser</a:t>
-            </a:r>
-            <a:endParaRPr kumimoji="1" lang="zh-CN" altLang="en-US" sz="1350" kern="0" dirty="0">
-              <a:solidFill>
-                <a:prstClr val="black"/>
-              </a:solidFill>
-              <a:latin typeface="微软雅黑" panose="020B0503020204020204" charset="-122"/>
-              <a:ea typeface="微软雅黑" panose="020B0503020204020204" charset="-122"/>
-              <a:cs typeface="微软雅黑" panose="020B0503020204020204" charset="-122"/>
-            </a:endParaRPr>
-          </a:p>
-        </p:txBody>
-      </p:sp>
-      <p:sp>
-        <p:nvSpPr>
-          <p:cNvPr id="58" name="矩形 57"/>
-          <p:cNvSpPr/>
-          <p:nvPr/>
-        </p:nvSpPr>
-        <p:spPr>
-          <a:xfrm>
-            <a:off x="2279082" y="2948360"/>
-            <a:ext cx="1442466" cy="1877725"/>
-          </a:xfrm>
-          <a:prstGeom prst="rect">
-            <a:avLst/>
-          </a:prstGeom>
-          <a:noFill/>
-          <a:ln w="12700" cap="flat" cmpd="sng" algn="ctr">
-            <a:solidFill>
-              <a:srgbClr val="5B9BD5">
-                <a:shade val="50000"/>
-              </a:srgbClr>
-            </a:solidFill>
-            <a:prstDash val="dash"/>
-            <a:miter lim="800000"/>
-          </a:ln>
-          <a:effectLst/>
-        </p:spPr>
-        <p:txBody>
-          <a:bodyPr anchor="b"/>
-          <a:lstStyle/>
-          <a:p>
-            <a:pPr algn="ctr" defTabSz="1219200" eaLnBrk="0" fontAlgn="base" hangingPunct="0">
-              <a:spcBef>
-                <a:spcPct val="0"/>
-              </a:spcBef>
-              <a:spcAft>
-                <a:spcPct val="0"/>
-              </a:spcAft>
-              <a:defRPr/>
-            </a:pPr>
-            <a:endParaRPr kumimoji="1" lang="zh-CN" altLang="en-US" sz="1350" kern="0" dirty="0">
-              <a:latin typeface="微软雅黑" panose="020B0503020204020204" charset="-122"/>
-              <a:ea typeface="微软雅黑" panose="020B0503020204020204" charset="-122"/>
-              <a:cs typeface="微软雅黑" panose="020B0503020204020204" charset="-122"/>
-            </a:endParaRPr>
-          </a:p>
-        </p:txBody>
-      </p:sp>
       <p:cxnSp>
         <p:nvCxnSpPr>
-          <p:cNvPr id="59" name="直线箭头连接符 58"/>
+          <p:cNvPr id="104" name="直线箭头连接符 103"/>
           <p:cNvCxnSpPr/>
           <p:nvPr/>
         </p:nvCxnSpPr>
         <p:spPr>
           <a:xfrm flipH="1">
-            <a:off x="3841232" y="4496970"/>
-            <a:ext cx="514222" cy="3458"/>
+            <a:off x="4728851" y="3524249"/>
+            <a:ext cx="1139" cy="456210"/>
           </a:xfrm>
           <a:prstGeom prst="straightConnector1">
             <a:avLst/>
           </a:prstGeom>
           <a:ln w="38100">
             <a:headEnd type="triangle" w="med" len="lg"/>
-            <a:tailEnd type="none" w="med" len="lg"/>
+            <a:tailEnd type="triangle" w="med" len="lg"/>
           </a:ln>
         </p:spPr>
         <p:style>
@@ -7378,365 +5320,6 @@
       </p:cxnSp>
       <p:sp>
         <p:nvSpPr>
-          <p:cNvPr id="66" name="矩形 65"/>
-          <p:cNvSpPr/>
-          <p:nvPr/>
-        </p:nvSpPr>
-        <p:spPr>
-          <a:xfrm>
-            <a:off x="4385887" y="2097693"/>
-            <a:ext cx="1454333" cy="1250093"/>
-          </a:xfrm>
-          <a:prstGeom prst="rect">
-            <a:avLst/>
-          </a:prstGeom>
-          <a:noFill/>
-          <a:ln w="12700" cap="flat" cmpd="sng" algn="ctr">
-            <a:solidFill>
-              <a:srgbClr val="5B9BD5">
-                <a:shade val="50000"/>
-              </a:srgbClr>
-            </a:solidFill>
-            <a:prstDash val="dash"/>
-            <a:miter lim="800000"/>
-          </a:ln>
-          <a:effectLst/>
-        </p:spPr>
-        <p:txBody>
-          <a:bodyPr anchor="b"/>
-          <a:lstStyle/>
-          <a:p>
-            <a:pPr algn="ctr" defTabSz="1219200" eaLnBrk="0" fontAlgn="base" hangingPunct="0">
-              <a:spcBef>
-                <a:spcPct val="0"/>
-              </a:spcBef>
-              <a:spcAft>
-                <a:spcPct val="0"/>
-              </a:spcAft>
-              <a:defRPr/>
-            </a:pPr>
-            <a:endParaRPr kumimoji="1" lang="zh-CN" altLang="en-US" sz="1350" kern="0" dirty="0">
-              <a:latin typeface="微软雅黑" panose="020B0503020204020204" charset="-122"/>
-              <a:ea typeface="微软雅黑" panose="020B0503020204020204" charset="-122"/>
-              <a:cs typeface="微软雅黑" panose="020B0503020204020204" charset="-122"/>
-            </a:endParaRPr>
-          </a:p>
-        </p:txBody>
-      </p:sp>
-      <p:sp>
-        <p:nvSpPr>
-          <p:cNvPr id="82" name="可选流程 81"/>
-          <p:cNvSpPr/>
-          <p:nvPr/>
-        </p:nvSpPr>
-        <p:spPr>
-          <a:xfrm>
-            <a:off x="4564337" y="2246409"/>
-            <a:ext cx="1138352" cy="390353"/>
-          </a:xfrm>
-          <a:prstGeom prst="flowChartAlternateProcess">
-            <a:avLst/>
-          </a:prstGeom>
-        </p:spPr>
-        <p:style>
-          <a:lnRef idx="2">
-            <a:schemeClr val="accent6"/>
-          </a:lnRef>
-          <a:fillRef idx="1">
-            <a:schemeClr val="lt1"/>
-          </a:fillRef>
-          <a:effectRef idx="0">
-            <a:schemeClr val="accent6"/>
-          </a:effectRef>
-          <a:fontRef idx="minor">
-            <a:schemeClr val="dk1"/>
-          </a:fontRef>
-        </p:style>
-        <p:txBody>
-          <a:bodyPr anchor="ctr"/>
-          <a:lstStyle/>
-          <a:p>
-            <a:pPr algn="ctr" defTabSz="1219200" eaLnBrk="0" fontAlgn="base" hangingPunct="0">
-              <a:spcBef>
-                <a:spcPct val="0"/>
-              </a:spcBef>
-              <a:spcAft>
-                <a:spcPct val="0"/>
-              </a:spcAft>
-              <a:defRPr/>
-            </a:pPr>
-            <a:r>
-              <a:rPr kumimoji="1" lang="en-US" altLang="zh-CN" sz="1350" kern="0" dirty="0" smtClean="0">
-                <a:solidFill>
-                  <a:prstClr val="black"/>
-                </a:solidFill>
-                <a:latin typeface="微软雅黑" panose="020B0503020204020204" charset="-122"/>
-                <a:ea typeface="微软雅黑" panose="020B0503020204020204" charset="-122"/>
-                <a:cs typeface="微软雅黑" panose="020B0503020204020204" charset="-122"/>
-              </a:rPr>
-              <a:t>app</a:t>
-            </a:r>
-            <a:r>
-              <a:rPr kumimoji="1" lang="zh-CN" altLang="en-US" sz="1350" kern="0" dirty="0" smtClean="0">
-                <a:solidFill>
-                  <a:prstClr val="black"/>
-                </a:solidFill>
-                <a:latin typeface="微软雅黑" panose="020B0503020204020204" charset="-122"/>
-                <a:ea typeface="微软雅黑" panose="020B0503020204020204" charset="-122"/>
-                <a:cs typeface="微软雅黑" panose="020B0503020204020204" charset="-122"/>
-              </a:rPr>
-              <a:t> </a:t>
-            </a:r>
-            <a:endParaRPr kumimoji="1" lang="en-US" altLang="zh-CN" sz="1350" kern="0" dirty="0" smtClean="0">
-              <a:solidFill>
-                <a:prstClr val="black"/>
-              </a:solidFill>
-              <a:latin typeface="微软雅黑" panose="020B0503020204020204" charset="-122"/>
-              <a:ea typeface="微软雅黑" panose="020B0503020204020204" charset="-122"/>
-              <a:cs typeface="微软雅黑" panose="020B0503020204020204" charset="-122"/>
-            </a:endParaRPr>
-          </a:p>
-          <a:p>
-            <a:pPr algn="ctr" defTabSz="1219200" eaLnBrk="0" fontAlgn="base" hangingPunct="0">
-              <a:spcBef>
-                <a:spcPct val="0"/>
-              </a:spcBef>
-              <a:spcAft>
-                <a:spcPct val="0"/>
-              </a:spcAft>
-              <a:defRPr/>
-            </a:pPr>
-            <a:r>
-              <a:rPr kumimoji="1" lang="en-US" altLang="zh-CN" sz="1350" kern="0" dirty="0" smtClean="0">
-                <a:solidFill>
-                  <a:prstClr val="black"/>
-                </a:solidFill>
-                <a:latin typeface="微软雅黑" panose="020B0503020204020204" charset="-122"/>
-                <a:ea typeface="微软雅黑" panose="020B0503020204020204" charset="-122"/>
-                <a:cs typeface="微软雅黑" panose="020B0503020204020204" charset="-122"/>
-              </a:rPr>
-              <a:t>(xxl-rpc)</a:t>
-            </a:r>
-            <a:endParaRPr kumimoji="1" lang="zh-CN" altLang="en-US" sz="1350" kern="0" dirty="0">
-              <a:solidFill>
-                <a:prstClr val="black"/>
-              </a:solidFill>
-              <a:latin typeface="微软雅黑" panose="020B0503020204020204" charset="-122"/>
-              <a:ea typeface="微软雅黑" panose="020B0503020204020204" charset="-122"/>
-              <a:cs typeface="微软雅黑" panose="020B0503020204020204" charset="-122"/>
-            </a:endParaRPr>
-          </a:p>
-        </p:txBody>
-      </p:sp>
-      <p:sp>
-        <p:nvSpPr>
-          <p:cNvPr id="86" name="可选流程 85"/>
-          <p:cNvSpPr/>
-          <p:nvPr/>
-        </p:nvSpPr>
-        <p:spPr>
-          <a:xfrm>
-            <a:off x="6115769" y="2270898"/>
-            <a:ext cx="1140785" cy="390353"/>
-          </a:xfrm>
-          <a:prstGeom prst="flowChartAlternateProcess">
-            <a:avLst/>
-          </a:prstGeom>
-        </p:spPr>
-        <p:style>
-          <a:lnRef idx="2">
-            <a:schemeClr val="accent4"/>
-          </a:lnRef>
-          <a:fillRef idx="1">
-            <a:schemeClr val="lt1"/>
-          </a:fillRef>
-          <a:effectRef idx="0">
-            <a:schemeClr val="accent4"/>
-          </a:effectRef>
-          <a:fontRef idx="minor">
-            <a:schemeClr val="dk1"/>
-          </a:fontRef>
-        </p:style>
-        <p:txBody>
-          <a:bodyPr anchor="ctr"/>
-          <a:lstStyle/>
-          <a:p>
-            <a:pPr algn="ctr" defTabSz="1219200" eaLnBrk="0" fontAlgn="base" hangingPunct="0">
-              <a:spcBef>
-                <a:spcPct val="0"/>
-              </a:spcBef>
-              <a:spcAft>
-                <a:spcPct val="0"/>
-              </a:spcAft>
-              <a:defRPr/>
-            </a:pPr>
-            <a:r>
-              <a:rPr kumimoji="1" lang="en-US" altLang="zh-CN" sz="1350" kern="0" dirty="0">
-                <a:solidFill>
-                  <a:prstClr val="black"/>
-                </a:solidFill>
-                <a:latin typeface="微软雅黑" panose="020B0503020204020204" charset="-122"/>
-                <a:ea typeface="微软雅黑" panose="020B0503020204020204" charset="-122"/>
-                <a:cs typeface="微软雅黑" panose="020B0503020204020204" charset="-122"/>
-              </a:rPr>
-              <a:t>a</a:t>
-            </a:r>
-            <a:r>
-              <a:rPr kumimoji="1" lang="en-US" altLang="zh-CN" sz="1350" kern="0" dirty="0" smtClean="0">
-                <a:solidFill>
-                  <a:prstClr val="black"/>
-                </a:solidFill>
-                <a:latin typeface="微软雅黑" panose="020B0503020204020204" charset="-122"/>
-                <a:ea typeface="微软雅黑" panose="020B0503020204020204" charset="-122"/>
-                <a:cs typeface="微软雅黑" panose="020B0503020204020204" charset="-122"/>
-              </a:rPr>
-              <a:t>pp</a:t>
-            </a:r>
-            <a:endParaRPr kumimoji="1" lang="en-US" altLang="zh-CN" sz="1350" kern="0" dirty="0" smtClean="0">
-              <a:solidFill>
-                <a:prstClr val="black"/>
-              </a:solidFill>
-              <a:latin typeface="微软雅黑" panose="020B0503020204020204" charset="-122"/>
-              <a:ea typeface="微软雅黑" panose="020B0503020204020204" charset="-122"/>
-              <a:cs typeface="微软雅黑" panose="020B0503020204020204" charset="-122"/>
-            </a:endParaRPr>
-          </a:p>
-          <a:p>
-            <a:pPr algn="ctr" defTabSz="1219200" eaLnBrk="0" fontAlgn="base" hangingPunct="0">
-              <a:spcBef>
-                <a:spcPct val="0"/>
-              </a:spcBef>
-              <a:spcAft>
-                <a:spcPct val="0"/>
-              </a:spcAft>
-              <a:defRPr/>
-            </a:pPr>
-            <a:r>
-              <a:rPr kumimoji="1" lang="zh-CN" altLang="en-US" sz="1350" kern="0" dirty="0" smtClean="0">
-                <a:solidFill>
-                  <a:prstClr val="black"/>
-                </a:solidFill>
-                <a:latin typeface="微软雅黑" panose="020B0503020204020204" charset="-122"/>
-                <a:ea typeface="微软雅黑" panose="020B0503020204020204" charset="-122"/>
-                <a:cs typeface="微软雅黑" panose="020B0503020204020204" charset="-122"/>
-              </a:rPr>
-              <a:t> </a:t>
-            </a:r>
-            <a:r>
-              <a:rPr kumimoji="1" lang="en-US" altLang="zh-CN" sz="1350" kern="0" dirty="0" smtClean="0">
-                <a:solidFill>
-                  <a:prstClr val="black"/>
-                </a:solidFill>
-                <a:latin typeface="微软雅黑" panose="020B0503020204020204" charset="-122"/>
-                <a:ea typeface="微软雅黑" panose="020B0503020204020204" charset="-122"/>
-                <a:cs typeface="微软雅黑" panose="020B0503020204020204" charset="-122"/>
-              </a:rPr>
-              <a:t>(other)</a:t>
-            </a:r>
-            <a:endParaRPr kumimoji="1" lang="zh-CN" altLang="en-US" sz="1350" kern="0" dirty="0">
-              <a:solidFill>
-                <a:prstClr val="black"/>
-              </a:solidFill>
-              <a:latin typeface="微软雅黑" panose="020B0503020204020204" charset="-122"/>
-              <a:ea typeface="微软雅黑" panose="020B0503020204020204" charset="-122"/>
-              <a:cs typeface="微软雅黑" panose="020B0503020204020204" charset="-122"/>
-            </a:endParaRPr>
-          </a:p>
-        </p:txBody>
-      </p:sp>
-      <p:sp>
-        <p:nvSpPr>
-          <p:cNvPr id="89" name="可选流程 88"/>
-          <p:cNvSpPr/>
-          <p:nvPr/>
-        </p:nvSpPr>
-        <p:spPr>
-          <a:xfrm>
-            <a:off x="6115769" y="4238756"/>
-            <a:ext cx="1140785" cy="390353"/>
-          </a:xfrm>
-          <a:prstGeom prst="flowChartAlternateProcess">
-            <a:avLst/>
-          </a:prstGeom>
-          <a:solidFill>
-            <a:srgbClr val="FAA756"/>
-          </a:solidFill>
-          <a:ln>
-            <a:noFill/>
-          </a:ln>
-          <a:effectLst>
-            <a:outerShdw blurRad="57150" dist="19050" dir="5400000" algn="ctr" rotWithShape="0">
-              <a:srgbClr val="000000">
-                <a:alpha val="63000"/>
-              </a:srgbClr>
-            </a:outerShdw>
-          </a:effectLst>
-        </p:spPr>
-        <p:txBody>
-          <a:bodyPr anchor="ctr"/>
-          <a:lstStyle/>
-          <a:p>
-            <a:pPr algn="ctr" defTabSz="1219200" eaLnBrk="0" fontAlgn="base" hangingPunct="0">
-              <a:spcBef>
-                <a:spcPct val="0"/>
-              </a:spcBef>
-              <a:spcAft>
-                <a:spcPct val="0"/>
-              </a:spcAft>
-              <a:defRPr/>
-            </a:pPr>
-            <a:r>
-              <a:rPr kumimoji="1" lang="en-US" altLang="zh-CN" sz="1350" kern="0" dirty="0" smtClean="0">
-                <a:latin typeface="微软雅黑" panose="020B0503020204020204" charset="-122"/>
-                <a:ea typeface="微软雅黑" panose="020B0503020204020204" charset="-122"/>
-                <a:cs typeface="微软雅黑" panose="020B0503020204020204" charset="-122"/>
-              </a:rPr>
-              <a:t>file</a:t>
-            </a:r>
-            <a:endParaRPr kumimoji="1" lang="zh-CN" altLang="en-US" sz="1350" kern="0" dirty="0">
-              <a:latin typeface="微软雅黑" panose="020B0503020204020204" charset="-122"/>
-              <a:ea typeface="微软雅黑" panose="020B0503020204020204" charset="-122"/>
-              <a:cs typeface="微软雅黑" panose="020B0503020204020204" charset="-122"/>
-            </a:endParaRPr>
-          </a:p>
-        </p:txBody>
-      </p:sp>
-      <p:cxnSp>
-        <p:nvCxnSpPr>
-          <p:cNvPr id="104" name="直线箭头连接符 103"/>
-          <p:cNvCxnSpPr/>
-          <p:nvPr/>
-        </p:nvCxnSpPr>
-        <p:spPr>
-          <a:xfrm flipH="1">
-            <a:off x="4728851" y="3524249"/>
-            <a:ext cx="1139" cy="456210"/>
-          </a:xfrm>
-          <a:prstGeom prst="straightConnector1">
-            <a:avLst/>
-          </a:prstGeom>
-          <a:ln w="38100">
-            <a:headEnd type="triangle" w="med" len="lg"/>
-            <a:tailEnd type="triangle" w="med" len="lg"/>
-          </a:ln>
-        </p:spPr>
-        <p:style>
-          <a:lnRef idx="3">
-            <a:schemeClr val="accent1"/>
-          </a:lnRef>
-          <a:fillRef idx="0">
-            <a:schemeClr val="accent1"/>
-          </a:fillRef>
-          <a:effectRef idx="2">
-            <a:schemeClr val="accent1"/>
-          </a:effectRef>
-          <a:fontRef idx="minor">
-            <a:schemeClr val="tx1"/>
-          </a:fontRef>
-        </p:style>
-      </p:cxnSp>
-      <p:sp>
-        <p:nvSpPr>
           <p:cNvPr id="112" name="文本框 111"/>
           <p:cNvSpPr txBox="1"/>
           <p:nvPr/>
@@ -7744,7 +5327,7 @@
         <p:spPr>
           <a:xfrm>
             <a:off x="3775544" y="4145134"/>
-            <a:ext cx="588645" cy="299085"/>
+            <a:ext cx="634365" cy="299085"/>
           </a:xfrm>
           <a:prstGeom prst="rect">
             <a:avLst/>
@@ -7763,7 +5346,7 @@
                 <a:ea typeface="微软雅黑" panose="020B0503020204020204" charset="-122"/>
                 <a:cs typeface="微软雅黑" panose="020B0503020204020204" charset="-122"/>
               </a:rPr>
-              <a:t>write</a:t>
+              <a:t>notify</a:t>
             </a:r>
             <a:endParaRPr kumimoji="1" lang="zh-CN" altLang="en-US" sz="1350" dirty="0">
               <a:latin typeface="微软雅黑" panose="020B0503020204020204" charset="-122"/>
@@ -8013,6 +5596,51 @@
               <a:latin typeface="微软雅黑" panose="020B0503020204020204" charset="-122"/>
               <a:ea typeface="微软雅黑" panose="020B0503020204020204" charset="-122"/>
               <a:cs typeface="微软雅黑" panose="020B0503020204020204" charset="-122"/>
+            </a:endParaRPr>
+          </a:p>
+        </p:txBody>
+      </p:sp>
+      <p:sp>
+        <p:nvSpPr>
+          <p:cNvPr id="20" name="矩形 19"/>
+          <p:cNvSpPr/>
+          <p:nvPr/>
+        </p:nvSpPr>
+        <p:spPr>
+          <a:xfrm>
+            <a:off x="3243471" y="5166578"/>
+            <a:ext cx="2849880" cy="460375"/>
+          </a:xfrm>
+          <a:prstGeom prst="rect">
+            <a:avLst/>
+          </a:prstGeom>
+        </p:spPr>
+        <p:txBody>
+          <a:bodyPr wrap="none">
+            <a:spAutoFit/>
+          </a:bodyPr>
+          <a:p>
+            <a:pPr lvl="0" algn="ctr"/>
+            <a:r>
+              <a:rPr lang="en-US" altLang="zh-CN" sz="2400" b="1" dirty="0">
+                <a:solidFill>
+                  <a:prstClr val="black"/>
+                </a:solidFill>
+              </a:rPr>
+              <a:t>XXL-RPC </a:t>
+            </a:r>
+            <a:r>
+              <a:rPr lang="zh-CN" altLang="en-US" sz="2400" b="1" dirty="0">
+                <a:solidFill>
+                  <a:prstClr val="black"/>
+                </a:solidFill>
+              </a:rPr>
+              <a:t>注册中心</a:t>
+            </a:r>
+            <a:endParaRPr lang="zh-CN" altLang="en-US" sz="2400" b="1" dirty="0">
+              <a:solidFill>
+                <a:prstClr val="black"/>
+              </a:solidFill>
             </a:endParaRPr>
           </a:p>
         </p:txBody>
